--- a/tex/figures/AngularMomentumRolling/Figures.pptx
+++ b/tex/figures/AngularMomentumRolling/Figures.pptx
@@ -7,6 +7,7 @@
   <p:sldIdLst>
     <p:sldId id="271" r:id="rId2"/>
     <p:sldId id="272" r:id="rId3"/>
+    <p:sldId id="273" r:id="rId4"/>
   </p:sldIdLst>
   <p:sldSz cx="12192000" cy="6858000"/>
   <p:notesSz cx="6858000" cy="9144000"/>
@@ -244,7 +245,7 @@
           <a:p>
             <a:fld id="{F7249F8D-641B-4CAF-BAE5-10524742F6F1}" type="datetimeFigureOut">
               <a:rPr lang="en-CA" smtClean="0"/>
-              <a:t>2018-07-09</a:t>
+              <a:t>2018-07-10</a:t>
             </a:fld>
             <a:endParaRPr lang="en-CA"/>
           </a:p>
@@ -414,7 +415,7 @@
           <a:p>
             <a:fld id="{F7249F8D-641B-4CAF-BAE5-10524742F6F1}" type="datetimeFigureOut">
               <a:rPr lang="en-CA" smtClean="0"/>
-              <a:t>2018-07-09</a:t>
+              <a:t>2018-07-10</a:t>
             </a:fld>
             <a:endParaRPr lang="en-CA"/>
           </a:p>
@@ -594,7 +595,7 @@
           <a:p>
             <a:fld id="{F7249F8D-641B-4CAF-BAE5-10524742F6F1}" type="datetimeFigureOut">
               <a:rPr lang="en-CA" smtClean="0"/>
-              <a:t>2018-07-09</a:t>
+              <a:t>2018-07-10</a:t>
             </a:fld>
             <a:endParaRPr lang="en-CA"/>
           </a:p>
@@ -764,7 +765,7 @@
           <a:p>
             <a:fld id="{F7249F8D-641B-4CAF-BAE5-10524742F6F1}" type="datetimeFigureOut">
               <a:rPr lang="en-CA" smtClean="0"/>
-              <a:t>2018-07-09</a:t>
+              <a:t>2018-07-10</a:t>
             </a:fld>
             <a:endParaRPr lang="en-CA"/>
           </a:p>
@@ -1010,7 +1011,7 @@
           <a:p>
             <a:fld id="{F7249F8D-641B-4CAF-BAE5-10524742F6F1}" type="datetimeFigureOut">
               <a:rPr lang="en-CA" smtClean="0"/>
-              <a:t>2018-07-09</a:t>
+              <a:t>2018-07-10</a:t>
             </a:fld>
             <a:endParaRPr lang="en-CA"/>
           </a:p>
@@ -1242,7 +1243,7 @@
           <a:p>
             <a:fld id="{F7249F8D-641B-4CAF-BAE5-10524742F6F1}" type="datetimeFigureOut">
               <a:rPr lang="en-CA" smtClean="0"/>
-              <a:t>2018-07-09</a:t>
+              <a:t>2018-07-10</a:t>
             </a:fld>
             <a:endParaRPr lang="en-CA"/>
           </a:p>
@@ -1609,7 +1610,7 @@
           <a:p>
             <a:fld id="{F7249F8D-641B-4CAF-BAE5-10524742F6F1}" type="datetimeFigureOut">
               <a:rPr lang="en-CA" smtClean="0"/>
-              <a:t>2018-07-09</a:t>
+              <a:t>2018-07-10</a:t>
             </a:fld>
             <a:endParaRPr lang="en-CA"/>
           </a:p>
@@ -1727,7 +1728,7 @@
           <a:p>
             <a:fld id="{F7249F8D-641B-4CAF-BAE5-10524742F6F1}" type="datetimeFigureOut">
               <a:rPr lang="en-CA" smtClean="0"/>
-              <a:t>2018-07-09</a:t>
+              <a:t>2018-07-10</a:t>
             </a:fld>
             <a:endParaRPr lang="en-CA"/>
           </a:p>
@@ -1822,7 +1823,7 @@
           <a:p>
             <a:fld id="{F7249F8D-641B-4CAF-BAE5-10524742F6F1}" type="datetimeFigureOut">
               <a:rPr lang="en-CA" smtClean="0"/>
-              <a:t>2018-07-09</a:t>
+              <a:t>2018-07-10</a:t>
             </a:fld>
             <a:endParaRPr lang="en-CA"/>
           </a:p>
@@ -2099,7 +2100,7 @@
           <a:p>
             <a:fld id="{F7249F8D-641B-4CAF-BAE5-10524742F6F1}" type="datetimeFigureOut">
               <a:rPr lang="en-CA" smtClean="0"/>
-              <a:t>2018-07-09</a:t>
+              <a:t>2018-07-10</a:t>
             </a:fld>
             <a:endParaRPr lang="en-CA"/>
           </a:p>
@@ -2352,7 +2353,7 @@
           <a:p>
             <a:fld id="{F7249F8D-641B-4CAF-BAE5-10524742F6F1}" type="datetimeFigureOut">
               <a:rPr lang="en-CA" smtClean="0"/>
-              <a:t>2018-07-09</a:t>
+              <a:t>2018-07-10</a:t>
             </a:fld>
             <a:endParaRPr lang="en-CA"/>
           </a:p>
@@ -2565,7 +2566,7 @@
           <a:p>
             <a:fld id="{F7249F8D-641B-4CAF-BAE5-10524742F6F1}" type="datetimeFigureOut">
               <a:rPr lang="en-CA" smtClean="0"/>
-              <a:t>2018-07-09</a:t>
+              <a:t>2018-07-10</a:t>
             </a:fld>
             <a:endParaRPr lang="en-CA"/>
           </a:p>
@@ -5527,8 +5528,8 @@
                   </p:sp>
                 </mc:Fallback>
               </mc:AlternateContent>
-              <mc:AlternateContent xmlns:mc="http://schemas.openxmlformats.org/markup-compatibility/2006">
-                <mc:Choice xmlns:a14="http://schemas.microsoft.com/office/drawing/2010/main" Requires="a14">
+              <mc:AlternateContent xmlns:mc="http://schemas.openxmlformats.org/markup-compatibility/2006" xmlns:a14="http://schemas.microsoft.com/office/drawing/2010/main">
+                <mc:Choice Requires="a14">
                   <p:sp>
                     <p:nvSpPr>
                       <p:cNvPr id="11" name="Rectangle 10"/>
@@ -5572,7 +5573,7 @@
                     </p:txBody>
                   </p:sp>
                 </mc:Choice>
-                <mc:Fallback>
+                <mc:Fallback xmlns="">
                   <p:sp>
                     <p:nvSpPr>
                       <p:cNvPr id="11" name="Rectangle 10"/>
@@ -5638,93 +5639,6 @@
               </p:txBody>
             </p:sp>
           </p:grpSp>
-          <mc:AlternateContent xmlns:mc="http://schemas.openxmlformats.org/markup-compatibility/2006">
-            <mc:Choice xmlns:a14="http://schemas.microsoft.com/office/drawing/2010/main" Requires="a14">
-              <p:sp>
-                <p:nvSpPr>
-                  <p:cNvPr id="15" name="TextBox 14"/>
-                  <p:cNvSpPr txBox="1"/>
-                  <p:nvPr/>
-                </p:nvSpPr>
-                <p:spPr>
-                  <a:xfrm>
-                    <a:off x="3124028" y="3302604"/>
-                    <a:ext cx="447110" cy="307777"/>
-                  </a:xfrm>
-                  <a:prstGeom prst="rect">
-                    <a:avLst/>
-                  </a:prstGeom>
-                  <a:noFill/>
-                </p:spPr>
-                <p:txBody>
-                  <a:bodyPr wrap="none" lIns="0" tIns="0" rIns="0" bIns="0" rtlCol="0">
-                    <a:spAutoFit/>
-                  </a:bodyPr>
-                  <a:lstStyle/>
-                  <a:p>
-                    <a14:m>
-                      <m:oMathPara xmlns:m="http://schemas.openxmlformats.org/officeDocument/2006/math">
-                        <m:oMathParaPr>
-                          <m:jc m:val="centerGroup"/>
-                        </m:oMathParaPr>
-                        <m:oMath xmlns:m="http://schemas.openxmlformats.org/officeDocument/2006/math">
-                          <m:r>
-                            <a:rPr lang="en-US" sz="2000" b="0" i="1" smtClean="0">
-                              <a:latin typeface="Cambria Math" panose="02040503050406030204" pitchFamily="18" charset="0"/>
-                              <a:cs typeface="Arial" panose="020B0604020202020204" pitchFamily="34" charset="0"/>
-                            </a:rPr>
-                            <m:t>𝐶𝑀</m:t>
-                          </m:r>
-                        </m:oMath>
-                      </m:oMathPara>
-                    </a14:m>
-                    <a:endParaRPr lang="en-US" sz="2000" dirty="0" smtClean="0">
-                      <a:latin typeface="Arial" panose="020B0604020202020204" pitchFamily="34" charset="0"/>
-                      <a:cs typeface="Arial" panose="020B0604020202020204" pitchFamily="34" charset="0"/>
-                    </a:endParaRPr>
-                  </a:p>
-                </p:txBody>
-              </p:sp>
-            </mc:Choice>
-            <mc:Fallback>
-              <p:sp>
-                <p:nvSpPr>
-                  <p:cNvPr id="15" name="TextBox 14"/>
-                  <p:cNvSpPr txBox="1">
-                    <a:spLocks noRot="1" noChangeAspect="1" noMove="1" noResize="1" noEditPoints="1" noAdjustHandles="1" noChangeArrowheads="1" noChangeShapeType="1" noTextEdit="1"/>
-                  </p:cNvSpPr>
-                  <p:nvPr/>
-                </p:nvSpPr>
-                <p:spPr>
-                  <a:xfrm>
-                    <a:off x="3124028" y="3302604"/>
-                    <a:ext cx="447110" cy="307777"/>
-                  </a:xfrm>
-                  <a:prstGeom prst="rect">
-                    <a:avLst/>
-                  </a:prstGeom>
-                  <a:blipFill>
-                    <a:blip r:embed="rId5"/>
-                    <a:stretch>
-                      <a:fillRect l="-12329" r="-10959" b="-9804"/>
-                    </a:stretch>
-                  </a:blipFill>
-                </p:spPr>
-                <p:txBody>
-                  <a:bodyPr/>
-                  <a:lstStyle/>
-                  <a:p>
-                    <a:r>
-                      <a:rPr lang="en-US">
-                        <a:noFill/>
-                      </a:rPr>
-                      <a:t> </a:t>
-                    </a:r>
-                  </a:p>
-                </p:txBody>
-              </p:sp>
-            </mc:Fallback>
-          </mc:AlternateContent>
           <p:sp>
             <p:nvSpPr>
               <p:cNvPr id="16" name="Oval 15"/>
@@ -5773,8 +5687,8 @@
               </a:p>
             </p:txBody>
           </p:sp>
-          <mc:AlternateContent xmlns:mc="http://schemas.openxmlformats.org/markup-compatibility/2006">
-            <mc:Choice xmlns:a14="http://schemas.microsoft.com/office/drawing/2010/main" Requires="a14">
+          <mc:AlternateContent xmlns:mc="http://schemas.openxmlformats.org/markup-compatibility/2006" xmlns:a14="http://schemas.microsoft.com/office/drawing/2010/main">
+            <mc:Choice Requires="a14">
               <p:sp>
                 <p:nvSpPr>
                   <p:cNvPr id="17" name="TextBox 16"/>
@@ -5797,6 +5711,7 @@
                   </a:bodyPr>
                   <a:lstStyle/>
                   <a:p>
+                    <a:pPr/>
                     <a14:m>
                       <m:oMathPara xmlns:m="http://schemas.openxmlformats.org/officeDocument/2006/math">
                         <m:oMathParaPr>
@@ -5842,7 +5757,7 @@
                 </p:txBody>
               </p:sp>
             </mc:Choice>
-            <mc:Fallback>
+            <mc:Fallback xmlns="">
               <p:sp>
                 <p:nvSpPr>
                   <p:cNvPr id="17" name="TextBox 16"/>
@@ -5919,8 +5834,8 @@
               </a:fontRef>
             </p:style>
           </p:cxnSp>
-          <mc:AlternateContent xmlns:mc="http://schemas.openxmlformats.org/markup-compatibility/2006">
-            <mc:Choice xmlns:a14="http://schemas.microsoft.com/office/drawing/2010/main" Requires="a14">
+          <mc:AlternateContent xmlns:mc="http://schemas.openxmlformats.org/markup-compatibility/2006" xmlns:a14="http://schemas.microsoft.com/office/drawing/2010/main">
+            <mc:Choice Requires="a14">
               <p:sp>
                 <p:nvSpPr>
                   <p:cNvPr id="21" name="TextBox 20"/>
@@ -5943,6 +5858,7 @@
                   </a:bodyPr>
                   <a:lstStyle/>
                   <a:p>
+                    <a:pPr/>
                     <a14:m>
                       <m:oMathPara xmlns:m="http://schemas.openxmlformats.org/officeDocument/2006/math">
                         <m:oMathParaPr>
@@ -6001,7 +5917,7 @@
                 </p:txBody>
               </p:sp>
             </mc:Choice>
-            <mc:Fallback>
+            <mc:Fallback xmlns="">
               <p:sp>
                 <p:nvSpPr>
                   <p:cNvPr id="21" name="TextBox 20"/>
@@ -6076,8 +5992,8 @@
               </a:fontRef>
             </p:style>
           </p:cxnSp>
-          <mc:AlternateContent xmlns:mc="http://schemas.openxmlformats.org/markup-compatibility/2006">
-            <mc:Choice xmlns:a14="http://schemas.microsoft.com/office/drawing/2010/main" Requires="a14">
+          <mc:AlternateContent xmlns:mc="http://schemas.openxmlformats.org/markup-compatibility/2006" xmlns:a14="http://schemas.microsoft.com/office/drawing/2010/main">
+            <mc:Choice Requires="a14">
               <p:sp>
                 <p:nvSpPr>
                   <p:cNvPr id="25" name="TextBox 24"/>
@@ -6100,6 +6016,7 @@
                   </a:bodyPr>
                   <a:lstStyle/>
                   <a:p>
+                    <a:pPr/>
                     <a14:m>
                       <m:oMathPara xmlns:m="http://schemas.openxmlformats.org/officeDocument/2006/math">
                         <m:oMathParaPr>
@@ -6158,7 +6075,7 @@
                 </p:txBody>
               </p:sp>
             </mc:Choice>
-            <mc:Fallback>
+            <mc:Fallback xmlns="">
               <p:sp>
                 <p:nvSpPr>
                   <p:cNvPr id="25" name="TextBox 24"/>
@@ -6370,8 +6287,8 @@
             </p:txBody>
           </p:sp>
         </p:grpSp>
-        <mc:AlternateContent xmlns:mc="http://schemas.openxmlformats.org/markup-compatibility/2006">
-          <mc:Choice xmlns:a14="http://schemas.microsoft.com/office/drawing/2010/main" Requires="a14">
+        <mc:AlternateContent xmlns:mc="http://schemas.openxmlformats.org/markup-compatibility/2006" xmlns:a14="http://schemas.microsoft.com/office/drawing/2010/main">
+          <mc:Choice Requires="a14">
             <p:sp>
               <p:nvSpPr>
                 <p:cNvPr id="33" name="TextBox 32"/>
@@ -6394,6 +6311,7 @@
                 </a:bodyPr>
                 <a:lstStyle/>
                 <a:p>
+                  <a:pPr/>
                   <a14:m>
                     <m:oMathPara xmlns:m="http://schemas.openxmlformats.org/officeDocument/2006/math">
                       <m:oMathParaPr>
@@ -6431,7 +6349,7 @@
               </p:txBody>
             </p:sp>
           </mc:Choice>
-          <mc:Fallback>
+          <mc:Fallback xmlns="">
             <p:sp>
               <p:nvSpPr>
                 <p:cNvPr id="33" name="TextBox 32"/>
@@ -6479,7 +6397,7 @@
         </p:nvGrpSpPr>
         <p:grpSpPr>
           <a:xfrm>
-            <a:off x="5120640" y="639052"/>
+            <a:off x="4601498" y="422587"/>
             <a:ext cx="3359212" cy="3200566"/>
             <a:chOff x="5140960" y="716203"/>
             <a:chExt cx="3359212" cy="3200566"/>
@@ -6752,8 +6670,8 @@
                 </p:sp>
               </mc:Fallback>
             </mc:AlternateContent>
-            <mc:AlternateContent xmlns:mc="http://schemas.openxmlformats.org/markup-compatibility/2006">
-              <mc:Choice xmlns:a14="http://schemas.microsoft.com/office/drawing/2010/main" Requires="a14">
+            <mc:AlternateContent xmlns:mc="http://schemas.openxmlformats.org/markup-compatibility/2006" xmlns:a14="http://schemas.microsoft.com/office/drawing/2010/main">
+              <mc:Choice Requires="a14">
                 <p:sp>
                   <p:nvSpPr>
                     <p:cNvPr id="58" name="Rectangle 57"/>
@@ -6797,7 +6715,7 @@
                   </p:txBody>
                 </p:sp>
               </mc:Choice>
-              <mc:Fallback>
+              <mc:Fallback xmlns="">
                 <p:sp>
                   <p:nvSpPr>
                     <p:cNvPr id="58" name="Rectangle 57"/>
@@ -6863,8 +6781,8 @@
             </p:txBody>
           </p:sp>
         </p:grpSp>
-        <mc:AlternateContent xmlns:mc="http://schemas.openxmlformats.org/markup-compatibility/2006">
-          <mc:Choice xmlns:a14="http://schemas.microsoft.com/office/drawing/2010/main" Requires="a14">
+        <mc:AlternateContent xmlns:mc="http://schemas.openxmlformats.org/markup-compatibility/2006" xmlns:a14="http://schemas.microsoft.com/office/drawing/2010/main">
+          <mc:Choice Requires="a14">
             <p:sp>
               <p:nvSpPr>
                 <p:cNvPr id="45" name="TextBox 44"/>
@@ -6887,6 +6805,7 @@
                 </a:bodyPr>
                 <a:lstStyle/>
                 <a:p>
+                  <a:pPr/>
                   <a14:m>
                     <m:oMathPara xmlns:m="http://schemas.openxmlformats.org/officeDocument/2006/math">
                       <m:oMathParaPr>
@@ -6911,7 +6830,7 @@
               </p:txBody>
             </p:sp>
           </mc:Choice>
-          <mc:Fallback>
+          <mc:Fallback xmlns="">
             <p:sp>
               <p:nvSpPr>
                 <p:cNvPr id="45" name="TextBox 44"/>
@@ -6986,8 +6905,8 @@
             </a:fontRef>
           </p:style>
         </p:cxnSp>
-        <mc:AlternateContent xmlns:mc="http://schemas.openxmlformats.org/markup-compatibility/2006">
-          <mc:Choice xmlns:a14="http://schemas.microsoft.com/office/drawing/2010/main" Requires="a14">
+        <mc:AlternateContent xmlns:mc="http://schemas.openxmlformats.org/markup-compatibility/2006" xmlns:a14="http://schemas.microsoft.com/office/drawing/2010/main">
+          <mc:Choice Requires="a14">
             <p:sp>
               <p:nvSpPr>
                 <p:cNvPr id="49" name="TextBox 48"/>
@@ -7010,6 +6929,7 @@
                 </a:bodyPr>
                 <a:lstStyle/>
                 <a:p>
+                  <a:pPr/>
                   <a14:m>
                     <m:oMathPara xmlns:m="http://schemas.openxmlformats.org/officeDocument/2006/math">
                       <m:oMathParaPr>
@@ -7068,7 +6988,7 @@
               </p:txBody>
             </p:sp>
           </mc:Choice>
-          <mc:Fallback>
+          <mc:Fallback xmlns="">
             <p:sp>
               <p:nvSpPr>
                 <p:cNvPr id="49" name="TextBox 48"/>
@@ -7143,8 +7063,8 @@
             </a:fontRef>
           </p:style>
         </p:cxnSp>
-        <mc:AlternateContent xmlns:mc="http://schemas.openxmlformats.org/markup-compatibility/2006">
-          <mc:Choice xmlns:a14="http://schemas.microsoft.com/office/drawing/2010/main" Requires="a14">
+        <mc:AlternateContent xmlns:mc="http://schemas.openxmlformats.org/markup-compatibility/2006" xmlns:a14="http://schemas.microsoft.com/office/drawing/2010/main">
+          <mc:Choice Requires="a14">
             <p:sp>
               <p:nvSpPr>
                 <p:cNvPr id="65" name="TextBox 64"/>
@@ -7167,6 +7087,7 @@
                 </a:bodyPr>
                 <a:lstStyle/>
                 <a:p>
+                  <a:pPr/>
                   <a14:m>
                     <m:oMathPara xmlns:m="http://schemas.openxmlformats.org/officeDocument/2006/math">
                       <m:oMathParaPr>
@@ -7204,7 +7125,7 @@
               </p:txBody>
             </p:sp>
           </mc:Choice>
-          <mc:Fallback>
+          <mc:Fallback xmlns="">
             <p:sp>
               <p:nvSpPr>
                 <p:cNvPr id="65" name="TextBox 64"/>
@@ -7325,8 +7246,8 @@
             </a:fontRef>
           </p:style>
         </p:cxnSp>
-        <mc:AlternateContent xmlns:mc="http://schemas.openxmlformats.org/markup-compatibility/2006">
-          <mc:Choice xmlns:a14="http://schemas.microsoft.com/office/drawing/2010/main" Requires="a14">
+        <mc:AlternateContent xmlns:mc="http://schemas.openxmlformats.org/markup-compatibility/2006" xmlns:a14="http://schemas.microsoft.com/office/drawing/2010/main">
+          <mc:Choice Requires="a14">
             <p:sp>
               <p:nvSpPr>
                 <p:cNvPr id="72" name="TextBox 71"/>
@@ -7349,6 +7270,7 @@
                 </a:bodyPr>
                 <a:lstStyle/>
                 <a:p>
+                  <a:pPr/>
                   <a14:m>
                     <m:oMathPara xmlns:m="http://schemas.openxmlformats.org/officeDocument/2006/math">
                       <m:oMathParaPr>
@@ -7405,7 +7327,7 @@
               </p:txBody>
             </p:sp>
           </mc:Choice>
-          <mc:Fallback>
+          <mc:Fallback xmlns="">
             <p:sp>
               <p:nvSpPr>
                 <p:cNvPr id="72" name="TextBox 71"/>
@@ -7445,10 +7367,5375 @@
           </mc:Fallback>
         </mc:AlternateContent>
       </p:grpSp>
+      <p:grpSp>
+        <p:nvGrpSpPr>
+          <p:cNvPr id="40" name="Group 39"/>
+          <p:cNvGrpSpPr/>
+          <p:nvPr/>
+        </p:nvGrpSpPr>
+        <p:grpSpPr>
+          <a:xfrm>
+            <a:off x="1155624" y="3979003"/>
+            <a:ext cx="2738712" cy="2607131"/>
+            <a:chOff x="1155624" y="3979003"/>
+            <a:chExt cx="2738712" cy="2607131"/>
+          </a:xfrm>
+        </p:grpSpPr>
+        <p:grpSp>
+          <p:nvGrpSpPr>
+            <p:cNvPr id="13" name="Group 12"/>
+            <p:cNvGrpSpPr/>
+            <p:nvPr/>
+          </p:nvGrpSpPr>
+          <p:grpSpPr>
+            <a:xfrm>
+              <a:off x="1155624" y="4275977"/>
+              <a:ext cx="2310157" cy="2310157"/>
+              <a:chOff x="1155624" y="4275977"/>
+              <a:chExt cx="2310157" cy="2310157"/>
+            </a:xfrm>
+          </p:grpSpPr>
+          <p:sp>
+            <p:nvSpPr>
+              <p:cNvPr id="77" name="Oval 76"/>
+              <p:cNvSpPr/>
+              <p:nvPr/>
+            </p:nvSpPr>
+            <p:spPr>
+              <a:xfrm>
+                <a:off x="1155624" y="4275977"/>
+                <a:ext cx="2310157" cy="2310157"/>
+              </a:xfrm>
+              <a:prstGeom prst="ellipse">
+                <a:avLst/>
+              </a:prstGeom>
+              <a:noFill/>
+              <a:ln w="38100">
+                <a:solidFill>
+                  <a:schemeClr val="tx1"/>
+                </a:solidFill>
+                <a:prstDash val="dash"/>
+              </a:ln>
+            </p:spPr>
+            <p:style>
+              <a:lnRef idx="2">
+                <a:schemeClr val="accent1">
+                  <a:shade val="50000"/>
+                </a:schemeClr>
+              </a:lnRef>
+              <a:fillRef idx="1">
+                <a:schemeClr val="accent1"/>
+              </a:fillRef>
+              <a:effectRef idx="0">
+                <a:schemeClr val="accent1"/>
+              </a:effectRef>
+              <a:fontRef idx="minor">
+                <a:schemeClr val="lt1"/>
+              </a:fontRef>
+            </p:style>
+            <p:txBody>
+              <a:bodyPr rtlCol="0" anchor="ctr"/>
+              <a:lstStyle/>
+              <a:p>
+                <a:pPr algn="ctr"/>
+                <a:endParaRPr lang="en-US"/>
+              </a:p>
+            </p:txBody>
+          </p:sp>
+          <p:sp>
+            <p:nvSpPr>
+              <p:cNvPr id="78" name="Oval 77"/>
+              <p:cNvSpPr/>
+              <p:nvPr/>
+            </p:nvSpPr>
+            <p:spPr>
+              <a:xfrm>
+                <a:off x="2250230" y="5371172"/>
+                <a:ext cx="120943" cy="119766"/>
+              </a:xfrm>
+              <a:prstGeom prst="ellipse">
+                <a:avLst/>
+              </a:prstGeom>
+              <a:solidFill>
+                <a:schemeClr val="tx1"/>
+              </a:solidFill>
+              <a:ln w="38100">
+                <a:solidFill>
+                  <a:schemeClr val="tx1"/>
+                </a:solidFill>
+              </a:ln>
+            </p:spPr>
+            <p:style>
+              <a:lnRef idx="2">
+                <a:schemeClr val="accent1">
+                  <a:shade val="50000"/>
+                </a:schemeClr>
+              </a:lnRef>
+              <a:fillRef idx="1">
+                <a:schemeClr val="accent1"/>
+              </a:fillRef>
+              <a:effectRef idx="0">
+                <a:schemeClr val="accent1"/>
+              </a:effectRef>
+              <a:fontRef idx="minor">
+                <a:schemeClr val="lt1"/>
+              </a:fontRef>
+            </p:style>
+            <p:txBody>
+              <a:bodyPr rtlCol="0" anchor="ctr"/>
+              <a:lstStyle/>
+              <a:p>
+                <a:pPr algn="ctr"/>
+                <a:endParaRPr lang="en-US"/>
+              </a:p>
+            </p:txBody>
+          </p:sp>
+          <p:cxnSp>
+            <p:nvCxnSpPr>
+              <p:cNvPr id="3" name="Straight Connector 2"/>
+              <p:cNvCxnSpPr>
+                <a:stCxn id="78" idx="7"/>
+                <a:endCxn id="77" idx="7"/>
+              </p:cNvCxnSpPr>
+              <p:nvPr/>
+            </p:nvCxnSpPr>
+            <p:spPr>
+              <a:xfrm flipV="1">
+                <a:off x="2353461" y="4614292"/>
+                <a:ext cx="774005" cy="774419"/>
+              </a:xfrm>
+              <a:prstGeom prst="line">
+                <a:avLst/>
+              </a:prstGeom>
+              <a:ln w="38100">
+                <a:solidFill>
+                  <a:schemeClr val="tx1"/>
+                </a:solidFill>
+              </a:ln>
+            </p:spPr>
+            <p:style>
+              <a:lnRef idx="1">
+                <a:schemeClr val="accent1"/>
+              </a:lnRef>
+              <a:fillRef idx="0">
+                <a:schemeClr val="accent1"/>
+              </a:fillRef>
+              <a:effectRef idx="0">
+                <a:schemeClr val="accent1"/>
+              </a:effectRef>
+              <a:fontRef idx="minor">
+                <a:schemeClr val="tx1"/>
+              </a:fontRef>
+            </p:style>
+          </p:cxnSp>
+          <mc:AlternateContent xmlns:mc="http://schemas.openxmlformats.org/markup-compatibility/2006">
+            <mc:Choice xmlns:a14="http://schemas.microsoft.com/office/drawing/2010/main" Requires="a14">
+              <p:sp>
+                <p:nvSpPr>
+                  <p:cNvPr id="12" name="TextBox 11"/>
+                  <p:cNvSpPr txBox="1"/>
+                  <p:nvPr/>
+                </p:nvSpPr>
+                <p:spPr>
+                  <a:xfrm>
+                    <a:off x="2414177" y="4819026"/>
+                    <a:ext cx="241540" cy="307777"/>
+                  </a:xfrm>
+                  <a:prstGeom prst="rect">
+                    <a:avLst/>
+                  </a:prstGeom>
+                  <a:noFill/>
+                </p:spPr>
+                <p:txBody>
+                  <a:bodyPr wrap="none" lIns="0" tIns="0" rIns="0" bIns="0" rtlCol="0">
+                    <a:spAutoFit/>
+                  </a:bodyPr>
+                  <a:lstStyle/>
+                  <a:p>
+                    <a14:m>
+                      <m:oMathPara xmlns:m="http://schemas.openxmlformats.org/officeDocument/2006/math">
+                        <m:oMathParaPr>
+                          <m:jc m:val="centerGroup"/>
+                        </m:oMathParaPr>
+                        <m:oMath xmlns:m="http://schemas.openxmlformats.org/officeDocument/2006/math">
+                          <m:r>
+                            <a:rPr lang="en-US" sz="2000" b="0" i="1" smtClean="0">
+                              <a:latin typeface="Cambria Math" panose="02040503050406030204" pitchFamily="18" charset="0"/>
+                              <a:cs typeface="Arial" panose="020B0604020202020204" pitchFamily="34" charset="0"/>
+                            </a:rPr>
+                            <m:t>𝑅</m:t>
+                          </m:r>
+                        </m:oMath>
+                      </m:oMathPara>
+                    </a14:m>
+                    <a:endParaRPr lang="en-US" sz="2000" dirty="0" smtClean="0">
+                      <a:latin typeface="Arial" panose="020B0604020202020204" pitchFamily="34" charset="0"/>
+                      <a:cs typeface="Arial" panose="020B0604020202020204" pitchFamily="34" charset="0"/>
+                    </a:endParaRPr>
+                  </a:p>
+                </p:txBody>
+              </p:sp>
+            </mc:Choice>
+            <mc:Fallback>
+              <p:sp>
+                <p:nvSpPr>
+                  <p:cNvPr id="12" name="TextBox 11"/>
+                  <p:cNvSpPr txBox="1">
+                    <a:spLocks noRot="1" noChangeAspect="1" noMove="1" noResize="1" noEditPoints="1" noAdjustHandles="1" noChangeArrowheads="1" noChangeShapeType="1" noTextEdit="1"/>
+                  </p:cNvSpPr>
+                  <p:nvPr/>
+                </p:nvSpPr>
+                <p:spPr>
+                  <a:xfrm>
+                    <a:off x="2414177" y="4819026"/>
+                    <a:ext cx="241540" cy="307777"/>
+                  </a:xfrm>
+                  <a:prstGeom prst="rect">
+                    <a:avLst/>
+                  </a:prstGeom>
+                  <a:blipFill>
+                    <a:blip r:embed="rId15"/>
+                    <a:stretch>
+                      <a:fillRect l="-20000" r="-20000" b="-10000"/>
+                    </a:stretch>
+                  </a:blipFill>
+                </p:spPr>
+                <p:txBody>
+                  <a:bodyPr/>
+                  <a:lstStyle/>
+                  <a:p>
+                    <a:r>
+                      <a:rPr lang="en-US">
+                        <a:noFill/>
+                      </a:rPr>
+                      <a:t> </a:t>
+                    </a:r>
+                  </a:p>
+                </p:txBody>
+              </p:sp>
+            </mc:Fallback>
+          </mc:AlternateContent>
+          <p:sp>
+            <p:nvSpPr>
+              <p:cNvPr id="79" name="Oval 78"/>
+              <p:cNvSpPr/>
+              <p:nvPr/>
+            </p:nvSpPr>
+            <p:spPr>
+              <a:xfrm>
+                <a:off x="3048806" y="4524231"/>
+                <a:ext cx="181891" cy="180121"/>
+              </a:xfrm>
+              <a:prstGeom prst="ellipse">
+                <a:avLst/>
+              </a:prstGeom>
+              <a:solidFill>
+                <a:schemeClr val="tx1"/>
+              </a:solidFill>
+              <a:ln w="38100">
+                <a:solidFill>
+                  <a:schemeClr val="tx1"/>
+                </a:solidFill>
+              </a:ln>
+            </p:spPr>
+            <p:style>
+              <a:lnRef idx="2">
+                <a:schemeClr val="accent1">
+                  <a:shade val="50000"/>
+                </a:schemeClr>
+              </a:lnRef>
+              <a:fillRef idx="1">
+                <a:schemeClr val="accent1"/>
+              </a:fillRef>
+              <a:effectRef idx="0">
+                <a:schemeClr val="accent1"/>
+              </a:effectRef>
+              <a:fontRef idx="minor">
+                <a:schemeClr val="lt1"/>
+              </a:fontRef>
+            </p:style>
+            <p:txBody>
+              <a:bodyPr rtlCol="0" anchor="ctr"/>
+              <a:lstStyle/>
+              <a:p>
+                <a:pPr algn="ctr"/>
+                <a:endParaRPr lang="en-US"/>
+              </a:p>
+            </p:txBody>
+          </p:sp>
+        </p:grpSp>
+        <mc:AlternateContent xmlns:mc="http://schemas.openxmlformats.org/markup-compatibility/2006">
+          <mc:Choice xmlns:a14="http://schemas.microsoft.com/office/drawing/2010/main" Requires="a14">
+            <p:sp>
+              <p:nvSpPr>
+                <p:cNvPr id="38" name="TextBox 37"/>
+                <p:cNvSpPr txBox="1"/>
+                <p:nvPr/>
+              </p:nvSpPr>
+              <p:spPr>
+                <a:xfrm flipH="1">
+                  <a:off x="3068273" y="4246216"/>
+                  <a:ext cx="496685" cy="307777"/>
+                </a:xfrm>
+                <a:prstGeom prst="rect">
+                  <a:avLst/>
+                </a:prstGeom>
+                <a:noFill/>
+              </p:spPr>
+              <p:txBody>
+                <a:bodyPr wrap="square" lIns="0" tIns="0" rIns="0" bIns="0" rtlCol="0">
+                  <a:spAutoFit/>
+                </a:bodyPr>
+                <a:lstStyle/>
+                <a:p>
+                  <a14:m>
+                    <m:oMathPara xmlns:m="http://schemas.openxmlformats.org/officeDocument/2006/math">
+                      <m:oMathParaPr>
+                        <m:jc m:val="centerGroup"/>
+                      </m:oMathParaPr>
+                      <m:oMath xmlns:m="http://schemas.openxmlformats.org/officeDocument/2006/math">
+                        <m:r>
+                          <a:rPr lang="en-US" sz="2000" b="0" i="1" smtClean="0">
+                            <a:latin typeface="Cambria Math" panose="02040503050406030204" pitchFamily="18" charset="0"/>
+                            <a:cs typeface="Arial" panose="020B0604020202020204" pitchFamily="34" charset="0"/>
+                          </a:rPr>
+                          <m:t>𝑚</m:t>
+                        </m:r>
+                      </m:oMath>
+                    </m:oMathPara>
+                  </a14:m>
+                  <a:endParaRPr lang="en-US" sz="2000" dirty="0" smtClean="0">
+                    <a:latin typeface="Arial" panose="020B0604020202020204" pitchFamily="34" charset="0"/>
+                    <a:cs typeface="Arial" panose="020B0604020202020204" pitchFamily="34" charset="0"/>
+                  </a:endParaRPr>
+                </a:p>
+              </p:txBody>
+            </p:sp>
+          </mc:Choice>
+          <mc:Fallback>
+            <p:sp>
+              <p:nvSpPr>
+                <p:cNvPr id="38" name="TextBox 37"/>
+                <p:cNvSpPr txBox="1">
+                  <a:spLocks noRot="1" noChangeAspect="1" noMove="1" noResize="1" noEditPoints="1" noAdjustHandles="1" noChangeArrowheads="1" noChangeShapeType="1" noTextEdit="1"/>
+                </p:cNvSpPr>
+                <p:nvPr/>
+              </p:nvSpPr>
+              <p:spPr>
+                <a:xfrm flipH="1">
+                  <a:off x="3068273" y="4246216"/>
+                  <a:ext cx="496685" cy="307777"/>
+                </a:xfrm>
+                <a:prstGeom prst="rect">
+                  <a:avLst/>
+                </a:prstGeom>
+                <a:blipFill>
+                  <a:blip r:embed="rId16"/>
+                  <a:stretch>
+                    <a:fillRect b="-2000"/>
+                  </a:stretch>
+                </a:blipFill>
+              </p:spPr>
+              <p:txBody>
+                <a:bodyPr/>
+                <a:lstStyle/>
+                <a:p>
+                  <a:r>
+                    <a:rPr lang="en-US">
+                      <a:noFill/>
+                    </a:rPr>
+                    <a:t> </a:t>
+                  </a:r>
+                </a:p>
+              </p:txBody>
+            </p:sp>
+          </mc:Fallback>
+        </mc:AlternateContent>
+        <p:sp>
+          <p:nvSpPr>
+            <p:cNvPr id="39" name="Arc 38"/>
+            <p:cNvSpPr/>
+            <p:nvPr/>
+          </p:nvSpPr>
+          <p:spPr>
+            <a:xfrm>
+              <a:off x="1484599" y="3979003"/>
+              <a:ext cx="2409737" cy="2409737"/>
+            </a:xfrm>
+            <a:prstGeom prst="arc">
+              <a:avLst/>
+            </a:prstGeom>
+            <a:ln w="38100">
+              <a:solidFill>
+                <a:schemeClr val="tx1"/>
+              </a:solidFill>
+              <a:headEnd type="triangle" w="med" len="med"/>
+              <a:tailEnd type="none" w="med" len="med"/>
+            </a:ln>
+          </p:spPr>
+          <p:style>
+            <a:lnRef idx="1">
+              <a:schemeClr val="accent1"/>
+            </a:lnRef>
+            <a:fillRef idx="0">
+              <a:schemeClr val="accent1"/>
+            </a:fillRef>
+            <a:effectRef idx="0">
+              <a:schemeClr val="accent1"/>
+            </a:effectRef>
+            <a:fontRef idx="minor">
+              <a:schemeClr val="tx1"/>
+            </a:fontRef>
+          </p:style>
+          <p:txBody>
+            <a:bodyPr rtlCol="0" anchor="ctr"/>
+            <a:lstStyle/>
+            <a:p>
+              <a:pPr algn="ctr"/>
+              <a:endParaRPr lang="en-US"/>
+            </a:p>
+          </p:txBody>
+        </p:sp>
+      </p:grpSp>
+      <p:grpSp>
+        <p:nvGrpSpPr>
+          <p:cNvPr id="89" name="Group 88"/>
+          <p:cNvGrpSpPr/>
+          <p:nvPr/>
+        </p:nvGrpSpPr>
+        <p:grpSpPr>
+          <a:xfrm>
+            <a:off x="7762537" y="2960141"/>
+            <a:ext cx="3359212" cy="3200566"/>
+            <a:chOff x="7314218" y="3104069"/>
+            <a:chExt cx="3359212" cy="3200566"/>
+          </a:xfrm>
+        </p:grpSpPr>
+        <p:grpSp>
+          <p:nvGrpSpPr>
+            <p:cNvPr id="46" name="Group 45"/>
+            <p:cNvGrpSpPr/>
+            <p:nvPr/>
+          </p:nvGrpSpPr>
+          <p:grpSpPr>
+            <a:xfrm>
+              <a:off x="7314218" y="3104069"/>
+              <a:ext cx="3359212" cy="3200566"/>
+              <a:chOff x="-14750" y="708040"/>
+              <a:chExt cx="3359212" cy="3200566"/>
+            </a:xfrm>
+          </p:grpSpPr>
+          <p:grpSp>
+            <p:nvGrpSpPr>
+              <p:cNvPr id="66" name="Group 65"/>
+              <p:cNvGrpSpPr/>
+              <p:nvPr/>
+            </p:nvGrpSpPr>
+            <p:grpSpPr>
+              <a:xfrm>
+                <a:off x="-14750" y="708040"/>
+                <a:ext cx="3359212" cy="3200566"/>
+                <a:chOff x="12545" y="680744"/>
+                <a:chExt cx="3359212" cy="3200566"/>
+              </a:xfrm>
+            </p:grpSpPr>
+            <p:cxnSp>
+              <p:nvCxnSpPr>
+                <p:cNvPr id="69" name="Straight Arrow Connector 68"/>
+                <p:cNvCxnSpPr/>
+                <p:nvPr/>
+              </p:nvCxnSpPr>
+              <p:spPr>
+                <a:xfrm flipV="1">
+                  <a:off x="1496853" y="680744"/>
+                  <a:ext cx="27414" cy="3200566"/>
+                </a:xfrm>
+                <a:prstGeom prst="straightConnector1">
+                  <a:avLst/>
+                </a:prstGeom>
+                <a:ln w="38100">
+                  <a:solidFill>
+                    <a:schemeClr val="tx1"/>
+                  </a:solidFill>
+                  <a:tailEnd type="triangle"/>
+                </a:ln>
+              </p:spPr>
+              <p:style>
+                <a:lnRef idx="1">
+                  <a:schemeClr val="accent1"/>
+                </a:lnRef>
+                <a:fillRef idx="0">
+                  <a:schemeClr val="accent1"/>
+                </a:fillRef>
+                <a:effectRef idx="0">
+                  <a:schemeClr val="accent1"/>
+                </a:effectRef>
+                <a:fontRef idx="minor">
+                  <a:schemeClr val="tx1"/>
+                </a:fontRef>
+              </p:style>
+            </p:cxnSp>
+            <p:cxnSp>
+              <p:nvCxnSpPr>
+                <p:cNvPr id="70" name="Straight Arrow Connector 69"/>
+                <p:cNvCxnSpPr/>
+                <p:nvPr/>
+              </p:nvCxnSpPr>
+              <p:spPr>
+                <a:xfrm flipV="1">
+                  <a:off x="12545" y="2525100"/>
+                  <a:ext cx="3359212" cy="4930"/>
+                </a:xfrm>
+                <a:prstGeom prst="straightConnector1">
+                  <a:avLst/>
+                </a:prstGeom>
+                <a:ln w="38100">
+                  <a:solidFill>
+                    <a:schemeClr val="tx1"/>
+                  </a:solidFill>
+                  <a:tailEnd type="triangle"/>
+                </a:ln>
+              </p:spPr>
+              <p:style>
+                <a:lnRef idx="1">
+                  <a:schemeClr val="accent1"/>
+                </a:lnRef>
+                <a:fillRef idx="0">
+                  <a:schemeClr val="accent1"/>
+                </a:fillRef>
+                <a:effectRef idx="0">
+                  <a:schemeClr val="accent1"/>
+                </a:effectRef>
+                <a:fontRef idx="minor">
+                  <a:schemeClr val="tx1"/>
+                </a:fontRef>
+              </p:style>
+            </p:cxnSp>
+            <mc:AlternateContent xmlns:mc="http://schemas.openxmlformats.org/markup-compatibility/2006" xmlns:a14="http://schemas.microsoft.com/office/drawing/2010/main">
+              <mc:Choice Requires="a14">
+                <p:sp>
+                  <p:nvSpPr>
+                    <p:cNvPr id="74" name="Rectangle 73"/>
+                    <p:cNvSpPr/>
+                    <p:nvPr/>
+                  </p:nvSpPr>
+                  <p:spPr>
+                    <a:xfrm>
+                      <a:off x="2897675" y="2457728"/>
+                      <a:ext cx="367985" cy="369332"/>
+                    </a:xfrm>
+                    <a:prstGeom prst="rect">
+                      <a:avLst/>
+                    </a:prstGeom>
+                  </p:spPr>
+                  <p:txBody>
+                    <a:bodyPr wrap="none">
+                      <a:spAutoFit/>
+                    </a:bodyPr>
+                    <a:lstStyle/>
+                    <a:p>
+                      <a:pPr/>
+                      <a14:m>
+                        <m:oMathPara xmlns:m="http://schemas.openxmlformats.org/officeDocument/2006/math">
+                          <m:oMathParaPr>
+                            <m:jc m:val="centerGroup"/>
+                          </m:oMathParaPr>
+                          <m:oMath xmlns:m="http://schemas.openxmlformats.org/officeDocument/2006/math">
+                            <m:r>
+                              <a:rPr lang="en-US" i="1">
+                                <a:latin typeface="Cambria Math" panose="02040503050406030204" pitchFamily="18" charset="0"/>
+                                <a:cs typeface="Arial" panose="020B0604020202020204" pitchFamily="34" charset="0"/>
+                              </a:rPr>
+                              <m:t>𝑥</m:t>
+                            </m:r>
+                          </m:oMath>
+                        </m:oMathPara>
+                      </a14:m>
+                      <a:endParaRPr lang="en-CA" dirty="0"/>
+                    </a:p>
+                  </p:txBody>
+                </p:sp>
+              </mc:Choice>
+              <mc:Fallback xmlns="">
+                <p:sp>
+                  <p:nvSpPr>
+                    <p:cNvPr id="12" name="Rectangle 11"/>
+                    <p:cNvSpPr>
+                      <a:spLocks noRot="1" noChangeAspect="1" noMove="1" noResize="1" noEditPoints="1" noAdjustHandles="1" noChangeArrowheads="1" noChangeShapeType="1" noTextEdit="1"/>
+                    </p:cNvSpPr>
+                    <p:nvPr/>
+                  </p:nvSpPr>
+                  <p:spPr>
+                    <a:xfrm>
+                      <a:off x="2897675" y="2457728"/>
+                      <a:ext cx="367985" cy="369332"/>
+                    </a:xfrm>
+                    <a:prstGeom prst="rect">
+                      <a:avLst/>
+                    </a:prstGeom>
+                    <a:blipFill rotWithShape="0">
+                      <a:blip r:embed="rId2"/>
+                      <a:stretch>
+                        <a:fillRect/>
+                      </a:stretch>
+                    </a:blipFill>
+                  </p:spPr>
+                  <p:txBody>
+                    <a:bodyPr/>
+                    <a:lstStyle/>
+                    <a:p>
+                      <a:r>
+                        <a:rPr lang="en-CA">
+                          <a:noFill/>
+                        </a:rPr>
+                        <a:t> </a:t>
+                      </a:r>
+                    </a:p>
+                  </p:txBody>
+                </p:sp>
+              </mc:Fallback>
+            </mc:AlternateContent>
+            <mc:AlternateContent xmlns:mc="http://schemas.openxmlformats.org/markup-compatibility/2006" xmlns:a14="http://schemas.microsoft.com/office/drawing/2010/main">
+              <mc:Choice Requires="a14">
+                <p:sp>
+                  <p:nvSpPr>
+                    <p:cNvPr id="75" name="Rectangle 74"/>
+                    <p:cNvSpPr/>
+                    <p:nvPr/>
+                  </p:nvSpPr>
+                  <p:spPr>
+                    <a:xfrm>
+                      <a:off x="1190506" y="790545"/>
+                      <a:ext cx="371384" cy="369332"/>
+                    </a:xfrm>
+                    <a:prstGeom prst="rect">
+                      <a:avLst/>
+                    </a:prstGeom>
+                  </p:spPr>
+                  <p:txBody>
+                    <a:bodyPr wrap="none">
+                      <a:spAutoFit/>
+                    </a:bodyPr>
+                    <a:lstStyle/>
+                    <a:p>
+                      <a:pPr/>
+                      <a14:m>
+                        <m:oMathPara xmlns:m="http://schemas.openxmlformats.org/officeDocument/2006/math">
+                          <m:oMathParaPr>
+                            <m:jc m:val="centerGroup"/>
+                          </m:oMathParaPr>
+                          <m:oMath xmlns:m="http://schemas.openxmlformats.org/officeDocument/2006/math">
+                            <m:r>
+                              <a:rPr lang="en-US" b="0" i="1" smtClean="0">
+                                <a:latin typeface="Cambria Math" panose="02040503050406030204" pitchFamily="18" charset="0"/>
+                              </a:rPr>
+                              <m:t>𝑦</m:t>
+                            </m:r>
+                          </m:oMath>
+                        </m:oMathPara>
+                      </a14:m>
+                      <a:endParaRPr lang="en-CA" dirty="0"/>
+                    </a:p>
+                  </p:txBody>
+                </p:sp>
+              </mc:Choice>
+              <mc:Fallback xmlns="">
+                <p:sp>
+                  <p:nvSpPr>
+                    <p:cNvPr id="13" name="Rectangle 12"/>
+                    <p:cNvSpPr>
+                      <a:spLocks noRot="1" noChangeAspect="1" noMove="1" noResize="1" noEditPoints="1" noAdjustHandles="1" noChangeArrowheads="1" noChangeShapeType="1" noTextEdit="1"/>
+                    </p:cNvSpPr>
+                    <p:nvPr/>
+                  </p:nvSpPr>
+                  <p:spPr>
+                    <a:xfrm>
+                      <a:off x="1190506" y="790545"/>
+                      <a:ext cx="371384" cy="369332"/>
+                    </a:xfrm>
+                    <a:prstGeom prst="rect">
+                      <a:avLst/>
+                    </a:prstGeom>
+                    <a:blipFill rotWithShape="0">
+                      <a:blip r:embed="rId3"/>
+                      <a:stretch>
+                        <a:fillRect b="-6557"/>
+                      </a:stretch>
+                    </a:blipFill>
+                  </p:spPr>
+                  <p:txBody>
+                    <a:bodyPr/>
+                    <a:lstStyle/>
+                    <a:p>
+                      <a:r>
+                        <a:rPr lang="en-CA">
+                          <a:noFill/>
+                        </a:rPr>
+                        <a:t> </a:t>
+                      </a:r>
+                    </a:p>
+                  </p:txBody>
+                </p:sp>
+              </mc:Fallback>
+            </mc:AlternateContent>
+            <mc:AlternateContent xmlns:mc="http://schemas.openxmlformats.org/markup-compatibility/2006" xmlns:a14="http://schemas.microsoft.com/office/drawing/2010/main">
+              <mc:Choice Requires="a14">
+                <p:sp>
+                  <p:nvSpPr>
+                    <p:cNvPr id="76" name="Rectangle 75"/>
+                    <p:cNvSpPr/>
+                    <p:nvPr/>
+                  </p:nvSpPr>
+                  <p:spPr>
+                    <a:xfrm>
+                      <a:off x="1188058" y="2537650"/>
+                      <a:ext cx="311243" cy="369332"/>
+                    </a:xfrm>
+                    <a:prstGeom prst="rect">
+                      <a:avLst/>
+                    </a:prstGeom>
+                  </p:spPr>
+                  <p:txBody>
+                    <a:bodyPr wrap="square">
+                      <a:spAutoFit/>
+                    </a:bodyPr>
+                    <a:lstStyle/>
+                    <a:p>
+                      <a:pPr/>
+                      <a14:m>
+                        <m:oMathPara xmlns:m="http://schemas.openxmlformats.org/officeDocument/2006/math">
+                          <m:oMathParaPr>
+                            <m:jc m:val="centerGroup"/>
+                          </m:oMathParaPr>
+                          <m:oMath xmlns:m="http://schemas.openxmlformats.org/officeDocument/2006/math">
+                            <m:r>
+                              <a:rPr lang="en-US" b="0" i="1" smtClean="0">
+                                <a:latin typeface="Cambria Math" panose="02040503050406030204" pitchFamily="18" charset="0"/>
+                                <a:cs typeface="Arial" panose="020B0604020202020204" pitchFamily="34" charset="0"/>
+                              </a:rPr>
+                              <m:t>0</m:t>
+                            </m:r>
+                          </m:oMath>
+                        </m:oMathPara>
+                      </a14:m>
+                      <a:endParaRPr lang="en-CA" dirty="0"/>
+                    </a:p>
+                  </p:txBody>
+                </p:sp>
+              </mc:Choice>
+              <mc:Fallback xmlns="">
+                <p:sp>
+                  <p:nvSpPr>
+                    <p:cNvPr id="58" name="Rectangle 57"/>
+                    <p:cNvSpPr>
+                      <a:spLocks noRot="1" noChangeAspect="1" noMove="1" noResize="1" noEditPoints="1" noAdjustHandles="1" noChangeArrowheads="1" noChangeShapeType="1" noTextEdit="1"/>
+                    </p:cNvSpPr>
+                    <p:nvPr/>
+                  </p:nvSpPr>
+                  <p:spPr>
+                    <a:xfrm>
+                      <a:off x="1188058" y="2537650"/>
+                      <a:ext cx="311243" cy="369332"/>
+                    </a:xfrm>
+                    <a:prstGeom prst="rect">
+                      <a:avLst/>
+                    </a:prstGeom>
+                    <a:blipFill>
+                      <a:blip r:embed="rId10"/>
+                      <a:stretch>
+                        <a:fillRect/>
+                      </a:stretch>
+                    </a:blipFill>
+                  </p:spPr>
+                  <p:txBody>
+                    <a:bodyPr/>
+                    <a:lstStyle/>
+                    <a:p>
+                      <a:r>
+                        <a:rPr lang="en-US">
+                          <a:noFill/>
+                        </a:rPr>
+                        <a:t> </a:t>
+                      </a:r>
+                    </a:p>
+                  </p:txBody>
+                </p:sp>
+              </mc:Fallback>
+            </mc:AlternateContent>
+          </p:grpSp>
+          <p:sp>
+            <p:nvSpPr>
+              <p:cNvPr id="68" name="Rectangle 67"/>
+              <p:cNvSpPr/>
+              <p:nvPr/>
+            </p:nvSpPr>
+            <p:spPr>
+              <a:xfrm>
+                <a:off x="1129904" y="1614682"/>
+                <a:ext cx="184731" cy="369332"/>
+              </a:xfrm>
+              <a:prstGeom prst="rect">
+                <a:avLst/>
+              </a:prstGeom>
+            </p:spPr>
+            <p:txBody>
+              <a:bodyPr wrap="none">
+                <a:spAutoFit/>
+              </a:bodyPr>
+              <a:lstStyle/>
+              <a:p>
+                <a:endParaRPr lang="en-CA" dirty="0"/>
+              </a:p>
+            </p:txBody>
+          </p:sp>
+        </p:grpSp>
+        <p:cxnSp>
+          <p:nvCxnSpPr>
+            <p:cNvPr id="20" name="Straight Connector 19"/>
+            <p:cNvCxnSpPr/>
+            <p:nvPr/>
+          </p:nvCxnSpPr>
+          <p:spPr>
+            <a:xfrm flipV="1">
+              <a:off x="9267821" y="3255485"/>
+              <a:ext cx="802640" cy="2717611"/>
+            </a:xfrm>
+            <a:prstGeom prst="line">
+              <a:avLst/>
+            </a:prstGeom>
+            <a:ln w="38100">
+              <a:solidFill>
+                <a:schemeClr val="tx1"/>
+              </a:solidFill>
+              <a:prstDash val="dash"/>
+            </a:ln>
+          </p:spPr>
+          <p:style>
+            <a:lnRef idx="1">
+              <a:schemeClr val="accent1"/>
+            </a:lnRef>
+            <a:fillRef idx="0">
+              <a:schemeClr val="accent1"/>
+            </a:fillRef>
+            <a:effectRef idx="0">
+              <a:schemeClr val="accent1"/>
+            </a:effectRef>
+            <a:fontRef idx="minor">
+              <a:schemeClr val="tx1"/>
+            </a:fontRef>
+          </p:style>
+        </p:cxnSp>
+        <p:sp>
+          <p:nvSpPr>
+            <p:cNvPr id="86" name="Oval 85"/>
+            <p:cNvSpPr/>
+            <p:nvPr/>
+          </p:nvSpPr>
+          <p:spPr>
+            <a:xfrm>
+              <a:off x="9669141" y="4199922"/>
+              <a:ext cx="181891" cy="180121"/>
+            </a:xfrm>
+            <a:prstGeom prst="ellipse">
+              <a:avLst/>
+            </a:prstGeom>
+            <a:solidFill>
+              <a:schemeClr val="tx1"/>
+            </a:solidFill>
+            <a:ln w="38100">
+              <a:solidFill>
+                <a:schemeClr val="tx1"/>
+              </a:solidFill>
+            </a:ln>
+          </p:spPr>
+          <p:style>
+            <a:lnRef idx="2">
+              <a:schemeClr val="accent1">
+                <a:shade val="50000"/>
+              </a:schemeClr>
+            </a:lnRef>
+            <a:fillRef idx="1">
+              <a:schemeClr val="accent1"/>
+            </a:fillRef>
+            <a:effectRef idx="0">
+              <a:schemeClr val="accent1"/>
+            </a:effectRef>
+            <a:fontRef idx="minor">
+              <a:schemeClr val="lt1"/>
+            </a:fontRef>
+          </p:style>
+          <p:txBody>
+            <a:bodyPr rtlCol="0" anchor="ctr"/>
+            <a:lstStyle/>
+            <a:p>
+              <a:pPr algn="ctr"/>
+              <a:endParaRPr lang="en-US"/>
+            </a:p>
+          </p:txBody>
+        </p:sp>
+        <p:cxnSp>
+          <p:nvCxnSpPr>
+            <p:cNvPr id="24" name="Straight Arrow Connector 23"/>
+            <p:cNvCxnSpPr/>
+            <p:nvPr/>
+          </p:nvCxnSpPr>
+          <p:spPr>
+            <a:xfrm flipV="1">
+              <a:off x="9796286" y="3597145"/>
+              <a:ext cx="170674" cy="579252"/>
+            </a:xfrm>
+            <a:prstGeom prst="straightConnector1">
+              <a:avLst/>
+            </a:prstGeom>
+            <a:ln w="38100">
+              <a:solidFill>
+                <a:schemeClr val="tx1"/>
+              </a:solidFill>
+              <a:tailEnd type="triangle"/>
+            </a:ln>
+          </p:spPr>
+          <p:style>
+            <a:lnRef idx="1">
+              <a:schemeClr val="accent1"/>
+            </a:lnRef>
+            <a:fillRef idx="0">
+              <a:schemeClr val="accent1"/>
+            </a:fillRef>
+            <a:effectRef idx="0">
+              <a:schemeClr val="accent1"/>
+            </a:effectRef>
+            <a:fontRef idx="minor">
+              <a:schemeClr val="tx1"/>
+            </a:fontRef>
+          </p:style>
+        </p:cxnSp>
+        <mc:AlternateContent xmlns:mc="http://schemas.openxmlformats.org/markup-compatibility/2006">
+          <mc:Choice xmlns:a14="http://schemas.microsoft.com/office/drawing/2010/main" Requires="a14">
+            <p:sp>
+              <p:nvSpPr>
+                <p:cNvPr id="37" name="TextBox 36"/>
+                <p:cNvSpPr txBox="1"/>
+                <p:nvPr/>
+              </p:nvSpPr>
+              <p:spPr>
+                <a:xfrm>
+                  <a:off x="10013464" y="3736776"/>
+                  <a:ext cx="217495" cy="307777"/>
+                </a:xfrm>
+                <a:prstGeom prst="rect">
+                  <a:avLst/>
+                </a:prstGeom>
+                <a:noFill/>
+              </p:spPr>
+              <p:txBody>
+                <a:bodyPr wrap="none" lIns="0" tIns="0" rIns="0" bIns="0" rtlCol="0">
+                  <a:spAutoFit/>
+                </a:bodyPr>
+                <a:lstStyle/>
+                <a:p>
+                  <a14:m>
+                    <m:oMathPara xmlns:m="http://schemas.openxmlformats.org/officeDocument/2006/math">
+                      <m:oMathParaPr>
+                        <m:jc m:val="centerGroup"/>
+                      </m:oMathParaPr>
+                      <m:oMath xmlns:m="http://schemas.openxmlformats.org/officeDocument/2006/math">
+                        <m:acc>
+                          <m:accPr>
+                            <m:chr m:val="⃗"/>
+                            <m:ctrlPr>
+                              <a:rPr lang="en-US" sz="2000" b="0" i="1" smtClean="0">
+                                <a:latin typeface="Cambria Math" panose="02040503050406030204" pitchFamily="18" charset="0"/>
+                                <a:cs typeface="Arial" panose="020B0604020202020204" pitchFamily="34" charset="0"/>
+                              </a:rPr>
+                            </m:ctrlPr>
+                          </m:accPr>
+                          <m:e>
+                            <m:r>
+                              <a:rPr lang="en-US" sz="2000" b="0" i="1" smtClean="0">
+                                <a:latin typeface="Cambria Math" panose="02040503050406030204" pitchFamily="18" charset="0"/>
+                                <a:cs typeface="Arial" panose="020B0604020202020204" pitchFamily="34" charset="0"/>
+                              </a:rPr>
+                              <m:t>𝑣</m:t>
+                            </m:r>
+                          </m:e>
+                        </m:acc>
+                      </m:oMath>
+                    </m:oMathPara>
+                  </a14:m>
+                  <a:endParaRPr lang="en-US" sz="2000" dirty="0" smtClean="0">
+                    <a:latin typeface="Arial" panose="020B0604020202020204" pitchFamily="34" charset="0"/>
+                    <a:cs typeface="Arial" panose="020B0604020202020204" pitchFamily="34" charset="0"/>
+                  </a:endParaRPr>
+                </a:p>
+              </p:txBody>
+            </p:sp>
+          </mc:Choice>
+          <mc:Fallback>
+            <p:sp>
+              <p:nvSpPr>
+                <p:cNvPr id="37" name="TextBox 36"/>
+                <p:cNvSpPr txBox="1">
+                  <a:spLocks noRot="1" noChangeAspect="1" noMove="1" noResize="1" noEditPoints="1" noAdjustHandles="1" noChangeArrowheads="1" noChangeShapeType="1" noTextEdit="1"/>
+                </p:cNvSpPr>
+                <p:nvPr/>
+              </p:nvSpPr>
+              <p:spPr>
+                <a:xfrm>
+                  <a:off x="10013464" y="3736776"/>
+                  <a:ext cx="217495" cy="307777"/>
+                </a:xfrm>
+                <a:prstGeom prst="rect">
+                  <a:avLst/>
+                </a:prstGeom>
+                <a:blipFill>
+                  <a:blip r:embed="rId17"/>
+                  <a:stretch>
+                    <a:fillRect l="-19444" t="-33333" r="-94444" b="-5882"/>
+                  </a:stretch>
+                </a:blipFill>
+              </p:spPr>
+              <p:txBody>
+                <a:bodyPr/>
+                <a:lstStyle/>
+                <a:p>
+                  <a:r>
+                    <a:rPr lang="en-US">
+                      <a:noFill/>
+                    </a:rPr>
+                    <a:t> </a:t>
+                  </a:r>
+                </a:p>
+              </p:txBody>
+            </p:sp>
+          </mc:Fallback>
+        </mc:AlternateContent>
+        <mc:AlternateContent xmlns:mc="http://schemas.openxmlformats.org/markup-compatibility/2006">
+          <mc:Choice xmlns:a14="http://schemas.microsoft.com/office/drawing/2010/main" Requires="a14">
+            <p:sp>
+              <p:nvSpPr>
+                <p:cNvPr id="87" name="TextBox 86"/>
+                <p:cNvSpPr txBox="1"/>
+                <p:nvPr/>
+              </p:nvSpPr>
+              <p:spPr>
+                <a:xfrm flipH="1">
+                  <a:off x="9796286" y="4155025"/>
+                  <a:ext cx="496685" cy="307777"/>
+                </a:xfrm>
+                <a:prstGeom prst="rect">
+                  <a:avLst/>
+                </a:prstGeom>
+                <a:noFill/>
+              </p:spPr>
+              <p:txBody>
+                <a:bodyPr wrap="square" lIns="0" tIns="0" rIns="0" bIns="0" rtlCol="0">
+                  <a:spAutoFit/>
+                </a:bodyPr>
+                <a:lstStyle/>
+                <a:p>
+                  <a14:m>
+                    <m:oMathPara xmlns:m="http://schemas.openxmlformats.org/officeDocument/2006/math">
+                      <m:oMathParaPr>
+                        <m:jc m:val="centerGroup"/>
+                      </m:oMathParaPr>
+                      <m:oMath xmlns:m="http://schemas.openxmlformats.org/officeDocument/2006/math">
+                        <m:r>
+                          <a:rPr lang="en-US" sz="2000" b="0" i="1" smtClean="0">
+                            <a:latin typeface="Cambria Math" panose="02040503050406030204" pitchFamily="18" charset="0"/>
+                            <a:cs typeface="Arial" panose="020B0604020202020204" pitchFamily="34" charset="0"/>
+                          </a:rPr>
+                          <m:t>𝑚</m:t>
+                        </m:r>
+                      </m:oMath>
+                    </m:oMathPara>
+                  </a14:m>
+                  <a:endParaRPr lang="en-US" sz="2000" dirty="0" smtClean="0">
+                    <a:latin typeface="Arial" panose="020B0604020202020204" pitchFamily="34" charset="0"/>
+                    <a:cs typeface="Arial" panose="020B0604020202020204" pitchFamily="34" charset="0"/>
+                  </a:endParaRPr>
+                </a:p>
+              </p:txBody>
+            </p:sp>
+          </mc:Choice>
+          <mc:Fallback>
+            <p:sp>
+              <p:nvSpPr>
+                <p:cNvPr id="87" name="TextBox 86"/>
+                <p:cNvSpPr txBox="1">
+                  <a:spLocks noRot="1" noChangeAspect="1" noMove="1" noResize="1" noEditPoints="1" noAdjustHandles="1" noChangeArrowheads="1" noChangeShapeType="1" noTextEdit="1"/>
+                </p:cNvSpPr>
+                <p:nvPr/>
+              </p:nvSpPr>
+              <p:spPr>
+                <a:xfrm flipH="1">
+                  <a:off x="9796286" y="4155025"/>
+                  <a:ext cx="496685" cy="307777"/>
+                </a:xfrm>
+                <a:prstGeom prst="rect">
+                  <a:avLst/>
+                </a:prstGeom>
+                <a:blipFill>
+                  <a:blip r:embed="rId18"/>
+                  <a:stretch>
+                    <a:fillRect b="-2000"/>
+                  </a:stretch>
+                </a:blipFill>
+              </p:spPr>
+              <p:txBody>
+                <a:bodyPr/>
+                <a:lstStyle/>
+                <a:p>
+                  <a:r>
+                    <a:rPr lang="en-US">
+                      <a:noFill/>
+                    </a:rPr>
+                    <a:t> </a:t>
+                  </a:r>
+                </a:p>
+              </p:txBody>
+            </p:sp>
+          </mc:Fallback>
+        </mc:AlternateContent>
+        <p:cxnSp>
+          <p:nvCxnSpPr>
+            <p:cNvPr id="42" name="Straight Arrow Connector 41"/>
+            <p:cNvCxnSpPr>
+              <a:endCxn id="86" idx="3"/>
+            </p:cNvCxnSpPr>
+            <p:nvPr/>
+          </p:nvCxnSpPr>
+          <p:spPr>
+            <a:xfrm flipV="1">
+              <a:off x="8812233" y="4353665"/>
+              <a:ext cx="883545" cy="587140"/>
+            </a:xfrm>
+            <a:prstGeom prst="straightConnector1">
+              <a:avLst/>
+            </a:prstGeom>
+            <a:ln w="38100">
+              <a:solidFill>
+                <a:schemeClr val="tx1"/>
+              </a:solidFill>
+              <a:tailEnd type="triangle"/>
+            </a:ln>
+          </p:spPr>
+          <p:style>
+            <a:lnRef idx="1">
+              <a:schemeClr val="accent1"/>
+            </a:lnRef>
+            <a:fillRef idx="0">
+              <a:schemeClr val="accent1"/>
+            </a:fillRef>
+            <a:effectRef idx="0">
+              <a:schemeClr val="accent1"/>
+            </a:effectRef>
+            <a:fontRef idx="minor">
+              <a:schemeClr val="tx1"/>
+            </a:fontRef>
+          </p:style>
+        </p:cxnSp>
+        <mc:AlternateContent xmlns:mc="http://schemas.openxmlformats.org/markup-compatibility/2006">
+          <mc:Choice xmlns:a14="http://schemas.microsoft.com/office/drawing/2010/main" Requires="a14">
+            <p:sp>
+              <p:nvSpPr>
+                <p:cNvPr id="88" name="TextBox 87"/>
+                <p:cNvSpPr txBox="1"/>
+                <p:nvPr/>
+              </p:nvSpPr>
+              <p:spPr>
+                <a:xfrm>
+                  <a:off x="9155003" y="4312494"/>
+                  <a:ext cx="198003" cy="307777"/>
+                </a:xfrm>
+                <a:prstGeom prst="rect">
+                  <a:avLst/>
+                </a:prstGeom>
+                <a:noFill/>
+              </p:spPr>
+              <p:txBody>
+                <a:bodyPr wrap="none" lIns="0" tIns="0" rIns="0" bIns="0" rtlCol="0">
+                  <a:spAutoFit/>
+                </a:bodyPr>
+                <a:lstStyle/>
+                <a:p>
+                  <a14:m>
+                    <m:oMathPara xmlns:m="http://schemas.openxmlformats.org/officeDocument/2006/math">
+                      <m:oMathParaPr>
+                        <m:jc m:val="centerGroup"/>
+                      </m:oMathParaPr>
+                      <m:oMath xmlns:m="http://schemas.openxmlformats.org/officeDocument/2006/math">
+                        <m:acc>
+                          <m:accPr>
+                            <m:chr m:val="⃗"/>
+                            <m:ctrlPr>
+                              <a:rPr lang="en-US" sz="2000" b="0" i="1" smtClean="0">
+                                <a:latin typeface="Cambria Math" panose="02040503050406030204" pitchFamily="18" charset="0"/>
+                                <a:cs typeface="Arial" panose="020B0604020202020204" pitchFamily="34" charset="0"/>
+                              </a:rPr>
+                            </m:ctrlPr>
+                          </m:accPr>
+                          <m:e>
+                            <m:r>
+                              <a:rPr lang="en-US" sz="2000" b="0" i="1" smtClean="0">
+                                <a:latin typeface="Cambria Math" panose="02040503050406030204" pitchFamily="18" charset="0"/>
+                                <a:cs typeface="Arial" panose="020B0604020202020204" pitchFamily="34" charset="0"/>
+                              </a:rPr>
+                              <m:t>𝑟</m:t>
+                            </m:r>
+                          </m:e>
+                        </m:acc>
+                      </m:oMath>
+                    </m:oMathPara>
+                  </a14:m>
+                  <a:endParaRPr lang="en-US" sz="2000" dirty="0" smtClean="0">
+                    <a:latin typeface="Arial" panose="020B0604020202020204" pitchFamily="34" charset="0"/>
+                    <a:cs typeface="Arial" panose="020B0604020202020204" pitchFamily="34" charset="0"/>
+                  </a:endParaRPr>
+                </a:p>
+              </p:txBody>
+            </p:sp>
+          </mc:Choice>
+          <mc:Fallback>
+            <p:sp>
+              <p:nvSpPr>
+                <p:cNvPr id="88" name="TextBox 87"/>
+                <p:cNvSpPr txBox="1">
+                  <a:spLocks noRot="1" noChangeAspect="1" noMove="1" noResize="1" noEditPoints="1" noAdjustHandles="1" noChangeArrowheads="1" noChangeShapeType="1" noTextEdit="1"/>
+                </p:cNvSpPr>
+                <p:nvPr/>
+              </p:nvSpPr>
+              <p:spPr>
+                <a:xfrm>
+                  <a:off x="9155003" y="4312494"/>
+                  <a:ext cx="198003" cy="307777"/>
+                </a:xfrm>
+                <a:prstGeom prst="rect">
+                  <a:avLst/>
+                </a:prstGeom>
+                <a:blipFill>
+                  <a:blip r:embed="rId19"/>
+                  <a:stretch>
+                    <a:fillRect l="-27273" t="-36000" r="-93939" b="-6000"/>
+                  </a:stretch>
+                </a:blipFill>
+              </p:spPr>
+              <p:txBody>
+                <a:bodyPr/>
+                <a:lstStyle/>
+                <a:p>
+                  <a:r>
+                    <a:rPr lang="en-US">
+                      <a:noFill/>
+                    </a:rPr>
+                    <a:t> </a:t>
+                  </a:r>
+                </a:p>
+              </p:txBody>
+            </p:sp>
+          </mc:Fallback>
+        </mc:AlternateContent>
+      </p:grpSp>
     </p:spTree>
     <p:extLst>
       <p:ext uri="{BB962C8B-B14F-4D97-AF65-F5344CB8AC3E}">
         <p14:creationId xmlns:p14="http://schemas.microsoft.com/office/powerpoint/2010/main" val="2853340874"/>
+      </p:ext>
+    </p:extLst>
+  </p:cSld>
+  <p:clrMapOvr>
+    <a:masterClrMapping/>
+  </p:clrMapOvr>
+</p:sld>
+</file>
+
+<file path=ppt/slides/slide3.xml><?xml version="1.0" encoding="utf-8"?>
+<p:sld xmlns:a="http://schemas.openxmlformats.org/drawingml/2006/main" xmlns:r="http://schemas.openxmlformats.org/officeDocument/2006/relationships" xmlns:p="http://schemas.openxmlformats.org/presentationml/2006/main">
+  <p:cSld>
+    <p:spTree>
+      <p:nvGrpSpPr>
+        <p:cNvPr id="1" name=""/>
+        <p:cNvGrpSpPr/>
+        <p:nvPr/>
+      </p:nvGrpSpPr>
+      <p:grpSpPr>
+        <a:xfrm>
+          <a:off x="0" y="0"/>
+          <a:ext cx="0" cy="0"/>
+          <a:chOff x="0" y="0"/>
+          <a:chExt cx="0" cy="0"/>
+        </a:xfrm>
+      </p:grpSpPr>
+      <p:grpSp>
+        <p:nvGrpSpPr>
+          <p:cNvPr id="19" name="Group 18"/>
+          <p:cNvGrpSpPr/>
+          <p:nvPr/>
+        </p:nvGrpSpPr>
+        <p:grpSpPr>
+          <a:xfrm>
+            <a:off x="1002035" y="393909"/>
+            <a:ext cx="3295481" cy="2204105"/>
+            <a:chOff x="636439" y="854055"/>
+            <a:chExt cx="3295481" cy="2204105"/>
+          </a:xfrm>
+        </p:grpSpPr>
+        <p:grpSp>
+          <p:nvGrpSpPr>
+            <p:cNvPr id="14" name="Group 13"/>
+            <p:cNvGrpSpPr/>
+            <p:nvPr/>
+          </p:nvGrpSpPr>
+          <p:grpSpPr>
+            <a:xfrm>
+              <a:off x="636439" y="854055"/>
+              <a:ext cx="3295481" cy="2204105"/>
+              <a:chOff x="636439" y="854055"/>
+              <a:chExt cx="3295481" cy="2204105"/>
+            </a:xfrm>
+          </p:grpSpPr>
+          <p:sp>
+            <p:nvSpPr>
+              <p:cNvPr id="4" name="Oval 3"/>
+              <p:cNvSpPr/>
+              <p:nvPr/>
+            </p:nvSpPr>
+            <p:spPr>
+              <a:xfrm>
+                <a:off x="2143760" y="1270000"/>
+                <a:ext cx="1788160" cy="1788160"/>
+              </a:xfrm>
+              <a:prstGeom prst="ellipse">
+                <a:avLst/>
+              </a:prstGeom>
+              <a:noFill/>
+              <a:ln w="38100">
+                <a:solidFill>
+                  <a:schemeClr val="tx1"/>
+                </a:solidFill>
+              </a:ln>
+            </p:spPr>
+            <p:style>
+              <a:lnRef idx="2">
+                <a:schemeClr val="accent1">
+                  <a:shade val="50000"/>
+                </a:schemeClr>
+              </a:lnRef>
+              <a:fillRef idx="1">
+                <a:schemeClr val="accent1"/>
+              </a:fillRef>
+              <a:effectRef idx="0">
+                <a:schemeClr val="accent1"/>
+              </a:effectRef>
+              <a:fontRef idx="minor">
+                <a:schemeClr val="lt1"/>
+              </a:fontRef>
+            </p:style>
+            <p:txBody>
+              <a:bodyPr rtlCol="0" anchor="ctr"/>
+              <a:lstStyle/>
+              <a:p>
+                <a:pPr algn="ctr"/>
+                <a:endParaRPr lang="en-US"/>
+              </a:p>
+            </p:txBody>
+          </p:sp>
+          <p:sp>
+            <p:nvSpPr>
+              <p:cNvPr id="5" name="Oval 4"/>
+              <p:cNvSpPr/>
+              <p:nvPr/>
+            </p:nvSpPr>
+            <p:spPr>
+              <a:xfrm>
+                <a:off x="689847" y="1178560"/>
+                <a:ext cx="182880" cy="182880"/>
+              </a:xfrm>
+              <a:prstGeom prst="ellipse">
+                <a:avLst/>
+              </a:prstGeom>
+              <a:solidFill>
+                <a:schemeClr val="tx1"/>
+              </a:solidFill>
+              <a:ln w="38100">
+                <a:solidFill>
+                  <a:schemeClr val="tx1"/>
+                </a:solidFill>
+              </a:ln>
+            </p:spPr>
+            <p:style>
+              <a:lnRef idx="2">
+                <a:schemeClr val="accent1">
+                  <a:shade val="50000"/>
+                </a:schemeClr>
+              </a:lnRef>
+              <a:fillRef idx="1">
+                <a:schemeClr val="accent1"/>
+              </a:fillRef>
+              <a:effectRef idx="0">
+                <a:schemeClr val="accent1"/>
+              </a:effectRef>
+              <a:fontRef idx="minor">
+                <a:schemeClr val="lt1"/>
+              </a:fontRef>
+            </p:style>
+            <p:txBody>
+              <a:bodyPr rtlCol="0" anchor="ctr"/>
+              <a:lstStyle/>
+              <a:p>
+                <a:pPr algn="ctr"/>
+                <a:endParaRPr lang="en-US"/>
+              </a:p>
+            </p:txBody>
+          </p:sp>
+          <p:cxnSp>
+            <p:nvCxnSpPr>
+              <p:cNvPr id="7" name="Straight Arrow Connector 6"/>
+              <p:cNvCxnSpPr>
+                <a:stCxn id="5" idx="6"/>
+              </p:cNvCxnSpPr>
+              <p:nvPr/>
+            </p:nvCxnSpPr>
+            <p:spPr>
+              <a:xfrm>
+                <a:off x="872727" y="1270000"/>
+                <a:ext cx="558800" cy="0"/>
+              </a:xfrm>
+              <a:prstGeom prst="straightConnector1">
+                <a:avLst/>
+              </a:prstGeom>
+              <a:ln w="38100">
+                <a:solidFill>
+                  <a:schemeClr val="tx1"/>
+                </a:solidFill>
+                <a:tailEnd type="triangle"/>
+              </a:ln>
+            </p:spPr>
+            <p:style>
+              <a:lnRef idx="1">
+                <a:schemeClr val="accent1"/>
+              </a:lnRef>
+              <a:fillRef idx="0">
+                <a:schemeClr val="accent1"/>
+              </a:fillRef>
+              <a:effectRef idx="0">
+                <a:schemeClr val="accent1"/>
+              </a:effectRef>
+              <a:fontRef idx="minor">
+                <a:schemeClr val="tx1"/>
+              </a:fontRef>
+            </p:style>
+          </p:cxnSp>
+          <mc:AlternateContent xmlns:mc="http://schemas.openxmlformats.org/markup-compatibility/2006">
+            <mc:Choice xmlns:a14="http://schemas.microsoft.com/office/drawing/2010/main" Requires="a14">
+              <p:sp>
+                <p:nvSpPr>
+                  <p:cNvPr id="8" name="TextBox 7"/>
+                  <p:cNvSpPr txBox="1"/>
+                  <p:nvPr/>
+                </p:nvSpPr>
+                <p:spPr>
+                  <a:xfrm>
+                    <a:off x="1043379" y="854055"/>
+                    <a:ext cx="217495" cy="307777"/>
+                  </a:xfrm>
+                  <a:prstGeom prst="rect">
+                    <a:avLst/>
+                  </a:prstGeom>
+                  <a:noFill/>
+                </p:spPr>
+                <p:txBody>
+                  <a:bodyPr wrap="none" lIns="0" tIns="0" rIns="0" bIns="0" rtlCol="0">
+                    <a:spAutoFit/>
+                  </a:bodyPr>
+                  <a:lstStyle/>
+                  <a:p>
+                    <a14:m>
+                      <m:oMathPara xmlns:m="http://schemas.openxmlformats.org/officeDocument/2006/math">
+                        <m:oMathParaPr>
+                          <m:jc m:val="centerGroup"/>
+                        </m:oMathParaPr>
+                        <m:oMath xmlns:m="http://schemas.openxmlformats.org/officeDocument/2006/math">
+                          <m:acc>
+                            <m:accPr>
+                              <m:chr m:val="⃗"/>
+                              <m:ctrlPr>
+                                <a:rPr lang="en-US" sz="2000" b="0" i="1" smtClean="0">
+                                  <a:latin typeface="Cambria Math" panose="02040503050406030204" pitchFamily="18" charset="0"/>
+                                  <a:cs typeface="Arial" panose="020B0604020202020204" pitchFamily="34" charset="0"/>
+                                </a:rPr>
+                              </m:ctrlPr>
+                            </m:accPr>
+                            <m:e>
+                              <m:r>
+                                <a:rPr lang="en-US" sz="2000" b="0" i="1" smtClean="0">
+                                  <a:latin typeface="Cambria Math" panose="02040503050406030204" pitchFamily="18" charset="0"/>
+                                  <a:cs typeface="Arial" panose="020B0604020202020204" pitchFamily="34" charset="0"/>
+                                </a:rPr>
+                                <m:t>𝑣</m:t>
+                              </m:r>
+                            </m:e>
+                          </m:acc>
+                        </m:oMath>
+                      </m:oMathPara>
+                    </a14:m>
+                    <a:endParaRPr lang="en-US" sz="2000" dirty="0" smtClean="0">
+                      <a:latin typeface="Arial" panose="020B0604020202020204" pitchFamily="34" charset="0"/>
+                      <a:cs typeface="Arial" panose="020B0604020202020204" pitchFamily="34" charset="0"/>
+                    </a:endParaRPr>
+                  </a:p>
+                </p:txBody>
+              </p:sp>
+            </mc:Choice>
+            <mc:Fallback>
+              <p:sp>
+                <p:nvSpPr>
+                  <p:cNvPr id="8" name="TextBox 7"/>
+                  <p:cNvSpPr txBox="1">
+                    <a:spLocks noRot="1" noChangeAspect="1" noMove="1" noResize="1" noEditPoints="1" noAdjustHandles="1" noChangeArrowheads="1" noChangeShapeType="1" noTextEdit="1"/>
+                  </p:cNvSpPr>
+                  <p:nvPr/>
+                </p:nvSpPr>
+                <p:spPr>
+                  <a:xfrm>
+                    <a:off x="1043379" y="854055"/>
+                    <a:ext cx="217495" cy="307777"/>
+                  </a:xfrm>
+                  <a:prstGeom prst="rect">
+                    <a:avLst/>
+                  </a:prstGeom>
+                  <a:blipFill>
+                    <a:blip r:embed="rId2"/>
+                    <a:stretch>
+                      <a:fillRect l="-19444" t="-36000" r="-94444" b="-6000"/>
+                    </a:stretch>
+                  </a:blipFill>
+                </p:spPr>
+                <p:txBody>
+                  <a:bodyPr/>
+                  <a:lstStyle/>
+                  <a:p>
+                    <a:r>
+                      <a:rPr lang="en-US">
+                        <a:noFill/>
+                      </a:rPr>
+                      <a:t> </a:t>
+                    </a:r>
+                  </a:p>
+                </p:txBody>
+              </p:sp>
+            </mc:Fallback>
+          </mc:AlternateContent>
+          <mc:AlternateContent xmlns:mc="http://schemas.openxmlformats.org/markup-compatibility/2006">
+            <mc:Choice xmlns:a14="http://schemas.microsoft.com/office/drawing/2010/main" Requires="a14">
+              <p:sp>
+                <p:nvSpPr>
+                  <p:cNvPr id="9" name="TextBox 8"/>
+                  <p:cNvSpPr txBox="1"/>
+                  <p:nvPr/>
+                </p:nvSpPr>
+                <p:spPr>
+                  <a:xfrm>
+                    <a:off x="636439" y="1361440"/>
+                    <a:ext cx="289695" cy="307777"/>
+                  </a:xfrm>
+                  <a:prstGeom prst="rect">
+                    <a:avLst/>
+                  </a:prstGeom>
+                  <a:noFill/>
+                </p:spPr>
+                <p:txBody>
+                  <a:bodyPr wrap="none" lIns="0" tIns="0" rIns="0" bIns="0" rtlCol="0">
+                    <a:spAutoFit/>
+                  </a:bodyPr>
+                  <a:lstStyle/>
+                  <a:p>
+                    <a14:m>
+                      <m:oMathPara xmlns:m="http://schemas.openxmlformats.org/officeDocument/2006/math">
+                        <m:oMathParaPr>
+                          <m:jc m:val="centerGroup"/>
+                        </m:oMathParaPr>
+                        <m:oMath xmlns:m="http://schemas.openxmlformats.org/officeDocument/2006/math">
+                          <m:r>
+                            <a:rPr lang="en-US" sz="2000" b="0" i="1" smtClean="0">
+                              <a:latin typeface="Cambria Math" panose="02040503050406030204" pitchFamily="18" charset="0"/>
+                              <a:cs typeface="Arial" panose="020B0604020202020204" pitchFamily="34" charset="0"/>
+                            </a:rPr>
+                            <m:t>𝑚</m:t>
+                          </m:r>
+                        </m:oMath>
+                      </m:oMathPara>
+                    </a14:m>
+                    <a:endParaRPr lang="en-US" sz="2000" dirty="0" smtClean="0">
+                      <a:latin typeface="Arial" panose="020B0604020202020204" pitchFamily="34" charset="0"/>
+                      <a:cs typeface="Arial" panose="020B0604020202020204" pitchFamily="34" charset="0"/>
+                    </a:endParaRPr>
+                  </a:p>
+                </p:txBody>
+              </p:sp>
+            </mc:Choice>
+            <mc:Fallback>
+              <p:sp>
+                <p:nvSpPr>
+                  <p:cNvPr id="9" name="TextBox 8"/>
+                  <p:cNvSpPr txBox="1">
+                    <a:spLocks noRot="1" noChangeAspect="1" noMove="1" noResize="1" noEditPoints="1" noAdjustHandles="1" noChangeArrowheads="1" noChangeShapeType="1" noTextEdit="1"/>
+                  </p:cNvSpPr>
+                  <p:nvPr/>
+                </p:nvSpPr>
+                <p:spPr>
+                  <a:xfrm>
+                    <a:off x="636439" y="1361440"/>
+                    <a:ext cx="289695" cy="307777"/>
+                  </a:xfrm>
+                  <a:prstGeom prst="rect">
+                    <a:avLst/>
+                  </a:prstGeom>
+                  <a:blipFill>
+                    <a:blip r:embed="rId3"/>
+                    <a:stretch>
+                      <a:fillRect l="-8333" r="-8333" b="-2000"/>
+                    </a:stretch>
+                  </a:blipFill>
+                </p:spPr>
+                <p:txBody>
+                  <a:bodyPr/>
+                  <a:lstStyle/>
+                  <a:p>
+                    <a:r>
+                      <a:rPr lang="en-US">
+                        <a:noFill/>
+                      </a:rPr>
+                      <a:t> </a:t>
+                    </a:r>
+                  </a:p>
+                </p:txBody>
+              </p:sp>
+            </mc:Fallback>
+          </mc:AlternateContent>
+          <p:cxnSp>
+            <p:nvCxnSpPr>
+              <p:cNvPr id="11" name="Straight Connector 10"/>
+              <p:cNvCxnSpPr>
+                <a:endCxn id="4" idx="7"/>
+              </p:cNvCxnSpPr>
+              <p:nvPr/>
+            </p:nvCxnSpPr>
+            <p:spPr>
+              <a:xfrm flipV="1">
+                <a:off x="3037840" y="1531870"/>
+                <a:ext cx="632210" cy="632210"/>
+              </a:xfrm>
+              <a:prstGeom prst="line">
+                <a:avLst/>
+              </a:prstGeom>
+              <a:ln w="38100">
+                <a:solidFill>
+                  <a:schemeClr val="tx1"/>
+                </a:solidFill>
+              </a:ln>
+            </p:spPr>
+            <p:style>
+              <a:lnRef idx="1">
+                <a:schemeClr val="accent1"/>
+              </a:lnRef>
+              <a:fillRef idx="0">
+                <a:schemeClr val="accent1"/>
+              </a:fillRef>
+              <a:effectRef idx="0">
+                <a:schemeClr val="accent1"/>
+              </a:effectRef>
+              <a:fontRef idx="minor">
+                <a:schemeClr val="tx1"/>
+              </a:fontRef>
+            </p:style>
+          </p:cxnSp>
+          <mc:AlternateContent xmlns:mc="http://schemas.openxmlformats.org/markup-compatibility/2006">
+            <mc:Choice xmlns:a14="http://schemas.microsoft.com/office/drawing/2010/main" Requires="a14">
+              <p:sp>
+                <p:nvSpPr>
+                  <p:cNvPr id="12" name="TextBox 11"/>
+                  <p:cNvSpPr txBox="1"/>
+                  <p:nvPr/>
+                </p:nvSpPr>
+                <p:spPr>
+                  <a:xfrm>
+                    <a:off x="3112405" y="1570406"/>
+                    <a:ext cx="241540" cy="307777"/>
+                  </a:xfrm>
+                  <a:prstGeom prst="rect">
+                    <a:avLst/>
+                  </a:prstGeom>
+                  <a:noFill/>
+                </p:spPr>
+                <p:txBody>
+                  <a:bodyPr wrap="none" lIns="0" tIns="0" rIns="0" bIns="0" rtlCol="0">
+                    <a:spAutoFit/>
+                  </a:bodyPr>
+                  <a:lstStyle/>
+                  <a:p>
+                    <a14:m>
+                      <m:oMathPara xmlns:m="http://schemas.openxmlformats.org/officeDocument/2006/math">
+                        <m:oMathParaPr>
+                          <m:jc m:val="centerGroup"/>
+                        </m:oMathParaPr>
+                        <m:oMath xmlns:m="http://schemas.openxmlformats.org/officeDocument/2006/math">
+                          <m:r>
+                            <a:rPr lang="en-US" sz="2000" b="0" i="1" smtClean="0">
+                              <a:latin typeface="Cambria Math" panose="02040503050406030204" pitchFamily="18" charset="0"/>
+                              <a:cs typeface="Arial" panose="020B0604020202020204" pitchFamily="34" charset="0"/>
+                            </a:rPr>
+                            <m:t>𝑅</m:t>
+                          </m:r>
+                        </m:oMath>
+                      </m:oMathPara>
+                    </a14:m>
+                    <a:endParaRPr lang="en-US" sz="2000" dirty="0" smtClean="0">
+                      <a:latin typeface="Arial" panose="020B0604020202020204" pitchFamily="34" charset="0"/>
+                      <a:cs typeface="Arial" panose="020B0604020202020204" pitchFamily="34" charset="0"/>
+                    </a:endParaRPr>
+                  </a:p>
+                </p:txBody>
+              </p:sp>
+            </mc:Choice>
+            <mc:Fallback>
+              <p:sp>
+                <p:nvSpPr>
+                  <p:cNvPr id="12" name="TextBox 11"/>
+                  <p:cNvSpPr txBox="1">
+                    <a:spLocks noRot="1" noChangeAspect="1" noMove="1" noResize="1" noEditPoints="1" noAdjustHandles="1" noChangeArrowheads="1" noChangeShapeType="1" noTextEdit="1"/>
+                  </p:cNvSpPr>
+                  <p:nvPr/>
+                </p:nvSpPr>
+                <p:spPr>
+                  <a:xfrm>
+                    <a:off x="3112405" y="1570406"/>
+                    <a:ext cx="241540" cy="307777"/>
+                  </a:xfrm>
+                  <a:prstGeom prst="rect">
+                    <a:avLst/>
+                  </a:prstGeom>
+                  <a:blipFill>
+                    <a:blip r:embed="rId4"/>
+                    <a:stretch>
+                      <a:fillRect l="-23077" r="-20513" b="-9804"/>
+                    </a:stretch>
+                  </a:blipFill>
+                </p:spPr>
+                <p:txBody>
+                  <a:bodyPr/>
+                  <a:lstStyle/>
+                  <a:p>
+                    <a:r>
+                      <a:rPr lang="en-US">
+                        <a:noFill/>
+                      </a:rPr>
+                      <a:t> </a:t>
+                    </a:r>
+                  </a:p>
+                </p:txBody>
+              </p:sp>
+            </mc:Fallback>
+          </mc:AlternateContent>
+          <mc:AlternateContent xmlns:mc="http://schemas.openxmlformats.org/markup-compatibility/2006">
+            <mc:Choice xmlns:a14="http://schemas.microsoft.com/office/drawing/2010/main" Requires="a14">
+              <p:sp>
+                <p:nvSpPr>
+                  <p:cNvPr id="13" name="TextBox 12"/>
+                  <p:cNvSpPr txBox="1"/>
+                  <p:nvPr/>
+                </p:nvSpPr>
+                <p:spPr>
+                  <a:xfrm>
+                    <a:off x="2823316" y="2555240"/>
+                    <a:ext cx="294824" cy="307777"/>
+                  </a:xfrm>
+                  <a:prstGeom prst="rect">
+                    <a:avLst/>
+                  </a:prstGeom>
+                  <a:noFill/>
+                </p:spPr>
+                <p:txBody>
+                  <a:bodyPr wrap="none" lIns="0" tIns="0" rIns="0" bIns="0" rtlCol="0">
+                    <a:spAutoFit/>
+                  </a:bodyPr>
+                  <a:lstStyle/>
+                  <a:p>
+                    <a14:m>
+                      <m:oMathPara xmlns:m="http://schemas.openxmlformats.org/officeDocument/2006/math">
+                        <m:oMathParaPr>
+                          <m:jc m:val="centerGroup"/>
+                        </m:oMathParaPr>
+                        <m:oMath xmlns:m="http://schemas.openxmlformats.org/officeDocument/2006/math">
+                          <m:r>
+                            <a:rPr lang="en-US" sz="2000" b="0" i="1" smtClean="0">
+                              <a:latin typeface="Cambria Math" panose="02040503050406030204" pitchFamily="18" charset="0"/>
+                              <a:cs typeface="Arial" panose="020B0604020202020204" pitchFamily="34" charset="0"/>
+                            </a:rPr>
+                            <m:t>𝑀</m:t>
+                          </m:r>
+                        </m:oMath>
+                      </m:oMathPara>
+                    </a14:m>
+                    <a:endParaRPr lang="en-US" sz="2000" dirty="0" smtClean="0">
+                      <a:latin typeface="Arial" panose="020B0604020202020204" pitchFamily="34" charset="0"/>
+                      <a:cs typeface="Arial" panose="020B0604020202020204" pitchFamily="34" charset="0"/>
+                    </a:endParaRPr>
+                  </a:p>
+                </p:txBody>
+              </p:sp>
+            </mc:Choice>
+            <mc:Fallback>
+              <p:sp>
+                <p:nvSpPr>
+                  <p:cNvPr id="13" name="TextBox 12"/>
+                  <p:cNvSpPr txBox="1">
+                    <a:spLocks noRot="1" noChangeAspect="1" noMove="1" noResize="1" noEditPoints="1" noAdjustHandles="1" noChangeArrowheads="1" noChangeShapeType="1" noTextEdit="1"/>
+                  </p:cNvSpPr>
+                  <p:nvPr/>
+                </p:nvSpPr>
+                <p:spPr>
+                  <a:xfrm>
+                    <a:off x="2823316" y="2555240"/>
+                    <a:ext cx="294824" cy="307777"/>
+                  </a:xfrm>
+                  <a:prstGeom prst="rect">
+                    <a:avLst/>
+                  </a:prstGeom>
+                  <a:blipFill>
+                    <a:blip r:embed="rId5"/>
+                    <a:stretch>
+                      <a:fillRect l="-16667" r="-18750" b="-10000"/>
+                    </a:stretch>
+                  </a:blipFill>
+                </p:spPr>
+                <p:txBody>
+                  <a:bodyPr/>
+                  <a:lstStyle/>
+                  <a:p>
+                    <a:r>
+                      <a:rPr lang="en-US">
+                        <a:noFill/>
+                      </a:rPr>
+                      <a:t> </a:t>
+                    </a:r>
+                  </a:p>
+                </p:txBody>
+              </p:sp>
+            </mc:Fallback>
+          </mc:AlternateContent>
+        </p:grpSp>
+        <p:cxnSp>
+          <p:nvCxnSpPr>
+            <p:cNvPr id="15" name="Straight Connector 14"/>
+            <p:cNvCxnSpPr>
+              <a:stCxn id="4" idx="0"/>
+              <a:endCxn id="5" idx="2"/>
+            </p:cNvCxnSpPr>
+            <p:nvPr/>
+          </p:nvCxnSpPr>
+          <p:spPr>
+            <a:xfrm flipH="1">
+              <a:off x="689847" y="1270000"/>
+              <a:ext cx="2347993" cy="0"/>
+            </a:xfrm>
+            <a:prstGeom prst="line">
+              <a:avLst/>
+            </a:prstGeom>
+            <a:ln w="19050">
+              <a:solidFill>
+                <a:schemeClr val="tx1"/>
+              </a:solidFill>
+              <a:prstDash val="sysDot"/>
+            </a:ln>
+          </p:spPr>
+          <p:style>
+            <a:lnRef idx="1">
+              <a:schemeClr val="accent1"/>
+            </a:lnRef>
+            <a:fillRef idx="0">
+              <a:schemeClr val="accent1"/>
+            </a:fillRef>
+            <a:effectRef idx="0">
+              <a:schemeClr val="accent1"/>
+            </a:effectRef>
+            <a:fontRef idx="minor">
+              <a:schemeClr val="tx1"/>
+            </a:fontRef>
+          </p:style>
+        </p:cxnSp>
+      </p:grpSp>
+      <p:grpSp>
+        <p:nvGrpSpPr>
+          <p:cNvPr id="68" name="Group 67"/>
+          <p:cNvGrpSpPr/>
+          <p:nvPr/>
+        </p:nvGrpSpPr>
+        <p:grpSpPr>
+          <a:xfrm>
+            <a:off x="5629814" y="393909"/>
+            <a:ext cx="5368200" cy="4322661"/>
+            <a:chOff x="5325014" y="535366"/>
+            <a:chExt cx="5368200" cy="4322661"/>
+          </a:xfrm>
+        </p:grpSpPr>
+        <p:grpSp>
+          <p:nvGrpSpPr>
+            <p:cNvPr id="31" name="Group 30"/>
+            <p:cNvGrpSpPr/>
+            <p:nvPr/>
+          </p:nvGrpSpPr>
+          <p:grpSpPr>
+            <a:xfrm>
+              <a:off x="5430334" y="720032"/>
+              <a:ext cx="5262880" cy="4137995"/>
+              <a:chOff x="6407217" y="148448"/>
+              <a:chExt cx="5262880" cy="4137995"/>
+            </a:xfrm>
+          </p:grpSpPr>
+          <p:grpSp>
+            <p:nvGrpSpPr>
+              <p:cNvPr id="32" name="Group 31"/>
+              <p:cNvGrpSpPr/>
+              <p:nvPr/>
+            </p:nvGrpSpPr>
+            <p:grpSpPr>
+              <a:xfrm>
+                <a:off x="6407217" y="488354"/>
+                <a:ext cx="5262880" cy="3798089"/>
+                <a:chOff x="6464716" y="-39966"/>
+                <a:chExt cx="5262880" cy="3798089"/>
+              </a:xfrm>
+            </p:grpSpPr>
+            <p:grpSp>
+              <p:nvGrpSpPr>
+                <p:cNvPr id="35" name="Group 34"/>
+                <p:cNvGrpSpPr/>
+                <p:nvPr/>
+              </p:nvGrpSpPr>
+              <p:grpSpPr>
+                <a:xfrm>
+                  <a:off x="6464716" y="466283"/>
+                  <a:ext cx="5262880" cy="3291840"/>
+                  <a:chOff x="6464716" y="466283"/>
+                  <a:chExt cx="5262880" cy="3291840"/>
+                </a:xfrm>
+              </p:grpSpPr>
+              <p:sp>
+                <p:nvSpPr>
+                  <p:cNvPr id="41" name="Oval 40"/>
+                  <p:cNvSpPr/>
+                  <p:nvPr/>
+                </p:nvSpPr>
+                <p:spPr>
+                  <a:xfrm>
+                    <a:off x="6464716" y="466283"/>
+                    <a:ext cx="5262880" cy="3291840"/>
+                  </a:xfrm>
+                  <a:prstGeom prst="ellipse">
+                    <a:avLst/>
+                  </a:prstGeom>
+                  <a:noFill/>
+                  <a:ln w="38100">
+                    <a:solidFill>
+                      <a:schemeClr val="tx1"/>
+                    </a:solidFill>
+                  </a:ln>
+                </p:spPr>
+                <p:style>
+                  <a:lnRef idx="2">
+                    <a:schemeClr val="accent1">
+                      <a:shade val="50000"/>
+                    </a:schemeClr>
+                  </a:lnRef>
+                  <a:fillRef idx="1">
+                    <a:schemeClr val="accent1"/>
+                  </a:fillRef>
+                  <a:effectRef idx="0">
+                    <a:schemeClr val="accent1"/>
+                  </a:effectRef>
+                  <a:fontRef idx="minor">
+                    <a:schemeClr val="lt1"/>
+                  </a:fontRef>
+                </p:style>
+                <p:txBody>
+                  <a:bodyPr rtlCol="0" anchor="ctr"/>
+                  <a:lstStyle/>
+                  <a:p>
+                    <a:pPr algn="ctr"/>
+                    <a:endParaRPr lang="en-US"/>
+                  </a:p>
+                </p:txBody>
+              </p:sp>
+              <p:sp>
+                <p:nvSpPr>
+                  <p:cNvPr id="42" name="Freeform 41"/>
+                  <p:cNvSpPr/>
+                  <p:nvPr/>
+                </p:nvSpPr>
+                <p:spPr>
+                  <a:xfrm>
+                    <a:off x="7239837" y="688312"/>
+                    <a:ext cx="3778181" cy="1391697"/>
+                  </a:xfrm>
+                  <a:custGeom>
+                    <a:avLst/>
+                    <a:gdLst>
+                      <a:gd name="connsiteX0" fmla="*/ 537587 w 3778181"/>
+                      <a:gd name="connsiteY0" fmla="*/ 0 h 1391697"/>
+                      <a:gd name="connsiteX1" fmla="*/ 442128 w 3778181"/>
+                      <a:gd name="connsiteY1" fmla="*/ 40193 h 1391697"/>
+                      <a:gd name="connsiteX2" fmla="*/ 366765 w 3778181"/>
+                      <a:gd name="connsiteY2" fmla="*/ 70339 h 1391697"/>
+                      <a:gd name="connsiteX3" fmla="*/ 301451 w 3778181"/>
+                      <a:gd name="connsiteY3" fmla="*/ 100484 h 1391697"/>
+                      <a:gd name="connsiteX4" fmla="*/ 246185 w 3778181"/>
+                      <a:gd name="connsiteY4" fmla="*/ 120580 h 1391697"/>
+                      <a:gd name="connsiteX5" fmla="*/ 180871 w 3778181"/>
+                      <a:gd name="connsiteY5" fmla="*/ 150725 h 1391697"/>
+                      <a:gd name="connsiteX6" fmla="*/ 120581 w 3778181"/>
+                      <a:gd name="connsiteY6" fmla="*/ 190919 h 1391697"/>
+                      <a:gd name="connsiteX7" fmla="*/ 65315 w 3778181"/>
+                      <a:gd name="connsiteY7" fmla="*/ 216040 h 1391697"/>
+                      <a:gd name="connsiteX8" fmla="*/ 0 w 3778181"/>
+                      <a:gd name="connsiteY8" fmla="*/ 261257 h 1391697"/>
+                      <a:gd name="connsiteX9" fmla="*/ 3778181 w 3778181"/>
+                      <a:gd name="connsiteY9" fmla="*/ 1391697 h 1391697"/>
+                      <a:gd name="connsiteX10" fmla="*/ 537587 w 3778181"/>
+                      <a:gd name="connsiteY10" fmla="*/ 0 h 1391697"/>
+                    </a:gdLst>
+                    <a:ahLst/>
+                    <a:cxnLst>
+                      <a:cxn ang="0">
+                        <a:pos x="connsiteX0" y="connsiteY0"/>
+                      </a:cxn>
+                      <a:cxn ang="0">
+                        <a:pos x="connsiteX1" y="connsiteY1"/>
+                      </a:cxn>
+                      <a:cxn ang="0">
+                        <a:pos x="connsiteX2" y="connsiteY2"/>
+                      </a:cxn>
+                      <a:cxn ang="0">
+                        <a:pos x="connsiteX3" y="connsiteY3"/>
+                      </a:cxn>
+                      <a:cxn ang="0">
+                        <a:pos x="connsiteX4" y="connsiteY4"/>
+                      </a:cxn>
+                      <a:cxn ang="0">
+                        <a:pos x="connsiteX5" y="connsiteY5"/>
+                      </a:cxn>
+                      <a:cxn ang="0">
+                        <a:pos x="connsiteX6" y="connsiteY6"/>
+                      </a:cxn>
+                      <a:cxn ang="0">
+                        <a:pos x="connsiteX7" y="connsiteY7"/>
+                      </a:cxn>
+                      <a:cxn ang="0">
+                        <a:pos x="connsiteX8" y="connsiteY8"/>
+                      </a:cxn>
+                      <a:cxn ang="0">
+                        <a:pos x="connsiteX9" y="connsiteY9"/>
+                      </a:cxn>
+                      <a:cxn ang="0">
+                        <a:pos x="connsiteX10" y="connsiteY10"/>
+                      </a:cxn>
+                    </a:cxnLst>
+                    <a:rect l="l" t="t" r="r" b="b"/>
+                    <a:pathLst>
+                      <a:path w="3778181" h="1391697">
+                        <a:moveTo>
+                          <a:pt x="537587" y="0"/>
+                        </a:moveTo>
+                        <a:lnTo>
+                          <a:pt x="442128" y="40193"/>
+                        </a:lnTo>
+                        <a:lnTo>
+                          <a:pt x="366765" y="70339"/>
+                        </a:lnTo>
+                        <a:lnTo>
+                          <a:pt x="301451" y="100484"/>
+                        </a:lnTo>
+                        <a:lnTo>
+                          <a:pt x="246185" y="120580"/>
+                        </a:lnTo>
+                        <a:lnTo>
+                          <a:pt x="180871" y="150725"/>
+                        </a:lnTo>
+                        <a:lnTo>
+                          <a:pt x="120581" y="190919"/>
+                        </a:lnTo>
+                        <a:lnTo>
+                          <a:pt x="65315" y="216040"/>
+                        </a:lnTo>
+                        <a:lnTo>
+                          <a:pt x="0" y="261257"/>
+                        </a:lnTo>
+                        <a:lnTo>
+                          <a:pt x="3778181" y="1391697"/>
+                        </a:lnTo>
+                        <a:lnTo>
+                          <a:pt x="537587" y="0"/>
+                        </a:lnTo>
+                        <a:close/>
+                      </a:path>
+                    </a:pathLst>
+                  </a:custGeom>
+                  <a:solidFill>
+                    <a:schemeClr val="accent3">
+                      <a:lumMod val="40000"/>
+                      <a:lumOff val="60000"/>
+                    </a:schemeClr>
+                  </a:solidFill>
+                  <a:ln w="19050">
+                    <a:solidFill>
+                      <a:schemeClr val="tx1"/>
+                    </a:solidFill>
+                  </a:ln>
+                </p:spPr>
+                <p:style>
+                  <a:lnRef idx="2">
+                    <a:schemeClr val="accent1">
+                      <a:shade val="50000"/>
+                    </a:schemeClr>
+                  </a:lnRef>
+                  <a:fillRef idx="1">
+                    <a:schemeClr val="accent1"/>
+                  </a:fillRef>
+                  <a:effectRef idx="0">
+                    <a:schemeClr val="accent1"/>
+                  </a:effectRef>
+                  <a:fontRef idx="minor">
+                    <a:schemeClr val="lt1"/>
+                  </a:fontRef>
+                </p:style>
+                <p:txBody>
+                  <a:bodyPr rtlCol="0" anchor="ctr"/>
+                  <a:lstStyle/>
+                  <a:p>
+                    <a:pPr algn="ctr"/>
+                    <a:endParaRPr lang="en-US"/>
+                  </a:p>
+                </p:txBody>
+              </p:sp>
+              <p:sp>
+                <p:nvSpPr>
+                  <p:cNvPr id="44" name="Oval 43"/>
+                  <p:cNvSpPr/>
+                  <p:nvPr/>
+                </p:nvSpPr>
+                <p:spPr>
+                  <a:xfrm>
+                    <a:off x="11089787" y="2052320"/>
+                    <a:ext cx="120943" cy="119766"/>
+                  </a:xfrm>
+                  <a:prstGeom prst="ellipse">
+                    <a:avLst/>
+                  </a:prstGeom>
+                  <a:solidFill>
+                    <a:schemeClr val="tx1"/>
+                  </a:solidFill>
+                  <a:ln w="38100">
+                    <a:solidFill>
+                      <a:schemeClr val="tx1"/>
+                    </a:solidFill>
+                  </a:ln>
+                </p:spPr>
+                <p:style>
+                  <a:lnRef idx="2">
+                    <a:schemeClr val="accent1">
+                      <a:shade val="50000"/>
+                    </a:schemeClr>
+                  </a:lnRef>
+                  <a:fillRef idx="1">
+                    <a:schemeClr val="accent1"/>
+                  </a:fillRef>
+                  <a:effectRef idx="0">
+                    <a:schemeClr val="accent1"/>
+                  </a:effectRef>
+                  <a:fontRef idx="minor">
+                    <a:schemeClr val="lt1"/>
+                  </a:fontRef>
+                </p:style>
+                <p:txBody>
+                  <a:bodyPr rtlCol="0" anchor="ctr"/>
+                  <a:lstStyle/>
+                  <a:p>
+                    <a:pPr algn="ctr"/>
+                    <a:endParaRPr lang="en-US"/>
+                  </a:p>
+                </p:txBody>
+              </p:sp>
+            </p:grpSp>
+            <p:sp>
+              <p:nvSpPr>
+                <p:cNvPr id="36" name="Arc 35"/>
+                <p:cNvSpPr/>
+                <p:nvPr/>
+              </p:nvSpPr>
+              <p:spPr>
+                <a:xfrm>
+                  <a:off x="6890365" y="-39966"/>
+                  <a:ext cx="4452472" cy="1507503"/>
+                </a:xfrm>
+                <a:prstGeom prst="arc">
+                  <a:avLst>
+                    <a:gd name="adj1" fmla="val 11859802"/>
+                    <a:gd name="adj2" fmla="val 21085770"/>
+                  </a:avLst>
+                </a:prstGeom>
+                <a:ln w="28575">
+                  <a:solidFill>
+                    <a:schemeClr val="tx1"/>
+                  </a:solidFill>
+                  <a:prstDash val="sysDash"/>
+                  <a:headEnd type="triangle" w="med" len="med"/>
+                  <a:tailEnd type="none" w="med" len="med"/>
+                </a:ln>
+              </p:spPr>
+              <p:style>
+                <a:lnRef idx="1">
+                  <a:schemeClr val="accent1"/>
+                </a:lnRef>
+                <a:fillRef idx="0">
+                  <a:schemeClr val="accent1"/>
+                </a:fillRef>
+                <a:effectRef idx="0">
+                  <a:schemeClr val="accent1"/>
+                </a:effectRef>
+                <a:fontRef idx="minor">
+                  <a:schemeClr val="tx1"/>
+                </a:fontRef>
+              </p:style>
+              <p:txBody>
+                <a:bodyPr rtlCol="0" anchor="ctr"/>
+                <a:lstStyle/>
+                <a:p>
+                  <a:pPr algn="ctr"/>
+                  <a:endParaRPr lang="en-US"/>
+                </a:p>
+              </p:txBody>
+            </p:sp>
+          </p:grpSp>
+          <mc:AlternateContent xmlns:mc="http://schemas.openxmlformats.org/markup-compatibility/2006" xmlns:a14="http://schemas.microsoft.com/office/drawing/2010/main">
+            <mc:Choice Requires="a14">
+              <p:sp>
+                <p:nvSpPr>
+                  <p:cNvPr id="33" name="TextBox 32"/>
+                  <p:cNvSpPr txBox="1"/>
+                  <p:nvPr/>
+                </p:nvSpPr>
+                <p:spPr>
+                  <a:xfrm>
+                    <a:off x="8363794" y="148448"/>
+                    <a:ext cx="2037930" cy="307777"/>
+                  </a:xfrm>
+                  <a:prstGeom prst="rect">
+                    <a:avLst/>
+                  </a:prstGeom>
+                  <a:noFill/>
+                </p:spPr>
+                <p:txBody>
+                  <a:bodyPr wrap="none" lIns="0" tIns="0" rIns="0" bIns="0" rtlCol="0">
+                    <a:spAutoFit/>
+                  </a:bodyPr>
+                  <a:lstStyle/>
+                  <a:p>
+                    <a:pPr/>
+                    <a14:m>
+                      <m:oMathPara xmlns:m="http://schemas.openxmlformats.org/officeDocument/2006/math">
+                        <m:oMathParaPr>
+                          <m:jc m:val="centerGroup"/>
+                        </m:oMathParaPr>
+                        <m:oMath xmlns:m="http://schemas.openxmlformats.org/officeDocument/2006/math">
+                          <m:r>
+                            <a:rPr lang="en-US" sz="2000" b="0" i="1" smtClean="0">
+                              <a:latin typeface="Cambria Math" panose="02040503050406030204" pitchFamily="18" charset="0"/>
+                              <a:cs typeface="Arial" panose="020B0604020202020204" pitchFamily="34" charset="0"/>
+                            </a:rPr>
+                            <m:t>𝑚𝑜𝑡𝑖𝑜𝑛</m:t>
+                          </m:r>
+                          <m:r>
+                            <a:rPr lang="en-US" sz="2000" b="0" i="1" smtClean="0">
+                              <a:latin typeface="Cambria Math" panose="02040503050406030204" pitchFamily="18" charset="0"/>
+                              <a:cs typeface="Arial" panose="020B0604020202020204" pitchFamily="34" charset="0"/>
+                            </a:rPr>
+                            <m:t> </m:t>
+                          </m:r>
+                          <m:r>
+                            <a:rPr lang="en-US" sz="2000" b="0" i="1" smtClean="0">
+                              <a:latin typeface="Cambria Math" panose="02040503050406030204" pitchFamily="18" charset="0"/>
+                              <a:cs typeface="Arial" panose="020B0604020202020204" pitchFamily="34" charset="0"/>
+                            </a:rPr>
+                            <m:t>𝑜𝑓</m:t>
+                          </m:r>
+                          <m:r>
+                            <a:rPr lang="en-US" sz="2000" b="0" i="1" smtClean="0">
+                              <a:latin typeface="Cambria Math" panose="02040503050406030204" pitchFamily="18" charset="0"/>
+                              <a:cs typeface="Arial" panose="020B0604020202020204" pitchFamily="34" charset="0"/>
+                            </a:rPr>
+                            <m:t> </m:t>
+                          </m:r>
+                          <m:r>
+                            <a:rPr lang="en-US" sz="2000" b="0" i="1" smtClean="0">
+                              <a:latin typeface="Cambria Math" panose="02040503050406030204" pitchFamily="18" charset="0"/>
+                              <a:cs typeface="Arial" panose="020B0604020202020204" pitchFamily="34" charset="0"/>
+                            </a:rPr>
+                            <m:t>𝑝𝑙𝑎𝑛𝑒𝑡</m:t>
+                          </m:r>
+                        </m:oMath>
+                      </m:oMathPara>
+                    </a14:m>
+                    <a:endParaRPr lang="en-US" sz="2000" dirty="0" smtClean="0">
+                      <a:latin typeface="Arial" panose="020B0604020202020204" pitchFamily="34" charset="0"/>
+                      <a:cs typeface="Arial" panose="020B0604020202020204" pitchFamily="34" charset="0"/>
+                    </a:endParaRPr>
+                  </a:p>
+                </p:txBody>
+              </p:sp>
+            </mc:Choice>
+            <mc:Fallback xmlns="">
+              <p:sp>
+                <p:nvSpPr>
+                  <p:cNvPr id="65" name="TextBox 64"/>
+                  <p:cNvSpPr txBox="1">
+                    <a:spLocks noRot="1" noChangeAspect="1" noMove="1" noResize="1" noEditPoints="1" noAdjustHandles="1" noChangeArrowheads="1" noChangeShapeType="1" noTextEdit="1"/>
+                  </p:cNvSpPr>
+                  <p:nvPr/>
+                </p:nvSpPr>
+                <p:spPr>
+                  <a:xfrm>
+                    <a:off x="8363794" y="148448"/>
+                    <a:ext cx="2037930" cy="307777"/>
+                  </a:xfrm>
+                  <a:prstGeom prst="rect">
+                    <a:avLst/>
+                  </a:prstGeom>
+                  <a:blipFill>
+                    <a:blip r:embed="rId11"/>
+                    <a:stretch>
+                      <a:fillRect l="-2096" r="-3593" b="-37255"/>
+                    </a:stretch>
+                  </a:blipFill>
+                </p:spPr>
+                <p:txBody>
+                  <a:bodyPr/>
+                  <a:lstStyle/>
+                  <a:p>
+                    <a:r>
+                      <a:rPr lang="en-US">
+                        <a:noFill/>
+                      </a:rPr>
+                      <a:t> </a:t>
+                    </a:r>
+                  </a:p>
+                </p:txBody>
+              </p:sp>
+            </mc:Fallback>
+          </mc:AlternateContent>
+          <mc:AlternateContent xmlns:mc="http://schemas.openxmlformats.org/markup-compatibility/2006" xmlns:a14="http://schemas.microsoft.com/office/drawing/2010/main">
+            <mc:Choice Requires="a14">
+              <p:sp>
+                <p:nvSpPr>
+                  <p:cNvPr id="34" name="TextBox 33"/>
+                  <p:cNvSpPr txBox="1"/>
+                  <p:nvPr/>
+                </p:nvSpPr>
+                <p:spPr>
+                  <a:xfrm>
+                    <a:off x="10779237" y="2819831"/>
+                    <a:ext cx="506101" cy="307777"/>
+                  </a:xfrm>
+                  <a:prstGeom prst="rect">
+                    <a:avLst/>
+                  </a:prstGeom>
+                  <a:noFill/>
+                </p:spPr>
+                <p:txBody>
+                  <a:bodyPr wrap="none" lIns="0" tIns="0" rIns="0" bIns="0" rtlCol="0">
+                    <a:spAutoFit/>
+                  </a:bodyPr>
+                  <a:lstStyle/>
+                  <a:p>
+                    <a:pPr/>
+                    <a14:m>
+                      <m:oMathPara xmlns:m="http://schemas.openxmlformats.org/officeDocument/2006/math">
+                        <m:oMathParaPr>
+                          <m:jc m:val="centerGroup"/>
+                        </m:oMathParaPr>
+                        <m:oMath xmlns:m="http://schemas.openxmlformats.org/officeDocument/2006/math">
+                          <m:r>
+                            <a:rPr lang="en-US" sz="2000" b="0" i="1" smtClean="0">
+                              <a:latin typeface="Cambria Math" panose="02040503050406030204" pitchFamily="18" charset="0"/>
+                              <a:cs typeface="Arial" panose="020B0604020202020204" pitchFamily="34" charset="0"/>
+                            </a:rPr>
+                            <m:t>𝑆𝑢𝑛</m:t>
+                          </m:r>
+                        </m:oMath>
+                      </m:oMathPara>
+                    </a14:m>
+                    <a:endParaRPr lang="en-US" sz="2000" dirty="0" smtClean="0">
+                      <a:latin typeface="Arial" panose="020B0604020202020204" pitchFamily="34" charset="0"/>
+                      <a:cs typeface="Arial" panose="020B0604020202020204" pitchFamily="34" charset="0"/>
+                    </a:endParaRPr>
+                  </a:p>
+                </p:txBody>
+              </p:sp>
+            </mc:Choice>
+            <mc:Fallback xmlns="">
+              <p:sp>
+                <p:nvSpPr>
+                  <p:cNvPr id="66" name="TextBox 65"/>
+                  <p:cNvSpPr txBox="1">
+                    <a:spLocks noRot="1" noChangeAspect="1" noMove="1" noResize="1" noEditPoints="1" noAdjustHandles="1" noChangeArrowheads="1" noChangeShapeType="1" noTextEdit="1"/>
+                  </p:cNvSpPr>
+                  <p:nvPr/>
+                </p:nvSpPr>
+                <p:spPr>
+                  <a:xfrm>
+                    <a:off x="10779237" y="2819831"/>
+                    <a:ext cx="506101" cy="307777"/>
+                  </a:xfrm>
+                  <a:prstGeom prst="rect">
+                    <a:avLst/>
+                  </a:prstGeom>
+                  <a:blipFill>
+                    <a:blip r:embed="rId12"/>
+                    <a:stretch>
+                      <a:fillRect l="-9639" r="-9639" b="-10000"/>
+                    </a:stretch>
+                  </a:blipFill>
+                </p:spPr>
+                <p:txBody>
+                  <a:bodyPr/>
+                  <a:lstStyle/>
+                  <a:p>
+                    <a:r>
+                      <a:rPr lang="en-US">
+                        <a:noFill/>
+                      </a:rPr>
+                      <a:t> </a:t>
+                    </a:r>
+                  </a:p>
+                </p:txBody>
+              </p:sp>
+            </mc:Fallback>
+          </mc:AlternateContent>
+        </p:grpSp>
+        <p:cxnSp>
+          <p:nvCxnSpPr>
+            <p:cNvPr id="46" name="Straight Arrow Connector 45"/>
+            <p:cNvCxnSpPr/>
+            <p:nvPr/>
+          </p:nvCxnSpPr>
+          <p:spPr>
+            <a:xfrm flipH="1">
+              <a:off x="5358565" y="1781946"/>
+              <a:ext cx="1350926" cy="586421"/>
+            </a:xfrm>
+            <a:prstGeom prst="straightConnector1">
+              <a:avLst/>
+            </a:prstGeom>
+            <a:ln w="38100">
+              <a:solidFill>
+                <a:schemeClr val="tx1"/>
+              </a:solidFill>
+              <a:tailEnd type="triangle"/>
+            </a:ln>
+          </p:spPr>
+          <p:style>
+            <a:lnRef idx="1">
+              <a:schemeClr val="accent1"/>
+            </a:lnRef>
+            <a:fillRef idx="0">
+              <a:schemeClr val="accent1"/>
+            </a:fillRef>
+            <a:effectRef idx="0">
+              <a:schemeClr val="accent1"/>
+            </a:effectRef>
+            <a:fontRef idx="minor">
+              <a:schemeClr val="tx1"/>
+            </a:fontRef>
+          </p:style>
+        </p:cxnSp>
+        <p:cxnSp>
+          <p:nvCxnSpPr>
+            <p:cNvPr id="49" name="Straight Connector 48"/>
+            <p:cNvCxnSpPr>
+              <a:stCxn id="42" idx="0"/>
+            </p:cNvCxnSpPr>
+            <p:nvPr/>
+          </p:nvCxnSpPr>
+          <p:spPr>
+            <a:xfrm flipH="1" flipV="1">
+              <a:off x="5784215" y="1361440"/>
+              <a:ext cx="958827" cy="426776"/>
+            </a:xfrm>
+            <a:prstGeom prst="line">
+              <a:avLst/>
+            </a:prstGeom>
+            <a:ln w="38100">
+              <a:solidFill>
+                <a:schemeClr val="tx1"/>
+              </a:solidFill>
+              <a:prstDash val="sysDot"/>
+            </a:ln>
+          </p:spPr>
+          <p:style>
+            <a:lnRef idx="1">
+              <a:schemeClr val="accent1"/>
+            </a:lnRef>
+            <a:fillRef idx="0">
+              <a:schemeClr val="accent1"/>
+            </a:fillRef>
+            <a:effectRef idx="0">
+              <a:schemeClr val="accent1"/>
+            </a:effectRef>
+            <a:fontRef idx="minor">
+              <a:schemeClr val="tx1"/>
+            </a:fontRef>
+          </p:style>
+        </p:cxnSp>
+        <p:cxnSp>
+          <p:nvCxnSpPr>
+            <p:cNvPr id="53" name="Straight Arrow Connector 52"/>
+            <p:cNvCxnSpPr>
+              <a:stCxn id="42" idx="9"/>
+              <a:endCxn id="42" idx="0"/>
+            </p:cNvCxnSpPr>
+            <p:nvPr/>
+          </p:nvCxnSpPr>
+          <p:spPr>
+            <a:xfrm flipH="1" flipV="1">
+              <a:off x="6743042" y="1788216"/>
+              <a:ext cx="3240594" cy="1391697"/>
+            </a:xfrm>
+            <a:prstGeom prst="straightConnector1">
+              <a:avLst/>
+            </a:prstGeom>
+            <a:ln w="38100">
+              <a:solidFill>
+                <a:schemeClr val="tx1"/>
+              </a:solidFill>
+              <a:tailEnd type="triangle"/>
+            </a:ln>
+          </p:spPr>
+          <p:style>
+            <a:lnRef idx="1">
+              <a:schemeClr val="accent1"/>
+            </a:lnRef>
+            <a:fillRef idx="0">
+              <a:schemeClr val="accent1"/>
+            </a:fillRef>
+            <a:effectRef idx="0">
+              <a:schemeClr val="accent1"/>
+            </a:effectRef>
+            <a:fontRef idx="minor">
+              <a:schemeClr val="tx1"/>
+            </a:fontRef>
+          </p:style>
+        </p:cxnSp>
+        <mc:AlternateContent xmlns:mc="http://schemas.openxmlformats.org/markup-compatibility/2006">
+          <mc:Choice xmlns:a14="http://schemas.microsoft.com/office/drawing/2010/main" Requires="a14">
+            <p:sp>
+              <p:nvSpPr>
+                <p:cNvPr id="55" name="TextBox 54"/>
+                <p:cNvSpPr txBox="1"/>
+                <p:nvPr/>
+              </p:nvSpPr>
+              <p:spPr>
+                <a:xfrm>
+                  <a:off x="8527029" y="2189895"/>
+                  <a:ext cx="198003" cy="307777"/>
+                </a:xfrm>
+                <a:prstGeom prst="rect">
+                  <a:avLst/>
+                </a:prstGeom>
+                <a:noFill/>
+              </p:spPr>
+              <p:txBody>
+                <a:bodyPr wrap="none" lIns="0" tIns="0" rIns="0" bIns="0" rtlCol="0">
+                  <a:spAutoFit/>
+                </a:bodyPr>
+                <a:lstStyle/>
+                <a:p>
+                  <a14:m>
+                    <m:oMathPara xmlns:m="http://schemas.openxmlformats.org/officeDocument/2006/math">
+                      <m:oMathParaPr>
+                        <m:jc m:val="centerGroup"/>
+                      </m:oMathParaPr>
+                      <m:oMath xmlns:m="http://schemas.openxmlformats.org/officeDocument/2006/math">
+                        <m:acc>
+                          <m:accPr>
+                            <m:chr m:val="⃗"/>
+                            <m:ctrlPr>
+                              <a:rPr lang="en-US" sz="2000" b="0" i="1" smtClean="0">
+                                <a:latin typeface="Cambria Math" panose="02040503050406030204" pitchFamily="18" charset="0"/>
+                                <a:cs typeface="Arial" panose="020B0604020202020204" pitchFamily="34" charset="0"/>
+                              </a:rPr>
+                            </m:ctrlPr>
+                          </m:accPr>
+                          <m:e>
+                            <m:r>
+                              <a:rPr lang="en-US" sz="2000" b="0" i="1" smtClean="0">
+                                <a:latin typeface="Cambria Math" panose="02040503050406030204" pitchFamily="18" charset="0"/>
+                                <a:cs typeface="Arial" panose="020B0604020202020204" pitchFamily="34" charset="0"/>
+                              </a:rPr>
+                              <m:t>𝑟</m:t>
+                            </m:r>
+                          </m:e>
+                        </m:acc>
+                      </m:oMath>
+                    </m:oMathPara>
+                  </a14:m>
+                  <a:endParaRPr lang="en-US" sz="2000" dirty="0" smtClean="0">
+                    <a:latin typeface="Arial" panose="020B0604020202020204" pitchFamily="34" charset="0"/>
+                    <a:cs typeface="Arial" panose="020B0604020202020204" pitchFamily="34" charset="0"/>
+                  </a:endParaRPr>
+                </a:p>
+              </p:txBody>
+            </p:sp>
+          </mc:Choice>
+          <mc:Fallback>
+            <p:sp>
+              <p:nvSpPr>
+                <p:cNvPr id="55" name="TextBox 54"/>
+                <p:cNvSpPr txBox="1">
+                  <a:spLocks noRot="1" noChangeAspect="1" noMove="1" noResize="1" noEditPoints="1" noAdjustHandles="1" noChangeArrowheads="1" noChangeShapeType="1" noTextEdit="1"/>
+                </p:cNvSpPr>
+                <p:nvPr/>
+              </p:nvSpPr>
+              <p:spPr>
+                <a:xfrm>
+                  <a:off x="8527029" y="2189895"/>
+                  <a:ext cx="198003" cy="307777"/>
+                </a:xfrm>
+                <a:prstGeom prst="rect">
+                  <a:avLst/>
+                </a:prstGeom>
+                <a:blipFill>
+                  <a:blip r:embed="rId13"/>
+                  <a:stretch>
+                    <a:fillRect l="-31250" t="-33333" r="-96875" b="-5882"/>
+                  </a:stretch>
+                </a:blipFill>
+              </p:spPr>
+              <p:txBody>
+                <a:bodyPr/>
+                <a:lstStyle/>
+                <a:p>
+                  <a:r>
+                    <a:rPr lang="en-US">
+                      <a:noFill/>
+                    </a:rPr>
+                    <a:t> </a:t>
+                  </a:r>
+                </a:p>
+              </p:txBody>
+            </p:sp>
+          </mc:Fallback>
+        </mc:AlternateContent>
+        <mc:AlternateContent xmlns:mc="http://schemas.openxmlformats.org/markup-compatibility/2006">
+          <mc:Choice xmlns:a14="http://schemas.microsoft.com/office/drawing/2010/main" Requires="a14">
+            <p:sp>
+              <p:nvSpPr>
+                <p:cNvPr id="56" name="TextBox 55"/>
+                <p:cNvSpPr txBox="1"/>
+                <p:nvPr/>
+              </p:nvSpPr>
+              <p:spPr>
+                <a:xfrm>
+                  <a:off x="5683304" y="1521562"/>
+                  <a:ext cx="394664" cy="307777"/>
+                </a:xfrm>
+                <a:prstGeom prst="rect">
+                  <a:avLst/>
+                </a:prstGeom>
+                <a:noFill/>
+              </p:spPr>
+              <p:txBody>
+                <a:bodyPr wrap="square" lIns="0" tIns="0" rIns="0" bIns="0" rtlCol="0">
+                  <a:spAutoFit/>
+                </a:bodyPr>
+                <a:lstStyle/>
+                <a:p>
+                  <a14:m>
+                    <m:oMathPara xmlns:m="http://schemas.openxmlformats.org/officeDocument/2006/math">
+                      <m:oMathParaPr>
+                        <m:jc m:val="centerGroup"/>
+                      </m:oMathParaPr>
+                      <m:oMath xmlns:m="http://schemas.openxmlformats.org/officeDocument/2006/math">
+                        <m:r>
+                          <a:rPr lang="en-US" sz="2000" b="0" i="1" smtClean="0">
+                            <a:latin typeface="Cambria Math" panose="02040503050406030204" pitchFamily="18" charset="0"/>
+                            <a:cs typeface="Arial" panose="020B0604020202020204" pitchFamily="34" charset="0"/>
+                          </a:rPr>
+                          <m:t>𝜙</m:t>
+                        </m:r>
+                      </m:oMath>
+                    </m:oMathPara>
+                  </a14:m>
+                  <a:endParaRPr lang="en-US" sz="2000" dirty="0" smtClean="0">
+                    <a:latin typeface="Arial" panose="020B0604020202020204" pitchFamily="34" charset="0"/>
+                    <a:cs typeface="Arial" panose="020B0604020202020204" pitchFamily="34" charset="0"/>
+                  </a:endParaRPr>
+                </a:p>
+              </p:txBody>
+            </p:sp>
+          </mc:Choice>
+          <mc:Fallback>
+            <p:sp>
+              <p:nvSpPr>
+                <p:cNvPr id="56" name="TextBox 55"/>
+                <p:cNvSpPr txBox="1">
+                  <a:spLocks noRot="1" noChangeAspect="1" noMove="1" noResize="1" noEditPoints="1" noAdjustHandles="1" noChangeArrowheads="1" noChangeShapeType="1" noTextEdit="1"/>
+                </p:cNvSpPr>
+                <p:nvPr/>
+              </p:nvSpPr>
+              <p:spPr>
+                <a:xfrm>
+                  <a:off x="5683304" y="1521562"/>
+                  <a:ext cx="394664" cy="307777"/>
+                </a:xfrm>
+                <a:prstGeom prst="rect">
+                  <a:avLst/>
+                </a:prstGeom>
+                <a:blipFill>
+                  <a:blip r:embed="rId14"/>
+                  <a:stretch>
+                    <a:fillRect l="-1538" r="-1538" b="-35294"/>
+                  </a:stretch>
+                </a:blipFill>
+              </p:spPr>
+              <p:txBody>
+                <a:bodyPr/>
+                <a:lstStyle/>
+                <a:p>
+                  <a:r>
+                    <a:rPr lang="en-US">
+                      <a:noFill/>
+                    </a:rPr>
+                    <a:t> </a:t>
+                  </a:r>
+                </a:p>
+              </p:txBody>
+            </p:sp>
+          </mc:Fallback>
+        </mc:AlternateContent>
+        <mc:AlternateContent xmlns:mc="http://schemas.openxmlformats.org/markup-compatibility/2006">
+          <mc:Choice xmlns:a14="http://schemas.microsoft.com/office/drawing/2010/main" Requires="a14">
+            <p:sp>
+              <p:nvSpPr>
+                <p:cNvPr id="58" name="TextBox 57"/>
+                <p:cNvSpPr txBox="1"/>
+                <p:nvPr/>
+              </p:nvSpPr>
+              <p:spPr>
+                <a:xfrm>
+                  <a:off x="5325014" y="1921267"/>
+                  <a:ext cx="217495" cy="307777"/>
+                </a:xfrm>
+                <a:prstGeom prst="rect">
+                  <a:avLst/>
+                </a:prstGeom>
+                <a:noFill/>
+              </p:spPr>
+              <p:txBody>
+                <a:bodyPr wrap="none" lIns="0" tIns="0" rIns="0" bIns="0" rtlCol="0">
+                  <a:spAutoFit/>
+                </a:bodyPr>
+                <a:lstStyle/>
+                <a:p>
+                  <a14:m>
+                    <m:oMathPara xmlns:m="http://schemas.openxmlformats.org/officeDocument/2006/math">
+                      <m:oMathParaPr>
+                        <m:jc m:val="centerGroup"/>
+                      </m:oMathParaPr>
+                      <m:oMath xmlns:m="http://schemas.openxmlformats.org/officeDocument/2006/math">
+                        <m:acc>
+                          <m:accPr>
+                            <m:chr m:val="⃗"/>
+                            <m:ctrlPr>
+                              <a:rPr lang="en-US" sz="2000" b="0" i="1" smtClean="0">
+                                <a:latin typeface="Cambria Math" panose="02040503050406030204" pitchFamily="18" charset="0"/>
+                                <a:cs typeface="Arial" panose="020B0604020202020204" pitchFamily="34" charset="0"/>
+                              </a:rPr>
+                            </m:ctrlPr>
+                          </m:accPr>
+                          <m:e>
+                            <m:r>
+                              <a:rPr lang="en-US" sz="2000" b="0" i="1" smtClean="0">
+                                <a:latin typeface="Cambria Math" panose="02040503050406030204" pitchFamily="18" charset="0"/>
+                                <a:cs typeface="Arial" panose="020B0604020202020204" pitchFamily="34" charset="0"/>
+                              </a:rPr>
+                              <m:t>𝑣</m:t>
+                            </m:r>
+                          </m:e>
+                        </m:acc>
+                      </m:oMath>
+                    </m:oMathPara>
+                  </a14:m>
+                  <a:endParaRPr lang="en-US" sz="2000" dirty="0" smtClean="0">
+                    <a:latin typeface="Arial" panose="020B0604020202020204" pitchFamily="34" charset="0"/>
+                    <a:cs typeface="Arial" panose="020B0604020202020204" pitchFamily="34" charset="0"/>
+                  </a:endParaRPr>
+                </a:p>
+              </p:txBody>
+            </p:sp>
+          </mc:Choice>
+          <mc:Fallback>
+            <p:sp>
+              <p:nvSpPr>
+                <p:cNvPr id="58" name="TextBox 57"/>
+                <p:cNvSpPr txBox="1">
+                  <a:spLocks noRot="1" noChangeAspect="1" noMove="1" noResize="1" noEditPoints="1" noAdjustHandles="1" noChangeArrowheads="1" noChangeShapeType="1" noTextEdit="1"/>
+                </p:cNvSpPr>
+                <p:nvPr/>
+              </p:nvSpPr>
+              <p:spPr>
+                <a:xfrm>
+                  <a:off x="5325014" y="1921267"/>
+                  <a:ext cx="217495" cy="307777"/>
+                </a:xfrm>
+                <a:prstGeom prst="rect">
+                  <a:avLst/>
+                </a:prstGeom>
+                <a:blipFill>
+                  <a:blip r:embed="rId15"/>
+                  <a:stretch>
+                    <a:fillRect l="-22857" t="-36000" r="-97143" b="-6000"/>
+                  </a:stretch>
+                </a:blipFill>
+              </p:spPr>
+              <p:txBody>
+                <a:bodyPr/>
+                <a:lstStyle/>
+                <a:p>
+                  <a:r>
+                    <a:rPr lang="en-US">
+                      <a:noFill/>
+                    </a:rPr>
+                    <a:t> </a:t>
+                  </a:r>
+                </a:p>
+              </p:txBody>
+            </p:sp>
+          </mc:Fallback>
+        </mc:AlternateContent>
+        <p:cxnSp>
+          <p:nvCxnSpPr>
+            <p:cNvPr id="60" name="Straight Connector 59"/>
+            <p:cNvCxnSpPr/>
+            <p:nvPr/>
+          </p:nvCxnSpPr>
+          <p:spPr>
+            <a:xfrm flipH="1">
+              <a:off x="6227593" y="1777386"/>
+              <a:ext cx="496421" cy="220735"/>
+            </a:xfrm>
+            <a:prstGeom prst="line">
+              <a:avLst/>
+            </a:prstGeom>
+            <a:ln w="38100">
+              <a:solidFill>
+                <a:srgbClr val="FF0000"/>
+              </a:solidFill>
+            </a:ln>
+          </p:spPr>
+          <p:style>
+            <a:lnRef idx="1">
+              <a:schemeClr val="accent1"/>
+            </a:lnRef>
+            <a:fillRef idx="0">
+              <a:schemeClr val="accent1"/>
+            </a:fillRef>
+            <a:effectRef idx="0">
+              <a:schemeClr val="accent1"/>
+            </a:effectRef>
+            <a:fontRef idx="minor">
+              <a:schemeClr val="tx1"/>
+            </a:fontRef>
+          </p:style>
+        </p:cxnSp>
+        <mc:AlternateContent xmlns:mc="http://schemas.openxmlformats.org/markup-compatibility/2006">
+          <mc:Choice xmlns:a14="http://schemas.microsoft.com/office/drawing/2010/main" Requires="a14">
+            <p:sp>
+              <p:nvSpPr>
+                <p:cNvPr id="61" name="TextBox 60"/>
+                <p:cNvSpPr txBox="1"/>
+                <p:nvPr/>
+              </p:nvSpPr>
+              <p:spPr>
+                <a:xfrm>
+                  <a:off x="6509869" y="1875906"/>
+                  <a:ext cx="466346" cy="307777"/>
+                </a:xfrm>
+                <a:prstGeom prst="rect">
+                  <a:avLst/>
+                </a:prstGeom>
+                <a:noFill/>
+              </p:spPr>
+              <p:txBody>
+                <a:bodyPr wrap="none" lIns="0" tIns="0" rIns="0" bIns="0" rtlCol="0">
+                  <a:spAutoFit/>
+                </a:bodyPr>
+                <a:lstStyle/>
+                <a:p>
+                  <a14:m>
+                    <m:oMathPara xmlns:m="http://schemas.openxmlformats.org/officeDocument/2006/math">
+                      <m:oMathParaPr>
+                        <m:jc m:val="centerGroup"/>
+                      </m:oMathParaPr>
+                      <m:oMath xmlns:m="http://schemas.openxmlformats.org/officeDocument/2006/math">
+                        <m:r>
+                          <a:rPr lang="en-US" sz="2000" b="0" i="1" smtClean="0">
+                            <a:solidFill>
+                              <a:srgbClr val="FF0000"/>
+                            </a:solidFill>
+                            <a:latin typeface="Cambria Math" panose="02040503050406030204" pitchFamily="18" charset="0"/>
+                            <a:cs typeface="Arial" panose="020B0604020202020204" pitchFamily="34" charset="0"/>
+                          </a:rPr>
+                          <m:t>𝑣𝑑𝑡</m:t>
+                        </m:r>
+                      </m:oMath>
+                    </m:oMathPara>
+                  </a14:m>
+                  <a:endParaRPr lang="en-US" sz="2000" dirty="0" smtClean="0">
+                    <a:solidFill>
+                      <a:srgbClr val="FF0000"/>
+                    </a:solidFill>
+                    <a:latin typeface="Arial" panose="020B0604020202020204" pitchFamily="34" charset="0"/>
+                    <a:cs typeface="Arial" panose="020B0604020202020204" pitchFamily="34" charset="0"/>
+                  </a:endParaRPr>
+                </a:p>
+              </p:txBody>
+            </p:sp>
+          </mc:Choice>
+          <mc:Fallback>
+            <p:sp>
+              <p:nvSpPr>
+                <p:cNvPr id="61" name="TextBox 60"/>
+                <p:cNvSpPr txBox="1">
+                  <a:spLocks noRot="1" noChangeAspect="1" noMove="1" noResize="1" noEditPoints="1" noAdjustHandles="1" noChangeArrowheads="1" noChangeShapeType="1" noTextEdit="1"/>
+                </p:cNvSpPr>
+                <p:nvPr/>
+              </p:nvSpPr>
+              <p:spPr>
+                <a:xfrm>
+                  <a:off x="6509869" y="1875906"/>
+                  <a:ext cx="466346" cy="307777"/>
+                </a:xfrm>
+                <a:prstGeom prst="rect">
+                  <a:avLst/>
+                </a:prstGeom>
+                <a:blipFill>
+                  <a:blip r:embed="rId16"/>
+                  <a:stretch>
+                    <a:fillRect l="-11842" r="-11842" b="-12000"/>
+                  </a:stretch>
+                </a:blipFill>
+              </p:spPr>
+              <p:txBody>
+                <a:bodyPr/>
+                <a:lstStyle/>
+                <a:p>
+                  <a:r>
+                    <a:rPr lang="en-US">
+                      <a:noFill/>
+                    </a:rPr>
+                    <a:t> </a:t>
+                  </a:r>
+                </a:p>
+              </p:txBody>
+            </p:sp>
+          </mc:Fallback>
+        </mc:AlternateContent>
+        <p:sp>
+          <p:nvSpPr>
+            <p:cNvPr id="62" name="Arc 61"/>
+            <p:cNvSpPr/>
+            <p:nvPr/>
+          </p:nvSpPr>
+          <p:spPr>
+            <a:xfrm>
+              <a:off x="6009562" y="1577805"/>
+              <a:ext cx="929374" cy="814112"/>
+            </a:xfrm>
+            <a:prstGeom prst="arc">
+              <a:avLst>
+                <a:gd name="adj1" fmla="val 10303038"/>
+                <a:gd name="adj2" fmla="val 14904209"/>
+              </a:avLst>
+            </a:prstGeom>
+            <a:ln w="38100">
+              <a:solidFill>
+                <a:schemeClr val="tx1"/>
+              </a:solidFill>
+            </a:ln>
+          </p:spPr>
+          <p:style>
+            <a:lnRef idx="1">
+              <a:schemeClr val="accent1"/>
+            </a:lnRef>
+            <a:fillRef idx="0">
+              <a:schemeClr val="accent1"/>
+            </a:fillRef>
+            <a:effectRef idx="0">
+              <a:schemeClr val="accent1"/>
+            </a:effectRef>
+            <a:fontRef idx="minor">
+              <a:schemeClr val="tx1"/>
+            </a:fontRef>
+          </p:style>
+          <p:txBody>
+            <a:bodyPr rtlCol="0" anchor="ctr"/>
+            <a:lstStyle/>
+            <a:p>
+              <a:pPr algn="ctr"/>
+              <a:endParaRPr lang="en-US"/>
+            </a:p>
+          </p:txBody>
+        </p:sp>
+        <p:cxnSp>
+          <p:nvCxnSpPr>
+            <p:cNvPr id="63" name="Straight Connector 62"/>
+            <p:cNvCxnSpPr/>
+            <p:nvPr/>
+          </p:nvCxnSpPr>
+          <p:spPr>
+            <a:xfrm flipH="1">
+              <a:off x="6234443" y="1612613"/>
+              <a:ext cx="168512" cy="374131"/>
+            </a:xfrm>
+            <a:prstGeom prst="line">
+              <a:avLst/>
+            </a:prstGeom>
+            <a:ln w="38100">
+              <a:solidFill>
+                <a:srgbClr val="FF0000"/>
+              </a:solidFill>
+            </a:ln>
+          </p:spPr>
+          <p:style>
+            <a:lnRef idx="1">
+              <a:schemeClr val="accent1"/>
+            </a:lnRef>
+            <a:fillRef idx="0">
+              <a:schemeClr val="accent1"/>
+            </a:fillRef>
+            <a:effectRef idx="0">
+              <a:schemeClr val="accent1"/>
+            </a:effectRef>
+            <a:fontRef idx="minor">
+              <a:schemeClr val="tx1"/>
+            </a:fontRef>
+          </p:style>
+        </p:cxnSp>
+        <p:sp>
+          <p:nvSpPr>
+            <p:cNvPr id="66" name="Freeform 65"/>
+            <p:cNvSpPr/>
+            <p:nvPr/>
+          </p:nvSpPr>
+          <p:spPr>
+            <a:xfrm>
+              <a:off x="6047716" y="822786"/>
+              <a:ext cx="277014" cy="1036320"/>
+            </a:xfrm>
+            <a:custGeom>
+              <a:avLst/>
+              <a:gdLst>
+                <a:gd name="connsiteX0" fmla="*/ 98194 w 277014"/>
+                <a:gd name="connsiteY0" fmla="*/ 0 h 1036320"/>
+                <a:gd name="connsiteX1" fmla="*/ 6754 w 277014"/>
+                <a:gd name="connsiteY1" fmla="*/ 457200 h 1036320"/>
+                <a:gd name="connsiteX2" fmla="*/ 260754 w 277014"/>
+                <a:gd name="connsiteY2" fmla="*/ 457200 h 1036320"/>
+                <a:gd name="connsiteX3" fmla="*/ 230274 w 277014"/>
+                <a:gd name="connsiteY3" fmla="*/ 1036320 h 1036320"/>
+              </a:gdLst>
+              <a:ahLst/>
+              <a:cxnLst>
+                <a:cxn ang="0">
+                  <a:pos x="connsiteX0" y="connsiteY0"/>
+                </a:cxn>
+                <a:cxn ang="0">
+                  <a:pos x="connsiteX1" y="connsiteY1"/>
+                </a:cxn>
+                <a:cxn ang="0">
+                  <a:pos x="connsiteX2" y="connsiteY2"/>
+                </a:cxn>
+                <a:cxn ang="0">
+                  <a:pos x="connsiteX3" y="connsiteY3"/>
+                </a:cxn>
+              </a:cxnLst>
+              <a:rect l="l" t="t" r="r" b="b"/>
+              <a:pathLst>
+                <a:path w="277014" h="1036320">
+                  <a:moveTo>
+                    <a:pt x="98194" y="0"/>
+                  </a:moveTo>
+                  <a:cubicBezTo>
+                    <a:pt x="38927" y="190500"/>
+                    <a:pt x="-20339" y="381000"/>
+                    <a:pt x="6754" y="457200"/>
+                  </a:cubicBezTo>
+                  <a:cubicBezTo>
+                    <a:pt x="33847" y="533400"/>
+                    <a:pt x="223501" y="360680"/>
+                    <a:pt x="260754" y="457200"/>
+                  </a:cubicBezTo>
+                  <a:cubicBezTo>
+                    <a:pt x="298007" y="553720"/>
+                    <a:pt x="264140" y="795020"/>
+                    <a:pt x="230274" y="1036320"/>
+                  </a:cubicBezTo>
+                </a:path>
+              </a:pathLst>
+            </a:custGeom>
+            <a:noFill/>
+            <a:ln w="19050">
+              <a:solidFill>
+                <a:schemeClr val="tx1"/>
+              </a:solidFill>
+            </a:ln>
+          </p:spPr>
+          <p:style>
+            <a:lnRef idx="2">
+              <a:schemeClr val="accent1">
+                <a:shade val="50000"/>
+              </a:schemeClr>
+            </a:lnRef>
+            <a:fillRef idx="1">
+              <a:schemeClr val="accent1"/>
+            </a:fillRef>
+            <a:effectRef idx="0">
+              <a:schemeClr val="accent1"/>
+            </a:effectRef>
+            <a:fontRef idx="minor">
+              <a:schemeClr val="lt1"/>
+            </a:fontRef>
+          </p:style>
+          <p:txBody>
+            <a:bodyPr rtlCol="0" anchor="ctr"/>
+            <a:lstStyle/>
+            <a:p>
+              <a:pPr algn="ctr"/>
+              <a:endParaRPr lang="en-US"/>
+            </a:p>
+          </p:txBody>
+        </p:sp>
+        <mc:AlternateContent xmlns:mc="http://schemas.openxmlformats.org/markup-compatibility/2006">
+          <mc:Choice xmlns:a14="http://schemas.microsoft.com/office/drawing/2010/main" Requires="a14">
+            <p:sp>
+              <p:nvSpPr>
+                <p:cNvPr id="67" name="Rectangle 66"/>
+                <p:cNvSpPr/>
+                <p:nvPr/>
+              </p:nvSpPr>
+              <p:spPr>
+                <a:xfrm>
+                  <a:off x="6047716" y="535366"/>
+                  <a:ext cx="1074460" cy="369332"/>
+                </a:xfrm>
+                <a:prstGeom prst="rect">
+                  <a:avLst/>
+                </a:prstGeom>
+              </p:spPr>
+              <p:txBody>
+                <a:bodyPr wrap="none">
+                  <a:spAutoFit/>
+                </a:bodyPr>
+                <a:lstStyle/>
+                <a:p>
+                  <a:pPr/>
+                  <a14:m>
+                    <m:oMathPara xmlns:m="http://schemas.openxmlformats.org/officeDocument/2006/math">
+                      <m:oMathParaPr>
+                        <m:jc m:val="centerGroup"/>
+                      </m:oMathParaPr>
+                      <m:oMath xmlns:m="http://schemas.openxmlformats.org/officeDocument/2006/math">
+                        <m:r>
+                          <a:rPr lang="en-US" i="1" smtClean="0">
+                            <a:solidFill>
+                              <a:srgbClr val="FF0000"/>
+                            </a:solidFill>
+                            <a:latin typeface="Cambria Math" panose="02040503050406030204" pitchFamily="18" charset="0"/>
+                            <a:cs typeface="Arial" panose="020B0604020202020204" pitchFamily="34" charset="0"/>
+                          </a:rPr>
+                          <m:t>𝑣𝑑𝑡</m:t>
+                        </m:r>
+                        <m:r>
+                          <a:rPr lang="en-US" b="0" i="1" smtClean="0">
+                            <a:solidFill>
+                              <a:srgbClr val="FF0000"/>
+                            </a:solidFill>
+                            <a:latin typeface="Cambria Math" panose="02040503050406030204" pitchFamily="18" charset="0"/>
+                            <a:cs typeface="Arial" panose="020B0604020202020204" pitchFamily="34" charset="0"/>
+                          </a:rPr>
+                          <m:t>𝑠𝑖𝑛</m:t>
+                        </m:r>
+                        <m:r>
+                          <a:rPr lang="en-US" b="0" i="1" smtClean="0">
+                            <a:solidFill>
+                              <a:srgbClr val="FF0000"/>
+                            </a:solidFill>
+                            <a:latin typeface="Cambria Math" panose="02040503050406030204" pitchFamily="18" charset="0"/>
+                            <a:cs typeface="Arial" panose="020B0604020202020204" pitchFamily="34" charset="0"/>
+                          </a:rPr>
+                          <m:t>𝜙</m:t>
+                        </m:r>
+                      </m:oMath>
+                    </m:oMathPara>
+                  </a14:m>
+                  <a:endParaRPr lang="en-US" dirty="0">
+                    <a:solidFill>
+                      <a:srgbClr val="FF0000"/>
+                    </a:solidFill>
+                    <a:latin typeface="Arial" panose="020B0604020202020204" pitchFamily="34" charset="0"/>
+                    <a:cs typeface="Arial" panose="020B0604020202020204" pitchFamily="34" charset="0"/>
+                  </a:endParaRPr>
+                </a:p>
+              </p:txBody>
+            </p:sp>
+          </mc:Choice>
+          <mc:Fallback>
+            <p:sp>
+              <p:nvSpPr>
+                <p:cNvPr id="67" name="Rectangle 66"/>
+                <p:cNvSpPr>
+                  <a:spLocks noRot="1" noChangeAspect="1" noMove="1" noResize="1" noEditPoints="1" noAdjustHandles="1" noChangeArrowheads="1" noChangeShapeType="1" noTextEdit="1"/>
+                </p:cNvSpPr>
+                <p:nvPr/>
+              </p:nvSpPr>
+              <p:spPr>
+                <a:xfrm>
+                  <a:off x="6047716" y="535366"/>
+                  <a:ext cx="1074460" cy="369332"/>
+                </a:xfrm>
+                <a:prstGeom prst="rect">
+                  <a:avLst/>
+                </a:prstGeom>
+                <a:blipFill>
+                  <a:blip r:embed="rId17"/>
+                  <a:stretch>
+                    <a:fillRect b="-15000"/>
+                  </a:stretch>
+                </a:blipFill>
+              </p:spPr>
+              <p:txBody>
+                <a:bodyPr/>
+                <a:lstStyle/>
+                <a:p>
+                  <a:r>
+                    <a:rPr lang="en-US">
+                      <a:noFill/>
+                    </a:rPr>
+                    <a:t> </a:t>
+                  </a:r>
+                </a:p>
+              </p:txBody>
+            </p:sp>
+          </mc:Fallback>
+        </mc:AlternateContent>
+      </p:grpSp>
+      <p:grpSp>
+        <p:nvGrpSpPr>
+          <p:cNvPr id="191" name="Group 190"/>
+          <p:cNvGrpSpPr/>
+          <p:nvPr/>
+        </p:nvGrpSpPr>
+        <p:grpSpPr>
+          <a:xfrm>
+            <a:off x="215150" y="2989174"/>
+            <a:ext cx="3199280" cy="3416068"/>
+            <a:chOff x="215150" y="2989174"/>
+            <a:chExt cx="3199280" cy="3416068"/>
+          </a:xfrm>
+        </p:grpSpPr>
+        <p:grpSp>
+          <p:nvGrpSpPr>
+            <p:cNvPr id="189" name="Group 188"/>
+            <p:cNvGrpSpPr/>
+            <p:nvPr/>
+          </p:nvGrpSpPr>
+          <p:grpSpPr>
+            <a:xfrm>
+              <a:off x="266582" y="2989174"/>
+              <a:ext cx="3147848" cy="3416068"/>
+              <a:chOff x="266582" y="2989174"/>
+              <a:chExt cx="3147848" cy="3416068"/>
+            </a:xfrm>
+          </p:grpSpPr>
+          <p:grpSp>
+            <p:nvGrpSpPr>
+              <p:cNvPr id="183" name="Group 182"/>
+              <p:cNvGrpSpPr/>
+              <p:nvPr/>
+            </p:nvGrpSpPr>
+            <p:grpSpPr>
+              <a:xfrm>
+                <a:off x="266582" y="2989174"/>
+                <a:ext cx="3012131" cy="3416068"/>
+                <a:chOff x="20547" y="2799315"/>
+                <a:chExt cx="3012131" cy="3416068"/>
+              </a:xfrm>
+            </p:grpSpPr>
+            <p:grpSp>
+              <p:nvGrpSpPr>
+                <p:cNvPr id="117" name="Group 116"/>
+                <p:cNvGrpSpPr/>
+                <p:nvPr/>
+              </p:nvGrpSpPr>
+              <p:grpSpPr>
+                <a:xfrm>
+                  <a:off x="400406" y="2880162"/>
+                  <a:ext cx="760748" cy="2174240"/>
+                  <a:chOff x="294695" y="3748928"/>
+                  <a:chExt cx="760748" cy="2174240"/>
+                </a:xfrm>
+              </p:grpSpPr>
+              <p:grpSp>
+                <p:nvGrpSpPr>
+                  <p:cNvPr id="112" name="Group 111"/>
+                  <p:cNvGrpSpPr/>
+                  <p:nvPr/>
+                </p:nvGrpSpPr>
+                <p:grpSpPr>
+                  <a:xfrm>
+                    <a:off x="294695" y="3748928"/>
+                    <a:ext cx="760748" cy="2174240"/>
+                    <a:chOff x="1517722" y="3891280"/>
+                    <a:chExt cx="760748" cy="2174240"/>
+                  </a:xfrm>
+                </p:grpSpPr>
+                <p:sp>
+                  <p:nvSpPr>
+                    <p:cNvPr id="78" name="Oval 77"/>
+                    <p:cNvSpPr/>
+                    <p:nvPr/>
+                  </p:nvSpPr>
+                  <p:spPr>
+                    <a:xfrm>
+                      <a:off x="1805873" y="3891280"/>
+                      <a:ext cx="198505" cy="2174240"/>
+                    </a:xfrm>
+                    <a:prstGeom prst="ellipse">
+                      <a:avLst/>
+                    </a:prstGeom>
+                    <a:noFill/>
+                    <a:ln w="38100">
+                      <a:solidFill>
+                        <a:schemeClr val="tx1"/>
+                      </a:solidFill>
+                    </a:ln>
+                  </p:spPr>
+                  <p:style>
+                    <a:lnRef idx="2">
+                      <a:schemeClr val="accent1">
+                        <a:shade val="50000"/>
+                      </a:schemeClr>
+                    </a:lnRef>
+                    <a:fillRef idx="1">
+                      <a:schemeClr val="accent1"/>
+                    </a:fillRef>
+                    <a:effectRef idx="0">
+                      <a:schemeClr val="accent1"/>
+                    </a:effectRef>
+                    <a:fontRef idx="minor">
+                      <a:schemeClr val="lt1"/>
+                    </a:fontRef>
+                  </p:style>
+                  <p:txBody>
+                    <a:bodyPr rtlCol="0" anchor="ctr"/>
+                    <a:lstStyle/>
+                    <a:p>
+                      <a:pPr algn="ctr"/>
+                      <a:endParaRPr lang="en-US"/>
+                    </a:p>
+                  </p:txBody>
+                </p:sp>
+                <p:cxnSp>
+                  <p:nvCxnSpPr>
+                    <p:cNvPr id="80" name="Straight Connector 79"/>
+                    <p:cNvCxnSpPr/>
+                    <p:nvPr/>
+                  </p:nvCxnSpPr>
+                  <p:spPr>
+                    <a:xfrm>
+                      <a:off x="1877643" y="4978400"/>
+                      <a:ext cx="400827" cy="0"/>
+                    </a:xfrm>
+                    <a:prstGeom prst="line">
+                      <a:avLst/>
+                    </a:prstGeom>
+                    <a:ln w="57150">
+                      <a:solidFill>
+                        <a:schemeClr val="tx1"/>
+                      </a:solidFill>
+                    </a:ln>
+                  </p:spPr>
+                  <p:style>
+                    <a:lnRef idx="1">
+                      <a:schemeClr val="accent1"/>
+                    </a:lnRef>
+                    <a:fillRef idx="0">
+                      <a:schemeClr val="accent1"/>
+                    </a:fillRef>
+                    <a:effectRef idx="0">
+                      <a:schemeClr val="accent1"/>
+                    </a:effectRef>
+                    <a:fontRef idx="minor">
+                      <a:schemeClr val="tx1"/>
+                    </a:fontRef>
+                  </p:style>
+                </p:cxnSp>
+                <p:cxnSp>
+                  <p:nvCxnSpPr>
+                    <p:cNvPr id="82" name="Straight Connector 81"/>
+                    <p:cNvCxnSpPr>
+                      <a:stCxn id="78" idx="0"/>
+                    </p:cNvCxnSpPr>
+                    <p:nvPr/>
+                  </p:nvCxnSpPr>
+                  <p:spPr>
+                    <a:xfrm flipH="1">
+                      <a:off x="1877894" y="3891280"/>
+                      <a:ext cx="27232" cy="1087120"/>
+                    </a:xfrm>
+                    <a:prstGeom prst="line">
+                      <a:avLst/>
+                    </a:prstGeom>
+                    <a:ln w="12700">
+                      <a:solidFill>
+                        <a:schemeClr val="tx1"/>
+                      </a:solidFill>
+                    </a:ln>
+                  </p:spPr>
+                  <p:style>
+                    <a:lnRef idx="1">
+                      <a:schemeClr val="accent1"/>
+                    </a:lnRef>
+                    <a:fillRef idx="0">
+                      <a:schemeClr val="accent1"/>
+                    </a:fillRef>
+                    <a:effectRef idx="0">
+                      <a:schemeClr val="accent1"/>
+                    </a:effectRef>
+                    <a:fontRef idx="minor">
+                      <a:schemeClr val="tx1"/>
+                    </a:fontRef>
+                  </p:style>
+                </p:cxnSp>
+                <p:cxnSp>
+                  <p:nvCxnSpPr>
+                    <p:cNvPr id="83" name="Straight Connector 82"/>
+                    <p:cNvCxnSpPr>
+                      <a:stCxn id="78" idx="1"/>
+                    </p:cNvCxnSpPr>
+                    <p:nvPr/>
+                  </p:nvCxnSpPr>
+                  <p:spPr>
+                    <a:xfrm>
+                      <a:off x="1834943" y="4209690"/>
+                      <a:ext cx="42951" cy="768710"/>
+                    </a:xfrm>
+                    <a:prstGeom prst="line">
+                      <a:avLst/>
+                    </a:prstGeom>
+                    <a:ln w="12700">
+                      <a:solidFill>
+                        <a:schemeClr val="tx1"/>
+                      </a:solidFill>
+                    </a:ln>
+                  </p:spPr>
+                  <p:style>
+                    <a:lnRef idx="1">
+                      <a:schemeClr val="accent1"/>
+                    </a:lnRef>
+                    <a:fillRef idx="0">
+                      <a:schemeClr val="accent1"/>
+                    </a:fillRef>
+                    <a:effectRef idx="0">
+                      <a:schemeClr val="accent1"/>
+                    </a:effectRef>
+                    <a:fontRef idx="minor">
+                      <a:schemeClr val="tx1"/>
+                    </a:fontRef>
+                  </p:style>
+                </p:cxnSp>
+                <p:cxnSp>
+                  <p:nvCxnSpPr>
+                    <p:cNvPr id="91" name="Straight Connector 90"/>
+                    <p:cNvCxnSpPr>
+                      <a:stCxn id="78" idx="7"/>
+                    </p:cNvCxnSpPr>
+                    <p:nvPr/>
+                  </p:nvCxnSpPr>
+                  <p:spPr>
+                    <a:xfrm flipH="1">
+                      <a:off x="1877894" y="4209690"/>
+                      <a:ext cx="97414" cy="758103"/>
+                    </a:xfrm>
+                    <a:prstGeom prst="line">
+                      <a:avLst/>
+                    </a:prstGeom>
+                    <a:ln w="12700">
+                      <a:solidFill>
+                        <a:schemeClr val="tx1"/>
+                      </a:solidFill>
+                    </a:ln>
+                  </p:spPr>
+                  <p:style>
+                    <a:lnRef idx="1">
+                      <a:schemeClr val="accent1"/>
+                    </a:lnRef>
+                    <a:fillRef idx="0">
+                      <a:schemeClr val="accent1"/>
+                    </a:fillRef>
+                    <a:effectRef idx="0">
+                      <a:schemeClr val="accent1"/>
+                    </a:effectRef>
+                    <a:fontRef idx="minor">
+                      <a:schemeClr val="tx1"/>
+                    </a:fontRef>
+                  </p:style>
+                </p:cxnSp>
+                <p:cxnSp>
+                  <p:nvCxnSpPr>
+                    <p:cNvPr id="94" name="Straight Connector 93"/>
+                    <p:cNvCxnSpPr>
+                      <a:endCxn id="78" idx="5"/>
+                    </p:cNvCxnSpPr>
+                    <p:nvPr/>
+                  </p:nvCxnSpPr>
+                  <p:spPr>
+                    <a:xfrm>
+                      <a:off x="1877893" y="4978400"/>
+                      <a:ext cx="97415" cy="768710"/>
+                    </a:xfrm>
+                    <a:prstGeom prst="line">
+                      <a:avLst/>
+                    </a:prstGeom>
+                    <a:ln w="12700">
+                      <a:solidFill>
+                        <a:schemeClr val="tx1"/>
+                      </a:solidFill>
+                    </a:ln>
+                  </p:spPr>
+                  <p:style>
+                    <a:lnRef idx="1">
+                      <a:schemeClr val="accent1"/>
+                    </a:lnRef>
+                    <a:fillRef idx="0">
+                      <a:schemeClr val="accent1"/>
+                    </a:fillRef>
+                    <a:effectRef idx="0">
+                      <a:schemeClr val="accent1"/>
+                    </a:effectRef>
+                    <a:fontRef idx="minor">
+                      <a:schemeClr val="tx1"/>
+                    </a:fontRef>
+                  </p:style>
+                </p:cxnSp>
+                <p:cxnSp>
+                  <p:nvCxnSpPr>
+                    <p:cNvPr id="97" name="Straight Connector 96"/>
+                    <p:cNvCxnSpPr>
+                      <a:endCxn id="78" idx="4"/>
+                    </p:cNvCxnSpPr>
+                    <p:nvPr/>
+                  </p:nvCxnSpPr>
+                  <p:spPr>
+                    <a:xfrm>
+                      <a:off x="1877892" y="4967793"/>
+                      <a:ext cx="27234" cy="1097727"/>
+                    </a:xfrm>
+                    <a:prstGeom prst="line">
+                      <a:avLst/>
+                    </a:prstGeom>
+                    <a:ln w="12700">
+                      <a:solidFill>
+                        <a:schemeClr val="tx1"/>
+                      </a:solidFill>
+                    </a:ln>
+                  </p:spPr>
+                  <p:style>
+                    <a:lnRef idx="1">
+                      <a:schemeClr val="accent1"/>
+                    </a:lnRef>
+                    <a:fillRef idx="0">
+                      <a:schemeClr val="accent1"/>
+                    </a:fillRef>
+                    <a:effectRef idx="0">
+                      <a:schemeClr val="accent1"/>
+                    </a:effectRef>
+                    <a:fontRef idx="minor">
+                      <a:schemeClr val="tx1"/>
+                    </a:fontRef>
+                  </p:style>
+                </p:cxnSp>
+                <p:cxnSp>
+                  <p:nvCxnSpPr>
+                    <p:cNvPr id="100" name="Straight Connector 99"/>
+                    <p:cNvCxnSpPr>
+                      <a:endCxn id="78" idx="3"/>
+                    </p:cNvCxnSpPr>
+                    <p:nvPr/>
+                  </p:nvCxnSpPr>
+                  <p:spPr>
+                    <a:xfrm flipH="1">
+                      <a:off x="1834943" y="4978400"/>
+                      <a:ext cx="42950" cy="768710"/>
+                    </a:xfrm>
+                    <a:prstGeom prst="line">
+                      <a:avLst/>
+                    </a:prstGeom>
+                    <a:ln w="12700">
+                      <a:solidFill>
+                        <a:schemeClr val="tx1"/>
+                      </a:solidFill>
+                    </a:ln>
+                  </p:spPr>
+                  <p:style>
+                    <a:lnRef idx="1">
+                      <a:schemeClr val="accent1"/>
+                    </a:lnRef>
+                    <a:fillRef idx="0">
+                      <a:schemeClr val="accent1"/>
+                    </a:fillRef>
+                    <a:effectRef idx="0">
+                      <a:schemeClr val="accent1"/>
+                    </a:effectRef>
+                    <a:fontRef idx="minor">
+                      <a:schemeClr val="tx1"/>
+                    </a:fontRef>
+                  </p:style>
+                </p:cxnSp>
+                <p:cxnSp>
+                  <p:nvCxnSpPr>
+                    <p:cNvPr id="103" name="Straight Connector 102"/>
+                    <p:cNvCxnSpPr/>
+                    <p:nvPr/>
+                  </p:nvCxnSpPr>
+                  <p:spPr>
+                    <a:xfrm>
+                      <a:off x="1794106" y="4736116"/>
+                      <a:ext cx="181202" cy="493628"/>
+                    </a:xfrm>
+                    <a:prstGeom prst="line">
+                      <a:avLst/>
+                    </a:prstGeom>
+                    <a:ln w="12700">
+                      <a:solidFill>
+                        <a:schemeClr val="tx1"/>
+                      </a:solidFill>
+                    </a:ln>
+                  </p:spPr>
+                  <p:style>
+                    <a:lnRef idx="1">
+                      <a:schemeClr val="accent1"/>
+                    </a:lnRef>
+                    <a:fillRef idx="0">
+                      <a:schemeClr val="accent1"/>
+                    </a:fillRef>
+                    <a:effectRef idx="0">
+                      <a:schemeClr val="accent1"/>
+                    </a:effectRef>
+                    <a:fontRef idx="minor">
+                      <a:schemeClr val="tx1"/>
+                    </a:fontRef>
+                  </p:style>
+                </p:cxnSp>
+                <p:cxnSp>
+                  <p:nvCxnSpPr>
+                    <p:cNvPr id="106" name="Straight Connector 105"/>
+                    <p:cNvCxnSpPr/>
+                    <p:nvPr/>
+                  </p:nvCxnSpPr>
+                  <p:spPr>
+                    <a:xfrm flipH="1">
+                      <a:off x="1805874" y="4736116"/>
+                      <a:ext cx="169434" cy="417125"/>
+                    </a:xfrm>
+                    <a:prstGeom prst="line">
+                      <a:avLst/>
+                    </a:prstGeom>
+                    <a:ln w="12700">
+                      <a:solidFill>
+                        <a:schemeClr val="tx1"/>
+                      </a:solidFill>
+                    </a:ln>
+                  </p:spPr>
+                  <p:style>
+                    <a:lnRef idx="1">
+                      <a:schemeClr val="accent1"/>
+                    </a:lnRef>
+                    <a:fillRef idx="0">
+                      <a:schemeClr val="accent1"/>
+                    </a:fillRef>
+                    <a:effectRef idx="0">
+                      <a:schemeClr val="accent1"/>
+                    </a:effectRef>
+                    <a:fontRef idx="minor">
+                      <a:schemeClr val="tx1"/>
+                    </a:fontRef>
+                  </p:style>
+                </p:cxnSp>
+                <p:cxnSp>
+                  <p:nvCxnSpPr>
+                    <p:cNvPr id="110" name="Straight Connector 109"/>
+                    <p:cNvCxnSpPr>
+                      <a:endCxn id="78" idx="2"/>
+                    </p:cNvCxnSpPr>
+                    <p:nvPr/>
+                  </p:nvCxnSpPr>
+                  <p:spPr>
+                    <a:xfrm>
+                      <a:off x="1517722" y="4978400"/>
+                      <a:ext cx="288151" cy="0"/>
+                    </a:xfrm>
+                    <a:prstGeom prst="line">
+                      <a:avLst/>
+                    </a:prstGeom>
+                    <a:ln w="57150">
+                      <a:solidFill>
+                        <a:schemeClr val="tx1"/>
+                      </a:solidFill>
+                    </a:ln>
+                  </p:spPr>
+                  <p:style>
+                    <a:lnRef idx="1">
+                      <a:schemeClr val="accent1"/>
+                    </a:lnRef>
+                    <a:fillRef idx="0">
+                      <a:schemeClr val="accent1"/>
+                    </a:fillRef>
+                    <a:effectRef idx="0">
+                      <a:schemeClr val="accent1"/>
+                    </a:effectRef>
+                    <a:fontRef idx="minor">
+                      <a:schemeClr val="tx1"/>
+                    </a:fontRef>
+                  </p:style>
+                </p:cxnSp>
+              </p:grpSp>
+              <p:sp>
+                <p:nvSpPr>
+                  <p:cNvPr id="113" name="Arc 112"/>
+                  <p:cNvSpPr/>
+                  <p:nvPr/>
+                </p:nvSpPr>
+                <p:spPr>
+                  <a:xfrm>
+                    <a:off x="880922" y="4349261"/>
+                    <a:ext cx="90435" cy="1065125"/>
+                  </a:xfrm>
+                  <a:prstGeom prst="arc">
+                    <a:avLst>
+                      <a:gd name="adj1" fmla="val 3533470"/>
+                      <a:gd name="adj2" fmla="val 16538135"/>
+                    </a:avLst>
+                  </a:prstGeom>
+                  <a:ln w="19050">
+                    <a:solidFill>
+                      <a:schemeClr val="tx1"/>
+                    </a:solidFill>
+                    <a:headEnd type="triangle" w="med" len="med"/>
+                    <a:tailEnd type="none" w="med" len="med"/>
+                  </a:ln>
+                </p:spPr>
+                <p:style>
+                  <a:lnRef idx="1">
+                    <a:schemeClr val="accent1"/>
+                  </a:lnRef>
+                  <a:fillRef idx="0">
+                    <a:schemeClr val="accent1"/>
+                  </a:fillRef>
+                  <a:effectRef idx="0">
+                    <a:schemeClr val="accent1"/>
+                  </a:effectRef>
+                  <a:fontRef idx="minor">
+                    <a:schemeClr val="tx1"/>
+                  </a:fontRef>
+                </p:style>
+                <p:txBody>
+                  <a:bodyPr rtlCol="0" anchor="ctr"/>
+                  <a:lstStyle/>
+                  <a:p>
+                    <a:pPr algn="ctr"/>
+                    <a:endParaRPr lang="en-US"/>
+                  </a:p>
+                </p:txBody>
+              </p:sp>
+            </p:grpSp>
+            <p:cxnSp>
+              <p:nvCxnSpPr>
+                <p:cNvPr id="115" name="Straight Arrow Connector 114"/>
+                <p:cNvCxnSpPr/>
+                <p:nvPr/>
+              </p:nvCxnSpPr>
+              <p:spPr>
+                <a:xfrm>
+                  <a:off x="433974" y="5379607"/>
+                  <a:ext cx="954455" cy="5816"/>
+                </a:xfrm>
+                <a:prstGeom prst="straightConnector1">
+                  <a:avLst/>
+                </a:prstGeom>
+                <a:ln w="38100">
+                  <a:solidFill>
+                    <a:schemeClr val="tx1"/>
+                  </a:solidFill>
+                  <a:tailEnd type="triangle"/>
+                </a:ln>
+              </p:spPr>
+              <p:style>
+                <a:lnRef idx="1">
+                  <a:schemeClr val="accent1"/>
+                </a:lnRef>
+                <a:fillRef idx="0">
+                  <a:schemeClr val="accent1"/>
+                </a:fillRef>
+                <a:effectRef idx="0">
+                  <a:schemeClr val="accent1"/>
+                </a:effectRef>
+                <a:fontRef idx="minor">
+                  <a:schemeClr val="tx1"/>
+                </a:fontRef>
+              </p:style>
+            </p:cxnSp>
+            <mc:AlternateContent xmlns:mc="http://schemas.openxmlformats.org/markup-compatibility/2006">
+              <mc:Choice xmlns:a14="http://schemas.microsoft.com/office/drawing/2010/main" Requires="a14">
+                <p:sp>
+                  <p:nvSpPr>
+                    <p:cNvPr id="116" name="TextBox 115"/>
+                    <p:cNvSpPr txBox="1"/>
+                    <p:nvPr/>
+                  </p:nvSpPr>
+                  <p:spPr>
+                    <a:xfrm>
+                      <a:off x="649498" y="5425382"/>
+                      <a:ext cx="212045" cy="345159"/>
+                    </a:xfrm>
+                    <a:prstGeom prst="rect">
+                      <a:avLst/>
+                    </a:prstGeom>
+                    <a:noFill/>
+                  </p:spPr>
+                  <p:txBody>
+                    <a:bodyPr wrap="none" lIns="0" tIns="0" rIns="0" bIns="0" rtlCol="0">
+                      <a:spAutoFit/>
+                    </a:bodyPr>
+                    <a:lstStyle/>
+                    <a:p>
+                      <a14:m>
+                        <m:oMathPara xmlns:m="http://schemas.openxmlformats.org/officeDocument/2006/math">
+                          <m:oMathParaPr>
+                            <m:jc m:val="centerGroup"/>
+                          </m:oMathParaPr>
+                          <m:oMath xmlns:m="http://schemas.openxmlformats.org/officeDocument/2006/math">
+                            <m:acc>
+                              <m:accPr>
+                                <m:chr m:val="⃗"/>
+                                <m:ctrlPr>
+                                  <a:rPr lang="en-US" sz="2000" b="0" i="1" smtClean="0">
+                                    <a:latin typeface="Cambria Math" panose="02040503050406030204" pitchFamily="18" charset="0"/>
+                                    <a:cs typeface="Arial" panose="020B0604020202020204" pitchFamily="34" charset="0"/>
+                                  </a:rPr>
+                                </m:ctrlPr>
+                              </m:accPr>
+                              <m:e>
+                                <m:r>
+                                  <a:rPr lang="en-US" sz="2000" b="0" i="1" smtClean="0">
+                                    <a:latin typeface="Cambria Math" panose="02040503050406030204" pitchFamily="18" charset="0"/>
+                                    <a:cs typeface="Arial" panose="020B0604020202020204" pitchFamily="34" charset="0"/>
+                                  </a:rPr>
+                                  <m:t>𝐿</m:t>
+                                </m:r>
+                              </m:e>
+                            </m:acc>
+                          </m:oMath>
+                        </m:oMathPara>
+                      </a14:m>
+                      <a:endParaRPr lang="en-US" sz="2000" dirty="0" smtClean="0">
+                        <a:latin typeface="Arial" panose="020B0604020202020204" pitchFamily="34" charset="0"/>
+                        <a:cs typeface="Arial" panose="020B0604020202020204" pitchFamily="34" charset="0"/>
+                      </a:endParaRPr>
+                    </a:p>
+                  </p:txBody>
+                </p:sp>
+              </mc:Choice>
+              <mc:Fallback>
+                <p:sp>
+                  <p:nvSpPr>
+                    <p:cNvPr id="116" name="TextBox 115"/>
+                    <p:cNvSpPr txBox="1">
+                      <a:spLocks noRot="1" noChangeAspect="1" noMove="1" noResize="1" noEditPoints="1" noAdjustHandles="1" noChangeArrowheads="1" noChangeShapeType="1" noTextEdit="1"/>
+                    </p:cNvSpPr>
+                    <p:nvPr/>
+                  </p:nvSpPr>
+                  <p:spPr>
+                    <a:xfrm>
+                      <a:off x="649498" y="5425382"/>
+                      <a:ext cx="212045" cy="345159"/>
+                    </a:xfrm>
+                    <a:prstGeom prst="rect">
+                      <a:avLst/>
+                    </a:prstGeom>
+                    <a:blipFill>
+                      <a:blip r:embed="rId18"/>
+                      <a:stretch>
+                        <a:fillRect l="-25714" r="-20000" b="-8772"/>
+                      </a:stretch>
+                    </a:blipFill>
+                  </p:spPr>
+                  <p:txBody>
+                    <a:bodyPr/>
+                    <a:lstStyle/>
+                    <a:p>
+                      <a:r>
+                        <a:rPr lang="en-US">
+                          <a:noFill/>
+                        </a:rPr>
+                        <a:t> </a:t>
+                      </a:r>
+                    </a:p>
+                  </p:txBody>
+                </p:sp>
+              </mc:Fallback>
+            </mc:AlternateContent>
+            <mc:AlternateContent xmlns:mc="http://schemas.openxmlformats.org/markup-compatibility/2006">
+              <mc:Choice xmlns:a14="http://schemas.microsoft.com/office/drawing/2010/main" Requires="a14">
+                <p:sp>
+                  <p:nvSpPr>
+                    <p:cNvPr id="134" name="TextBox 133"/>
+                    <p:cNvSpPr txBox="1"/>
+                    <p:nvPr/>
+                  </p:nvSpPr>
+                  <p:spPr>
+                    <a:xfrm>
+                      <a:off x="1752122" y="4926893"/>
+                      <a:ext cx="277768" cy="345159"/>
+                    </a:xfrm>
+                    <a:prstGeom prst="rect">
+                      <a:avLst/>
+                    </a:prstGeom>
+                    <a:noFill/>
+                  </p:spPr>
+                  <p:txBody>
+                    <a:bodyPr wrap="none" lIns="0" tIns="0" rIns="0" bIns="0" rtlCol="0">
+                      <a:spAutoFit/>
+                    </a:bodyPr>
+                    <a:lstStyle/>
+                    <a:p>
+                      <a14:m>
+                        <m:oMathPara xmlns:m="http://schemas.openxmlformats.org/officeDocument/2006/math">
+                          <m:oMathParaPr>
+                            <m:jc m:val="centerGroup"/>
+                          </m:oMathParaPr>
+                          <m:oMath xmlns:m="http://schemas.openxmlformats.org/officeDocument/2006/math">
+                            <m:acc>
+                              <m:accPr>
+                                <m:chr m:val="⃗"/>
+                                <m:ctrlPr>
+                                  <a:rPr lang="en-US" sz="2000" b="0" i="1" smtClean="0">
+                                    <a:latin typeface="Cambria Math" panose="02040503050406030204" pitchFamily="18" charset="0"/>
+                                    <a:cs typeface="Arial" panose="020B0604020202020204" pitchFamily="34" charset="0"/>
+                                  </a:rPr>
+                                </m:ctrlPr>
+                              </m:accPr>
+                              <m:e>
+                                <m:r>
+                                  <a:rPr lang="en-US" sz="2000" b="0" i="1" smtClean="0">
+                                    <a:latin typeface="Cambria Math" panose="02040503050406030204" pitchFamily="18" charset="0"/>
+                                    <a:cs typeface="Arial" panose="020B0604020202020204" pitchFamily="34" charset="0"/>
+                                  </a:rPr>
+                                  <m:t>𝐿</m:t>
+                                </m:r>
+                              </m:e>
+                            </m:acc>
+                            <m:r>
+                              <a:rPr lang="en-US" sz="2000" b="0" i="1" smtClean="0">
+                                <a:latin typeface="Cambria Math" panose="02040503050406030204" pitchFamily="18" charset="0"/>
+                                <a:cs typeface="Arial" panose="020B0604020202020204" pitchFamily="34" charset="0"/>
+                              </a:rPr>
+                              <m:t>′</m:t>
+                            </m:r>
+                          </m:oMath>
+                        </m:oMathPara>
+                      </a14:m>
+                      <a:endParaRPr lang="en-US" sz="2000" dirty="0" smtClean="0">
+                        <a:latin typeface="Arial" panose="020B0604020202020204" pitchFamily="34" charset="0"/>
+                        <a:cs typeface="Arial" panose="020B0604020202020204" pitchFamily="34" charset="0"/>
+                      </a:endParaRPr>
+                    </a:p>
+                  </p:txBody>
+                </p:sp>
+              </mc:Choice>
+              <mc:Fallback>
+                <p:sp>
+                  <p:nvSpPr>
+                    <p:cNvPr id="134" name="TextBox 133"/>
+                    <p:cNvSpPr txBox="1">
+                      <a:spLocks noRot="1" noChangeAspect="1" noMove="1" noResize="1" noEditPoints="1" noAdjustHandles="1" noChangeArrowheads="1" noChangeShapeType="1" noTextEdit="1"/>
+                    </p:cNvSpPr>
+                    <p:nvPr/>
+                  </p:nvSpPr>
+                  <p:spPr>
+                    <a:xfrm>
+                      <a:off x="1752122" y="4926893"/>
+                      <a:ext cx="277768" cy="345159"/>
+                    </a:xfrm>
+                    <a:prstGeom prst="rect">
+                      <a:avLst/>
+                    </a:prstGeom>
+                    <a:blipFill>
+                      <a:blip r:embed="rId19"/>
+                      <a:stretch>
+                        <a:fillRect l="-20000" r="-24444" b="-12281"/>
+                      </a:stretch>
+                    </a:blipFill>
+                  </p:spPr>
+                  <p:txBody>
+                    <a:bodyPr/>
+                    <a:lstStyle/>
+                    <a:p>
+                      <a:r>
+                        <a:rPr lang="en-US">
+                          <a:noFill/>
+                        </a:rPr>
+                        <a:t> </a:t>
+                      </a:r>
+                    </a:p>
+                  </p:txBody>
+                </p:sp>
+              </mc:Fallback>
+            </mc:AlternateContent>
+            <p:grpSp>
+              <p:nvGrpSpPr>
+                <p:cNvPr id="150" name="Group 149"/>
+                <p:cNvGrpSpPr/>
+                <p:nvPr/>
+              </p:nvGrpSpPr>
+              <p:grpSpPr>
+                <a:xfrm rot="20776977">
+                  <a:off x="1787603" y="2799315"/>
+                  <a:ext cx="760748" cy="2174240"/>
+                  <a:chOff x="294695" y="3748928"/>
+                  <a:chExt cx="760748" cy="2174240"/>
+                </a:xfrm>
+              </p:grpSpPr>
+              <p:grpSp>
+                <p:nvGrpSpPr>
+                  <p:cNvPr id="151" name="Group 150"/>
+                  <p:cNvGrpSpPr/>
+                  <p:nvPr/>
+                </p:nvGrpSpPr>
+                <p:grpSpPr>
+                  <a:xfrm>
+                    <a:off x="294695" y="3748928"/>
+                    <a:ext cx="760748" cy="2174240"/>
+                    <a:chOff x="1517722" y="3891280"/>
+                    <a:chExt cx="760748" cy="2174240"/>
+                  </a:xfrm>
+                </p:grpSpPr>
+                <p:sp>
+                  <p:nvSpPr>
+                    <p:cNvPr id="153" name="Oval 152"/>
+                    <p:cNvSpPr/>
+                    <p:nvPr/>
+                  </p:nvSpPr>
+                  <p:spPr>
+                    <a:xfrm>
+                      <a:off x="1805873" y="3891280"/>
+                      <a:ext cx="198505" cy="2174240"/>
+                    </a:xfrm>
+                    <a:prstGeom prst="ellipse">
+                      <a:avLst/>
+                    </a:prstGeom>
+                    <a:noFill/>
+                    <a:ln w="38100">
+                      <a:solidFill>
+                        <a:schemeClr val="tx1"/>
+                      </a:solidFill>
+                    </a:ln>
+                  </p:spPr>
+                  <p:style>
+                    <a:lnRef idx="2">
+                      <a:schemeClr val="accent1">
+                        <a:shade val="50000"/>
+                      </a:schemeClr>
+                    </a:lnRef>
+                    <a:fillRef idx="1">
+                      <a:schemeClr val="accent1"/>
+                    </a:fillRef>
+                    <a:effectRef idx="0">
+                      <a:schemeClr val="accent1"/>
+                    </a:effectRef>
+                    <a:fontRef idx="minor">
+                      <a:schemeClr val="lt1"/>
+                    </a:fontRef>
+                  </p:style>
+                  <p:txBody>
+                    <a:bodyPr rtlCol="0" anchor="ctr"/>
+                    <a:lstStyle/>
+                    <a:p>
+                      <a:pPr algn="ctr"/>
+                      <a:endParaRPr lang="en-US"/>
+                    </a:p>
+                  </p:txBody>
+                </p:sp>
+                <p:cxnSp>
+                  <p:nvCxnSpPr>
+                    <p:cNvPr id="154" name="Straight Connector 153"/>
+                    <p:cNvCxnSpPr/>
+                    <p:nvPr/>
+                  </p:nvCxnSpPr>
+                  <p:spPr>
+                    <a:xfrm>
+                      <a:off x="1877643" y="4978400"/>
+                      <a:ext cx="400827" cy="0"/>
+                    </a:xfrm>
+                    <a:prstGeom prst="line">
+                      <a:avLst/>
+                    </a:prstGeom>
+                    <a:ln w="57150">
+                      <a:solidFill>
+                        <a:schemeClr val="tx1"/>
+                      </a:solidFill>
+                    </a:ln>
+                  </p:spPr>
+                  <p:style>
+                    <a:lnRef idx="1">
+                      <a:schemeClr val="accent1"/>
+                    </a:lnRef>
+                    <a:fillRef idx="0">
+                      <a:schemeClr val="accent1"/>
+                    </a:fillRef>
+                    <a:effectRef idx="0">
+                      <a:schemeClr val="accent1"/>
+                    </a:effectRef>
+                    <a:fontRef idx="minor">
+                      <a:schemeClr val="tx1"/>
+                    </a:fontRef>
+                  </p:style>
+                </p:cxnSp>
+                <p:cxnSp>
+                  <p:nvCxnSpPr>
+                    <p:cNvPr id="155" name="Straight Connector 154"/>
+                    <p:cNvCxnSpPr>
+                      <a:stCxn id="153" idx="0"/>
+                    </p:cNvCxnSpPr>
+                    <p:nvPr/>
+                  </p:nvCxnSpPr>
+                  <p:spPr>
+                    <a:xfrm flipH="1">
+                      <a:off x="1877894" y="3891280"/>
+                      <a:ext cx="27232" cy="1087120"/>
+                    </a:xfrm>
+                    <a:prstGeom prst="line">
+                      <a:avLst/>
+                    </a:prstGeom>
+                    <a:ln w="12700">
+                      <a:solidFill>
+                        <a:schemeClr val="tx1"/>
+                      </a:solidFill>
+                    </a:ln>
+                  </p:spPr>
+                  <p:style>
+                    <a:lnRef idx="1">
+                      <a:schemeClr val="accent1"/>
+                    </a:lnRef>
+                    <a:fillRef idx="0">
+                      <a:schemeClr val="accent1"/>
+                    </a:fillRef>
+                    <a:effectRef idx="0">
+                      <a:schemeClr val="accent1"/>
+                    </a:effectRef>
+                    <a:fontRef idx="minor">
+                      <a:schemeClr val="tx1"/>
+                    </a:fontRef>
+                  </p:style>
+                </p:cxnSp>
+                <p:cxnSp>
+                  <p:nvCxnSpPr>
+                    <p:cNvPr id="156" name="Straight Connector 155"/>
+                    <p:cNvCxnSpPr>
+                      <a:stCxn id="153" idx="1"/>
+                    </p:cNvCxnSpPr>
+                    <p:nvPr/>
+                  </p:nvCxnSpPr>
+                  <p:spPr>
+                    <a:xfrm>
+                      <a:off x="1834943" y="4209690"/>
+                      <a:ext cx="42951" cy="768710"/>
+                    </a:xfrm>
+                    <a:prstGeom prst="line">
+                      <a:avLst/>
+                    </a:prstGeom>
+                    <a:ln w="12700">
+                      <a:solidFill>
+                        <a:schemeClr val="tx1"/>
+                      </a:solidFill>
+                    </a:ln>
+                  </p:spPr>
+                  <p:style>
+                    <a:lnRef idx="1">
+                      <a:schemeClr val="accent1"/>
+                    </a:lnRef>
+                    <a:fillRef idx="0">
+                      <a:schemeClr val="accent1"/>
+                    </a:fillRef>
+                    <a:effectRef idx="0">
+                      <a:schemeClr val="accent1"/>
+                    </a:effectRef>
+                    <a:fontRef idx="minor">
+                      <a:schemeClr val="tx1"/>
+                    </a:fontRef>
+                  </p:style>
+                </p:cxnSp>
+                <p:cxnSp>
+                  <p:nvCxnSpPr>
+                    <p:cNvPr id="157" name="Straight Connector 156"/>
+                    <p:cNvCxnSpPr>
+                      <a:stCxn id="153" idx="7"/>
+                    </p:cNvCxnSpPr>
+                    <p:nvPr/>
+                  </p:nvCxnSpPr>
+                  <p:spPr>
+                    <a:xfrm flipH="1">
+                      <a:off x="1877894" y="4209690"/>
+                      <a:ext cx="97414" cy="758103"/>
+                    </a:xfrm>
+                    <a:prstGeom prst="line">
+                      <a:avLst/>
+                    </a:prstGeom>
+                    <a:ln w="12700">
+                      <a:solidFill>
+                        <a:schemeClr val="tx1"/>
+                      </a:solidFill>
+                    </a:ln>
+                  </p:spPr>
+                  <p:style>
+                    <a:lnRef idx="1">
+                      <a:schemeClr val="accent1"/>
+                    </a:lnRef>
+                    <a:fillRef idx="0">
+                      <a:schemeClr val="accent1"/>
+                    </a:fillRef>
+                    <a:effectRef idx="0">
+                      <a:schemeClr val="accent1"/>
+                    </a:effectRef>
+                    <a:fontRef idx="minor">
+                      <a:schemeClr val="tx1"/>
+                    </a:fontRef>
+                  </p:style>
+                </p:cxnSp>
+                <p:cxnSp>
+                  <p:nvCxnSpPr>
+                    <p:cNvPr id="158" name="Straight Connector 157"/>
+                    <p:cNvCxnSpPr>
+                      <a:endCxn id="153" idx="5"/>
+                    </p:cNvCxnSpPr>
+                    <p:nvPr/>
+                  </p:nvCxnSpPr>
+                  <p:spPr>
+                    <a:xfrm>
+                      <a:off x="1877893" y="4978400"/>
+                      <a:ext cx="97415" cy="768710"/>
+                    </a:xfrm>
+                    <a:prstGeom prst="line">
+                      <a:avLst/>
+                    </a:prstGeom>
+                    <a:ln w="12700">
+                      <a:solidFill>
+                        <a:schemeClr val="tx1"/>
+                      </a:solidFill>
+                    </a:ln>
+                  </p:spPr>
+                  <p:style>
+                    <a:lnRef idx="1">
+                      <a:schemeClr val="accent1"/>
+                    </a:lnRef>
+                    <a:fillRef idx="0">
+                      <a:schemeClr val="accent1"/>
+                    </a:fillRef>
+                    <a:effectRef idx="0">
+                      <a:schemeClr val="accent1"/>
+                    </a:effectRef>
+                    <a:fontRef idx="minor">
+                      <a:schemeClr val="tx1"/>
+                    </a:fontRef>
+                  </p:style>
+                </p:cxnSp>
+                <p:cxnSp>
+                  <p:nvCxnSpPr>
+                    <p:cNvPr id="159" name="Straight Connector 158"/>
+                    <p:cNvCxnSpPr>
+                      <a:endCxn id="153" idx="4"/>
+                    </p:cNvCxnSpPr>
+                    <p:nvPr/>
+                  </p:nvCxnSpPr>
+                  <p:spPr>
+                    <a:xfrm>
+                      <a:off x="1877892" y="4967793"/>
+                      <a:ext cx="27234" cy="1097727"/>
+                    </a:xfrm>
+                    <a:prstGeom prst="line">
+                      <a:avLst/>
+                    </a:prstGeom>
+                    <a:ln w="12700">
+                      <a:solidFill>
+                        <a:schemeClr val="tx1"/>
+                      </a:solidFill>
+                    </a:ln>
+                  </p:spPr>
+                  <p:style>
+                    <a:lnRef idx="1">
+                      <a:schemeClr val="accent1"/>
+                    </a:lnRef>
+                    <a:fillRef idx="0">
+                      <a:schemeClr val="accent1"/>
+                    </a:fillRef>
+                    <a:effectRef idx="0">
+                      <a:schemeClr val="accent1"/>
+                    </a:effectRef>
+                    <a:fontRef idx="minor">
+                      <a:schemeClr val="tx1"/>
+                    </a:fontRef>
+                  </p:style>
+                </p:cxnSp>
+                <p:cxnSp>
+                  <p:nvCxnSpPr>
+                    <p:cNvPr id="160" name="Straight Connector 159"/>
+                    <p:cNvCxnSpPr>
+                      <a:endCxn id="153" idx="3"/>
+                    </p:cNvCxnSpPr>
+                    <p:nvPr/>
+                  </p:nvCxnSpPr>
+                  <p:spPr>
+                    <a:xfrm flipH="1">
+                      <a:off x="1834943" y="4978400"/>
+                      <a:ext cx="42950" cy="768710"/>
+                    </a:xfrm>
+                    <a:prstGeom prst="line">
+                      <a:avLst/>
+                    </a:prstGeom>
+                    <a:ln w="12700">
+                      <a:solidFill>
+                        <a:schemeClr val="tx1"/>
+                      </a:solidFill>
+                    </a:ln>
+                  </p:spPr>
+                  <p:style>
+                    <a:lnRef idx="1">
+                      <a:schemeClr val="accent1"/>
+                    </a:lnRef>
+                    <a:fillRef idx="0">
+                      <a:schemeClr val="accent1"/>
+                    </a:fillRef>
+                    <a:effectRef idx="0">
+                      <a:schemeClr val="accent1"/>
+                    </a:effectRef>
+                    <a:fontRef idx="minor">
+                      <a:schemeClr val="tx1"/>
+                    </a:fontRef>
+                  </p:style>
+                </p:cxnSp>
+                <p:cxnSp>
+                  <p:nvCxnSpPr>
+                    <p:cNvPr id="161" name="Straight Connector 160"/>
+                    <p:cNvCxnSpPr/>
+                    <p:nvPr/>
+                  </p:nvCxnSpPr>
+                  <p:spPr>
+                    <a:xfrm>
+                      <a:off x="1794106" y="4736116"/>
+                      <a:ext cx="181202" cy="493628"/>
+                    </a:xfrm>
+                    <a:prstGeom prst="line">
+                      <a:avLst/>
+                    </a:prstGeom>
+                    <a:ln w="12700">
+                      <a:solidFill>
+                        <a:schemeClr val="tx1"/>
+                      </a:solidFill>
+                    </a:ln>
+                  </p:spPr>
+                  <p:style>
+                    <a:lnRef idx="1">
+                      <a:schemeClr val="accent1"/>
+                    </a:lnRef>
+                    <a:fillRef idx="0">
+                      <a:schemeClr val="accent1"/>
+                    </a:fillRef>
+                    <a:effectRef idx="0">
+                      <a:schemeClr val="accent1"/>
+                    </a:effectRef>
+                    <a:fontRef idx="minor">
+                      <a:schemeClr val="tx1"/>
+                    </a:fontRef>
+                  </p:style>
+                </p:cxnSp>
+                <p:cxnSp>
+                  <p:nvCxnSpPr>
+                    <p:cNvPr id="162" name="Straight Connector 161"/>
+                    <p:cNvCxnSpPr/>
+                    <p:nvPr/>
+                  </p:nvCxnSpPr>
+                  <p:spPr>
+                    <a:xfrm flipH="1">
+                      <a:off x="1805874" y="4736116"/>
+                      <a:ext cx="169434" cy="417125"/>
+                    </a:xfrm>
+                    <a:prstGeom prst="line">
+                      <a:avLst/>
+                    </a:prstGeom>
+                    <a:ln w="12700">
+                      <a:solidFill>
+                        <a:schemeClr val="tx1"/>
+                      </a:solidFill>
+                    </a:ln>
+                  </p:spPr>
+                  <p:style>
+                    <a:lnRef idx="1">
+                      <a:schemeClr val="accent1"/>
+                    </a:lnRef>
+                    <a:fillRef idx="0">
+                      <a:schemeClr val="accent1"/>
+                    </a:fillRef>
+                    <a:effectRef idx="0">
+                      <a:schemeClr val="accent1"/>
+                    </a:effectRef>
+                    <a:fontRef idx="minor">
+                      <a:schemeClr val="tx1"/>
+                    </a:fontRef>
+                  </p:style>
+                </p:cxnSp>
+                <p:cxnSp>
+                  <p:nvCxnSpPr>
+                    <p:cNvPr id="163" name="Straight Connector 162"/>
+                    <p:cNvCxnSpPr>
+                      <a:endCxn id="153" idx="2"/>
+                    </p:cNvCxnSpPr>
+                    <p:nvPr/>
+                  </p:nvCxnSpPr>
+                  <p:spPr>
+                    <a:xfrm>
+                      <a:off x="1517722" y="4978400"/>
+                      <a:ext cx="288151" cy="0"/>
+                    </a:xfrm>
+                    <a:prstGeom prst="line">
+                      <a:avLst/>
+                    </a:prstGeom>
+                    <a:ln w="57150">
+                      <a:solidFill>
+                        <a:schemeClr val="tx1"/>
+                      </a:solidFill>
+                    </a:ln>
+                  </p:spPr>
+                  <p:style>
+                    <a:lnRef idx="1">
+                      <a:schemeClr val="accent1"/>
+                    </a:lnRef>
+                    <a:fillRef idx="0">
+                      <a:schemeClr val="accent1"/>
+                    </a:fillRef>
+                    <a:effectRef idx="0">
+                      <a:schemeClr val="accent1"/>
+                    </a:effectRef>
+                    <a:fontRef idx="minor">
+                      <a:schemeClr val="tx1"/>
+                    </a:fontRef>
+                  </p:style>
+                </p:cxnSp>
+              </p:grpSp>
+              <p:sp>
+                <p:nvSpPr>
+                  <p:cNvPr id="152" name="Arc 151"/>
+                  <p:cNvSpPr/>
+                  <p:nvPr/>
+                </p:nvSpPr>
+                <p:spPr>
+                  <a:xfrm>
+                    <a:off x="880922" y="4349261"/>
+                    <a:ext cx="90435" cy="1065125"/>
+                  </a:xfrm>
+                  <a:prstGeom prst="arc">
+                    <a:avLst>
+                      <a:gd name="adj1" fmla="val 3533470"/>
+                      <a:gd name="adj2" fmla="val 16538135"/>
+                    </a:avLst>
+                  </a:prstGeom>
+                  <a:ln w="19050">
+                    <a:solidFill>
+                      <a:schemeClr val="tx1"/>
+                    </a:solidFill>
+                    <a:headEnd type="triangle" w="med" len="med"/>
+                    <a:tailEnd type="none" w="med" len="med"/>
+                  </a:ln>
+                </p:spPr>
+                <p:style>
+                  <a:lnRef idx="1">
+                    <a:schemeClr val="accent1"/>
+                  </a:lnRef>
+                  <a:fillRef idx="0">
+                    <a:schemeClr val="accent1"/>
+                  </a:fillRef>
+                  <a:effectRef idx="0">
+                    <a:schemeClr val="accent1"/>
+                  </a:effectRef>
+                  <a:fontRef idx="minor">
+                    <a:schemeClr val="tx1"/>
+                  </a:fontRef>
+                </p:style>
+                <p:txBody>
+                  <a:bodyPr rtlCol="0" anchor="ctr"/>
+                  <a:lstStyle/>
+                  <a:p>
+                    <a:pPr algn="ctr"/>
+                    <a:endParaRPr lang="en-US"/>
+                  </a:p>
+                </p:txBody>
+              </p:sp>
+            </p:grpSp>
+            <p:cxnSp>
+              <p:nvCxnSpPr>
+                <p:cNvPr id="164" name="Straight Arrow Connector 163"/>
+                <p:cNvCxnSpPr/>
+                <p:nvPr/>
+              </p:nvCxnSpPr>
+              <p:spPr>
+                <a:xfrm flipV="1">
+                  <a:off x="1653445" y="5167295"/>
+                  <a:ext cx="958207" cy="219492"/>
+                </a:xfrm>
+                <a:prstGeom prst="straightConnector1">
+                  <a:avLst/>
+                </a:prstGeom>
+                <a:ln w="38100">
+                  <a:solidFill>
+                    <a:schemeClr val="tx1"/>
+                  </a:solidFill>
+                  <a:tailEnd type="triangle"/>
+                </a:ln>
+              </p:spPr>
+              <p:style>
+                <a:lnRef idx="1">
+                  <a:schemeClr val="accent1"/>
+                </a:lnRef>
+                <a:fillRef idx="0">
+                  <a:schemeClr val="accent1"/>
+                </a:fillRef>
+                <a:effectRef idx="0">
+                  <a:schemeClr val="accent1"/>
+                </a:effectRef>
+                <a:fontRef idx="minor">
+                  <a:schemeClr val="tx1"/>
+                </a:fontRef>
+              </p:style>
+            </p:cxnSp>
+            <p:cxnSp>
+              <p:nvCxnSpPr>
+                <p:cNvPr id="167" name="Straight Arrow Connector 166"/>
+                <p:cNvCxnSpPr/>
+                <p:nvPr/>
+              </p:nvCxnSpPr>
+              <p:spPr>
+                <a:xfrm flipV="1">
+                  <a:off x="2609130" y="5167295"/>
+                  <a:ext cx="0" cy="281182"/>
+                </a:xfrm>
+                <a:prstGeom prst="straightConnector1">
+                  <a:avLst/>
+                </a:prstGeom>
+                <a:ln w="38100">
+                  <a:solidFill>
+                    <a:schemeClr val="tx1"/>
+                  </a:solidFill>
+                  <a:tailEnd type="triangle"/>
+                </a:ln>
+              </p:spPr>
+              <p:style>
+                <a:lnRef idx="1">
+                  <a:schemeClr val="accent1"/>
+                </a:lnRef>
+                <a:fillRef idx="0">
+                  <a:schemeClr val="accent1"/>
+                </a:fillRef>
+                <a:effectRef idx="0">
+                  <a:schemeClr val="accent1"/>
+                </a:effectRef>
+                <a:fontRef idx="minor">
+                  <a:schemeClr val="tx1"/>
+                </a:fontRef>
+              </p:style>
+            </p:cxnSp>
+            <mc:AlternateContent xmlns:mc="http://schemas.openxmlformats.org/markup-compatibility/2006">
+              <mc:Choice xmlns:a14="http://schemas.microsoft.com/office/drawing/2010/main" Requires="a14">
+                <p:sp>
+                  <p:nvSpPr>
+                    <p:cNvPr id="174" name="TextBox 173"/>
+                    <p:cNvSpPr txBox="1"/>
+                    <p:nvPr/>
+                  </p:nvSpPr>
+                  <p:spPr>
+                    <a:xfrm>
+                      <a:off x="2668347" y="5144590"/>
+                      <a:ext cx="364331" cy="345159"/>
+                    </a:xfrm>
+                    <a:prstGeom prst="rect">
+                      <a:avLst/>
+                    </a:prstGeom>
+                    <a:noFill/>
+                  </p:spPr>
+                  <p:txBody>
+                    <a:bodyPr wrap="none" lIns="0" tIns="0" rIns="0" bIns="0" rtlCol="0">
+                      <a:spAutoFit/>
+                    </a:bodyPr>
+                    <a:lstStyle/>
+                    <a:p>
+                      <a14:m>
+                        <m:oMathPara xmlns:m="http://schemas.openxmlformats.org/officeDocument/2006/math">
+                          <m:oMathParaPr>
+                            <m:jc m:val="centerGroup"/>
+                          </m:oMathParaPr>
+                          <m:oMath xmlns:m="http://schemas.openxmlformats.org/officeDocument/2006/math">
+                            <m:r>
+                              <m:rPr>
+                                <m:sty m:val="p"/>
+                              </m:rPr>
+                              <a:rPr lang="en-US" sz="2000" b="0" i="0" smtClean="0">
+                                <a:latin typeface="Cambria Math" panose="02040503050406030204" pitchFamily="18" charset="0"/>
+                                <a:cs typeface="Arial" panose="020B0604020202020204" pitchFamily="34" charset="0"/>
+                              </a:rPr>
+                              <m:t>Δ</m:t>
+                            </m:r>
+                            <m:acc>
+                              <m:accPr>
+                                <m:chr m:val="⃗"/>
+                                <m:ctrlPr>
+                                  <a:rPr lang="en-US" sz="2000" b="0" i="1" smtClean="0">
+                                    <a:latin typeface="Cambria Math" panose="02040503050406030204" pitchFamily="18" charset="0"/>
+                                    <a:cs typeface="Arial" panose="020B0604020202020204" pitchFamily="34" charset="0"/>
+                                  </a:rPr>
+                                </m:ctrlPr>
+                              </m:accPr>
+                              <m:e>
+                                <m:r>
+                                  <a:rPr lang="en-US" sz="2000" b="0" i="1" smtClean="0">
+                                    <a:latin typeface="Cambria Math" panose="02040503050406030204" pitchFamily="18" charset="0"/>
+                                    <a:cs typeface="Arial" panose="020B0604020202020204" pitchFamily="34" charset="0"/>
+                                  </a:rPr>
+                                  <m:t>𝐿</m:t>
+                                </m:r>
+                              </m:e>
+                            </m:acc>
+                          </m:oMath>
+                        </m:oMathPara>
+                      </a14:m>
+                      <a:endParaRPr lang="en-US" sz="2000" dirty="0" smtClean="0">
+                        <a:latin typeface="Arial" panose="020B0604020202020204" pitchFamily="34" charset="0"/>
+                        <a:cs typeface="Arial" panose="020B0604020202020204" pitchFamily="34" charset="0"/>
+                      </a:endParaRPr>
+                    </a:p>
+                  </p:txBody>
+                </p:sp>
+              </mc:Choice>
+              <mc:Fallback>
+                <p:sp>
+                  <p:nvSpPr>
+                    <p:cNvPr id="174" name="TextBox 173"/>
+                    <p:cNvSpPr txBox="1">
+                      <a:spLocks noRot="1" noChangeAspect="1" noMove="1" noResize="1" noEditPoints="1" noAdjustHandles="1" noChangeArrowheads="1" noChangeShapeType="1" noTextEdit="1"/>
+                    </p:cNvSpPr>
+                    <p:nvPr/>
+                  </p:nvSpPr>
+                  <p:spPr>
+                    <a:xfrm>
+                      <a:off x="2668347" y="5144590"/>
+                      <a:ext cx="364331" cy="345159"/>
+                    </a:xfrm>
+                    <a:prstGeom prst="rect">
+                      <a:avLst/>
+                    </a:prstGeom>
+                    <a:blipFill>
+                      <a:blip r:embed="rId20"/>
+                      <a:stretch>
+                        <a:fillRect l="-13333" r="-13333" b="-8772"/>
+                      </a:stretch>
+                    </a:blipFill>
+                  </p:spPr>
+                  <p:txBody>
+                    <a:bodyPr/>
+                    <a:lstStyle/>
+                    <a:p>
+                      <a:r>
+                        <a:rPr lang="en-US">
+                          <a:noFill/>
+                        </a:rPr>
+                        <a:t> </a:t>
+                      </a:r>
+                    </a:p>
+                  </p:txBody>
+                </p:sp>
+              </mc:Fallback>
+            </mc:AlternateContent>
+            <p:grpSp>
+              <p:nvGrpSpPr>
+                <p:cNvPr id="175" name="Group 174"/>
+                <p:cNvGrpSpPr/>
+                <p:nvPr/>
+              </p:nvGrpSpPr>
+              <p:grpSpPr>
+                <a:xfrm>
+                  <a:off x="20547" y="5505388"/>
+                  <a:ext cx="898789" cy="709995"/>
+                  <a:chOff x="758520" y="708040"/>
+                  <a:chExt cx="2596102" cy="2135605"/>
+                </a:xfrm>
+              </p:grpSpPr>
+              <p:grpSp>
+                <p:nvGrpSpPr>
+                  <p:cNvPr id="176" name="Group 175"/>
+                  <p:cNvGrpSpPr/>
+                  <p:nvPr/>
+                </p:nvGrpSpPr>
+                <p:grpSpPr>
+                  <a:xfrm>
+                    <a:off x="758520" y="708040"/>
+                    <a:ext cx="2596102" cy="2135605"/>
+                    <a:chOff x="785815" y="680744"/>
+                    <a:chExt cx="2596102" cy="2135605"/>
+                  </a:xfrm>
+                </p:grpSpPr>
+                <p:cxnSp>
+                  <p:nvCxnSpPr>
+                    <p:cNvPr id="178" name="Straight Arrow Connector 177"/>
+                    <p:cNvCxnSpPr/>
+                    <p:nvPr/>
+                  </p:nvCxnSpPr>
+                  <p:spPr>
+                    <a:xfrm flipV="1">
+                      <a:off x="1516583" y="680744"/>
+                      <a:ext cx="7683" cy="1859535"/>
+                    </a:xfrm>
+                    <a:prstGeom prst="straightConnector1">
+                      <a:avLst/>
+                    </a:prstGeom>
+                    <a:ln w="38100">
+                      <a:solidFill>
+                        <a:schemeClr val="tx1"/>
+                      </a:solidFill>
+                      <a:tailEnd type="triangle"/>
+                    </a:ln>
+                  </p:spPr>
+                  <p:style>
+                    <a:lnRef idx="1">
+                      <a:schemeClr val="accent1"/>
+                    </a:lnRef>
+                    <a:fillRef idx="0">
+                      <a:schemeClr val="accent1"/>
+                    </a:fillRef>
+                    <a:effectRef idx="0">
+                      <a:schemeClr val="accent1"/>
+                    </a:effectRef>
+                    <a:fontRef idx="minor">
+                      <a:schemeClr val="tx1"/>
+                    </a:fontRef>
+                  </p:style>
+                </p:cxnSp>
+                <p:cxnSp>
+                  <p:nvCxnSpPr>
+                    <p:cNvPr id="179" name="Straight Arrow Connector 178"/>
+                    <p:cNvCxnSpPr/>
+                    <p:nvPr/>
+                  </p:nvCxnSpPr>
+                  <p:spPr>
+                    <a:xfrm flipV="1">
+                      <a:off x="1507013" y="2535259"/>
+                      <a:ext cx="1874904" cy="1"/>
+                    </a:xfrm>
+                    <a:prstGeom prst="straightConnector1">
+                      <a:avLst/>
+                    </a:prstGeom>
+                    <a:ln w="38100">
+                      <a:solidFill>
+                        <a:schemeClr val="tx1"/>
+                      </a:solidFill>
+                      <a:tailEnd type="triangle"/>
+                    </a:ln>
+                  </p:spPr>
+                  <p:style>
+                    <a:lnRef idx="1">
+                      <a:schemeClr val="accent1"/>
+                    </a:lnRef>
+                    <a:fillRef idx="0">
+                      <a:schemeClr val="accent1"/>
+                    </a:fillRef>
+                    <a:effectRef idx="0">
+                      <a:schemeClr val="accent1"/>
+                    </a:effectRef>
+                    <a:fontRef idx="minor">
+                      <a:schemeClr val="tx1"/>
+                    </a:fontRef>
+                  </p:style>
+                </p:cxnSp>
+                <mc:AlternateContent xmlns:mc="http://schemas.openxmlformats.org/markup-compatibility/2006" xmlns:a14="http://schemas.microsoft.com/office/drawing/2010/main">
+                  <mc:Choice Requires="a14">
+                    <p:sp>
+                      <p:nvSpPr>
+                        <p:cNvPr id="180" name="Rectangle 179"/>
+                        <p:cNvSpPr/>
+                        <p:nvPr/>
+                      </p:nvSpPr>
+                      <p:spPr>
+                        <a:xfrm>
+                          <a:off x="2697555" y="2447016"/>
+                          <a:ext cx="367985" cy="369333"/>
+                        </a:xfrm>
+                        <a:prstGeom prst="rect">
+                          <a:avLst/>
+                        </a:prstGeom>
+                      </p:spPr>
+                      <p:txBody>
+                        <a:bodyPr wrap="none">
+                          <a:spAutoFit/>
+                        </a:bodyPr>
+                        <a:lstStyle/>
+                        <a:p>
+                          <a:pPr/>
+                          <a14:m>
+                            <m:oMathPara xmlns:m="http://schemas.openxmlformats.org/officeDocument/2006/math">
+                              <m:oMathParaPr>
+                                <m:jc m:val="centerGroup"/>
+                              </m:oMathParaPr>
+                              <m:oMath xmlns:m="http://schemas.openxmlformats.org/officeDocument/2006/math">
+                                <m:r>
+                                  <a:rPr lang="en-US" i="1">
+                                    <a:latin typeface="Cambria Math" panose="02040503050406030204" pitchFamily="18" charset="0"/>
+                                    <a:cs typeface="Arial" panose="020B0604020202020204" pitchFamily="34" charset="0"/>
+                                  </a:rPr>
+                                  <m:t>𝑥</m:t>
+                                </m:r>
+                              </m:oMath>
+                            </m:oMathPara>
+                          </a14:m>
+                          <a:endParaRPr lang="en-CA" dirty="0"/>
+                        </a:p>
+                      </p:txBody>
+                    </p:sp>
+                  </mc:Choice>
+                  <mc:Fallback xmlns="">
+                    <p:sp>
+                      <p:nvSpPr>
+                        <p:cNvPr id="107" name="Rectangle 106"/>
+                        <p:cNvSpPr>
+                          <a:spLocks noRot="1" noChangeAspect="1" noMove="1" noResize="1" noEditPoints="1" noAdjustHandles="1" noChangeArrowheads="1" noChangeShapeType="1" noTextEdit="1"/>
+                        </p:cNvSpPr>
+                        <p:nvPr/>
+                      </p:nvSpPr>
+                      <p:spPr>
+                        <a:xfrm>
+                          <a:off x="2697555" y="2447016"/>
+                          <a:ext cx="367985" cy="369333"/>
+                        </a:xfrm>
+                        <a:prstGeom prst="rect">
+                          <a:avLst/>
+                        </a:prstGeom>
+                        <a:blipFill>
+                          <a:blip r:embed="rId27"/>
+                          <a:stretch>
+                            <a:fillRect r="-95238" b="-160000"/>
+                          </a:stretch>
+                        </a:blipFill>
+                      </p:spPr>
+                      <p:txBody>
+                        <a:bodyPr/>
+                        <a:lstStyle/>
+                        <a:p>
+                          <a:r>
+                            <a:rPr lang="en-US">
+                              <a:noFill/>
+                            </a:rPr>
+                            <a:t> </a:t>
+                          </a:r>
+                        </a:p>
+                      </p:txBody>
+                    </p:sp>
+                  </mc:Fallback>
+                </mc:AlternateContent>
+                <mc:AlternateContent xmlns:mc="http://schemas.openxmlformats.org/markup-compatibility/2006" xmlns:a14="http://schemas.microsoft.com/office/drawing/2010/main">
+                  <mc:Choice Requires="a14">
+                    <p:sp>
+                      <p:nvSpPr>
+                        <p:cNvPr id="181" name="Rectangle 180"/>
+                        <p:cNvSpPr/>
+                        <p:nvPr/>
+                      </p:nvSpPr>
+                      <p:spPr>
+                        <a:xfrm>
+                          <a:off x="785815" y="912420"/>
+                          <a:ext cx="371385" cy="369333"/>
+                        </a:xfrm>
+                        <a:prstGeom prst="rect">
+                          <a:avLst/>
+                        </a:prstGeom>
+                      </p:spPr>
+                      <p:txBody>
+                        <a:bodyPr wrap="none">
+                          <a:spAutoFit/>
+                        </a:bodyPr>
+                        <a:lstStyle/>
+                        <a:p>
+                          <a:pPr/>
+                          <a14:m>
+                            <m:oMathPara xmlns:m="http://schemas.openxmlformats.org/officeDocument/2006/math">
+                              <m:oMathParaPr>
+                                <m:jc m:val="centerGroup"/>
+                              </m:oMathParaPr>
+                              <m:oMath xmlns:m="http://schemas.openxmlformats.org/officeDocument/2006/math">
+                                <m:r>
+                                  <a:rPr lang="en-US" b="0" i="1" smtClean="0">
+                                    <a:latin typeface="Cambria Math" panose="02040503050406030204" pitchFamily="18" charset="0"/>
+                                  </a:rPr>
+                                  <m:t>𝑦</m:t>
+                                </m:r>
+                              </m:oMath>
+                            </m:oMathPara>
+                          </a14:m>
+                          <a:endParaRPr lang="en-CA" dirty="0"/>
+                        </a:p>
+                      </p:txBody>
+                    </p:sp>
+                  </mc:Choice>
+                  <mc:Fallback xmlns="">
+                    <p:sp>
+                      <p:nvSpPr>
+                        <p:cNvPr id="108" name="Rectangle 107"/>
+                        <p:cNvSpPr>
+                          <a:spLocks noRot="1" noChangeAspect="1" noMove="1" noResize="1" noEditPoints="1" noAdjustHandles="1" noChangeArrowheads="1" noChangeShapeType="1" noTextEdit="1"/>
+                        </p:cNvSpPr>
+                        <p:nvPr/>
+                      </p:nvSpPr>
+                      <p:spPr>
+                        <a:xfrm>
+                          <a:off x="785815" y="912420"/>
+                          <a:ext cx="371385" cy="369333"/>
+                        </a:xfrm>
+                        <a:prstGeom prst="rect">
+                          <a:avLst/>
+                        </a:prstGeom>
+                        <a:blipFill>
+                          <a:blip r:embed="rId28"/>
+                          <a:stretch>
+                            <a:fillRect l="-19048" r="-114286" b="-220000"/>
+                          </a:stretch>
+                        </a:blipFill>
+                      </p:spPr>
+                      <p:txBody>
+                        <a:bodyPr/>
+                        <a:lstStyle/>
+                        <a:p>
+                          <a:r>
+                            <a:rPr lang="en-US">
+                              <a:noFill/>
+                            </a:rPr>
+                            <a:t> </a:t>
+                          </a:r>
+                        </a:p>
+                      </p:txBody>
+                    </p:sp>
+                  </mc:Fallback>
+                </mc:AlternateContent>
+                <mc:AlternateContent xmlns:mc="http://schemas.openxmlformats.org/markup-compatibility/2006" xmlns:a14="http://schemas.microsoft.com/office/drawing/2010/main">
+                  <mc:Choice Requires="a14">
+                    <p:sp>
+                      <p:nvSpPr>
+                        <p:cNvPr id="182" name="Rectangle 181"/>
+                        <p:cNvSpPr/>
+                        <p:nvPr/>
+                      </p:nvSpPr>
+                      <p:spPr>
+                        <a:xfrm>
+                          <a:off x="1006642" y="2350591"/>
+                          <a:ext cx="367985" cy="369333"/>
+                        </a:xfrm>
+                        <a:prstGeom prst="rect">
+                          <a:avLst/>
+                        </a:prstGeom>
+                      </p:spPr>
+                      <p:txBody>
+                        <a:bodyPr wrap="none">
+                          <a:spAutoFit/>
+                        </a:bodyPr>
+                        <a:lstStyle/>
+                        <a:p>
+                          <a:pPr/>
+                          <a14:m>
+                            <m:oMathPara xmlns:m="http://schemas.openxmlformats.org/officeDocument/2006/math">
+                              <m:oMathParaPr>
+                                <m:jc m:val="centerGroup"/>
+                              </m:oMathParaPr>
+                              <m:oMath xmlns:m="http://schemas.openxmlformats.org/officeDocument/2006/math">
+                                <m:r>
+                                  <a:rPr lang="en-US" b="0" i="1" smtClean="0">
+                                    <a:latin typeface="Cambria Math" panose="02040503050406030204" pitchFamily="18" charset="0"/>
+                                    <a:cs typeface="Arial" panose="020B0604020202020204" pitchFamily="34" charset="0"/>
+                                  </a:rPr>
+                                  <m:t>0</m:t>
+                                </m:r>
+                              </m:oMath>
+                            </m:oMathPara>
+                          </a14:m>
+                          <a:endParaRPr lang="en-CA" dirty="0"/>
+                        </a:p>
+                      </p:txBody>
+                    </p:sp>
+                  </mc:Choice>
+                  <mc:Fallback xmlns="">
+                    <p:sp>
+                      <p:nvSpPr>
+                        <p:cNvPr id="109" name="Rectangle 108"/>
+                        <p:cNvSpPr>
+                          <a:spLocks noRot="1" noChangeAspect="1" noMove="1" noResize="1" noEditPoints="1" noAdjustHandles="1" noChangeArrowheads="1" noChangeShapeType="1" noTextEdit="1"/>
+                        </p:cNvSpPr>
+                        <p:nvPr/>
+                      </p:nvSpPr>
+                      <p:spPr>
+                        <a:xfrm>
+                          <a:off x="1006642" y="2350591"/>
+                          <a:ext cx="367985" cy="369333"/>
+                        </a:xfrm>
+                        <a:prstGeom prst="rect">
+                          <a:avLst/>
+                        </a:prstGeom>
+                        <a:blipFill>
+                          <a:blip r:embed="rId29"/>
+                          <a:stretch>
+                            <a:fillRect l="-14286" r="-114286" b="-180000"/>
+                          </a:stretch>
+                        </a:blipFill>
+                      </p:spPr>
+                      <p:txBody>
+                        <a:bodyPr/>
+                        <a:lstStyle/>
+                        <a:p>
+                          <a:r>
+                            <a:rPr lang="en-US">
+                              <a:noFill/>
+                            </a:rPr>
+                            <a:t> </a:t>
+                          </a:r>
+                        </a:p>
+                      </p:txBody>
+                    </p:sp>
+                  </mc:Fallback>
+                </mc:AlternateContent>
+              </p:grpSp>
+              <p:sp>
+                <p:nvSpPr>
+                  <p:cNvPr id="177" name="Rectangle 176"/>
+                  <p:cNvSpPr/>
+                  <p:nvPr/>
+                </p:nvSpPr>
+                <p:spPr>
+                  <a:xfrm>
+                    <a:off x="1129904" y="1614682"/>
+                    <a:ext cx="184731" cy="369332"/>
+                  </a:xfrm>
+                  <a:prstGeom prst="rect">
+                    <a:avLst/>
+                  </a:prstGeom>
+                </p:spPr>
+                <p:txBody>
+                  <a:bodyPr wrap="none">
+                    <a:spAutoFit/>
+                  </a:bodyPr>
+                  <a:lstStyle/>
+                  <a:p>
+                    <a:endParaRPr lang="en-CA" dirty="0"/>
+                  </a:p>
+                </p:txBody>
+              </p:sp>
+            </p:grpSp>
+          </p:grpSp>
+          <p:sp>
+            <p:nvSpPr>
+              <p:cNvPr id="184" name="Arc 183"/>
+              <p:cNvSpPr/>
+              <p:nvPr/>
+            </p:nvSpPr>
+            <p:spPr>
+              <a:xfrm rot="16200000">
+                <a:off x="2836650" y="5632108"/>
+                <a:ext cx="90435" cy="1065125"/>
+              </a:xfrm>
+              <a:prstGeom prst="arc">
+                <a:avLst>
+                  <a:gd name="adj1" fmla="val 3533470"/>
+                  <a:gd name="adj2" fmla="val 16538135"/>
+                </a:avLst>
+              </a:prstGeom>
+              <a:ln w="19050">
+                <a:solidFill>
+                  <a:schemeClr val="tx1"/>
+                </a:solidFill>
+                <a:headEnd type="triangle" w="med" len="med"/>
+                <a:tailEnd type="none" w="med" len="med"/>
+              </a:ln>
+            </p:spPr>
+            <p:style>
+              <a:lnRef idx="1">
+                <a:schemeClr val="accent1"/>
+              </a:lnRef>
+              <a:fillRef idx="0">
+                <a:schemeClr val="accent1"/>
+              </a:fillRef>
+              <a:effectRef idx="0">
+                <a:schemeClr val="accent1"/>
+              </a:effectRef>
+              <a:fontRef idx="minor">
+                <a:schemeClr val="tx1"/>
+              </a:fontRef>
+            </p:style>
+            <p:txBody>
+              <a:bodyPr rtlCol="0" anchor="ctr"/>
+              <a:lstStyle/>
+              <a:p>
+                <a:pPr algn="ctr"/>
+                <a:endParaRPr lang="en-US"/>
+              </a:p>
+            </p:txBody>
+          </p:sp>
+          <p:cxnSp>
+            <p:nvCxnSpPr>
+              <p:cNvPr id="185" name="Straight Arrow Connector 184"/>
+              <p:cNvCxnSpPr/>
+              <p:nvPr/>
+            </p:nvCxnSpPr>
+            <p:spPr>
+              <a:xfrm flipV="1">
+                <a:off x="2855165" y="5917468"/>
+                <a:ext cx="1170" cy="487774"/>
+              </a:xfrm>
+              <a:prstGeom prst="straightConnector1">
+                <a:avLst/>
+              </a:prstGeom>
+              <a:ln w="38100">
+                <a:solidFill>
+                  <a:schemeClr val="tx1"/>
+                </a:solidFill>
+                <a:tailEnd type="triangle"/>
+              </a:ln>
+            </p:spPr>
+            <p:style>
+              <a:lnRef idx="1">
+                <a:schemeClr val="accent1"/>
+              </a:lnRef>
+              <a:fillRef idx="0">
+                <a:schemeClr val="accent1"/>
+              </a:fillRef>
+              <a:effectRef idx="0">
+                <a:schemeClr val="accent1"/>
+              </a:effectRef>
+              <a:fontRef idx="minor">
+                <a:schemeClr val="tx1"/>
+              </a:fontRef>
+            </p:style>
+          </p:cxnSp>
+          <mc:AlternateContent xmlns:mc="http://schemas.openxmlformats.org/markup-compatibility/2006">
+            <mc:Choice xmlns:a14="http://schemas.microsoft.com/office/drawing/2010/main" Requires="a14">
+              <p:sp>
+                <p:nvSpPr>
+                  <p:cNvPr id="188" name="TextBox 187"/>
+                  <p:cNvSpPr txBox="1"/>
+                  <p:nvPr/>
+                </p:nvSpPr>
+                <p:spPr>
+                  <a:xfrm>
+                    <a:off x="2942317" y="5750282"/>
+                    <a:ext cx="193065" cy="307777"/>
+                  </a:xfrm>
+                  <a:prstGeom prst="rect">
+                    <a:avLst/>
+                  </a:prstGeom>
+                  <a:noFill/>
+                </p:spPr>
+                <p:txBody>
+                  <a:bodyPr wrap="none" lIns="0" tIns="0" rIns="0" bIns="0" rtlCol="0">
+                    <a:spAutoFit/>
+                  </a:bodyPr>
+                  <a:lstStyle/>
+                  <a:p>
+                    <a14:m>
+                      <m:oMathPara xmlns:m="http://schemas.openxmlformats.org/officeDocument/2006/math">
+                        <m:oMathParaPr>
+                          <m:jc m:val="centerGroup"/>
+                        </m:oMathParaPr>
+                        <m:oMath xmlns:m="http://schemas.openxmlformats.org/officeDocument/2006/math">
+                          <m:acc>
+                            <m:accPr>
+                              <m:chr m:val="⃗"/>
+                              <m:ctrlPr>
+                                <a:rPr lang="en-US" sz="2000" b="0" i="1" smtClean="0">
+                                  <a:latin typeface="Cambria Math" panose="02040503050406030204" pitchFamily="18" charset="0"/>
+                                  <a:cs typeface="Arial" panose="020B0604020202020204" pitchFamily="34" charset="0"/>
+                                </a:rPr>
+                              </m:ctrlPr>
+                            </m:accPr>
+                            <m:e>
+                              <m:r>
+                                <a:rPr lang="en-US" sz="2000" b="0" i="1" smtClean="0">
+                                  <a:latin typeface="Cambria Math" panose="02040503050406030204" pitchFamily="18" charset="0"/>
+                                  <a:cs typeface="Arial" panose="020B0604020202020204" pitchFamily="34" charset="0"/>
+                                </a:rPr>
+                                <m:t>𝜏</m:t>
+                              </m:r>
+                            </m:e>
+                          </m:acc>
+                        </m:oMath>
+                      </m:oMathPara>
+                    </a14:m>
+                    <a:endParaRPr lang="en-US" sz="2000" dirty="0" smtClean="0">
+                      <a:latin typeface="Arial" panose="020B0604020202020204" pitchFamily="34" charset="0"/>
+                      <a:cs typeface="Arial" panose="020B0604020202020204" pitchFamily="34" charset="0"/>
+                    </a:endParaRPr>
+                  </a:p>
+                </p:txBody>
+              </p:sp>
+            </mc:Choice>
+            <mc:Fallback>
+              <p:sp>
+                <p:nvSpPr>
+                  <p:cNvPr id="188" name="TextBox 187"/>
+                  <p:cNvSpPr txBox="1">
+                    <a:spLocks noRot="1" noChangeAspect="1" noMove="1" noResize="1" noEditPoints="1" noAdjustHandles="1" noChangeArrowheads="1" noChangeShapeType="1" noTextEdit="1"/>
+                  </p:cNvSpPr>
+                  <p:nvPr/>
+                </p:nvSpPr>
+                <p:spPr>
+                  <a:xfrm>
+                    <a:off x="2942317" y="5750282"/>
+                    <a:ext cx="193065" cy="307777"/>
+                  </a:xfrm>
+                  <a:prstGeom prst="rect">
+                    <a:avLst/>
+                  </a:prstGeom>
+                  <a:blipFill>
+                    <a:blip r:embed="rId30"/>
+                    <a:stretch>
+                      <a:fillRect l="-32258" t="-33333" r="-103226" b="-5882"/>
+                    </a:stretch>
+                  </a:blipFill>
+                </p:spPr>
+                <p:txBody>
+                  <a:bodyPr/>
+                  <a:lstStyle/>
+                  <a:p>
+                    <a:r>
+                      <a:rPr lang="en-US">
+                        <a:noFill/>
+                      </a:rPr>
+                      <a:t> </a:t>
+                    </a:r>
+                  </a:p>
+                </p:txBody>
+              </p:sp>
+            </mc:Fallback>
+          </mc:AlternateContent>
+        </p:grpSp>
+        <mc:AlternateContent xmlns:mc="http://schemas.openxmlformats.org/markup-compatibility/2006">
+          <mc:Choice xmlns:a14="http://schemas.microsoft.com/office/drawing/2010/main" Requires="a14">
+            <p:sp>
+              <p:nvSpPr>
+                <p:cNvPr id="190" name="TextBox 189"/>
+                <p:cNvSpPr txBox="1"/>
+                <p:nvPr/>
+              </p:nvSpPr>
+              <p:spPr>
+                <a:xfrm>
+                  <a:off x="215150" y="3844548"/>
+                  <a:ext cx="563488" cy="307777"/>
+                </a:xfrm>
+                <a:prstGeom prst="rect">
+                  <a:avLst/>
+                </a:prstGeom>
+                <a:noFill/>
+              </p:spPr>
+              <p:txBody>
+                <a:bodyPr wrap="none" lIns="0" tIns="0" rIns="0" bIns="0" rtlCol="0">
+                  <a:spAutoFit/>
+                </a:bodyPr>
+                <a:lstStyle/>
+                <a:p>
+                  <a14:m>
+                    <m:oMathPara xmlns:m="http://schemas.openxmlformats.org/officeDocument/2006/math">
+                      <m:oMathParaPr>
+                        <m:jc m:val="centerGroup"/>
+                      </m:oMathParaPr>
+                      <m:oMath xmlns:m="http://schemas.openxmlformats.org/officeDocument/2006/math">
+                        <m:r>
+                          <a:rPr lang="en-US" sz="2000" b="0" i="1" smtClean="0">
+                            <a:latin typeface="Cambria Math" panose="02040503050406030204" pitchFamily="18" charset="0"/>
+                            <a:cs typeface="Arial" panose="020B0604020202020204" pitchFamily="34" charset="0"/>
+                          </a:rPr>
+                          <m:t>𝑎𝑥𝑙𝑒</m:t>
+                        </m:r>
+                      </m:oMath>
+                    </m:oMathPara>
+                  </a14:m>
+                  <a:endParaRPr lang="en-US" sz="2000" dirty="0" smtClean="0">
+                    <a:latin typeface="Arial" panose="020B0604020202020204" pitchFamily="34" charset="0"/>
+                    <a:cs typeface="Arial" panose="020B0604020202020204" pitchFamily="34" charset="0"/>
+                  </a:endParaRPr>
+                </a:p>
+              </p:txBody>
+            </p:sp>
+          </mc:Choice>
+          <mc:Fallback>
+            <p:sp>
+              <p:nvSpPr>
+                <p:cNvPr id="190" name="TextBox 189"/>
+                <p:cNvSpPr txBox="1">
+                  <a:spLocks noRot="1" noChangeAspect="1" noMove="1" noResize="1" noEditPoints="1" noAdjustHandles="1" noChangeArrowheads="1" noChangeShapeType="1" noTextEdit="1"/>
+                </p:cNvSpPr>
+                <p:nvPr/>
+              </p:nvSpPr>
+              <p:spPr>
+                <a:xfrm>
+                  <a:off x="215150" y="3844548"/>
+                  <a:ext cx="563488" cy="307777"/>
+                </a:xfrm>
+                <a:prstGeom prst="rect">
+                  <a:avLst/>
+                </a:prstGeom>
+                <a:blipFill>
+                  <a:blip r:embed="rId31"/>
+                  <a:stretch>
+                    <a:fillRect l="-9677" r="-7527" b="-12000"/>
+                  </a:stretch>
+                </a:blipFill>
+              </p:spPr>
+              <p:txBody>
+                <a:bodyPr/>
+                <a:lstStyle/>
+                <a:p>
+                  <a:r>
+                    <a:rPr lang="en-US">
+                      <a:noFill/>
+                    </a:rPr>
+                    <a:t> </a:t>
+                  </a:r>
+                </a:p>
+              </p:txBody>
+            </p:sp>
+          </mc:Fallback>
+        </mc:AlternateContent>
+      </p:grpSp>
+    </p:spTree>
+    <p:extLst>
+      <p:ext uri="{BB962C8B-B14F-4D97-AF65-F5344CB8AC3E}">
+        <p14:creationId xmlns:p14="http://schemas.microsoft.com/office/powerpoint/2010/main" val="1518829247"/>
       </p:ext>
     </p:extLst>
   </p:cSld>

--- a/tex/figures/AngularMomentumRolling/Figures.pptx
+++ b/tex/figures/AngularMomentumRolling/Figures.pptx
@@ -247,7 +247,7 @@
           <a:p>
             <a:fld id="{F7249F8D-641B-4CAF-BAE5-10524742F6F1}" type="datetimeFigureOut">
               <a:rPr lang="en-CA" smtClean="0"/>
-              <a:t>2018-07-11</a:t>
+              <a:t>2018-07-12</a:t>
             </a:fld>
             <a:endParaRPr lang="en-CA"/>
           </a:p>
@@ -417,7 +417,7 @@
           <a:p>
             <a:fld id="{F7249F8D-641B-4CAF-BAE5-10524742F6F1}" type="datetimeFigureOut">
               <a:rPr lang="en-CA" smtClean="0"/>
-              <a:t>2018-07-11</a:t>
+              <a:t>2018-07-12</a:t>
             </a:fld>
             <a:endParaRPr lang="en-CA"/>
           </a:p>
@@ -597,7 +597,7 @@
           <a:p>
             <a:fld id="{F7249F8D-641B-4CAF-BAE5-10524742F6F1}" type="datetimeFigureOut">
               <a:rPr lang="en-CA" smtClean="0"/>
-              <a:t>2018-07-11</a:t>
+              <a:t>2018-07-12</a:t>
             </a:fld>
             <a:endParaRPr lang="en-CA"/>
           </a:p>
@@ -767,7 +767,7 @@
           <a:p>
             <a:fld id="{F7249F8D-641B-4CAF-BAE5-10524742F6F1}" type="datetimeFigureOut">
               <a:rPr lang="en-CA" smtClean="0"/>
-              <a:t>2018-07-11</a:t>
+              <a:t>2018-07-12</a:t>
             </a:fld>
             <a:endParaRPr lang="en-CA"/>
           </a:p>
@@ -1013,7 +1013,7 @@
           <a:p>
             <a:fld id="{F7249F8D-641B-4CAF-BAE5-10524742F6F1}" type="datetimeFigureOut">
               <a:rPr lang="en-CA" smtClean="0"/>
-              <a:t>2018-07-11</a:t>
+              <a:t>2018-07-12</a:t>
             </a:fld>
             <a:endParaRPr lang="en-CA"/>
           </a:p>
@@ -1245,7 +1245,7 @@
           <a:p>
             <a:fld id="{F7249F8D-641B-4CAF-BAE5-10524742F6F1}" type="datetimeFigureOut">
               <a:rPr lang="en-CA" smtClean="0"/>
-              <a:t>2018-07-11</a:t>
+              <a:t>2018-07-12</a:t>
             </a:fld>
             <a:endParaRPr lang="en-CA"/>
           </a:p>
@@ -1612,7 +1612,7 @@
           <a:p>
             <a:fld id="{F7249F8D-641B-4CAF-BAE5-10524742F6F1}" type="datetimeFigureOut">
               <a:rPr lang="en-CA" smtClean="0"/>
-              <a:t>2018-07-11</a:t>
+              <a:t>2018-07-12</a:t>
             </a:fld>
             <a:endParaRPr lang="en-CA"/>
           </a:p>
@@ -1730,7 +1730,7 @@
           <a:p>
             <a:fld id="{F7249F8D-641B-4CAF-BAE5-10524742F6F1}" type="datetimeFigureOut">
               <a:rPr lang="en-CA" smtClean="0"/>
-              <a:t>2018-07-11</a:t>
+              <a:t>2018-07-12</a:t>
             </a:fld>
             <a:endParaRPr lang="en-CA"/>
           </a:p>
@@ -1825,7 +1825,7 @@
           <a:p>
             <a:fld id="{F7249F8D-641B-4CAF-BAE5-10524742F6F1}" type="datetimeFigureOut">
               <a:rPr lang="en-CA" smtClean="0"/>
-              <a:t>2018-07-11</a:t>
+              <a:t>2018-07-12</a:t>
             </a:fld>
             <a:endParaRPr lang="en-CA"/>
           </a:p>
@@ -2102,7 +2102,7 @@
           <a:p>
             <a:fld id="{F7249F8D-641B-4CAF-BAE5-10524742F6F1}" type="datetimeFigureOut">
               <a:rPr lang="en-CA" smtClean="0"/>
-              <a:t>2018-07-11</a:t>
+              <a:t>2018-07-12</a:t>
             </a:fld>
             <a:endParaRPr lang="en-CA"/>
           </a:p>
@@ -2355,7 +2355,7 @@
           <a:p>
             <a:fld id="{F7249F8D-641B-4CAF-BAE5-10524742F6F1}" type="datetimeFigureOut">
               <a:rPr lang="en-CA" smtClean="0"/>
-              <a:t>2018-07-11</a:t>
+              <a:t>2018-07-12</a:t>
             </a:fld>
             <a:endParaRPr lang="en-CA"/>
           </a:p>
@@ -2568,7 +2568,7 @@
           <a:p>
             <a:fld id="{F7249F8D-641B-4CAF-BAE5-10524742F6F1}" type="datetimeFigureOut">
               <a:rPr lang="en-CA" smtClean="0"/>
-              <a:t>2018-07-11</a:t>
+              <a:t>2018-07-12</a:t>
             </a:fld>
             <a:endParaRPr lang="en-CA"/>
           </a:p>
@@ -5707,7 +5707,7 @@
               <p:spPr>
                 <a:xfrm>
                   <a:off x="6820566" y="1961243"/>
-                  <a:ext cx="246991" cy="307777"/>
+                  <a:ext cx="198003" cy="307777"/>
                 </a:xfrm>
                 <a:prstGeom prst="rect">
                   <a:avLst/>
@@ -5727,47 +5727,26 @@
                         <m:jc m:val="centerGroup"/>
                       </m:oMathParaPr>
                       <m:oMath xmlns:m="http://schemas.openxmlformats.org/officeDocument/2006/math">
-                        <m:sSub>
-                          <m:sSubPr>
+                        <m:acc>
+                          <m:accPr>
+                            <m:chr m:val="⃗"/>
                             <m:ctrlPr>
                               <a:rPr lang="en-US" sz="2000" b="0" i="1" smtClean="0">
                                 <a:latin typeface="Cambria Math" panose="02040503050406030204" pitchFamily="18" charset="0"/>
                                 <a:cs typeface="Arial" panose="020B0604020202020204" pitchFamily="34" charset="0"/>
                               </a:rPr>
                             </m:ctrlPr>
-                          </m:sSubPr>
+                          </m:accPr>
                           <m:e>
-                            <m:acc>
-                              <m:accPr>
-                                <m:chr m:val="⃗"/>
-                                <m:ctrlPr>
-                                  <a:rPr lang="en-US" sz="2000" b="0" i="1" smtClean="0">
-                                    <a:latin typeface="Cambria Math" panose="02040503050406030204" pitchFamily="18" charset="0"/>
-                                    <a:cs typeface="Arial" panose="020B0604020202020204" pitchFamily="34" charset="0"/>
-                                  </a:rPr>
-                                </m:ctrlPr>
-                              </m:accPr>
-                              <m:e>
-                                <m:r>
-                                  <a:rPr lang="en-US" sz="2000" b="0" i="1" smtClean="0">
-                                    <a:latin typeface="Cambria Math" panose="02040503050406030204" pitchFamily="18" charset="0"/>
-                                    <a:cs typeface="Arial" panose="020B0604020202020204" pitchFamily="34" charset="0"/>
-                                  </a:rPr>
-                                  <m:t>𝑟</m:t>
-                                </m:r>
-                              </m:e>
-                            </m:acc>
-                          </m:e>
-                          <m:sub>
                             <m:r>
                               <a:rPr lang="en-US" sz="2000" b="0" i="1" smtClean="0">
                                 <a:latin typeface="Cambria Math" panose="02040503050406030204" pitchFamily="18" charset="0"/>
                                 <a:cs typeface="Arial" panose="020B0604020202020204" pitchFamily="34" charset="0"/>
                               </a:rPr>
-                              <m:t>𝑖</m:t>
+                              <m:t>𝑟</m:t>
                             </m:r>
-                          </m:sub>
-                        </m:sSub>
+                          </m:e>
+                        </m:acc>
                       </m:oMath>
                     </m:oMathPara>
                   </a14:m>
@@ -5791,7 +5770,7 @@
               <p:spPr>
                 <a:xfrm>
                   <a:off x="6820566" y="1961243"/>
-                  <a:ext cx="246991" cy="307777"/>
+                  <a:ext cx="198003" cy="307777"/>
                 </a:xfrm>
                 <a:prstGeom prst="rect">
                   <a:avLst/>
@@ -5799,7 +5778,7 @@
                 <a:blipFill>
                   <a:blip r:embed="rId12"/>
                   <a:stretch>
-                    <a:fillRect l="-25000" t="-33333" r="-77500" b="-19608"/>
+                    <a:fillRect l="-27273" t="-36000" r="-93939" b="-6000"/>
                   </a:stretch>
                 </a:blipFill>
               </p:spPr>
@@ -6157,438 +6136,6 @@
             </p:sp>
           </mc:Fallback>
         </mc:AlternateContent>
-      </p:grpSp>
-      <p:grpSp>
-        <p:nvGrpSpPr>
-          <p:cNvPr id="40" name="Group 39"/>
-          <p:cNvGrpSpPr/>
-          <p:nvPr/>
-        </p:nvGrpSpPr>
-        <p:grpSpPr>
-          <a:xfrm>
-            <a:off x="1155624" y="3979003"/>
-            <a:ext cx="2738712" cy="2607131"/>
-            <a:chOff x="1155624" y="3979003"/>
-            <a:chExt cx="2738712" cy="2607131"/>
-          </a:xfrm>
-        </p:grpSpPr>
-        <p:grpSp>
-          <p:nvGrpSpPr>
-            <p:cNvPr id="13" name="Group 12"/>
-            <p:cNvGrpSpPr/>
-            <p:nvPr/>
-          </p:nvGrpSpPr>
-          <p:grpSpPr>
-            <a:xfrm>
-              <a:off x="1155624" y="4275977"/>
-              <a:ext cx="2310157" cy="2310157"/>
-              <a:chOff x="1155624" y="4275977"/>
-              <a:chExt cx="2310157" cy="2310157"/>
-            </a:xfrm>
-          </p:grpSpPr>
-          <p:sp>
-            <p:nvSpPr>
-              <p:cNvPr id="77" name="Oval 76"/>
-              <p:cNvSpPr/>
-              <p:nvPr/>
-            </p:nvSpPr>
-            <p:spPr>
-              <a:xfrm>
-                <a:off x="1155624" y="4275977"/>
-                <a:ext cx="2310157" cy="2310157"/>
-              </a:xfrm>
-              <a:prstGeom prst="ellipse">
-                <a:avLst/>
-              </a:prstGeom>
-              <a:noFill/>
-              <a:ln w="38100">
-                <a:solidFill>
-                  <a:schemeClr val="tx1"/>
-                </a:solidFill>
-                <a:prstDash val="dash"/>
-              </a:ln>
-            </p:spPr>
-            <p:style>
-              <a:lnRef idx="2">
-                <a:schemeClr val="accent1">
-                  <a:shade val="50000"/>
-                </a:schemeClr>
-              </a:lnRef>
-              <a:fillRef idx="1">
-                <a:schemeClr val="accent1"/>
-              </a:fillRef>
-              <a:effectRef idx="0">
-                <a:schemeClr val="accent1"/>
-              </a:effectRef>
-              <a:fontRef idx="minor">
-                <a:schemeClr val="lt1"/>
-              </a:fontRef>
-            </p:style>
-            <p:txBody>
-              <a:bodyPr rtlCol="0" anchor="ctr"/>
-              <a:lstStyle/>
-              <a:p>
-                <a:pPr algn="ctr"/>
-                <a:endParaRPr lang="en-US"/>
-              </a:p>
-            </p:txBody>
-          </p:sp>
-          <p:sp>
-            <p:nvSpPr>
-              <p:cNvPr id="78" name="Oval 77"/>
-              <p:cNvSpPr/>
-              <p:nvPr/>
-            </p:nvSpPr>
-            <p:spPr>
-              <a:xfrm>
-                <a:off x="2250230" y="5371172"/>
-                <a:ext cx="120943" cy="119766"/>
-              </a:xfrm>
-              <a:prstGeom prst="ellipse">
-                <a:avLst/>
-              </a:prstGeom>
-              <a:solidFill>
-                <a:schemeClr val="tx1"/>
-              </a:solidFill>
-              <a:ln w="38100">
-                <a:solidFill>
-                  <a:schemeClr val="tx1"/>
-                </a:solidFill>
-              </a:ln>
-            </p:spPr>
-            <p:style>
-              <a:lnRef idx="2">
-                <a:schemeClr val="accent1">
-                  <a:shade val="50000"/>
-                </a:schemeClr>
-              </a:lnRef>
-              <a:fillRef idx="1">
-                <a:schemeClr val="accent1"/>
-              </a:fillRef>
-              <a:effectRef idx="0">
-                <a:schemeClr val="accent1"/>
-              </a:effectRef>
-              <a:fontRef idx="minor">
-                <a:schemeClr val="lt1"/>
-              </a:fontRef>
-            </p:style>
-            <p:txBody>
-              <a:bodyPr rtlCol="0" anchor="ctr"/>
-              <a:lstStyle/>
-              <a:p>
-                <a:pPr algn="ctr"/>
-                <a:endParaRPr lang="en-US"/>
-              </a:p>
-            </p:txBody>
-          </p:sp>
-          <p:cxnSp>
-            <p:nvCxnSpPr>
-              <p:cNvPr id="3" name="Straight Connector 2"/>
-              <p:cNvCxnSpPr>
-                <a:stCxn id="78" idx="7"/>
-                <a:endCxn id="77" idx="7"/>
-              </p:cNvCxnSpPr>
-              <p:nvPr/>
-            </p:nvCxnSpPr>
-            <p:spPr>
-              <a:xfrm flipV="1">
-                <a:off x="2353461" y="4614292"/>
-                <a:ext cx="774005" cy="774419"/>
-              </a:xfrm>
-              <a:prstGeom prst="line">
-                <a:avLst/>
-              </a:prstGeom>
-              <a:ln w="38100">
-                <a:solidFill>
-                  <a:schemeClr val="tx1"/>
-                </a:solidFill>
-              </a:ln>
-            </p:spPr>
-            <p:style>
-              <a:lnRef idx="1">
-                <a:schemeClr val="accent1"/>
-              </a:lnRef>
-              <a:fillRef idx="0">
-                <a:schemeClr val="accent1"/>
-              </a:fillRef>
-              <a:effectRef idx="0">
-                <a:schemeClr val="accent1"/>
-              </a:effectRef>
-              <a:fontRef idx="minor">
-                <a:schemeClr val="tx1"/>
-              </a:fontRef>
-            </p:style>
-          </p:cxnSp>
-          <mc:AlternateContent xmlns:mc="http://schemas.openxmlformats.org/markup-compatibility/2006" xmlns:a14="http://schemas.microsoft.com/office/drawing/2010/main">
-            <mc:Choice Requires="a14">
-              <p:sp>
-                <p:nvSpPr>
-                  <p:cNvPr id="12" name="TextBox 11"/>
-                  <p:cNvSpPr txBox="1"/>
-                  <p:nvPr/>
-                </p:nvSpPr>
-                <p:spPr>
-                  <a:xfrm>
-                    <a:off x="2414177" y="4819026"/>
-                    <a:ext cx="241540" cy="307777"/>
-                  </a:xfrm>
-                  <a:prstGeom prst="rect">
-                    <a:avLst/>
-                  </a:prstGeom>
-                  <a:noFill/>
-                </p:spPr>
-                <p:txBody>
-                  <a:bodyPr wrap="none" lIns="0" tIns="0" rIns="0" bIns="0" rtlCol="0">
-                    <a:spAutoFit/>
-                  </a:bodyPr>
-                  <a:lstStyle/>
-                  <a:p>
-                    <a:pPr/>
-                    <a14:m>
-                      <m:oMathPara xmlns:m="http://schemas.openxmlformats.org/officeDocument/2006/math">
-                        <m:oMathParaPr>
-                          <m:jc m:val="centerGroup"/>
-                        </m:oMathParaPr>
-                        <m:oMath xmlns:m="http://schemas.openxmlformats.org/officeDocument/2006/math">
-                          <m:r>
-                            <a:rPr lang="en-US" sz="2000" b="0" i="1" smtClean="0">
-                              <a:latin typeface="Cambria Math" panose="02040503050406030204" pitchFamily="18" charset="0"/>
-                              <a:cs typeface="Arial" panose="020B0604020202020204" pitchFamily="34" charset="0"/>
-                            </a:rPr>
-                            <m:t>𝑅</m:t>
-                          </m:r>
-                        </m:oMath>
-                      </m:oMathPara>
-                    </a14:m>
-                    <a:endParaRPr lang="en-US" sz="2000" dirty="0" smtClean="0">
-                      <a:latin typeface="Arial" panose="020B0604020202020204" pitchFamily="34" charset="0"/>
-                      <a:cs typeface="Arial" panose="020B0604020202020204" pitchFamily="34" charset="0"/>
-                    </a:endParaRPr>
-                  </a:p>
-                </p:txBody>
-              </p:sp>
-            </mc:Choice>
-            <mc:Fallback xmlns="">
-              <p:sp>
-                <p:nvSpPr>
-                  <p:cNvPr id="12" name="TextBox 11"/>
-                  <p:cNvSpPr txBox="1">
-                    <a:spLocks noRot="1" noChangeAspect="1" noMove="1" noResize="1" noEditPoints="1" noAdjustHandles="1" noChangeArrowheads="1" noChangeShapeType="1" noTextEdit="1"/>
-                  </p:cNvSpPr>
-                  <p:nvPr/>
-                </p:nvSpPr>
-                <p:spPr>
-                  <a:xfrm>
-                    <a:off x="2414177" y="4819026"/>
-                    <a:ext cx="241540" cy="307777"/>
-                  </a:xfrm>
-                  <a:prstGeom prst="rect">
-                    <a:avLst/>
-                  </a:prstGeom>
-                  <a:blipFill>
-                    <a:blip r:embed="rId15"/>
-                    <a:stretch>
-                      <a:fillRect l="-20000" r="-20000" b="-10000"/>
-                    </a:stretch>
-                  </a:blipFill>
-                </p:spPr>
-                <p:txBody>
-                  <a:bodyPr/>
-                  <a:lstStyle/>
-                  <a:p>
-                    <a:r>
-                      <a:rPr lang="en-US">
-                        <a:noFill/>
-                      </a:rPr>
-                      <a:t> </a:t>
-                    </a:r>
-                  </a:p>
-                </p:txBody>
-              </p:sp>
-            </mc:Fallback>
-          </mc:AlternateContent>
-          <p:sp>
-            <p:nvSpPr>
-              <p:cNvPr id="79" name="Oval 78"/>
-              <p:cNvSpPr/>
-              <p:nvPr/>
-            </p:nvSpPr>
-            <p:spPr>
-              <a:xfrm>
-                <a:off x="3048806" y="4524231"/>
-                <a:ext cx="181891" cy="180121"/>
-              </a:xfrm>
-              <a:prstGeom prst="ellipse">
-                <a:avLst/>
-              </a:prstGeom>
-              <a:solidFill>
-                <a:schemeClr val="tx1"/>
-              </a:solidFill>
-              <a:ln w="38100">
-                <a:solidFill>
-                  <a:schemeClr val="tx1"/>
-                </a:solidFill>
-              </a:ln>
-            </p:spPr>
-            <p:style>
-              <a:lnRef idx="2">
-                <a:schemeClr val="accent1">
-                  <a:shade val="50000"/>
-                </a:schemeClr>
-              </a:lnRef>
-              <a:fillRef idx="1">
-                <a:schemeClr val="accent1"/>
-              </a:fillRef>
-              <a:effectRef idx="0">
-                <a:schemeClr val="accent1"/>
-              </a:effectRef>
-              <a:fontRef idx="minor">
-                <a:schemeClr val="lt1"/>
-              </a:fontRef>
-            </p:style>
-            <p:txBody>
-              <a:bodyPr rtlCol="0" anchor="ctr"/>
-              <a:lstStyle/>
-              <a:p>
-                <a:pPr algn="ctr"/>
-                <a:endParaRPr lang="en-US"/>
-              </a:p>
-            </p:txBody>
-          </p:sp>
-        </p:grpSp>
-        <mc:AlternateContent xmlns:mc="http://schemas.openxmlformats.org/markup-compatibility/2006" xmlns:a14="http://schemas.microsoft.com/office/drawing/2010/main">
-          <mc:Choice Requires="a14">
-            <p:sp>
-              <p:nvSpPr>
-                <p:cNvPr id="38" name="TextBox 37"/>
-                <p:cNvSpPr txBox="1"/>
-                <p:nvPr/>
-              </p:nvSpPr>
-              <p:spPr>
-                <a:xfrm flipH="1">
-                  <a:off x="3068273" y="4246216"/>
-                  <a:ext cx="496685" cy="307777"/>
-                </a:xfrm>
-                <a:prstGeom prst="rect">
-                  <a:avLst/>
-                </a:prstGeom>
-                <a:noFill/>
-              </p:spPr>
-              <p:txBody>
-                <a:bodyPr wrap="square" lIns="0" tIns="0" rIns="0" bIns="0" rtlCol="0">
-                  <a:spAutoFit/>
-                </a:bodyPr>
-                <a:lstStyle/>
-                <a:p>
-                  <a:pPr/>
-                  <a14:m>
-                    <m:oMathPara xmlns:m="http://schemas.openxmlformats.org/officeDocument/2006/math">
-                      <m:oMathParaPr>
-                        <m:jc m:val="centerGroup"/>
-                      </m:oMathParaPr>
-                      <m:oMath xmlns:m="http://schemas.openxmlformats.org/officeDocument/2006/math">
-                        <m:r>
-                          <a:rPr lang="en-US" sz="2000" b="0" i="1" smtClean="0">
-                            <a:latin typeface="Cambria Math" panose="02040503050406030204" pitchFamily="18" charset="0"/>
-                            <a:cs typeface="Arial" panose="020B0604020202020204" pitchFamily="34" charset="0"/>
-                          </a:rPr>
-                          <m:t>𝑚</m:t>
-                        </m:r>
-                      </m:oMath>
-                    </m:oMathPara>
-                  </a14:m>
-                  <a:endParaRPr lang="en-US" sz="2000" dirty="0" smtClean="0">
-                    <a:latin typeface="Arial" panose="020B0604020202020204" pitchFamily="34" charset="0"/>
-                    <a:cs typeface="Arial" panose="020B0604020202020204" pitchFamily="34" charset="0"/>
-                  </a:endParaRPr>
-                </a:p>
-              </p:txBody>
-            </p:sp>
-          </mc:Choice>
-          <mc:Fallback xmlns="">
-            <p:sp>
-              <p:nvSpPr>
-                <p:cNvPr id="38" name="TextBox 37"/>
-                <p:cNvSpPr txBox="1">
-                  <a:spLocks noRot="1" noChangeAspect="1" noMove="1" noResize="1" noEditPoints="1" noAdjustHandles="1" noChangeArrowheads="1" noChangeShapeType="1" noTextEdit="1"/>
-                </p:cNvSpPr>
-                <p:nvPr/>
-              </p:nvSpPr>
-              <p:spPr>
-                <a:xfrm flipH="1">
-                  <a:off x="3068273" y="4246216"/>
-                  <a:ext cx="496685" cy="307777"/>
-                </a:xfrm>
-                <a:prstGeom prst="rect">
-                  <a:avLst/>
-                </a:prstGeom>
-                <a:blipFill>
-                  <a:blip r:embed="rId16"/>
-                  <a:stretch>
-                    <a:fillRect b="-2000"/>
-                  </a:stretch>
-                </a:blipFill>
-              </p:spPr>
-              <p:txBody>
-                <a:bodyPr/>
-                <a:lstStyle/>
-                <a:p>
-                  <a:r>
-                    <a:rPr lang="en-US">
-                      <a:noFill/>
-                    </a:rPr>
-                    <a:t> </a:t>
-                  </a:r>
-                </a:p>
-              </p:txBody>
-            </p:sp>
-          </mc:Fallback>
-        </mc:AlternateContent>
-        <p:sp>
-          <p:nvSpPr>
-            <p:cNvPr id="39" name="Arc 38"/>
-            <p:cNvSpPr/>
-            <p:nvPr/>
-          </p:nvSpPr>
-          <p:spPr>
-            <a:xfrm>
-              <a:off x="1484599" y="3979003"/>
-              <a:ext cx="2409737" cy="2409737"/>
-            </a:xfrm>
-            <a:prstGeom prst="arc">
-              <a:avLst/>
-            </a:prstGeom>
-            <a:ln w="38100">
-              <a:solidFill>
-                <a:schemeClr val="tx1"/>
-              </a:solidFill>
-              <a:headEnd type="triangle" w="med" len="med"/>
-              <a:tailEnd type="none" w="med" len="med"/>
-            </a:ln>
-          </p:spPr>
-          <p:style>
-            <a:lnRef idx="1">
-              <a:schemeClr val="accent1"/>
-            </a:lnRef>
-            <a:fillRef idx="0">
-              <a:schemeClr val="accent1"/>
-            </a:fillRef>
-            <a:effectRef idx="0">
-              <a:schemeClr val="accent1"/>
-            </a:effectRef>
-            <a:fontRef idx="minor">
-              <a:schemeClr val="tx1"/>
-            </a:fontRef>
-          </p:style>
-          <p:txBody>
-            <a:bodyPr rtlCol="0" anchor="ctr"/>
-            <a:lstStyle/>
-            <a:p>
-              <a:pPr algn="ctr"/>
-              <a:endParaRPr lang="en-US"/>
-            </a:p>
-          </p:txBody>
-        </p:sp>
       </p:grpSp>
       <p:grpSp>
         <p:nvGrpSpPr>
@@ -9030,8 +8577,8 @@
             </a:p>
           </p:txBody>
         </p:sp>
-        <mc:AlternateContent xmlns:mc="http://schemas.openxmlformats.org/markup-compatibility/2006">
-          <mc:Choice xmlns:a14="http://schemas.microsoft.com/office/drawing/2010/main" Requires="a14">
+        <mc:AlternateContent xmlns:mc="http://schemas.openxmlformats.org/markup-compatibility/2006" xmlns:a14="http://schemas.microsoft.com/office/drawing/2010/main">
+          <mc:Choice Requires="a14">
             <p:sp>
               <p:nvSpPr>
                 <p:cNvPr id="2" name="TextBox 1"/>
@@ -9054,6 +8601,7 @@
                 </a:bodyPr>
                 <a:lstStyle/>
                 <a:p>
+                  <a:pPr/>
                   <a14:m>
                     <m:oMathPara xmlns:m="http://schemas.openxmlformats.org/officeDocument/2006/math">
                       <m:oMathParaPr>
@@ -9078,7 +8626,7 @@
               </p:txBody>
             </p:sp>
           </mc:Choice>
-          <mc:Fallback>
+          <mc:Fallback xmlns="">
             <p:sp>
               <p:nvSpPr>
                 <p:cNvPr id="2" name="TextBox 1"/>
@@ -9117,6 +8665,453 @@
             </p:sp>
           </mc:Fallback>
         </mc:AlternateContent>
+      </p:grpSp>
+      <p:grpSp>
+        <p:nvGrpSpPr>
+          <p:cNvPr id="22" name="Group 21"/>
+          <p:cNvGrpSpPr/>
+          <p:nvPr/>
+        </p:nvGrpSpPr>
+        <p:grpSpPr>
+          <a:xfrm>
+            <a:off x="1155624" y="3979003"/>
+            <a:ext cx="2738712" cy="2607131"/>
+            <a:chOff x="1155624" y="3979003"/>
+            <a:chExt cx="2738712" cy="2607131"/>
+          </a:xfrm>
+        </p:grpSpPr>
+        <p:grpSp>
+          <p:nvGrpSpPr>
+            <p:cNvPr id="40" name="Group 39"/>
+            <p:cNvGrpSpPr/>
+            <p:nvPr/>
+          </p:nvGrpSpPr>
+          <p:grpSpPr>
+            <a:xfrm>
+              <a:off x="1155624" y="3979003"/>
+              <a:ext cx="2738712" cy="2607131"/>
+              <a:chOff x="1155624" y="3979003"/>
+              <a:chExt cx="2738712" cy="2607131"/>
+            </a:xfrm>
+          </p:grpSpPr>
+          <p:grpSp>
+            <p:nvGrpSpPr>
+              <p:cNvPr id="13" name="Group 12"/>
+              <p:cNvGrpSpPr/>
+              <p:nvPr/>
+            </p:nvGrpSpPr>
+            <p:grpSpPr>
+              <a:xfrm>
+                <a:off x="1155624" y="4275977"/>
+                <a:ext cx="2310157" cy="2310157"/>
+                <a:chOff x="1155624" y="4275977"/>
+                <a:chExt cx="2310157" cy="2310157"/>
+              </a:xfrm>
+            </p:grpSpPr>
+            <p:sp>
+              <p:nvSpPr>
+                <p:cNvPr id="77" name="Oval 76"/>
+                <p:cNvSpPr/>
+                <p:nvPr/>
+              </p:nvSpPr>
+              <p:spPr>
+                <a:xfrm>
+                  <a:off x="1155624" y="4275977"/>
+                  <a:ext cx="2310157" cy="2310157"/>
+                </a:xfrm>
+                <a:prstGeom prst="ellipse">
+                  <a:avLst/>
+                </a:prstGeom>
+                <a:noFill/>
+                <a:ln w="38100">
+                  <a:solidFill>
+                    <a:schemeClr val="tx1"/>
+                  </a:solidFill>
+                  <a:prstDash val="dash"/>
+                </a:ln>
+              </p:spPr>
+              <p:style>
+                <a:lnRef idx="2">
+                  <a:schemeClr val="accent1">
+                    <a:shade val="50000"/>
+                  </a:schemeClr>
+                </a:lnRef>
+                <a:fillRef idx="1">
+                  <a:schemeClr val="accent1"/>
+                </a:fillRef>
+                <a:effectRef idx="0">
+                  <a:schemeClr val="accent1"/>
+                </a:effectRef>
+                <a:fontRef idx="minor">
+                  <a:schemeClr val="lt1"/>
+                </a:fontRef>
+              </p:style>
+              <p:txBody>
+                <a:bodyPr rtlCol="0" anchor="ctr"/>
+                <a:lstStyle/>
+                <a:p>
+                  <a:pPr algn="ctr"/>
+                  <a:endParaRPr lang="en-US"/>
+                </a:p>
+              </p:txBody>
+            </p:sp>
+            <p:sp>
+              <p:nvSpPr>
+                <p:cNvPr id="78" name="Oval 77"/>
+                <p:cNvSpPr/>
+                <p:nvPr/>
+              </p:nvSpPr>
+              <p:spPr>
+                <a:xfrm>
+                  <a:off x="2250230" y="5371172"/>
+                  <a:ext cx="120943" cy="119766"/>
+                </a:xfrm>
+                <a:prstGeom prst="ellipse">
+                  <a:avLst/>
+                </a:prstGeom>
+                <a:solidFill>
+                  <a:schemeClr val="tx1"/>
+                </a:solidFill>
+                <a:ln w="38100">
+                  <a:solidFill>
+                    <a:schemeClr val="tx1"/>
+                  </a:solidFill>
+                </a:ln>
+              </p:spPr>
+              <p:style>
+                <a:lnRef idx="2">
+                  <a:schemeClr val="accent1">
+                    <a:shade val="50000"/>
+                  </a:schemeClr>
+                </a:lnRef>
+                <a:fillRef idx="1">
+                  <a:schemeClr val="accent1"/>
+                </a:fillRef>
+                <a:effectRef idx="0">
+                  <a:schemeClr val="accent1"/>
+                </a:effectRef>
+                <a:fontRef idx="minor">
+                  <a:schemeClr val="lt1"/>
+                </a:fontRef>
+              </p:style>
+              <p:txBody>
+                <a:bodyPr rtlCol="0" anchor="ctr"/>
+                <a:lstStyle/>
+                <a:p>
+                  <a:pPr algn="ctr"/>
+                  <a:endParaRPr lang="en-US"/>
+                </a:p>
+              </p:txBody>
+            </p:sp>
+            <p:cxnSp>
+              <p:nvCxnSpPr>
+                <p:cNvPr id="3" name="Straight Connector 2"/>
+                <p:cNvCxnSpPr>
+                  <a:stCxn id="78" idx="7"/>
+                  <a:endCxn id="77" idx="7"/>
+                </p:cNvCxnSpPr>
+                <p:nvPr/>
+              </p:nvCxnSpPr>
+              <p:spPr>
+                <a:xfrm flipV="1">
+                  <a:off x="2353461" y="4614292"/>
+                  <a:ext cx="774005" cy="774419"/>
+                </a:xfrm>
+                <a:prstGeom prst="line">
+                  <a:avLst/>
+                </a:prstGeom>
+                <a:ln w="38100">
+                  <a:solidFill>
+                    <a:schemeClr val="tx1"/>
+                  </a:solidFill>
+                </a:ln>
+              </p:spPr>
+              <p:style>
+                <a:lnRef idx="1">
+                  <a:schemeClr val="accent1"/>
+                </a:lnRef>
+                <a:fillRef idx="0">
+                  <a:schemeClr val="accent1"/>
+                </a:fillRef>
+                <a:effectRef idx="0">
+                  <a:schemeClr val="accent1"/>
+                </a:effectRef>
+                <a:fontRef idx="minor">
+                  <a:schemeClr val="tx1"/>
+                </a:fontRef>
+              </p:style>
+            </p:cxnSp>
+            <mc:AlternateContent xmlns:mc="http://schemas.openxmlformats.org/markup-compatibility/2006" xmlns:a14="http://schemas.microsoft.com/office/drawing/2010/main">
+              <mc:Choice Requires="a14">
+                <p:sp>
+                  <p:nvSpPr>
+                    <p:cNvPr id="12" name="TextBox 11"/>
+                    <p:cNvSpPr txBox="1"/>
+                    <p:nvPr/>
+                  </p:nvSpPr>
+                  <p:spPr>
+                    <a:xfrm>
+                      <a:off x="2414177" y="4819026"/>
+                      <a:ext cx="241540" cy="307777"/>
+                    </a:xfrm>
+                    <a:prstGeom prst="rect">
+                      <a:avLst/>
+                    </a:prstGeom>
+                    <a:noFill/>
+                  </p:spPr>
+                  <p:txBody>
+                    <a:bodyPr wrap="none" lIns="0" tIns="0" rIns="0" bIns="0" rtlCol="0">
+                      <a:spAutoFit/>
+                    </a:bodyPr>
+                    <a:lstStyle/>
+                    <a:p>
+                      <a:pPr/>
+                      <a14:m>
+                        <m:oMathPara xmlns:m="http://schemas.openxmlformats.org/officeDocument/2006/math">
+                          <m:oMathParaPr>
+                            <m:jc m:val="centerGroup"/>
+                          </m:oMathParaPr>
+                          <m:oMath xmlns:m="http://schemas.openxmlformats.org/officeDocument/2006/math">
+                            <m:r>
+                              <a:rPr lang="en-US" sz="2000" b="0" i="1" smtClean="0">
+                                <a:latin typeface="Cambria Math" panose="02040503050406030204" pitchFamily="18" charset="0"/>
+                                <a:cs typeface="Arial" panose="020B0604020202020204" pitchFamily="34" charset="0"/>
+                              </a:rPr>
+                              <m:t>𝑅</m:t>
+                            </m:r>
+                          </m:oMath>
+                        </m:oMathPara>
+                      </a14:m>
+                      <a:endParaRPr lang="en-US" sz="2000" dirty="0" smtClean="0">
+                        <a:latin typeface="Arial" panose="020B0604020202020204" pitchFamily="34" charset="0"/>
+                        <a:cs typeface="Arial" panose="020B0604020202020204" pitchFamily="34" charset="0"/>
+                      </a:endParaRPr>
+                    </a:p>
+                  </p:txBody>
+                </p:sp>
+              </mc:Choice>
+              <mc:Fallback xmlns="">
+                <p:sp>
+                  <p:nvSpPr>
+                    <p:cNvPr id="12" name="TextBox 11"/>
+                    <p:cNvSpPr txBox="1">
+                      <a:spLocks noRot="1" noChangeAspect="1" noMove="1" noResize="1" noEditPoints="1" noAdjustHandles="1" noChangeArrowheads="1" noChangeShapeType="1" noTextEdit="1"/>
+                    </p:cNvSpPr>
+                    <p:nvPr/>
+                  </p:nvSpPr>
+                  <p:spPr>
+                    <a:xfrm>
+                      <a:off x="2414177" y="4819026"/>
+                      <a:ext cx="241540" cy="307777"/>
+                    </a:xfrm>
+                    <a:prstGeom prst="rect">
+                      <a:avLst/>
+                    </a:prstGeom>
+                    <a:blipFill>
+                      <a:blip r:embed="rId15"/>
+                      <a:stretch>
+                        <a:fillRect l="-20000" r="-20000" b="-10000"/>
+                      </a:stretch>
+                    </a:blipFill>
+                  </p:spPr>
+                  <p:txBody>
+                    <a:bodyPr/>
+                    <a:lstStyle/>
+                    <a:p>
+                      <a:r>
+                        <a:rPr lang="en-US">
+                          <a:noFill/>
+                        </a:rPr>
+                        <a:t> </a:t>
+                      </a:r>
+                    </a:p>
+                  </p:txBody>
+                </p:sp>
+              </mc:Fallback>
+            </mc:AlternateContent>
+          </p:grpSp>
+          <mc:AlternateContent xmlns:mc="http://schemas.openxmlformats.org/markup-compatibility/2006" xmlns:a14="http://schemas.microsoft.com/office/drawing/2010/main">
+            <mc:Choice Requires="a14">
+              <p:sp>
+                <p:nvSpPr>
+                  <p:cNvPr id="38" name="TextBox 37"/>
+                  <p:cNvSpPr txBox="1"/>
+                  <p:nvPr/>
+                </p:nvSpPr>
+                <p:spPr>
+                  <a:xfrm flipH="1">
+                    <a:off x="3068273" y="4246216"/>
+                    <a:ext cx="496685" cy="307777"/>
+                  </a:xfrm>
+                  <a:prstGeom prst="rect">
+                    <a:avLst/>
+                  </a:prstGeom>
+                  <a:noFill/>
+                </p:spPr>
+                <p:txBody>
+                  <a:bodyPr wrap="square" lIns="0" tIns="0" rIns="0" bIns="0" rtlCol="0">
+                    <a:spAutoFit/>
+                  </a:bodyPr>
+                  <a:lstStyle/>
+                  <a:p>
+                    <a:pPr/>
+                    <a14:m>
+                      <m:oMathPara xmlns:m="http://schemas.openxmlformats.org/officeDocument/2006/math">
+                        <m:oMathParaPr>
+                          <m:jc m:val="centerGroup"/>
+                        </m:oMathParaPr>
+                        <m:oMath xmlns:m="http://schemas.openxmlformats.org/officeDocument/2006/math">
+                          <m:r>
+                            <a:rPr lang="en-US" sz="2000" b="0" i="1" smtClean="0">
+                              <a:latin typeface="Cambria Math" panose="02040503050406030204" pitchFamily="18" charset="0"/>
+                              <a:cs typeface="Arial" panose="020B0604020202020204" pitchFamily="34" charset="0"/>
+                            </a:rPr>
+                            <m:t>𝑚</m:t>
+                          </m:r>
+                        </m:oMath>
+                      </m:oMathPara>
+                    </a14:m>
+                    <a:endParaRPr lang="en-US" sz="2000" dirty="0" smtClean="0">
+                      <a:latin typeface="Arial" panose="020B0604020202020204" pitchFamily="34" charset="0"/>
+                      <a:cs typeface="Arial" panose="020B0604020202020204" pitchFamily="34" charset="0"/>
+                    </a:endParaRPr>
+                  </a:p>
+                </p:txBody>
+              </p:sp>
+            </mc:Choice>
+            <mc:Fallback xmlns="">
+              <p:sp>
+                <p:nvSpPr>
+                  <p:cNvPr id="38" name="TextBox 37"/>
+                  <p:cNvSpPr txBox="1">
+                    <a:spLocks noRot="1" noChangeAspect="1" noMove="1" noResize="1" noEditPoints="1" noAdjustHandles="1" noChangeArrowheads="1" noChangeShapeType="1" noTextEdit="1"/>
+                  </p:cNvSpPr>
+                  <p:nvPr/>
+                </p:nvSpPr>
+                <p:spPr>
+                  <a:xfrm flipH="1">
+                    <a:off x="3068273" y="4246216"/>
+                    <a:ext cx="496685" cy="307777"/>
+                  </a:xfrm>
+                  <a:prstGeom prst="rect">
+                    <a:avLst/>
+                  </a:prstGeom>
+                  <a:blipFill>
+                    <a:blip r:embed="rId16"/>
+                    <a:stretch>
+                      <a:fillRect b="-2000"/>
+                    </a:stretch>
+                  </a:blipFill>
+                </p:spPr>
+                <p:txBody>
+                  <a:bodyPr/>
+                  <a:lstStyle/>
+                  <a:p>
+                    <a:r>
+                      <a:rPr lang="en-US">
+                        <a:noFill/>
+                      </a:rPr>
+                      <a:t> </a:t>
+                    </a:r>
+                  </a:p>
+                </p:txBody>
+              </p:sp>
+            </mc:Fallback>
+          </mc:AlternateContent>
+          <p:sp>
+            <p:nvSpPr>
+              <p:cNvPr id="39" name="Arc 38"/>
+              <p:cNvSpPr/>
+              <p:nvPr/>
+            </p:nvSpPr>
+            <p:spPr>
+              <a:xfrm>
+                <a:off x="1484599" y="3979003"/>
+                <a:ext cx="2409737" cy="2409737"/>
+              </a:xfrm>
+              <a:prstGeom prst="arc">
+                <a:avLst/>
+              </a:prstGeom>
+              <a:ln w="38100">
+                <a:solidFill>
+                  <a:schemeClr val="tx1"/>
+                </a:solidFill>
+                <a:headEnd type="triangle" w="med" len="med"/>
+                <a:tailEnd type="none" w="med" len="med"/>
+              </a:ln>
+            </p:spPr>
+            <p:style>
+              <a:lnRef idx="1">
+                <a:schemeClr val="accent1"/>
+              </a:lnRef>
+              <a:fillRef idx="0">
+                <a:schemeClr val="accent1"/>
+              </a:fillRef>
+              <a:effectRef idx="0">
+                <a:schemeClr val="accent1"/>
+              </a:effectRef>
+              <a:fontRef idx="minor">
+                <a:schemeClr val="tx1"/>
+              </a:fontRef>
+            </p:style>
+            <p:txBody>
+              <a:bodyPr rtlCol="0" anchor="ctr"/>
+              <a:lstStyle/>
+              <a:p>
+                <a:pPr algn="ctr"/>
+                <a:endParaRPr lang="en-US"/>
+              </a:p>
+            </p:txBody>
+          </p:sp>
+        </p:grpSp>
+        <p:sp>
+          <p:nvSpPr>
+            <p:cNvPr id="18" name="Rectangle 17"/>
+            <p:cNvSpPr/>
+            <p:nvPr/>
+          </p:nvSpPr>
+          <p:spPr>
+            <a:xfrm flipV="1">
+              <a:off x="3062165" y="4554614"/>
+              <a:ext cx="139675" cy="139675"/>
+            </a:xfrm>
+            <a:prstGeom prst="rect">
+              <a:avLst/>
+            </a:prstGeom>
+            <a:solidFill>
+              <a:schemeClr val="tx1"/>
+            </a:solidFill>
+            <a:ln w="38100">
+              <a:solidFill>
+                <a:schemeClr val="tx1"/>
+              </a:solidFill>
+            </a:ln>
+          </p:spPr>
+          <p:style>
+            <a:lnRef idx="2">
+              <a:schemeClr val="accent1">
+                <a:shade val="50000"/>
+              </a:schemeClr>
+            </a:lnRef>
+            <a:fillRef idx="1">
+              <a:schemeClr val="accent1"/>
+            </a:fillRef>
+            <a:effectRef idx="0">
+              <a:schemeClr val="accent1"/>
+            </a:effectRef>
+            <a:fontRef idx="minor">
+              <a:schemeClr val="lt1"/>
+            </a:fontRef>
+          </p:style>
+          <p:txBody>
+            <a:bodyPr rtlCol="0" anchor="ctr"/>
+            <a:lstStyle/>
+            <a:p>
+              <a:pPr algn="ctr"/>
+              <a:endParaRPr lang="en-US"/>
+            </a:p>
+          </p:txBody>
+        </p:sp>
       </p:grpSp>
     </p:spTree>
     <p:extLst>
@@ -9820,8 +9815,8 @@
                   </p:txBody>
                 </p:sp>
               </p:grpSp>
-              <mc:AlternateContent xmlns:mc="http://schemas.openxmlformats.org/markup-compatibility/2006">
-                <mc:Choice xmlns:a14="http://schemas.microsoft.com/office/drawing/2010/main" Requires="a14">
+              <mc:AlternateContent xmlns:mc="http://schemas.openxmlformats.org/markup-compatibility/2006" xmlns:a14="http://schemas.microsoft.com/office/drawing/2010/main">
+                <mc:Choice Requires="a14">
                   <p:sp>
                     <p:nvSpPr>
                       <p:cNvPr id="125" name="TextBox 124"/>
@@ -9844,6 +9839,7 @@
                       </a:bodyPr>
                       <a:lstStyle/>
                       <a:p>
+                        <a:pPr/>
                         <a14:m>
                           <m:oMathPara xmlns:m="http://schemas.openxmlformats.org/officeDocument/2006/math">
                             <m:oMathParaPr>
@@ -9881,7 +9877,7 @@
                     </p:txBody>
                   </p:sp>
                 </mc:Choice>
-                <mc:Fallback>
+                <mc:Fallback xmlns="">
                   <p:sp>
                     <p:nvSpPr>
                       <p:cNvPr id="125" name="TextBox 124"/>
@@ -9921,8 +9917,8 @@
                 </mc:Fallback>
               </mc:AlternateContent>
             </p:grpSp>
-            <mc:AlternateContent xmlns:mc="http://schemas.openxmlformats.org/markup-compatibility/2006">
-              <mc:Choice xmlns:a14="http://schemas.microsoft.com/office/drawing/2010/main" Requires="a14">
+            <mc:AlternateContent xmlns:mc="http://schemas.openxmlformats.org/markup-compatibility/2006" xmlns:a14="http://schemas.microsoft.com/office/drawing/2010/main">
+              <mc:Choice Requires="a14">
                 <p:sp>
                   <p:nvSpPr>
                     <p:cNvPr id="127" name="TextBox 126"/>
@@ -9945,6 +9941,7 @@
                     </a:bodyPr>
                     <a:lstStyle/>
                     <a:p>
+                      <a:pPr/>
                       <a14:m>
                         <m:oMathPara xmlns:m="http://schemas.openxmlformats.org/officeDocument/2006/math">
                           <m:oMathParaPr>
@@ -9969,7 +9966,7 @@
                   </p:txBody>
                 </p:sp>
               </mc:Choice>
-              <mc:Fallback>
+              <mc:Fallback xmlns="">
                 <p:sp>
                   <p:nvSpPr>
                     <p:cNvPr id="127" name="TextBox 126"/>
@@ -10056,8 +10053,8 @@
                 </a:p>
               </p:txBody>
             </p:sp>
-            <mc:AlternateContent xmlns:mc="http://schemas.openxmlformats.org/markup-compatibility/2006">
-              <mc:Choice xmlns:a14="http://schemas.microsoft.com/office/drawing/2010/main" Requires="a14">
+            <mc:AlternateContent xmlns:mc="http://schemas.openxmlformats.org/markup-compatibility/2006" xmlns:a14="http://schemas.microsoft.com/office/drawing/2010/main">
+              <mc:Choice Requires="a14">
                 <p:sp>
                   <p:nvSpPr>
                     <p:cNvPr id="134" name="TextBox 133"/>
@@ -10080,6 +10077,7 @@
                     </a:bodyPr>
                     <a:lstStyle/>
                     <a:p>
+                      <a:pPr/>
                       <a14:m>
                         <m:oMathPara xmlns:m="http://schemas.openxmlformats.org/officeDocument/2006/math">
                           <m:oMathParaPr>
@@ -10104,7 +10102,7 @@
                   </p:txBody>
                 </p:sp>
               </mc:Choice>
-              <mc:Fallback>
+              <mc:Fallback xmlns="">
                 <p:sp>
                   <p:nvSpPr>
                     <p:cNvPr id="134" name="TextBox 133"/>
@@ -10144,8 +10142,8 @@
               </mc:Fallback>
             </mc:AlternateContent>
           </p:grpSp>
-          <mc:AlternateContent xmlns:mc="http://schemas.openxmlformats.org/markup-compatibility/2006">
-            <mc:Choice xmlns:a14="http://schemas.microsoft.com/office/drawing/2010/main" Requires="a14">
+          <mc:AlternateContent xmlns:mc="http://schemas.openxmlformats.org/markup-compatibility/2006" xmlns:a14="http://schemas.microsoft.com/office/drawing/2010/main">
+            <mc:Choice Requires="a14">
               <p:sp>
                 <p:nvSpPr>
                   <p:cNvPr id="137" name="TextBox 136"/>
@@ -10168,6 +10166,7 @@
                   </a:bodyPr>
                   <a:lstStyle/>
                   <a:p>
+                    <a:pPr/>
                     <a14:m>
                       <m:oMathPara xmlns:m="http://schemas.openxmlformats.org/officeDocument/2006/math">
                         <m:oMathParaPr>
@@ -10234,7 +10233,7 @@
                 </p:txBody>
               </p:sp>
             </mc:Choice>
-            <mc:Fallback>
+            <mc:Fallback xmlns="">
               <p:sp>
                 <p:nvSpPr>
                   <p:cNvPr id="137" name="TextBox 136"/>
@@ -10313,8 +10312,8 @@
             </a:fontRef>
           </p:style>
         </p:cxnSp>
-        <mc:AlternateContent xmlns:mc="http://schemas.openxmlformats.org/markup-compatibility/2006">
-          <mc:Choice xmlns:a14="http://schemas.microsoft.com/office/drawing/2010/main" Requires="a14">
+        <mc:AlternateContent xmlns:mc="http://schemas.openxmlformats.org/markup-compatibility/2006" xmlns:a14="http://schemas.microsoft.com/office/drawing/2010/main">
+          <mc:Choice Requires="a14">
             <p:sp>
               <p:nvSpPr>
                 <p:cNvPr id="142" name="TextBox 141"/>
@@ -10337,6 +10336,7 @@
                 </a:bodyPr>
                 <a:lstStyle/>
                 <a:p>
+                  <a:pPr/>
                   <a14:m>
                     <m:oMathPara xmlns:m="http://schemas.openxmlformats.org/officeDocument/2006/math">
                       <m:oMathParaPr>
@@ -10374,7 +10374,7 @@
               </p:txBody>
             </p:sp>
           </mc:Choice>
-          <mc:Fallback>
+          <mc:Fallback xmlns="">
             <p:sp>
               <p:nvSpPr>
                 <p:cNvPr id="142" name="TextBox 141"/>
@@ -12006,8 +12006,8 @@
                 </a:fontRef>
               </p:style>
             </p:cxnSp>
-            <mc:AlternateContent xmlns:mc="http://schemas.openxmlformats.org/markup-compatibility/2006">
-              <mc:Choice xmlns:a14="http://schemas.microsoft.com/office/drawing/2010/main" Requires="a14">
+            <mc:AlternateContent xmlns:mc="http://schemas.openxmlformats.org/markup-compatibility/2006" xmlns:a14="http://schemas.microsoft.com/office/drawing/2010/main">
+              <mc:Choice Requires="a14">
                 <p:sp>
                   <p:nvSpPr>
                     <p:cNvPr id="55" name="TextBox 54"/>
@@ -12030,6 +12030,7 @@
                     </a:bodyPr>
                     <a:lstStyle/>
                     <a:p>
+                      <a:pPr/>
                       <a14:m>
                         <m:oMathPara xmlns:m="http://schemas.openxmlformats.org/officeDocument/2006/math">
                           <m:oMathParaPr>
@@ -12095,7 +12096,7 @@
                   </p:txBody>
                 </p:sp>
               </mc:Choice>
-              <mc:Fallback>
+              <mc:Fallback xmlns="">
                 <p:sp>
                   <p:nvSpPr>
                     <p:cNvPr id="55" name="TextBox 54"/>
@@ -12134,8 +12135,8 @@
                 </p:sp>
               </mc:Fallback>
             </mc:AlternateContent>
-            <mc:AlternateContent xmlns:mc="http://schemas.openxmlformats.org/markup-compatibility/2006">
-              <mc:Choice xmlns:a14="http://schemas.microsoft.com/office/drawing/2010/main" Requires="a14">
+            <mc:AlternateContent xmlns:mc="http://schemas.openxmlformats.org/markup-compatibility/2006" xmlns:a14="http://schemas.microsoft.com/office/drawing/2010/main">
+              <mc:Choice Requires="a14">
                 <p:sp>
                   <p:nvSpPr>
                     <p:cNvPr id="56" name="TextBox 55"/>
@@ -12158,6 +12159,7 @@
                     </a:bodyPr>
                     <a:lstStyle/>
                     <a:p>
+                      <a:pPr/>
                       <a14:m>
                         <m:oMathPara xmlns:m="http://schemas.openxmlformats.org/officeDocument/2006/math">
                           <m:oMathParaPr>
@@ -12223,7 +12225,7 @@
                   </p:txBody>
                 </p:sp>
               </mc:Choice>
-              <mc:Fallback>
+              <mc:Fallback xmlns="">
                 <p:sp>
                   <p:nvSpPr>
                     <p:cNvPr id="56" name="TextBox 55"/>
@@ -12262,8 +12264,8 @@
                 </p:sp>
               </mc:Fallback>
             </mc:AlternateContent>
-            <mc:AlternateContent xmlns:mc="http://schemas.openxmlformats.org/markup-compatibility/2006">
-              <mc:Choice xmlns:a14="http://schemas.microsoft.com/office/drawing/2010/main" Requires="a14">
+            <mc:AlternateContent xmlns:mc="http://schemas.openxmlformats.org/markup-compatibility/2006" xmlns:a14="http://schemas.microsoft.com/office/drawing/2010/main">
+              <mc:Choice Requires="a14">
                 <p:sp>
                   <p:nvSpPr>
                     <p:cNvPr id="57" name="TextBox 56"/>
@@ -12286,6 +12288,7 @@
                     </a:bodyPr>
                     <a:lstStyle/>
                     <a:p>
+                      <a:pPr/>
                       <a14:m>
                         <m:oMathPara xmlns:m="http://schemas.openxmlformats.org/officeDocument/2006/math">
                           <m:oMathParaPr>
@@ -12351,7 +12354,7 @@
                   </p:txBody>
                 </p:sp>
               </mc:Choice>
-              <mc:Fallback>
+              <mc:Fallback xmlns="">
                 <p:sp>
                   <p:nvSpPr>
                     <p:cNvPr id="57" name="TextBox 56"/>
@@ -12390,8 +12393,8 @@
                 </p:sp>
               </mc:Fallback>
             </mc:AlternateContent>
-            <mc:AlternateContent xmlns:mc="http://schemas.openxmlformats.org/markup-compatibility/2006">
-              <mc:Choice xmlns:a14="http://schemas.microsoft.com/office/drawing/2010/main" Requires="a14">
+            <mc:AlternateContent xmlns:mc="http://schemas.openxmlformats.org/markup-compatibility/2006" xmlns:a14="http://schemas.microsoft.com/office/drawing/2010/main">
+              <mc:Choice Requires="a14">
                 <p:sp>
                   <p:nvSpPr>
                     <p:cNvPr id="58" name="TextBox 57"/>
@@ -12414,6 +12417,7 @@
                     </a:bodyPr>
                     <a:lstStyle/>
                     <a:p>
+                      <a:pPr/>
                       <a14:m>
                         <m:oMathPara xmlns:m="http://schemas.openxmlformats.org/officeDocument/2006/math">
                           <m:oMathParaPr>
@@ -12479,7 +12483,7 @@
                   </p:txBody>
                 </p:sp>
               </mc:Choice>
-              <mc:Fallback>
+              <mc:Fallback xmlns="">
                 <p:sp>
                   <p:nvSpPr>
                     <p:cNvPr id="58" name="TextBox 57"/>
@@ -12518,8 +12522,8 @@
                 </p:sp>
               </mc:Fallback>
             </mc:AlternateContent>
-            <mc:AlternateContent xmlns:mc="http://schemas.openxmlformats.org/markup-compatibility/2006">
-              <mc:Choice xmlns:a14="http://schemas.microsoft.com/office/drawing/2010/main" Requires="a14">
+            <mc:AlternateContent xmlns:mc="http://schemas.openxmlformats.org/markup-compatibility/2006" xmlns:a14="http://schemas.microsoft.com/office/drawing/2010/main">
+              <mc:Choice Requires="a14">
                 <p:sp>
                   <p:nvSpPr>
                     <p:cNvPr id="59" name="TextBox 58"/>
@@ -12542,6 +12546,7 @@
                     </a:bodyPr>
                     <a:lstStyle/>
                     <a:p>
+                      <a:pPr/>
                       <a14:m>
                         <m:oMathPara xmlns:m="http://schemas.openxmlformats.org/officeDocument/2006/math">
                           <m:oMathParaPr>
@@ -12607,7 +12612,7 @@
                   </p:txBody>
                 </p:sp>
               </mc:Choice>
-              <mc:Fallback>
+              <mc:Fallback xmlns="">
                 <p:sp>
                   <p:nvSpPr>
                     <p:cNvPr id="59" name="TextBox 58"/>
@@ -13459,8 +13464,8 @@
             </p:txBody>
           </p:sp>
         </p:grpSp>
-        <mc:AlternateContent xmlns:mc="http://schemas.openxmlformats.org/markup-compatibility/2006">
-          <mc:Choice xmlns:a14="http://schemas.microsoft.com/office/drawing/2010/main" Requires="a14">
+        <mc:AlternateContent xmlns:mc="http://schemas.openxmlformats.org/markup-compatibility/2006" xmlns:a14="http://schemas.microsoft.com/office/drawing/2010/main">
+          <mc:Choice Requires="a14">
             <p:sp>
               <p:nvSpPr>
                 <p:cNvPr id="151" name="TextBox 150"/>
@@ -13483,6 +13488,7 @@
                 </a:bodyPr>
                 <a:lstStyle/>
                 <a:p>
+                  <a:pPr/>
                   <a14:m>
                     <m:oMathPara xmlns:m="http://schemas.openxmlformats.org/officeDocument/2006/math">
                       <m:oMathParaPr>
@@ -13548,7 +13554,7 @@
               </p:txBody>
             </p:sp>
           </mc:Choice>
-          <mc:Fallback>
+          <mc:Fallback xmlns="">
             <p:sp>
               <p:nvSpPr>
                 <p:cNvPr id="151" name="TextBox 150"/>
@@ -13587,8 +13593,8 @@
             </p:sp>
           </mc:Fallback>
         </mc:AlternateContent>
-        <mc:AlternateContent xmlns:mc="http://schemas.openxmlformats.org/markup-compatibility/2006">
-          <mc:Choice xmlns:a14="http://schemas.microsoft.com/office/drawing/2010/main" Requires="a14">
+        <mc:AlternateContent xmlns:mc="http://schemas.openxmlformats.org/markup-compatibility/2006" xmlns:a14="http://schemas.microsoft.com/office/drawing/2010/main">
+          <mc:Choice Requires="a14">
             <p:sp>
               <p:nvSpPr>
                 <p:cNvPr id="152" name="TextBox 151"/>
@@ -13611,6 +13617,7 @@
                 </a:bodyPr>
                 <a:lstStyle/>
                 <a:p>
+                  <a:pPr/>
                   <a14:m>
                     <m:oMathPara xmlns:m="http://schemas.openxmlformats.org/officeDocument/2006/math">
                       <m:oMathParaPr>
@@ -13676,7 +13683,7 @@
               </p:txBody>
             </p:sp>
           </mc:Choice>
-          <mc:Fallback>
+          <mc:Fallback xmlns="">
             <p:sp>
               <p:nvSpPr>
                 <p:cNvPr id="152" name="TextBox 151"/>
@@ -13715,8 +13722,8 @@
             </p:sp>
           </mc:Fallback>
         </mc:AlternateContent>
-        <mc:AlternateContent xmlns:mc="http://schemas.openxmlformats.org/markup-compatibility/2006">
-          <mc:Choice xmlns:a14="http://schemas.microsoft.com/office/drawing/2010/main" Requires="a14">
+        <mc:AlternateContent xmlns:mc="http://schemas.openxmlformats.org/markup-compatibility/2006" xmlns:a14="http://schemas.microsoft.com/office/drawing/2010/main">
+          <mc:Choice Requires="a14">
             <p:sp>
               <p:nvSpPr>
                 <p:cNvPr id="153" name="TextBox 152"/>
@@ -13739,6 +13746,7 @@
                 </a:bodyPr>
                 <a:lstStyle/>
                 <a:p>
+                  <a:pPr/>
                   <a14:m>
                     <m:oMathPara xmlns:m="http://schemas.openxmlformats.org/officeDocument/2006/math">
                       <m:oMathParaPr>
@@ -13804,7 +13812,7 @@
               </p:txBody>
             </p:sp>
           </mc:Choice>
-          <mc:Fallback>
+          <mc:Fallback xmlns="">
             <p:sp>
               <p:nvSpPr>
                 <p:cNvPr id="153" name="TextBox 152"/>
@@ -13843,8 +13851,8 @@
             </p:sp>
           </mc:Fallback>
         </mc:AlternateContent>
-        <mc:AlternateContent xmlns:mc="http://schemas.openxmlformats.org/markup-compatibility/2006">
-          <mc:Choice xmlns:a14="http://schemas.microsoft.com/office/drawing/2010/main" Requires="a14">
+        <mc:AlternateContent xmlns:mc="http://schemas.openxmlformats.org/markup-compatibility/2006" xmlns:a14="http://schemas.microsoft.com/office/drawing/2010/main">
+          <mc:Choice Requires="a14">
             <p:sp>
               <p:nvSpPr>
                 <p:cNvPr id="154" name="TextBox 153"/>
@@ -13867,6 +13875,7 @@
                 </a:bodyPr>
                 <a:lstStyle/>
                 <a:p>
+                  <a:pPr/>
                   <a14:m>
                     <m:oMathPara xmlns:m="http://schemas.openxmlformats.org/officeDocument/2006/math">
                       <m:oMathParaPr>
@@ -13932,7 +13941,7 @@
               </p:txBody>
             </p:sp>
           </mc:Choice>
-          <mc:Fallback>
+          <mc:Fallback xmlns="">
             <p:sp>
               <p:nvSpPr>
                 <p:cNvPr id="154" name="TextBox 153"/>
@@ -13971,8 +13980,8 @@
             </p:sp>
           </mc:Fallback>
         </mc:AlternateContent>
-        <mc:AlternateContent xmlns:mc="http://schemas.openxmlformats.org/markup-compatibility/2006">
-          <mc:Choice xmlns:a14="http://schemas.microsoft.com/office/drawing/2010/main" Requires="a14">
+        <mc:AlternateContent xmlns:mc="http://schemas.openxmlformats.org/markup-compatibility/2006" xmlns:a14="http://schemas.microsoft.com/office/drawing/2010/main">
+          <mc:Choice Requires="a14">
             <p:sp>
               <p:nvSpPr>
                 <p:cNvPr id="155" name="TextBox 154"/>
@@ -13995,6 +14004,7 @@
                 </a:bodyPr>
                 <a:lstStyle/>
                 <a:p>
+                  <a:pPr/>
                   <a14:m>
                     <m:oMathPara xmlns:m="http://schemas.openxmlformats.org/officeDocument/2006/math">
                       <m:oMathParaPr>
@@ -14060,7 +14070,7 @@
               </p:txBody>
             </p:sp>
           </mc:Choice>
-          <mc:Fallback>
+          <mc:Fallback xmlns="">
             <p:sp>
               <p:nvSpPr>
                 <p:cNvPr id="155" name="TextBox 154"/>
@@ -14740,8 +14750,8 @@
               </p:txBody>
             </p:sp>
           </p:grpSp>
-          <mc:AlternateContent xmlns:mc="http://schemas.openxmlformats.org/markup-compatibility/2006">
-            <mc:Choice xmlns:a14="http://schemas.microsoft.com/office/drawing/2010/main" Requires="a14">
+          <mc:AlternateContent xmlns:mc="http://schemas.openxmlformats.org/markup-compatibility/2006" xmlns:a14="http://schemas.microsoft.com/office/drawing/2010/main">
+            <mc:Choice Requires="a14">
               <p:sp>
                 <p:nvSpPr>
                   <p:cNvPr id="177" name="TextBox 176"/>
@@ -14764,6 +14774,7 @@
                   </a:bodyPr>
                   <a:lstStyle/>
                   <a:p>
+                    <a:pPr/>
                     <a14:m>
                       <m:oMathPara xmlns:m="http://schemas.openxmlformats.org/officeDocument/2006/math">
                         <m:oMathParaPr>
@@ -14808,7 +14819,7 @@
                 </p:txBody>
               </p:sp>
             </mc:Choice>
-            <mc:Fallback>
+            <mc:Fallback xmlns="">
               <p:sp>
                 <p:nvSpPr>
                   <p:cNvPr id="177" name="TextBox 176"/>
@@ -14961,8 +14972,8 @@
               </a:fontRef>
             </p:style>
           </p:cxnSp>
-          <mc:AlternateContent xmlns:mc="http://schemas.openxmlformats.org/markup-compatibility/2006">
-            <mc:Choice xmlns:a14="http://schemas.microsoft.com/office/drawing/2010/main" Requires="a14">
+          <mc:AlternateContent xmlns:mc="http://schemas.openxmlformats.org/markup-compatibility/2006" xmlns:a14="http://schemas.microsoft.com/office/drawing/2010/main">
+            <mc:Choice Requires="a14">
               <p:sp>
                 <p:nvSpPr>
                   <p:cNvPr id="198" name="TextBox 197"/>
@@ -14985,6 +14996,7 @@
                   </a:bodyPr>
                   <a:lstStyle/>
                   <a:p>
+                    <a:pPr/>
                     <a14:m>
                       <m:oMathPara xmlns:m="http://schemas.openxmlformats.org/officeDocument/2006/math">
                         <m:oMathParaPr>
@@ -15050,7 +15062,7 @@
                 </p:txBody>
               </p:sp>
             </mc:Choice>
-            <mc:Fallback>
+            <mc:Fallback xmlns="">
               <p:sp>
                 <p:nvSpPr>
                   <p:cNvPr id="198" name="TextBox 197"/>
@@ -15128,8 +15140,8 @@
               </a:fontRef>
             </p:style>
           </p:cxnSp>
-          <mc:AlternateContent xmlns:mc="http://schemas.openxmlformats.org/markup-compatibility/2006">
-            <mc:Choice xmlns:a14="http://schemas.microsoft.com/office/drawing/2010/main" Requires="a14">
+          <mc:AlternateContent xmlns:mc="http://schemas.openxmlformats.org/markup-compatibility/2006" xmlns:a14="http://schemas.microsoft.com/office/drawing/2010/main">
+            <mc:Choice Requires="a14">
               <p:sp>
                 <p:nvSpPr>
                   <p:cNvPr id="204" name="TextBox 203"/>
@@ -15152,6 +15164,7 @@
                   </a:bodyPr>
                   <a:lstStyle/>
                   <a:p>
+                    <a:pPr/>
                     <a14:m>
                       <m:oMathPara xmlns:m="http://schemas.openxmlformats.org/officeDocument/2006/math">
                         <m:oMathParaPr>
@@ -15189,7 +15202,7 @@
                 </p:txBody>
               </p:sp>
             </mc:Choice>
-            <mc:Fallback>
+            <mc:Fallback xmlns="">
               <p:sp>
                 <p:nvSpPr>
                   <p:cNvPr id="204" name="TextBox 203"/>
@@ -15267,8 +15280,8 @@
             </a:fontRef>
           </p:style>
         </p:cxnSp>
-        <mc:AlternateContent xmlns:mc="http://schemas.openxmlformats.org/markup-compatibility/2006">
-          <mc:Choice xmlns:a14="http://schemas.microsoft.com/office/drawing/2010/main" Requires="a14">
+        <mc:AlternateContent xmlns:mc="http://schemas.openxmlformats.org/markup-compatibility/2006" xmlns:a14="http://schemas.microsoft.com/office/drawing/2010/main">
+          <mc:Choice Requires="a14">
             <p:sp>
               <p:nvSpPr>
                 <p:cNvPr id="209" name="TextBox 208"/>
@@ -15291,6 +15304,7 @@
                 </a:bodyPr>
                 <a:lstStyle/>
                 <a:p>
+                  <a:pPr/>
                   <a14:m>
                     <m:oMathPara xmlns:m="http://schemas.openxmlformats.org/officeDocument/2006/math">
                       <m:oMathParaPr>
@@ -15349,7 +15363,7 @@
               </p:txBody>
             </p:sp>
           </mc:Choice>
-          <mc:Fallback>
+          <mc:Fallback xmlns="">
             <p:sp>
               <p:nvSpPr>
                 <p:cNvPr id="209" name="TextBox 208"/>
@@ -15580,8 +15594,8 @@
               </a:fontRef>
             </p:style>
           </p:cxnSp>
-          <mc:AlternateContent xmlns:mc="http://schemas.openxmlformats.org/markup-compatibility/2006">
-            <mc:Choice xmlns:a14="http://schemas.microsoft.com/office/drawing/2010/main" Requires="a14">
+          <mc:AlternateContent xmlns:mc="http://schemas.openxmlformats.org/markup-compatibility/2006" xmlns:a14="http://schemas.microsoft.com/office/drawing/2010/main">
+            <mc:Choice Requires="a14">
               <p:sp>
                 <p:nvSpPr>
                   <p:cNvPr id="8" name="TextBox 7"/>
@@ -15604,6 +15618,7 @@
                   </a:bodyPr>
                   <a:lstStyle/>
                   <a:p>
+                    <a:pPr/>
                     <a14:m>
                       <m:oMathPara xmlns:m="http://schemas.openxmlformats.org/officeDocument/2006/math">
                         <m:oMathParaPr>
@@ -15628,7 +15643,7 @@
                 </p:txBody>
               </p:sp>
             </mc:Choice>
-            <mc:Fallback>
+            <mc:Fallback xmlns="">
               <p:sp>
                 <p:nvSpPr>
                   <p:cNvPr id="8" name="TextBox 7"/>
@@ -15667,8 +15682,8 @@
               </p:sp>
             </mc:Fallback>
           </mc:AlternateContent>
-          <mc:AlternateContent xmlns:mc="http://schemas.openxmlformats.org/markup-compatibility/2006">
-            <mc:Choice xmlns:a14="http://schemas.microsoft.com/office/drawing/2010/main" Requires="a14">
+          <mc:AlternateContent xmlns:mc="http://schemas.openxmlformats.org/markup-compatibility/2006" xmlns:a14="http://schemas.microsoft.com/office/drawing/2010/main">
+            <mc:Choice Requires="a14">
               <p:sp>
                 <p:nvSpPr>
                   <p:cNvPr id="9" name="TextBox 8"/>
@@ -15691,6 +15706,7 @@
                   </a:bodyPr>
                   <a:lstStyle/>
                   <a:p>
+                    <a:pPr/>
                     <a14:m>
                       <m:oMathPara xmlns:m="http://schemas.openxmlformats.org/officeDocument/2006/math">
                         <m:oMathParaPr>
@@ -15715,7 +15731,7 @@
                 </p:txBody>
               </p:sp>
             </mc:Choice>
-            <mc:Fallback>
+            <mc:Fallback xmlns="">
               <p:sp>
                 <p:nvSpPr>
                   <p:cNvPr id="9" name="TextBox 8"/>
@@ -15754,8 +15770,8 @@
               </p:sp>
             </mc:Fallback>
           </mc:AlternateContent>
-          <mc:AlternateContent xmlns:mc="http://schemas.openxmlformats.org/markup-compatibility/2006">
-            <mc:Choice xmlns:a14="http://schemas.microsoft.com/office/drawing/2010/main" Requires="a14">
+          <mc:AlternateContent xmlns:mc="http://schemas.openxmlformats.org/markup-compatibility/2006" xmlns:a14="http://schemas.microsoft.com/office/drawing/2010/main">
+            <mc:Choice Requires="a14">
               <p:sp>
                 <p:nvSpPr>
                   <p:cNvPr id="10" name="TextBox 9"/>
@@ -15778,6 +15794,7 @@
                   </a:bodyPr>
                   <a:lstStyle/>
                   <a:p>
+                    <a:pPr/>
                     <a14:m>
                       <m:oMathPara xmlns:m="http://schemas.openxmlformats.org/officeDocument/2006/math">
                         <m:oMathParaPr>
@@ -15816,7 +15833,7 @@
                 </p:txBody>
               </p:sp>
             </mc:Choice>
-            <mc:Fallback>
+            <mc:Fallback xmlns="">
               <p:sp>
                 <p:nvSpPr>
                   <p:cNvPr id="10" name="TextBox 9"/>
@@ -16506,8 +16523,8 @@
                     </a:fontRef>
                   </p:style>
                 </p:cxnSp>
-                <mc:AlternateContent xmlns:mc="http://schemas.openxmlformats.org/markup-compatibility/2006">
-                  <mc:Choice xmlns:a14="http://schemas.microsoft.com/office/drawing/2010/main" Requires="a14">
+                <mc:AlternateContent xmlns:mc="http://schemas.openxmlformats.org/markup-compatibility/2006" xmlns:a14="http://schemas.microsoft.com/office/drawing/2010/main">
+                  <mc:Choice Requires="a14">
                     <p:sp>
                       <p:nvSpPr>
                         <p:cNvPr id="32" name="TextBox 31"/>
@@ -16530,6 +16547,7 @@
                         </a:bodyPr>
                         <a:lstStyle/>
                         <a:p>
+                          <a:pPr/>
                           <a14:m>
                             <m:oMathPara xmlns:m="http://schemas.openxmlformats.org/officeDocument/2006/math">
                               <m:oMathParaPr>
@@ -16554,7 +16572,7 @@
                       </p:txBody>
                     </p:sp>
                   </mc:Choice>
-                  <mc:Fallback>
+                  <mc:Fallback xmlns="">
                     <p:sp>
                       <p:nvSpPr>
                         <p:cNvPr id="32" name="TextBox 31"/>
@@ -16593,8 +16611,8 @@
                     </p:sp>
                   </mc:Fallback>
                 </mc:AlternateContent>
-                <mc:AlternateContent xmlns:mc="http://schemas.openxmlformats.org/markup-compatibility/2006">
-                  <mc:Choice xmlns:a14="http://schemas.microsoft.com/office/drawing/2010/main" Requires="a14">
+                <mc:AlternateContent xmlns:mc="http://schemas.openxmlformats.org/markup-compatibility/2006" xmlns:a14="http://schemas.microsoft.com/office/drawing/2010/main">
+                  <mc:Choice Requires="a14">
                     <p:sp>
                       <p:nvSpPr>
                         <p:cNvPr id="33" name="TextBox 32"/>
@@ -16617,6 +16635,7 @@
                         </a:bodyPr>
                         <a:lstStyle/>
                         <a:p>
+                          <a:pPr/>
                           <a14:m>
                             <m:oMathPara xmlns:m="http://schemas.openxmlformats.org/officeDocument/2006/math">
                               <m:oMathParaPr>
@@ -16654,7 +16673,7 @@
                       </p:txBody>
                     </p:sp>
                   </mc:Choice>
-                  <mc:Fallback>
+                  <mc:Fallback xmlns="">
                     <p:sp>
                       <p:nvSpPr>
                         <p:cNvPr id="33" name="TextBox 32"/>
@@ -16693,8 +16712,8 @@
                     </p:sp>
                   </mc:Fallback>
                 </mc:AlternateContent>
-                <mc:AlternateContent xmlns:mc="http://schemas.openxmlformats.org/markup-compatibility/2006">
-                  <mc:Choice xmlns:a14="http://schemas.microsoft.com/office/drawing/2010/main" Requires="a14">
+                <mc:AlternateContent xmlns:mc="http://schemas.openxmlformats.org/markup-compatibility/2006" xmlns:a14="http://schemas.microsoft.com/office/drawing/2010/main">
+                  <mc:Choice Requires="a14">
                     <p:sp>
                       <p:nvSpPr>
                         <p:cNvPr id="34" name="TextBox 33"/>
@@ -16717,6 +16736,7 @@
                         </a:bodyPr>
                         <a:lstStyle/>
                         <a:p>
+                          <a:pPr/>
                           <a14:m>
                             <m:oMathPara xmlns:m="http://schemas.openxmlformats.org/officeDocument/2006/math">
                               <m:oMathParaPr>
@@ -16775,7 +16795,7 @@
                       </p:txBody>
                     </p:sp>
                   </mc:Choice>
-                  <mc:Fallback>
+                  <mc:Fallback xmlns="">
                     <p:sp>
                       <p:nvSpPr>
                         <p:cNvPr id="34" name="TextBox 33"/>
@@ -16850,8 +16870,8 @@
                     </a:fontRef>
                   </p:style>
                 </p:cxnSp>
-                <mc:AlternateContent xmlns:mc="http://schemas.openxmlformats.org/markup-compatibility/2006">
-                  <mc:Choice xmlns:a14="http://schemas.microsoft.com/office/drawing/2010/main" Requires="a14">
+                <mc:AlternateContent xmlns:mc="http://schemas.openxmlformats.org/markup-compatibility/2006" xmlns:a14="http://schemas.microsoft.com/office/drawing/2010/main">
+                  <mc:Choice Requires="a14">
                     <p:sp>
                       <p:nvSpPr>
                         <p:cNvPr id="38" name="TextBox 37"/>
@@ -16874,6 +16894,7 @@
                         </a:bodyPr>
                         <a:lstStyle/>
                         <a:p>
+                          <a:pPr/>
                           <a14:m>
                             <m:oMathPara xmlns:m="http://schemas.openxmlformats.org/officeDocument/2006/math">
                               <m:oMathParaPr>
@@ -16932,7 +16953,7 @@
                       </p:txBody>
                     </p:sp>
                   </mc:Choice>
-                  <mc:Fallback>
+                  <mc:Fallback xmlns="">
                     <p:sp>
                       <p:nvSpPr>
                         <p:cNvPr id="38" name="TextBox 37"/>
@@ -16972,8 +16993,8 @@
                   </mc:Fallback>
                 </mc:AlternateContent>
               </p:grpSp>
-              <mc:AlternateContent xmlns:mc="http://schemas.openxmlformats.org/markup-compatibility/2006">
-                <mc:Choice xmlns:a14="http://schemas.microsoft.com/office/drawing/2010/main" Requires="a14">
+              <mc:AlternateContent xmlns:mc="http://schemas.openxmlformats.org/markup-compatibility/2006" xmlns:a14="http://schemas.microsoft.com/office/drawing/2010/main">
+                <mc:Choice Requires="a14">
                   <p:sp>
                     <p:nvSpPr>
                       <p:cNvPr id="41" name="TextBox 40"/>
@@ -16996,6 +17017,7 @@
                       </a:bodyPr>
                       <a:lstStyle/>
                       <a:p>
+                        <a:pPr/>
                         <a14:m>
                           <m:oMathPara xmlns:m="http://schemas.openxmlformats.org/officeDocument/2006/math">
                             <m:oMathParaPr>
@@ -17020,7 +17042,7 @@
                     </p:txBody>
                   </p:sp>
                 </mc:Choice>
-                <mc:Fallback>
+                <mc:Fallback xmlns="">
                   <p:sp>
                     <p:nvSpPr>
                       <p:cNvPr id="41" name="TextBox 40"/>
@@ -17059,8 +17081,8 @@
                   </p:sp>
                 </mc:Fallback>
               </mc:AlternateContent>
-              <mc:AlternateContent xmlns:mc="http://schemas.openxmlformats.org/markup-compatibility/2006">
-                <mc:Choice xmlns:a14="http://schemas.microsoft.com/office/drawing/2010/main" Requires="a14">
+              <mc:AlternateContent xmlns:mc="http://schemas.openxmlformats.org/markup-compatibility/2006" xmlns:a14="http://schemas.microsoft.com/office/drawing/2010/main">
+                <mc:Choice Requires="a14">
                   <p:sp>
                     <p:nvSpPr>
                       <p:cNvPr id="42" name="TextBox 41"/>
@@ -17083,6 +17105,7 @@
                       </a:bodyPr>
                       <a:lstStyle/>
                       <a:p>
+                        <a:pPr/>
                         <a14:m>
                           <m:oMathPara xmlns:m="http://schemas.openxmlformats.org/officeDocument/2006/math">
                             <m:oMathParaPr>
@@ -17107,7 +17130,7 @@
                     </p:txBody>
                   </p:sp>
                 </mc:Choice>
-                <mc:Fallback>
+                <mc:Fallback xmlns="">
                   <p:sp>
                     <p:nvSpPr>
                       <p:cNvPr id="42" name="TextBox 41"/>
@@ -17230,8 +17253,8 @@
                 </a:p>
               </p:txBody>
             </p:sp>
-            <mc:AlternateContent xmlns:mc="http://schemas.openxmlformats.org/markup-compatibility/2006">
-              <mc:Choice xmlns:a14="http://schemas.microsoft.com/office/drawing/2010/main" Requires="a14">
+            <mc:AlternateContent xmlns:mc="http://schemas.openxmlformats.org/markup-compatibility/2006" xmlns:a14="http://schemas.microsoft.com/office/drawing/2010/main">
+              <mc:Choice Requires="a14">
                 <p:sp>
                   <p:nvSpPr>
                     <p:cNvPr id="51" name="TextBox 50"/>
@@ -17254,6 +17277,7 @@
                     </a:bodyPr>
                     <a:lstStyle/>
                     <a:p>
+                      <a:pPr/>
                       <a14:m>
                         <m:oMathPara xmlns:m="http://schemas.openxmlformats.org/officeDocument/2006/math">
                           <m:oMathParaPr>
@@ -17312,7 +17336,7 @@
                   </p:txBody>
                 </p:sp>
               </mc:Choice>
-              <mc:Fallback>
+              <mc:Fallback xmlns="">
                 <p:sp>
                   <p:nvSpPr>
                     <p:cNvPr id="51" name="TextBox 50"/>
@@ -17843,8 +17867,8 @@
               </p:txBody>
             </p:sp>
           </p:grpSp>
-          <mc:AlternateContent xmlns:mc="http://schemas.openxmlformats.org/markup-compatibility/2006">
-            <mc:Choice xmlns:a14="http://schemas.microsoft.com/office/drawing/2010/main" Requires="a14">
+          <mc:AlternateContent xmlns:mc="http://schemas.openxmlformats.org/markup-compatibility/2006" xmlns:a14="http://schemas.microsoft.com/office/drawing/2010/main">
+            <mc:Choice Requires="a14">
               <p:sp>
                 <p:nvSpPr>
                   <p:cNvPr id="64" name="TextBox 63"/>
@@ -17867,6 +17891,7 @@
                   </a:bodyPr>
                   <a:lstStyle/>
                   <a:p>
+                    <a:pPr/>
                     <a14:m>
                       <m:oMathPara xmlns:m="http://schemas.openxmlformats.org/officeDocument/2006/math">
                         <m:oMathParaPr>
@@ -17904,7 +17929,7 @@
                 </p:txBody>
               </p:sp>
             </mc:Choice>
-            <mc:Fallback>
+            <mc:Fallback xmlns="">
               <p:sp>
                 <p:nvSpPr>
                   <p:cNvPr id="64" name="TextBox 63"/>
@@ -17944,8 +17969,8 @@
             </mc:Fallback>
           </mc:AlternateContent>
         </p:grpSp>
-        <mc:AlternateContent xmlns:mc="http://schemas.openxmlformats.org/markup-compatibility/2006">
-          <mc:Choice xmlns:a14="http://schemas.microsoft.com/office/drawing/2010/main" Requires="a14">
+        <mc:AlternateContent xmlns:mc="http://schemas.openxmlformats.org/markup-compatibility/2006" xmlns:a14="http://schemas.microsoft.com/office/drawing/2010/main">
+          <mc:Choice Requires="a14">
             <p:sp>
               <p:nvSpPr>
                 <p:cNvPr id="66" name="TextBox 65"/>
@@ -17968,6 +17993,7 @@
                 </a:bodyPr>
                 <a:lstStyle/>
                 <a:p>
+                  <a:pPr/>
                   <a14:m>
                     <m:oMathPara xmlns:m="http://schemas.openxmlformats.org/officeDocument/2006/math">
                       <m:oMathParaPr>
@@ -17992,7 +18018,7 @@
               </p:txBody>
             </p:sp>
           </mc:Choice>
-          <mc:Fallback>
+          <mc:Fallback xmlns="">
             <p:sp>
               <p:nvSpPr>
                 <p:cNvPr id="66" name="TextBox 65"/>

--- a/tex/figures/AngularMomentumRolling/Figures.pptx
+++ b/tex/figures/AngularMomentumRolling/Figures.pptx
@@ -10,6 +10,7 @@
     <p:sldId id="274" r:id="rId4"/>
     <p:sldId id="275" r:id="rId5"/>
     <p:sldId id="273" r:id="rId6"/>
+    <p:sldId id="276" r:id="rId7"/>
   </p:sldIdLst>
   <p:sldSz cx="12192000" cy="6858000"/>
   <p:notesSz cx="6858000" cy="9144000"/>
@@ -247,7 +248,7 @@
           <a:p>
             <a:fld id="{F7249F8D-641B-4CAF-BAE5-10524742F6F1}" type="datetimeFigureOut">
               <a:rPr lang="en-CA" smtClean="0"/>
-              <a:t>2018-07-12</a:t>
+              <a:t>2018-08-25</a:t>
             </a:fld>
             <a:endParaRPr lang="en-CA"/>
           </a:p>
@@ -417,7 +418,7 @@
           <a:p>
             <a:fld id="{F7249F8D-641B-4CAF-BAE5-10524742F6F1}" type="datetimeFigureOut">
               <a:rPr lang="en-CA" smtClean="0"/>
-              <a:t>2018-07-12</a:t>
+              <a:t>2018-08-25</a:t>
             </a:fld>
             <a:endParaRPr lang="en-CA"/>
           </a:p>
@@ -597,7 +598,7 @@
           <a:p>
             <a:fld id="{F7249F8D-641B-4CAF-BAE5-10524742F6F1}" type="datetimeFigureOut">
               <a:rPr lang="en-CA" smtClean="0"/>
-              <a:t>2018-07-12</a:t>
+              <a:t>2018-08-25</a:t>
             </a:fld>
             <a:endParaRPr lang="en-CA"/>
           </a:p>
@@ -767,7 +768,7 @@
           <a:p>
             <a:fld id="{F7249F8D-641B-4CAF-BAE5-10524742F6F1}" type="datetimeFigureOut">
               <a:rPr lang="en-CA" smtClean="0"/>
-              <a:t>2018-07-12</a:t>
+              <a:t>2018-08-25</a:t>
             </a:fld>
             <a:endParaRPr lang="en-CA"/>
           </a:p>
@@ -1013,7 +1014,7 @@
           <a:p>
             <a:fld id="{F7249F8D-641B-4CAF-BAE5-10524742F6F1}" type="datetimeFigureOut">
               <a:rPr lang="en-CA" smtClean="0"/>
-              <a:t>2018-07-12</a:t>
+              <a:t>2018-08-25</a:t>
             </a:fld>
             <a:endParaRPr lang="en-CA"/>
           </a:p>
@@ -1245,7 +1246,7 @@
           <a:p>
             <a:fld id="{F7249F8D-641B-4CAF-BAE5-10524742F6F1}" type="datetimeFigureOut">
               <a:rPr lang="en-CA" smtClean="0"/>
-              <a:t>2018-07-12</a:t>
+              <a:t>2018-08-25</a:t>
             </a:fld>
             <a:endParaRPr lang="en-CA"/>
           </a:p>
@@ -1612,7 +1613,7 @@
           <a:p>
             <a:fld id="{F7249F8D-641B-4CAF-BAE5-10524742F6F1}" type="datetimeFigureOut">
               <a:rPr lang="en-CA" smtClean="0"/>
-              <a:t>2018-07-12</a:t>
+              <a:t>2018-08-25</a:t>
             </a:fld>
             <a:endParaRPr lang="en-CA"/>
           </a:p>
@@ -1730,7 +1731,7 @@
           <a:p>
             <a:fld id="{F7249F8D-641B-4CAF-BAE5-10524742F6F1}" type="datetimeFigureOut">
               <a:rPr lang="en-CA" smtClean="0"/>
-              <a:t>2018-07-12</a:t>
+              <a:t>2018-08-25</a:t>
             </a:fld>
             <a:endParaRPr lang="en-CA"/>
           </a:p>
@@ -1825,7 +1826,7 @@
           <a:p>
             <a:fld id="{F7249F8D-641B-4CAF-BAE5-10524742F6F1}" type="datetimeFigureOut">
               <a:rPr lang="en-CA" smtClean="0"/>
-              <a:t>2018-07-12</a:t>
+              <a:t>2018-08-25</a:t>
             </a:fld>
             <a:endParaRPr lang="en-CA"/>
           </a:p>
@@ -2102,7 +2103,7 @@
           <a:p>
             <a:fld id="{F7249F8D-641B-4CAF-BAE5-10524742F6F1}" type="datetimeFigureOut">
               <a:rPr lang="en-CA" smtClean="0"/>
-              <a:t>2018-07-12</a:t>
+              <a:t>2018-08-25</a:t>
             </a:fld>
             <a:endParaRPr lang="en-CA"/>
           </a:p>
@@ -2355,7 +2356,7 @@
           <a:p>
             <a:fld id="{F7249F8D-641B-4CAF-BAE5-10524742F6F1}" type="datetimeFigureOut">
               <a:rPr lang="en-CA" smtClean="0"/>
-              <a:t>2018-07-12</a:t>
+              <a:t>2018-08-25</a:t>
             </a:fld>
             <a:endParaRPr lang="en-CA"/>
           </a:p>
@@ -2568,7 +2569,7 @@
           <a:p>
             <a:fld id="{F7249F8D-641B-4CAF-BAE5-10524742F6F1}" type="datetimeFigureOut">
               <a:rPr lang="en-CA" smtClean="0"/>
-              <a:t>2018-07-12</a:t>
+              <a:t>2018-08-25</a:t>
             </a:fld>
             <a:endParaRPr lang="en-CA"/>
           </a:p>
@@ -5732,7 +5733,7 @@
                             <m:chr m:val="⃗"/>
                             <m:ctrlPr>
                               <a:rPr lang="en-US" sz="2000" b="0" i="1" smtClean="0">
-                                <a:latin typeface="Cambria Math" panose="02040503050406030204" pitchFamily="18" charset="0"/>
+                                <a:latin typeface="Cambria Math" charset="0"/>
                                 <a:cs typeface="Arial" panose="020B0604020202020204" pitchFamily="34" charset="0"/>
                               </a:rPr>
                             </m:ctrlPr>
@@ -5869,7 +5870,7 @@
                             <m:chr m:val="⃗"/>
                             <m:ctrlPr>
                               <a:rPr lang="en-US" sz="2000" b="0" i="1" smtClean="0">
-                                <a:latin typeface="Cambria Math" panose="02040503050406030204" pitchFamily="18" charset="0"/>
+                                <a:latin typeface="Cambria Math" charset="0"/>
                                 <a:cs typeface="Arial" panose="020B0604020202020204" pitchFamily="34" charset="0"/>
                               </a:rPr>
                             </m:ctrlPr>
@@ -6065,7 +6066,7 @@
                                 <a:solidFill>
                                   <a:srgbClr val="FF0000"/>
                                 </a:solidFill>
-                                <a:latin typeface="Cambria Math" panose="02040503050406030204" pitchFamily="18" charset="0"/>
+                                <a:latin typeface="Cambria Math" charset="0"/>
                                 <a:cs typeface="Arial" panose="020B0604020202020204" pitchFamily="34" charset="0"/>
                               </a:rPr>
                             </m:ctrlPr>
@@ -6685,7 +6686,7 @@
                             <m:chr m:val="⃗"/>
                             <m:ctrlPr>
                               <a:rPr lang="en-US" sz="2000" b="0" i="1" smtClean="0">
-                                <a:latin typeface="Cambria Math" panose="02040503050406030204" pitchFamily="18" charset="0"/>
+                                <a:latin typeface="Cambria Math" charset="0"/>
                                 <a:cs typeface="Arial" panose="020B0604020202020204" pitchFamily="34" charset="0"/>
                               </a:rPr>
                             </m:ctrlPr>
@@ -6912,7 +6913,7 @@
                             <m:chr m:val="⃗"/>
                             <m:ctrlPr>
                               <a:rPr lang="en-US" sz="2000" b="0" i="1" smtClean="0">
-                                <a:latin typeface="Cambria Math" panose="02040503050406030204" pitchFamily="18" charset="0"/>
+                                <a:latin typeface="Cambria Math" charset="0"/>
                                 <a:cs typeface="Arial" panose="020B0604020202020204" pitchFamily="34" charset="0"/>
                               </a:rPr>
                             </m:ctrlPr>
@@ -7862,7 +7863,7 @@
                               <m:sSubPr>
                                 <m:ctrlPr>
                                   <a:rPr lang="en-US" sz="2000" b="0" i="1" smtClean="0">
-                                    <a:latin typeface="Cambria Math" panose="02040503050406030204" pitchFamily="18" charset="0"/>
+                                    <a:latin typeface="Cambria Math" charset="0"/>
                                     <a:cs typeface="Arial" panose="020B0604020202020204" pitchFamily="34" charset="0"/>
                                   </a:rPr>
                                 </m:ctrlPr>
@@ -8009,7 +8010,7 @@
                               <m:sSubPr>
                                 <m:ctrlPr>
                                   <a:rPr lang="en-US" sz="2000" b="0" i="1" smtClean="0">
-                                    <a:latin typeface="Cambria Math" panose="02040503050406030204" pitchFamily="18" charset="0"/>
+                                    <a:latin typeface="Cambria Math" charset="0"/>
                                     <a:cs typeface="Arial" panose="020B0604020202020204" pitchFamily="34" charset="0"/>
                                   </a:rPr>
                                 </m:ctrlPr>
@@ -8020,7 +8021,7 @@
                                     <m:chr m:val="⃗"/>
                                     <m:ctrlPr>
                                       <a:rPr lang="en-US" sz="2000" b="0" i="1" smtClean="0">
-                                        <a:latin typeface="Cambria Math" panose="02040503050406030204" pitchFamily="18" charset="0"/>
+                                        <a:latin typeface="Cambria Math" charset="0"/>
                                         <a:cs typeface="Arial" panose="020B0604020202020204" pitchFamily="34" charset="0"/>
                                       </a:rPr>
                                     </m:ctrlPr>
@@ -8167,7 +8168,7 @@
                               <m:sSubPr>
                                 <m:ctrlPr>
                                   <a:rPr lang="en-US" sz="2000" b="0" i="1" smtClean="0">
-                                    <a:latin typeface="Cambria Math" panose="02040503050406030204" pitchFamily="18" charset="0"/>
+                                    <a:latin typeface="Cambria Math" charset="0"/>
                                     <a:cs typeface="Arial" panose="020B0604020202020204" pitchFamily="34" charset="0"/>
                                   </a:rPr>
                                 </m:ctrlPr>
@@ -8178,7 +8179,7 @@
                                     <m:chr m:val="⃗"/>
                                     <m:ctrlPr>
                                       <a:rPr lang="en-US" sz="2000" b="0" i="1" smtClean="0">
-                                        <a:latin typeface="Cambria Math" panose="02040503050406030204" pitchFamily="18" charset="0"/>
+                                        <a:latin typeface="Cambria Math" charset="0"/>
                                         <a:cs typeface="Arial" panose="020B0604020202020204" pitchFamily="34" charset="0"/>
                                       </a:rPr>
                                     </m:ctrlPr>
@@ -8463,7 +8464,7 @@
                               <m:chr m:val="⃗"/>
                               <m:ctrlPr>
                                 <a:rPr lang="en-US" sz="2000" b="0" i="1" smtClean="0">
-                                  <a:latin typeface="Cambria Math" panose="02040503050406030204" pitchFamily="18" charset="0"/>
+                                  <a:latin typeface="Cambria Math" charset="0"/>
                                   <a:cs typeface="Arial" panose="020B0604020202020204" pitchFamily="34" charset="0"/>
                                 </a:rPr>
                               </m:ctrlPr>
@@ -9851,7 +9852,7 @@
                                   <m:chr m:val="⃗"/>
                                   <m:ctrlPr>
                                     <a:rPr lang="en-US" sz="2000" b="0" i="1" smtClean="0">
-                                      <a:latin typeface="Cambria Math" panose="02040503050406030204" pitchFamily="18" charset="0"/>
+                                      <a:latin typeface="Cambria Math" charset="0"/>
                                       <a:cs typeface="Arial" panose="020B0604020202020204" pitchFamily="34" charset="0"/>
                                     </a:rPr>
                                   </m:ctrlPr>
@@ -10177,7 +10178,7 @@
                             <m:sSubPr>
                               <m:ctrlPr>
                                 <a:rPr lang="en-US" sz="2000" b="0" i="1" smtClean="0">
-                                  <a:latin typeface="Cambria Math" panose="02040503050406030204" pitchFamily="18" charset="0"/>
+                                  <a:latin typeface="Cambria Math" charset="0"/>
                                   <a:cs typeface="Arial" panose="020B0604020202020204" pitchFamily="34" charset="0"/>
                                 </a:rPr>
                               </m:ctrlPr>
@@ -10348,7 +10349,7 @@
                             <m:chr m:val="⃗"/>
                             <m:ctrlPr>
                               <a:rPr lang="en-US" sz="2000" b="0" i="1" smtClean="0">
-                                <a:latin typeface="Cambria Math" panose="02040503050406030204" pitchFamily="18" charset="0"/>
+                                <a:latin typeface="Cambria Math" charset="0"/>
                                 <a:cs typeface="Arial" panose="020B0604020202020204" pitchFamily="34" charset="0"/>
                               </a:rPr>
                             </m:ctrlPr>
@@ -12041,7 +12042,7 @@
                               <m:sSubPr>
                                 <m:ctrlPr>
                                   <a:rPr lang="en-US" sz="2000" b="0" i="1" smtClean="0">
-                                    <a:latin typeface="Cambria Math" panose="02040503050406030204" pitchFamily="18" charset="0"/>
+                                    <a:latin typeface="Cambria Math" charset="0"/>
                                     <a:cs typeface="Arial" panose="020B0604020202020204" pitchFamily="34" charset="0"/>
                                   </a:rPr>
                                 </m:ctrlPr>
@@ -12052,7 +12053,7 @@
                                     <m:chr m:val="⃗"/>
                                     <m:ctrlPr>
                                       <a:rPr lang="en-US" sz="2000" b="0" i="1" smtClean="0">
-                                        <a:latin typeface="Cambria Math" panose="02040503050406030204" pitchFamily="18" charset="0"/>
+                                        <a:latin typeface="Cambria Math" charset="0"/>
                                         <a:cs typeface="Arial" panose="020B0604020202020204" pitchFamily="34" charset="0"/>
                                       </a:rPr>
                                     </m:ctrlPr>
@@ -12170,7 +12171,7 @@
                               <m:sSubPr>
                                 <m:ctrlPr>
                                   <a:rPr lang="en-US" sz="2000" b="0" i="1" smtClean="0">
-                                    <a:latin typeface="Cambria Math" panose="02040503050406030204" pitchFamily="18" charset="0"/>
+                                    <a:latin typeface="Cambria Math" charset="0"/>
                                     <a:cs typeface="Arial" panose="020B0604020202020204" pitchFamily="34" charset="0"/>
                                   </a:rPr>
                                 </m:ctrlPr>
@@ -12181,7 +12182,7 @@
                                     <m:chr m:val="⃗"/>
                                     <m:ctrlPr>
                                       <a:rPr lang="en-US" sz="2000" b="0" i="1" smtClean="0">
-                                        <a:latin typeface="Cambria Math" panose="02040503050406030204" pitchFamily="18" charset="0"/>
+                                        <a:latin typeface="Cambria Math" charset="0"/>
                                         <a:cs typeface="Arial" panose="020B0604020202020204" pitchFamily="34" charset="0"/>
                                       </a:rPr>
                                     </m:ctrlPr>
@@ -12299,7 +12300,7 @@
                               <m:sSubPr>
                                 <m:ctrlPr>
                                   <a:rPr lang="en-US" sz="2000" b="0" i="1" smtClean="0">
-                                    <a:latin typeface="Cambria Math" panose="02040503050406030204" pitchFamily="18" charset="0"/>
+                                    <a:latin typeface="Cambria Math" charset="0"/>
                                     <a:cs typeface="Arial" panose="020B0604020202020204" pitchFamily="34" charset="0"/>
                                   </a:rPr>
                                 </m:ctrlPr>
@@ -12310,7 +12311,7 @@
                                     <m:chr m:val="⃗"/>
                                     <m:ctrlPr>
                                       <a:rPr lang="en-US" sz="2000" b="0" i="1" smtClean="0">
-                                        <a:latin typeface="Cambria Math" panose="02040503050406030204" pitchFamily="18" charset="0"/>
+                                        <a:latin typeface="Cambria Math" charset="0"/>
                                         <a:cs typeface="Arial" panose="020B0604020202020204" pitchFamily="34" charset="0"/>
                                       </a:rPr>
                                     </m:ctrlPr>
@@ -12428,7 +12429,7 @@
                               <m:sSubPr>
                                 <m:ctrlPr>
                                   <a:rPr lang="en-US" sz="2000" b="0" i="1" smtClean="0">
-                                    <a:latin typeface="Cambria Math" panose="02040503050406030204" pitchFamily="18" charset="0"/>
+                                    <a:latin typeface="Cambria Math" charset="0"/>
                                     <a:cs typeface="Arial" panose="020B0604020202020204" pitchFamily="34" charset="0"/>
                                   </a:rPr>
                                 </m:ctrlPr>
@@ -12439,7 +12440,7 @@
                                     <m:chr m:val="⃗"/>
                                     <m:ctrlPr>
                                       <a:rPr lang="en-US" sz="2000" b="0" i="1" smtClean="0">
-                                        <a:latin typeface="Cambria Math" panose="02040503050406030204" pitchFamily="18" charset="0"/>
+                                        <a:latin typeface="Cambria Math" charset="0"/>
                                         <a:cs typeface="Arial" panose="020B0604020202020204" pitchFamily="34" charset="0"/>
                                       </a:rPr>
                                     </m:ctrlPr>
@@ -12557,7 +12558,7 @@
                               <m:sSubPr>
                                 <m:ctrlPr>
                                   <a:rPr lang="en-US" sz="2000" b="0" i="1" smtClean="0">
-                                    <a:latin typeface="Cambria Math" panose="02040503050406030204" pitchFamily="18" charset="0"/>
+                                    <a:latin typeface="Cambria Math" charset="0"/>
                                     <a:cs typeface="Arial" panose="020B0604020202020204" pitchFamily="34" charset="0"/>
                                   </a:rPr>
                                 </m:ctrlPr>
@@ -12568,7 +12569,7 @@
                                     <m:chr m:val="⃗"/>
                                     <m:ctrlPr>
                                       <a:rPr lang="en-US" sz="2000" b="0" i="1" smtClean="0">
-                                        <a:latin typeface="Cambria Math" panose="02040503050406030204" pitchFamily="18" charset="0"/>
+                                        <a:latin typeface="Cambria Math" charset="0"/>
                                         <a:cs typeface="Arial" panose="020B0604020202020204" pitchFamily="34" charset="0"/>
                                       </a:rPr>
                                     </m:ctrlPr>
@@ -13499,7 +13500,7 @@
                           <m:sSubPr>
                             <m:ctrlPr>
                               <a:rPr lang="en-US" sz="2000" b="0" i="1" smtClean="0">
-                                <a:latin typeface="Cambria Math" panose="02040503050406030204" pitchFamily="18" charset="0"/>
+                                <a:latin typeface="Cambria Math" charset="0"/>
                                 <a:cs typeface="Arial" panose="020B0604020202020204" pitchFamily="34" charset="0"/>
                               </a:rPr>
                             </m:ctrlPr>
@@ -13510,7 +13511,7 @@
                                 <m:chr m:val="⃗"/>
                                 <m:ctrlPr>
                                   <a:rPr lang="en-US" sz="2000" b="0" i="1" smtClean="0">
-                                    <a:latin typeface="Cambria Math" panose="02040503050406030204" pitchFamily="18" charset="0"/>
+                                    <a:latin typeface="Cambria Math" charset="0"/>
                                     <a:cs typeface="Arial" panose="020B0604020202020204" pitchFamily="34" charset="0"/>
                                   </a:rPr>
                                 </m:ctrlPr>
@@ -13628,7 +13629,7 @@
                           <m:sSubPr>
                             <m:ctrlPr>
                               <a:rPr lang="en-US" sz="2000" b="0" i="1" smtClean="0">
-                                <a:latin typeface="Cambria Math" panose="02040503050406030204" pitchFamily="18" charset="0"/>
+                                <a:latin typeface="Cambria Math" charset="0"/>
                                 <a:cs typeface="Arial" panose="020B0604020202020204" pitchFamily="34" charset="0"/>
                               </a:rPr>
                             </m:ctrlPr>
@@ -13639,7 +13640,7 @@
                                 <m:chr m:val="⃗"/>
                                 <m:ctrlPr>
                                   <a:rPr lang="en-US" sz="2000" b="0" i="1" smtClean="0">
-                                    <a:latin typeface="Cambria Math" panose="02040503050406030204" pitchFamily="18" charset="0"/>
+                                    <a:latin typeface="Cambria Math" charset="0"/>
                                     <a:cs typeface="Arial" panose="020B0604020202020204" pitchFamily="34" charset="0"/>
                                   </a:rPr>
                                 </m:ctrlPr>
@@ -13757,7 +13758,7 @@
                           <m:sSubPr>
                             <m:ctrlPr>
                               <a:rPr lang="en-US" sz="2000" b="0" i="1" smtClean="0">
-                                <a:latin typeface="Cambria Math" panose="02040503050406030204" pitchFamily="18" charset="0"/>
+                                <a:latin typeface="Cambria Math" charset="0"/>
                                 <a:cs typeface="Arial" panose="020B0604020202020204" pitchFamily="34" charset="0"/>
                               </a:rPr>
                             </m:ctrlPr>
@@ -13768,7 +13769,7 @@
                                 <m:chr m:val="⃗"/>
                                 <m:ctrlPr>
                                   <a:rPr lang="en-US" sz="2000" b="0" i="1" smtClean="0">
-                                    <a:latin typeface="Cambria Math" panose="02040503050406030204" pitchFamily="18" charset="0"/>
+                                    <a:latin typeface="Cambria Math" charset="0"/>
                                     <a:cs typeface="Arial" panose="020B0604020202020204" pitchFamily="34" charset="0"/>
                                   </a:rPr>
                                 </m:ctrlPr>
@@ -13886,7 +13887,7 @@
                           <m:sSubPr>
                             <m:ctrlPr>
                               <a:rPr lang="en-US" sz="2000" b="0" i="1" smtClean="0">
-                                <a:latin typeface="Cambria Math" panose="02040503050406030204" pitchFamily="18" charset="0"/>
+                                <a:latin typeface="Cambria Math" charset="0"/>
                                 <a:cs typeface="Arial" panose="020B0604020202020204" pitchFamily="34" charset="0"/>
                               </a:rPr>
                             </m:ctrlPr>
@@ -13897,7 +13898,7 @@
                                 <m:chr m:val="⃗"/>
                                 <m:ctrlPr>
                                   <a:rPr lang="en-US" sz="2000" b="0" i="1" smtClean="0">
-                                    <a:latin typeface="Cambria Math" panose="02040503050406030204" pitchFamily="18" charset="0"/>
+                                    <a:latin typeface="Cambria Math" charset="0"/>
                                     <a:cs typeface="Arial" panose="020B0604020202020204" pitchFamily="34" charset="0"/>
                                   </a:rPr>
                                 </m:ctrlPr>
@@ -14015,7 +14016,7 @@
                           <m:sSubPr>
                             <m:ctrlPr>
                               <a:rPr lang="en-US" sz="2000" b="0" i="1" smtClean="0">
-                                <a:latin typeface="Cambria Math" panose="02040503050406030204" pitchFamily="18" charset="0"/>
+                                <a:latin typeface="Cambria Math" charset="0"/>
                                 <a:cs typeface="Arial" panose="020B0604020202020204" pitchFamily="34" charset="0"/>
                               </a:rPr>
                             </m:ctrlPr>
@@ -14026,7 +14027,7 @@
                                 <m:chr m:val="⃗"/>
                                 <m:ctrlPr>
                                   <a:rPr lang="en-US" sz="2000" b="0" i="1" smtClean="0">
-                                    <a:latin typeface="Cambria Math" panose="02040503050406030204" pitchFamily="18" charset="0"/>
+                                    <a:latin typeface="Cambria Math" charset="0"/>
                                     <a:cs typeface="Arial" panose="020B0604020202020204" pitchFamily="34" charset="0"/>
                                   </a:rPr>
                                 </m:ctrlPr>
@@ -14793,7 +14794,7 @@
                               <m:chr m:val="⃗"/>
                               <m:ctrlPr>
                                 <a:rPr lang="en-US" sz="2000" b="0" i="1" smtClean="0">
-                                  <a:latin typeface="Cambria Math" panose="02040503050406030204" pitchFamily="18" charset="0"/>
+                                  <a:latin typeface="Cambria Math" charset="0"/>
                                   <a:cs typeface="Arial" panose="020B0604020202020204" pitchFamily="34" charset="0"/>
                                 </a:rPr>
                               </m:ctrlPr>
@@ -15007,7 +15008,7 @@
                             <m:sSubPr>
                               <m:ctrlPr>
                                 <a:rPr lang="en-US" sz="2000" b="0" i="1" smtClean="0">
-                                  <a:latin typeface="Cambria Math" panose="02040503050406030204" pitchFamily="18" charset="0"/>
+                                  <a:latin typeface="Cambria Math" charset="0"/>
                                   <a:cs typeface="Arial" panose="020B0604020202020204" pitchFamily="34" charset="0"/>
                                 </a:rPr>
                               </m:ctrlPr>
@@ -15018,7 +15019,7 @@
                                   <m:chr m:val="⃗"/>
                                   <m:ctrlPr>
                                     <a:rPr lang="en-US" sz="2000" b="0" i="1" smtClean="0">
-                                      <a:latin typeface="Cambria Math" panose="02040503050406030204" pitchFamily="18" charset="0"/>
+                                      <a:latin typeface="Cambria Math" charset="0"/>
                                       <a:cs typeface="Arial" panose="020B0604020202020204" pitchFamily="34" charset="0"/>
                                     </a:rPr>
                                   </m:ctrlPr>
@@ -15176,7 +15177,7 @@
                               <m:chr m:val="⃗"/>
                               <m:ctrlPr>
                                 <a:rPr lang="en-US" sz="2000" b="0" i="1" smtClean="0">
-                                  <a:latin typeface="Cambria Math" panose="02040503050406030204" pitchFamily="18" charset="0"/>
+                                  <a:latin typeface="Cambria Math" charset="0"/>
                                   <a:cs typeface="Arial" panose="020B0604020202020204" pitchFamily="34" charset="0"/>
                                 </a:rPr>
                               </m:ctrlPr>
@@ -15315,7 +15316,7 @@
                           <m:sSubPr>
                             <m:ctrlPr>
                               <a:rPr lang="en-US" sz="2000" b="0" i="1" smtClean="0">
-                                <a:latin typeface="Cambria Math" panose="02040503050406030204" pitchFamily="18" charset="0"/>
+                                <a:latin typeface="Cambria Math" charset="0"/>
                                 <a:cs typeface="Arial" panose="020B0604020202020204" pitchFamily="34" charset="0"/>
                               </a:rPr>
                             </m:ctrlPr>
@@ -15326,7 +15327,7 @@
                                 <m:chr m:val="⃗"/>
                                 <m:ctrlPr>
                                   <a:rPr lang="en-US" sz="2000" b="0" i="1" smtClean="0">
-                                    <a:latin typeface="Cambria Math" panose="02040503050406030204" pitchFamily="18" charset="0"/>
+                                    <a:latin typeface="Cambria Math" charset="0"/>
                                     <a:cs typeface="Arial" panose="020B0604020202020204" pitchFamily="34" charset="0"/>
                                   </a:rPr>
                                 </m:ctrlPr>
@@ -16647,7 +16648,7 @@
                                     <m:chr m:val="⃗"/>
                                     <m:ctrlPr>
                                       <a:rPr lang="en-US" sz="2000" b="0" i="1" smtClean="0">
-                                        <a:latin typeface="Cambria Math" panose="02040503050406030204" pitchFamily="18" charset="0"/>
+                                        <a:latin typeface="Cambria Math" charset="0"/>
                                         <a:cs typeface="Arial" panose="020B0604020202020204" pitchFamily="34" charset="0"/>
                                       </a:rPr>
                                     </m:ctrlPr>
@@ -16747,7 +16748,7 @@
                                   <m:sSubPr>
                                     <m:ctrlPr>
                                       <a:rPr lang="en-US" sz="2000" b="0" i="1" smtClean="0">
-                                        <a:latin typeface="Cambria Math" panose="02040503050406030204" pitchFamily="18" charset="0"/>
+                                        <a:latin typeface="Cambria Math" charset="0"/>
                                         <a:cs typeface="Arial" panose="020B0604020202020204" pitchFamily="34" charset="0"/>
                                       </a:rPr>
                                     </m:ctrlPr>
@@ -16758,7 +16759,7 @@
                                         <m:chr m:val="⃗"/>
                                         <m:ctrlPr>
                                           <a:rPr lang="en-US" sz="2000" b="0" i="1" smtClean="0">
-                                            <a:latin typeface="Cambria Math" panose="02040503050406030204" pitchFamily="18" charset="0"/>
+                                            <a:latin typeface="Cambria Math" charset="0"/>
                                             <a:cs typeface="Arial" panose="020B0604020202020204" pitchFamily="34" charset="0"/>
                                           </a:rPr>
                                         </m:ctrlPr>
@@ -16905,7 +16906,7 @@
                                   <m:sSubPr>
                                     <m:ctrlPr>
                                       <a:rPr lang="en-US" sz="2000" b="0" i="1" smtClean="0">
-                                        <a:latin typeface="Cambria Math" panose="02040503050406030204" pitchFamily="18" charset="0"/>
+                                        <a:latin typeface="Cambria Math" charset="0"/>
                                         <a:cs typeface="Arial" panose="020B0604020202020204" pitchFamily="34" charset="0"/>
                                       </a:rPr>
                                     </m:ctrlPr>
@@ -16916,7 +16917,7 @@
                                         <m:chr m:val="⃗"/>
                                         <m:ctrlPr>
                                           <a:rPr lang="en-US" sz="2000" b="0" i="1" smtClean="0">
-                                            <a:latin typeface="Cambria Math" panose="02040503050406030204" pitchFamily="18" charset="0"/>
+                                            <a:latin typeface="Cambria Math" charset="0"/>
                                             <a:cs typeface="Arial" panose="020B0604020202020204" pitchFamily="34" charset="0"/>
                                           </a:rPr>
                                         </m:ctrlPr>
@@ -17288,7 +17289,7 @@
                               <m:sSubPr>
                                 <m:ctrlPr>
                                   <a:rPr lang="en-US" sz="2000" b="0" i="1" smtClean="0">
-                                    <a:latin typeface="Cambria Math" panose="02040503050406030204" pitchFamily="18" charset="0"/>
+                                    <a:latin typeface="Cambria Math" charset="0"/>
                                     <a:cs typeface="Arial" panose="020B0604020202020204" pitchFamily="34" charset="0"/>
                                   </a:rPr>
                                 </m:ctrlPr>
@@ -17299,7 +17300,7 @@
                                     <m:chr m:val="⃗"/>
                                     <m:ctrlPr>
                                       <a:rPr lang="en-US" sz="2000" b="0" i="1" smtClean="0">
-                                        <a:latin typeface="Cambria Math" panose="02040503050406030204" pitchFamily="18" charset="0"/>
+                                        <a:latin typeface="Cambria Math" charset="0"/>
                                         <a:cs typeface="Arial" panose="020B0604020202020204" pitchFamily="34" charset="0"/>
                                       </a:rPr>
                                     </m:ctrlPr>
@@ -17903,7 +17904,7 @@
                               <m:chr m:val="⃗"/>
                               <m:ctrlPr>
                                 <a:rPr lang="en-US" sz="2000" b="0" i="1" smtClean="0">
-                                  <a:latin typeface="Cambria Math" panose="02040503050406030204" pitchFamily="18" charset="0"/>
+                                  <a:latin typeface="Cambria Math" charset="0"/>
                                   <a:cs typeface="Arial" panose="020B0604020202020204" pitchFamily="34" charset="0"/>
                                 </a:rPr>
                               </m:ctrlPr>
@@ -18284,7 +18285,7 @@
                               <m:chr m:val="⃗"/>
                               <m:ctrlPr>
                                 <a:rPr lang="en-US" sz="2000" b="0" i="1" smtClean="0">
-                                  <a:latin typeface="Cambria Math" panose="02040503050406030204" pitchFamily="18" charset="0"/>
+                                  <a:latin typeface="Cambria Math" charset="0"/>
                                   <a:cs typeface="Arial" panose="020B0604020202020204" pitchFamily="34" charset="0"/>
                                 </a:rPr>
                               </m:ctrlPr>
@@ -19396,7 +19397,7 @@
                             <m:chr m:val="⃗"/>
                             <m:ctrlPr>
                               <a:rPr lang="en-US" sz="2000" b="0" i="1" smtClean="0">
-                                <a:latin typeface="Cambria Math" panose="02040503050406030204" pitchFamily="18" charset="0"/>
+                                <a:latin typeface="Cambria Math" charset="0"/>
                                 <a:cs typeface="Arial" panose="020B0604020202020204" pitchFamily="34" charset="0"/>
                               </a:rPr>
                             </m:ctrlPr>
@@ -19585,7 +19586,7 @@
                             <m:chr m:val="⃗"/>
                             <m:ctrlPr>
                               <a:rPr lang="en-US" sz="2000" b="0" i="1" smtClean="0">
-                                <a:latin typeface="Cambria Math" panose="02040503050406030204" pitchFamily="18" charset="0"/>
+                                <a:latin typeface="Cambria Math" charset="0"/>
                                 <a:cs typeface="Arial" panose="020B0604020202020204" pitchFamily="34" charset="0"/>
                               </a:rPr>
                             </m:ctrlPr>
@@ -20670,7 +20671,7 @@
                                 <m:chr m:val="⃗"/>
                                 <m:ctrlPr>
                                   <a:rPr lang="en-US" sz="2000" b="0" i="1" smtClean="0">
-                                    <a:latin typeface="Cambria Math" panose="02040503050406030204" pitchFamily="18" charset="0"/>
+                                    <a:latin typeface="Cambria Math" charset="0"/>
                                     <a:cs typeface="Arial" panose="020B0604020202020204" pitchFamily="34" charset="0"/>
                                   </a:rPr>
                                 </m:ctrlPr>
@@ -20771,7 +20772,7 @@
                                 <m:chr m:val="⃗"/>
                                 <m:ctrlPr>
                                   <a:rPr lang="en-US" sz="2000" b="0" i="1" smtClean="0">
-                                    <a:latin typeface="Cambria Math" panose="02040503050406030204" pitchFamily="18" charset="0"/>
+                                    <a:latin typeface="Cambria Math" charset="0"/>
                                     <a:cs typeface="Arial" panose="020B0604020202020204" pitchFamily="34" charset="0"/>
                                   </a:rPr>
                                 </m:ctrlPr>
@@ -21449,7 +21450,7 @@
                                 <m:chr m:val="⃗"/>
                                 <m:ctrlPr>
                                   <a:rPr lang="en-US" sz="2000" b="0" i="1" smtClean="0">
-                                    <a:latin typeface="Cambria Math" panose="02040503050406030204" pitchFamily="18" charset="0"/>
+                                    <a:latin typeface="Cambria Math" charset="0"/>
                                     <a:cs typeface="Arial" panose="020B0604020202020204" pitchFamily="34" charset="0"/>
                                   </a:rPr>
                                 </m:ctrlPr>
@@ -22013,7 +22014,7 @@
                               <m:chr m:val="⃗"/>
                               <m:ctrlPr>
                                 <a:rPr lang="en-US" sz="2000" b="0" i="1" smtClean="0">
-                                  <a:latin typeface="Cambria Math" panose="02040503050406030204" pitchFamily="18" charset="0"/>
+                                  <a:latin typeface="Cambria Math" charset="0"/>
                                   <a:cs typeface="Arial" panose="020B0604020202020204" pitchFamily="34" charset="0"/>
                                 </a:rPr>
                               </m:ctrlPr>
@@ -22172,6 +22173,1367 @@
     <p:extLst>
       <p:ext uri="{BB962C8B-B14F-4D97-AF65-F5344CB8AC3E}">
         <p14:creationId xmlns:p14="http://schemas.microsoft.com/office/powerpoint/2010/main" val="1518829247"/>
+      </p:ext>
+    </p:extLst>
+  </p:cSld>
+  <p:clrMapOvr>
+    <a:masterClrMapping/>
+  </p:clrMapOvr>
+</p:sld>
+</file>
+
+<file path=ppt/slides/slide6.xml><?xml version="1.0" encoding="utf-8"?>
+<p:sld xmlns:a="http://schemas.openxmlformats.org/drawingml/2006/main" xmlns:r="http://schemas.openxmlformats.org/officeDocument/2006/relationships" xmlns:p="http://schemas.openxmlformats.org/presentationml/2006/main">
+  <p:cSld>
+    <p:spTree>
+      <p:nvGrpSpPr>
+        <p:cNvPr id="1" name=""/>
+        <p:cNvGrpSpPr/>
+        <p:nvPr/>
+      </p:nvGrpSpPr>
+      <p:grpSpPr>
+        <a:xfrm>
+          <a:off x="0" y="0"/>
+          <a:ext cx="0" cy="0"/>
+          <a:chOff x="0" y="0"/>
+          <a:chExt cx="0" cy="0"/>
+        </a:xfrm>
+      </p:grpSpPr>
+      <p:grpSp>
+        <p:nvGrpSpPr>
+          <p:cNvPr id="4" name="Group 3"/>
+          <p:cNvGrpSpPr/>
+          <p:nvPr/>
+        </p:nvGrpSpPr>
+        <p:grpSpPr>
+          <a:xfrm>
+            <a:off x="776543" y="421757"/>
+            <a:ext cx="5494317" cy="3256265"/>
+            <a:chOff x="776543" y="421757"/>
+            <a:chExt cx="5494317" cy="3256265"/>
+          </a:xfrm>
+        </p:grpSpPr>
+        <p:grpSp>
+          <p:nvGrpSpPr>
+            <p:cNvPr id="5" name="Group 4"/>
+            <p:cNvGrpSpPr/>
+            <p:nvPr/>
+          </p:nvGrpSpPr>
+          <p:grpSpPr>
+            <a:xfrm>
+              <a:off x="776543" y="421757"/>
+              <a:ext cx="2041595" cy="3256265"/>
+              <a:chOff x="343786" y="393406"/>
+              <a:chExt cx="2041595" cy="3256265"/>
+            </a:xfrm>
+            <a:solidFill>
+              <a:schemeClr val="bg1"/>
+            </a:solidFill>
+          </p:grpSpPr>
+          <p:sp>
+            <p:nvSpPr>
+              <p:cNvPr id="15" name="Oval 14"/>
+              <p:cNvSpPr/>
+              <p:nvPr/>
+            </p:nvSpPr>
+            <p:spPr>
+              <a:xfrm>
+                <a:off x="343786" y="1520081"/>
+                <a:ext cx="1311442" cy="2129589"/>
+              </a:xfrm>
+              <a:prstGeom prst="ellipse">
+                <a:avLst/>
+              </a:prstGeom>
+              <a:grpFill/>
+              <a:ln w="38100">
+                <a:solidFill>
+                  <a:schemeClr val="tx1"/>
+                </a:solidFill>
+              </a:ln>
+            </p:spPr>
+            <p:style>
+              <a:lnRef idx="2">
+                <a:schemeClr val="accent1">
+                  <a:shade val="50000"/>
+                </a:schemeClr>
+              </a:lnRef>
+              <a:fillRef idx="1">
+                <a:schemeClr val="accent1"/>
+              </a:fillRef>
+              <a:effectRef idx="0">
+                <a:schemeClr val="accent1"/>
+              </a:effectRef>
+              <a:fontRef idx="minor">
+                <a:schemeClr val="lt1"/>
+              </a:fontRef>
+            </p:style>
+            <p:txBody>
+              <a:bodyPr rtlCol="0" anchor="ctr"/>
+              <a:lstStyle/>
+              <a:p>
+                <a:pPr algn="ctr"/>
+                <a:endParaRPr lang="en-US"/>
+              </a:p>
+            </p:txBody>
+          </p:sp>
+          <p:sp>
+            <p:nvSpPr>
+              <p:cNvPr id="16" name="Oval 15"/>
+              <p:cNvSpPr/>
+              <p:nvPr/>
+            </p:nvSpPr>
+            <p:spPr>
+              <a:xfrm>
+                <a:off x="472123" y="1520081"/>
+                <a:ext cx="1311442" cy="2129589"/>
+              </a:xfrm>
+              <a:prstGeom prst="ellipse">
+                <a:avLst/>
+              </a:prstGeom>
+              <a:grpFill/>
+              <a:ln w="38100">
+                <a:solidFill>
+                  <a:schemeClr val="tx1"/>
+                </a:solidFill>
+              </a:ln>
+            </p:spPr>
+            <p:style>
+              <a:lnRef idx="2">
+                <a:schemeClr val="accent1">
+                  <a:shade val="50000"/>
+                </a:schemeClr>
+              </a:lnRef>
+              <a:fillRef idx="1">
+                <a:schemeClr val="accent1"/>
+              </a:fillRef>
+              <a:effectRef idx="0">
+                <a:schemeClr val="accent1"/>
+              </a:effectRef>
+              <a:fontRef idx="minor">
+                <a:schemeClr val="lt1"/>
+              </a:fontRef>
+            </p:style>
+            <p:txBody>
+              <a:bodyPr rtlCol="0" anchor="ctr"/>
+              <a:lstStyle/>
+              <a:p>
+                <a:pPr algn="ctr"/>
+                <a:endParaRPr lang="en-US"/>
+              </a:p>
+            </p:txBody>
+          </p:sp>
+          <p:sp>
+            <p:nvSpPr>
+              <p:cNvPr id="17" name="Oval 16"/>
+              <p:cNvSpPr/>
+              <p:nvPr/>
+            </p:nvSpPr>
+            <p:spPr>
+              <a:xfrm>
+                <a:off x="714993" y="1938482"/>
+                <a:ext cx="682349" cy="1177043"/>
+              </a:xfrm>
+              <a:prstGeom prst="ellipse">
+                <a:avLst/>
+              </a:prstGeom>
+              <a:grpFill/>
+              <a:ln w="38100">
+                <a:solidFill>
+                  <a:schemeClr val="tx1"/>
+                </a:solidFill>
+              </a:ln>
+            </p:spPr>
+            <p:style>
+              <a:lnRef idx="2">
+                <a:schemeClr val="accent1">
+                  <a:shade val="50000"/>
+                </a:schemeClr>
+              </a:lnRef>
+              <a:fillRef idx="1">
+                <a:schemeClr val="accent1"/>
+              </a:fillRef>
+              <a:effectRef idx="0">
+                <a:schemeClr val="accent1"/>
+              </a:effectRef>
+              <a:fontRef idx="minor">
+                <a:schemeClr val="lt1"/>
+              </a:fontRef>
+            </p:style>
+            <p:txBody>
+              <a:bodyPr rtlCol="0" anchor="ctr"/>
+              <a:lstStyle/>
+              <a:p>
+                <a:pPr algn="ctr"/>
+                <a:endParaRPr lang="en-US"/>
+              </a:p>
+            </p:txBody>
+          </p:sp>
+          <p:sp>
+            <p:nvSpPr>
+              <p:cNvPr id="18" name="Oval 17"/>
+              <p:cNvSpPr/>
+              <p:nvPr/>
+            </p:nvSpPr>
+            <p:spPr>
+              <a:xfrm>
+                <a:off x="778087" y="1938482"/>
+                <a:ext cx="682349" cy="1177043"/>
+              </a:xfrm>
+              <a:prstGeom prst="ellipse">
+                <a:avLst/>
+              </a:prstGeom>
+              <a:grpFill/>
+              <a:ln w="38100">
+                <a:solidFill>
+                  <a:schemeClr val="tx1"/>
+                </a:solidFill>
+              </a:ln>
+            </p:spPr>
+            <p:style>
+              <a:lnRef idx="2">
+                <a:schemeClr val="accent1">
+                  <a:shade val="50000"/>
+                </a:schemeClr>
+              </a:lnRef>
+              <a:fillRef idx="1">
+                <a:schemeClr val="accent1"/>
+              </a:fillRef>
+              <a:effectRef idx="0">
+                <a:schemeClr val="accent1"/>
+              </a:effectRef>
+              <a:fontRef idx="minor">
+                <a:schemeClr val="lt1"/>
+              </a:fontRef>
+            </p:style>
+            <p:txBody>
+              <a:bodyPr rtlCol="0" anchor="ctr"/>
+              <a:lstStyle/>
+              <a:p>
+                <a:pPr algn="ctr"/>
+                <a:endParaRPr lang="en-US"/>
+              </a:p>
+            </p:txBody>
+          </p:sp>
+          <p:sp>
+            <p:nvSpPr>
+              <p:cNvPr id="19" name="Oval 18"/>
+              <p:cNvSpPr/>
+              <p:nvPr/>
+            </p:nvSpPr>
+            <p:spPr>
+              <a:xfrm>
+                <a:off x="843330" y="1938482"/>
+                <a:ext cx="682349" cy="1177043"/>
+              </a:xfrm>
+              <a:prstGeom prst="ellipse">
+                <a:avLst/>
+              </a:prstGeom>
+              <a:grpFill/>
+              <a:ln w="38100">
+                <a:solidFill>
+                  <a:schemeClr val="tx1"/>
+                </a:solidFill>
+              </a:ln>
+            </p:spPr>
+            <p:style>
+              <a:lnRef idx="2">
+                <a:schemeClr val="accent1">
+                  <a:shade val="50000"/>
+                </a:schemeClr>
+              </a:lnRef>
+              <a:fillRef idx="1">
+                <a:schemeClr val="accent1"/>
+              </a:fillRef>
+              <a:effectRef idx="0">
+                <a:schemeClr val="accent1"/>
+              </a:effectRef>
+              <a:fontRef idx="minor">
+                <a:schemeClr val="lt1"/>
+              </a:fontRef>
+            </p:style>
+            <p:txBody>
+              <a:bodyPr rtlCol="0" anchor="ctr"/>
+              <a:lstStyle/>
+              <a:p>
+                <a:pPr algn="ctr"/>
+                <a:endParaRPr lang="en-US"/>
+              </a:p>
+            </p:txBody>
+          </p:sp>
+          <p:sp>
+            <p:nvSpPr>
+              <p:cNvPr id="20" name="Freeform 19"/>
+              <p:cNvSpPr/>
+              <p:nvPr/>
+            </p:nvSpPr>
+            <p:spPr>
+              <a:xfrm>
+                <a:off x="780236" y="393406"/>
+                <a:ext cx="272388" cy="2711302"/>
+              </a:xfrm>
+              <a:custGeom>
+                <a:avLst/>
+                <a:gdLst>
+                  <a:gd name="connsiteX0" fmla="*/ 0 w 350874"/>
+                  <a:gd name="connsiteY0" fmla="*/ 0 h 2732567"/>
+                  <a:gd name="connsiteX1" fmla="*/ 0 w 350874"/>
+                  <a:gd name="connsiteY1" fmla="*/ 2349795 h 2732567"/>
+                  <a:gd name="connsiteX2" fmla="*/ 350874 w 350874"/>
+                  <a:gd name="connsiteY2" fmla="*/ 2732567 h 2732567"/>
+                  <a:gd name="connsiteX0" fmla="*/ 0 w 350874"/>
+                  <a:gd name="connsiteY0" fmla="*/ 0 h 2732567"/>
+                  <a:gd name="connsiteX1" fmla="*/ 95693 w 350874"/>
+                  <a:gd name="connsiteY1" fmla="*/ 2349795 h 2732567"/>
+                  <a:gd name="connsiteX2" fmla="*/ 350874 w 350874"/>
+                  <a:gd name="connsiteY2" fmla="*/ 2732567 h 2732567"/>
+                  <a:gd name="connsiteX0" fmla="*/ 21265 w 255181"/>
+                  <a:gd name="connsiteY0" fmla="*/ 0 h 2732567"/>
+                  <a:gd name="connsiteX1" fmla="*/ 0 w 255181"/>
+                  <a:gd name="connsiteY1" fmla="*/ 2349795 h 2732567"/>
+                  <a:gd name="connsiteX2" fmla="*/ 255181 w 255181"/>
+                  <a:gd name="connsiteY2" fmla="*/ 2732567 h 2732567"/>
+                  <a:gd name="connsiteX0" fmla="*/ 53163 w 255181"/>
+                  <a:gd name="connsiteY0" fmla="*/ 0 h 2721934"/>
+                  <a:gd name="connsiteX1" fmla="*/ 0 w 255181"/>
+                  <a:gd name="connsiteY1" fmla="*/ 2339162 h 2721934"/>
+                  <a:gd name="connsiteX2" fmla="*/ 255181 w 255181"/>
+                  <a:gd name="connsiteY2" fmla="*/ 2721934 h 2721934"/>
+                  <a:gd name="connsiteX0" fmla="*/ 31898 w 255181"/>
+                  <a:gd name="connsiteY0" fmla="*/ 0 h 2721934"/>
+                  <a:gd name="connsiteX1" fmla="*/ 0 w 255181"/>
+                  <a:gd name="connsiteY1" fmla="*/ 2339162 h 2721934"/>
+                  <a:gd name="connsiteX2" fmla="*/ 255181 w 255181"/>
+                  <a:gd name="connsiteY2" fmla="*/ 2721934 h 2721934"/>
+                  <a:gd name="connsiteX0" fmla="*/ 21265 w 255181"/>
+                  <a:gd name="connsiteY0" fmla="*/ 0 h 2711302"/>
+                  <a:gd name="connsiteX1" fmla="*/ 0 w 255181"/>
+                  <a:gd name="connsiteY1" fmla="*/ 2328530 h 2711302"/>
+                  <a:gd name="connsiteX2" fmla="*/ 255181 w 255181"/>
+                  <a:gd name="connsiteY2" fmla="*/ 2711302 h 2711302"/>
+                  <a:gd name="connsiteX0" fmla="*/ 21265 w 255181"/>
+                  <a:gd name="connsiteY0" fmla="*/ 0 h 2711302"/>
+                  <a:gd name="connsiteX1" fmla="*/ 0 w 255181"/>
+                  <a:gd name="connsiteY1" fmla="*/ 2328530 h 2711302"/>
+                  <a:gd name="connsiteX2" fmla="*/ 255181 w 255181"/>
+                  <a:gd name="connsiteY2" fmla="*/ 2711302 h 2711302"/>
+                  <a:gd name="connsiteX0" fmla="*/ 21265 w 255181"/>
+                  <a:gd name="connsiteY0" fmla="*/ 0 h 2711302"/>
+                  <a:gd name="connsiteX1" fmla="*/ 0 w 255181"/>
+                  <a:gd name="connsiteY1" fmla="*/ 2328530 h 2711302"/>
+                  <a:gd name="connsiteX2" fmla="*/ 255181 w 255181"/>
+                  <a:gd name="connsiteY2" fmla="*/ 2711302 h 2711302"/>
+                  <a:gd name="connsiteX0" fmla="*/ 38472 w 272388"/>
+                  <a:gd name="connsiteY0" fmla="*/ 0 h 2711302"/>
+                  <a:gd name="connsiteX1" fmla="*/ 17207 w 272388"/>
+                  <a:gd name="connsiteY1" fmla="*/ 2328530 h 2711302"/>
+                  <a:gd name="connsiteX2" fmla="*/ 272388 w 272388"/>
+                  <a:gd name="connsiteY2" fmla="*/ 2711302 h 2711302"/>
+                </a:gdLst>
+                <a:ahLst/>
+                <a:cxnLst>
+                  <a:cxn ang="0">
+                    <a:pos x="connsiteX0" y="connsiteY0"/>
+                  </a:cxn>
+                  <a:cxn ang="0">
+                    <a:pos x="connsiteX1" y="connsiteY1"/>
+                  </a:cxn>
+                  <a:cxn ang="0">
+                    <a:pos x="connsiteX2" y="connsiteY2"/>
+                  </a:cxn>
+                </a:cxnLst>
+                <a:rect l="l" t="t" r="r" b="b"/>
+                <a:pathLst>
+                  <a:path w="272388" h="2711302">
+                    <a:moveTo>
+                      <a:pt x="38472" y="0"/>
+                    </a:moveTo>
+                    <a:cubicBezTo>
+                      <a:pt x="31384" y="776177"/>
+                      <a:pt x="-28868" y="2179674"/>
+                      <a:pt x="17207" y="2328530"/>
+                    </a:cubicBezTo>
+                    <a:cubicBezTo>
+                      <a:pt x="59737" y="2466754"/>
+                      <a:pt x="49104" y="2562446"/>
+                      <a:pt x="272388" y="2711302"/>
+                    </a:cubicBezTo>
+                  </a:path>
+                </a:pathLst>
+              </a:custGeom>
+              <a:noFill/>
+              <a:ln w="38100">
+                <a:solidFill>
+                  <a:schemeClr val="tx1"/>
+                </a:solidFill>
+              </a:ln>
+            </p:spPr>
+            <p:style>
+              <a:lnRef idx="2">
+                <a:schemeClr val="accent1">
+                  <a:shade val="50000"/>
+                </a:schemeClr>
+              </a:lnRef>
+              <a:fillRef idx="1">
+                <a:schemeClr val="accent1"/>
+              </a:fillRef>
+              <a:effectRef idx="0">
+                <a:schemeClr val="accent1"/>
+              </a:effectRef>
+              <a:fontRef idx="minor">
+                <a:schemeClr val="lt1"/>
+              </a:fontRef>
+            </p:style>
+            <p:txBody>
+              <a:bodyPr rtlCol="0" anchor="ctr"/>
+              <a:lstStyle/>
+              <a:p>
+                <a:pPr algn="ctr"/>
+                <a:endParaRPr lang="en-US"/>
+              </a:p>
+            </p:txBody>
+          </p:sp>
+          <p:sp>
+            <p:nvSpPr>
+              <p:cNvPr id="21" name="Oval 20"/>
+              <p:cNvSpPr/>
+              <p:nvPr/>
+            </p:nvSpPr>
+            <p:spPr>
+              <a:xfrm>
+                <a:off x="945602" y="1520082"/>
+                <a:ext cx="1311442" cy="2129589"/>
+              </a:xfrm>
+              <a:prstGeom prst="ellipse">
+                <a:avLst/>
+              </a:prstGeom>
+              <a:grpFill/>
+              <a:ln w="38100">
+                <a:solidFill>
+                  <a:schemeClr val="tx1"/>
+                </a:solidFill>
+              </a:ln>
+            </p:spPr>
+            <p:style>
+              <a:lnRef idx="2">
+                <a:schemeClr val="accent1">
+                  <a:shade val="50000"/>
+                </a:schemeClr>
+              </a:lnRef>
+              <a:fillRef idx="1">
+                <a:schemeClr val="accent1"/>
+              </a:fillRef>
+              <a:effectRef idx="0">
+                <a:schemeClr val="accent1"/>
+              </a:effectRef>
+              <a:fontRef idx="minor">
+                <a:schemeClr val="lt1"/>
+              </a:fontRef>
+            </p:style>
+            <p:txBody>
+              <a:bodyPr rtlCol="0" anchor="ctr"/>
+              <a:lstStyle/>
+              <a:p>
+                <a:pPr algn="ctr"/>
+                <a:endParaRPr lang="en-US"/>
+              </a:p>
+            </p:txBody>
+          </p:sp>
+          <p:sp>
+            <p:nvSpPr>
+              <p:cNvPr id="22" name="Oval 21"/>
+              <p:cNvSpPr/>
+              <p:nvPr/>
+            </p:nvSpPr>
+            <p:spPr>
+              <a:xfrm>
+                <a:off x="1073939" y="1520081"/>
+                <a:ext cx="1311442" cy="2129589"/>
+              </a:xfrm>
+              <a:prstGeom prst="ellipse">
+                <a:avLst/>
+              </a:prstGeom>
+              <a:grpFill/>
+              <a:ln w="38100">
+                <a:solidFill>
+                  <a:schemeClr val="tx1"/>
+                </a:solidFill>
+              </a:ln>
+            </p:spPr>
+            <p:style>
+              <a:lnRef idx="2">
+                <a:schemeClr val="accent1">
+                  <a:shade val="50000"/>
+                </a:schemeClr>
+              </a:lnRef>
+              <a:fillRef idx="1">
+                <a:schemeClr val="accent1"/>
+              </a:fillRef>
+              <a:effectRef idx="0">
+                <a:schemeClr val="accent1"/>
+              </a:effectRef>
+              <a:fontRef idx="minor">
+                <a:schemeClr val="lt1"/>
+              </a:fontRef>
+            </p:style>
+            <p:txBody>
+              <a:bodyPr rtlCol="0" anchor="ctr"/>
+              <a:lstStyle/>
+              <a:p>
+                <a:pPr algn="ctr"/>
+                <a:endParaRPr lang="en-US"/>
+              </a:p>
+            </p:txBody>
+          </p:sp>
+        </p:grpSp>
+        <p:grpSp>
+          <p:nvGrpSpPr>
+            <p:cNvPr id="6" name="Group 5"/>
+            <p:cNvGrpSpPr/>
+            <p:nvPr/>
+          </p:nvGrpSpPr>
+          <p:grpSpPr>
+            <a:xfrm>
+              <a:off x="4139660" y="447742"/>
+              <a:ext cx="2131200" cy="3230279"/>
+              <a:chOff x="4448004" y="421757"/>
+              <a:chExt cx="2131200" cy="3230279"/>
+            </a:xfrm>
+          </p:grpSpPr>
+          <p:grpSp>
+            <p:nvGrpSpPr>
+              <p:cNvPr id="7" name="Group 6"/>
+              <p:cNvGrpSpPr/>
+              <p:nvPr/>
+            </p:nvGrpSpPr>
+            <p:grpSpPr>
+              <a:xfrm>
+                <a:off x="4448004" y="1522447"/>
+                <a:ext cx="2131200" cy="2129589"/>
+                <a:chOff x="4735083" y="1470391"/>
+                <a:chExt cx="2131200" cy="2129589"/>
+              </a:xfrm>
+            </p:grpSpPr>
+            <p:sp>
+              <p:nvSpPr>
+                <p:cNvPr id="13" name="Oval 12"/>
+                <p:cNvSpPr/>
+                <p:nvPr/>
+              </p:nvSpPr>
+              <p:spPr>
+                <a:xfrm>
+                  <a:off x="4735083" y="1470391"/>
+                  <a:ext cx="2131200" cy="2129589"/>
+                </a:xfrm>
+                <a:prstGeom prst="ellipse">
+                  <a:avLst/>
+                </a:prstGeom>
+                <a:solidFill>
+                  <a:schemeClr val="bg1"/>
+                </a:solidFill>
+                <a:ln w="38100">
+                  <a:solidFill>
+                    <a:schemeClr val="tx1"/>
+                  </a:solidFill>
+                </a:ln>
+              </p:spPr>
+              <p:style>
+                <a:lnRef idx="2">
+                  <a:schemeClr val="accent1">
+                    <a:shade val="50000"/>
+                  </a:schemeClr>
+                </a:lnRef>
+                <a:fillRef idx="1">
+                  <a:schemeClr val="accent1"/>
+                </a:fillRef>
+                <a:effectRef idx="0">
+                  <a:schemeClr val="accent1"/>
+                </a:effectRef>
+                <a:fontRef idx="minor">
+                  <a:schemeClr val="lt1"/>
+                </a:fontRef>
+              </p:style>
+              <p:txBody>
+                <a:bodyPr rtlCol="0" anchor="ctr"/>
+                <a:lstStyle/>
+                <a:p>
+                  <a:pPr algn="ctr"/>
+                  <a:endParaRPr lang="en-US"/>
+                </a:p>
+              </p:txBody>
+            </p:sp>
+            <p:sp>
+              <p:nvSpPr>
+                <p:cNvPr id="14" name="Oval 13"/>
+                <p:cNvSpPr/>
+                <p:nvPr/>
+              </p:nvSpPr>
+              <p:spPr>
+                <a:xfrm>
+                  <a:off x="5260683" y="1966833"/>
+                  <a:ext cx="1080000" cy="1080000"/>
+                </a:xfrm>
+                <a:prstGeom prst="ellipse">
+                  <a:avLst/>
+                </a:prstGeom>
+                <a:solidFill>
+                  <a:schemeClr val="bg1"/>
+                </a:solidFill>
+                <a:ln w="38100">
+                  <a:solidFill>
+                    <a:schemeClr val="tx1"/>
+                  </a:solidFill>
+                </a:ln>
+              </p:spPr>
+              <p:style>
+                <a:lnRef idx="2">
+                  <a:schemeClr val="accent1">
+                    <a:shade val="50000"/>
+                  </a:schemeClr>
+                </a:lnRef>
+                <a:fillRef idx="1">
+                  <a:schemeClr val="accent1"/>
+                </a:fillRef>
+                <a:effectRef idx="0">
+                  <a:schemeClr val="accent1"/>
+                </a:effectRef>
+                <a:fontRef idx="minor">
+                  <a:schemeClr val="lt1"/>
+                </a:fontRef>
+              </p:style>
+              <p:txBody>
+                <a:bodyPr rtlCol="0" anchor="ctr"/>
+                <a:lstStyle/>
+                <a:p>
+                  <a:pPr algn="ctr"/>
+                  <a:endParaRPr lang="en-US"/>
+                </a:p>
+              </p:txBody>
+            </p:sp>
+          </p:grpSp>
+          <p:cxnSp>
+            <p:nvCxnSpPr>
+              <p:cNvPr id="8" name="Straight Arrow Connector 7"/>
+              <p:cNvCxnSpPr>
+                <a:endCxn id="17" idx="7"/>
+              </p:cNvCxnSpPr>
+              <p:nvPr/>
+            </p:nvCxnSpPr>
+            <p:spPr>
+              <a:xfrm flipV="1">
+                <a:off x="5507665" y="2177051"/>
+                <a:ext cx="387777" cy="378304"/>
+              </a:xfrm>
+              <a:prstGeom prst="straightConnector1">
+                <a:avLst/>
+              </a:prstGeom>
+              <a:ln w="38100">
+                <a:solidFill>
+                  <a:schemeClr val="tx1"/>
+                </a:solidFill>
+                <a:tailEnd type="triangle"/>
+              </a:ln>
+            </p:spPr>
+            <p:style>
+              <a:lnRef idx="1">
+                <a:schemeClr val="accent1"/>
+              </a:lnRef>
+              <a:fillRef idx="0">
+                <a:schemeClr val="accent1"/>
+              </a:fillRef>
+              <a:effectRef idx="0">
+                <a:schemeClr val="accent1"/>
+              </a:effectRef>
+              <a:fontRef idx="minor">
+                <a:schemeClr val="tx1"/>
+              </a:fontRef>
+            </p:style>
+          </p:cxnSp>
+          <p:cxnSp>
+            <p:nvCxnSpPr>
+              <p:cNvPr id="9" name="Straight Arrow Connector 8"/>
+              <p:cNvCxnSpPr/>
+              <p:nvPr/>
+            </p:nvCxnSpPr>
+            <p:spPr>
+              <a:xfrm>
+                <a:off x="5507665" y="2555354"/>
+                <a:ext cx="868677" cy="588522"/>
+              </a:xfrm>
+              <a:prstGeom prst="straightConnector1">
+                <a:avLst/>
+              </a:prstGeom>
+              <a:ln w="38100">
+                <a:solidFill>
+                  <a:schemeClr val="tx1"/>
+                </a:solidFill>
+                <a:tailEnd type="triangle"/>
+              </a:ln>
+            </p:spPr>
+            <p:style>
+              <a:lnRef idx="1">
+                <a:schemeClr val="accent1"/>
+              </a:lnRef>
+              <a:fillRef idx="0">
+                <a:schemeClr val="accent1"/>
+              </a:fillRef>
+              <a:effectRef idx="0">
+                <a:schemeClr val="accent1"/>
+              </a:effectRef>
+              <a:fontRef idx="minor">
+                <a:schemeClr val="tx1"/>
+              </a:fontRef>
+            </p:style>
+          </p:cxnSp>
+          <mc:AlternateContent xmlns:mc="http://schemas.openxmlformats.org/markup-compatibility/2006">
+            <mc:Choice xmlns:a14="http://schemas.microsoft.com/office/drawing/2010/main" Requires="a14">
+              <p:sp>
+                <p:nvSpPr>
+                  <p:cNvPr id="10" name="TextBox 9"/>
+                  <p:cNvSpPr txBox="1"/>
+                  <p:nvPr/>
+                </p:nvSpPr>
+                <p:spPr>
+                  <a:xfrm>
+                    <a:off x="5284539" y="2007548"/>
+                    <a:ext cx="735770" cy="307777"/>
+                  </a:xfrm>
+                  <a:prstGeom prst="rect">
+                    <a:avLst/>
+                  </a:prstGeom>
+                  <a:noFill/>
+                </p:spPr>
+                <p:txBody>
+                  <a:bodyPr wrap="square" lIns="0" tIns="0" rIns="0" bIns="0" rtlCol="0">
+                    <a:spAutoFit/>
+                  </a:bodyPr>
+                  <a:lstStyle/>
+                  <a:p>
+                    <a14:m>
+                      <m:oMathPara xmlns:m="http://schemas.openxmlformats.org/officeDocument/2006/math">
+                        <m:oMathParaPr>
+                          <m:jc m:val="centerGroup"/>
+                        </m:oMathParaPr>
+                        <m:oMath xmlns:m="http://schemas.openxmlformats.org/officeDocument/2006/math">
+                          <m:sSub>
+                            <m:sSubPr>
+                              <m:ctrlPr>
+                                <a:rPr lang="en-CA" sz="2000" b="0" i="1" smtClean="0">
+                                  <a:latin typeface="Cambria Math" charset="0"/>
+                                  <a:cs typeface="Arial" panose="020B0604020202020204" pitchFamily="34" charset="0"/>
+                                </a:rPr>
+                              </m:ctrlPr>
+                            </m:sSubPr>
+                            <m:e>
+                              <m:r>
+                                <a:rPr lang="en-CA" sz="2000" b="0" i="1" smtClean="0">
+                                  <a:latin typeface="Cambria Math" charset="0"/>
+                                  <a:cs typeface="Arial" panose="020B0604020202020204" pitchFamily="34" charset="0"/>
+                                </a:rPr>
+                                <m:t>𝑟</m:t>
+                              </m:r>
+                            </m:e>
+                            <m:sub>
+                              <m:r>
+                                <a:rPr lang="en-CA" sz="2000" b="0" i="1" smtClean="0">
+                                  <a:latin typeface="Cambria Math" charset="0"/>
+                                  <a:cs typeface="Arial" panose="020B0604020202020204" pitchFamily="34" charset="0"/>
+                                </a:rPr>
+                                <m:t>1</m:t>
+                              </m:r>
+                            </m:sub>
+                          </m:sSub>
+                        </m:oMath>
+                      </m:oMathPara>
+                    </a14:m>
+                    <a:endParaRPr lang="en-US" sz="2000" dirty="0" smtClean="0">
+                      <a:latin typeface="Arial" panose="020B0604020202020204" pitchFamily="34" charset="0"/>
+                      <a:cs typeface="Arial" panose="020B0604020202020204" pitchFamily="34" charset="0"/>
+                    </a:endParaRPr>
+                  </a:p>
+                </p:txBody>
+              </p:sp>
+            </mc:Choice>
+            <mc:Fallback>
+              <p:sp>
+                <p:nvSpPr>
+                  <p:cNvPr id="10" name="TextBox 9"/>
+                  <p:cNvSpPr txBox="1">
+                    <a:spLocks noRot="1" noChangeAspect="1" noMove="1" noResize="1" noEditPoints="1" noAdjustHandles="1" noChangeArrowheads="1" noChangeShapeType="1" noTextEdit="1"/>
+                  </p:cNvSpPr>
+                  <p:nvPr/>
+                </p:nvSpPr>
+                <p:spPr>
+                  <a:xfrm>
+                    <a:off x="5284539" y="2007548"/>
+                    <a:ext cx="735770" cy="307777"/>
+                  </a:xfrm>
+                  <a:prstGeom prst="rect">
+                    <a:avLst/>
+                  </a:prstGeom>
+                  <a:blipFill rotWithShape="0">
+                    <a:blip r:embed="rId2"/>
+                    <a:stretch>
+                      <a:fillRect b="-20000"/>
+                    </a:stretch>
+                  </a:blipFill>
+                </p:spPr>
+                <p:txBody>
+                  <a:bodyPr/>
+                  <a:lstStyle/>
+                  <a:p>
+                    <a:r>
+                      <a:rPr lang="en-US">
+                        <a:noFill/>
+                      </a:rPr>
+                      <a:t> </a:t>
+                    </a:r>
+                  </a:p>
+                </p:txBody>
+              </p:sp>
+            </mc:Fallback>
+          </mc:AlternateContent>
+          <mc:AlternateContent xmlns:mc="http://schemas.openxmlformats.org/markup-compatibility/2006">
+            <mc:Choice xmlns:a14="http://schemas.microsoft.com/office/drawing/2010/main" Requires="a14">
+              <p:sp>
+                <p:nvSpPr>
+                  <p:cNvPr id="11" name="TextBox 10"/>
+                  <p:cNvSpPr txBox="1"/>
+                  <p:nvPr/>
+                </p:nvSpPr>
+                <p:spPr>
+                  <a:xfrm>
+                    <a:off x="5685719" y="2945001"/>
+                    <a:ext cx="735770" cy="307777"/>
+                  </a:xfrm>
+                  <a:prstGeom prst="rect">
+                    <a:avLst/>
+                  </a:prstGeom>
+                  <a:noFill/>
+                </p:spPr>
+                <p:txBody>
+                  <a:bodyPr wrap="square" lIns="0" tIns="0" rIns="0" bIns="0" rtlCol="0">
+                    <a:spAutoFit/>
+                  </a:bodyPr>
+                  <a:lstStyle/>
+                  <a:p>
+                    <a14:m>
+                      <m:oMathPara xmlns:m="http://schemas.openxmlformats.org/officeDocument/2006/math">
+                        <m:oMathParaPr>
+                          <m:jc m:val="centerGroup"/>
+                        </m:oMathParaPr>
+                        <m:oMath xmlns:m="http://schemas.openxmlformats.org/officeDocument/2006/math">
+                          <m:sSub>
+                            <m:sSubPr>
+                              <m:ctrlPr>
+                                <a:rPr lang="en-CA" sz="2000" b="0" i="1" smtClean="0">
+                                  <a:latin typeface="Cambria Math" charset="0"/>
+                                  <a:cs typeface="Arial" panose="020B0604020202020204" pitchFamily="34" charset="0"/>
+                                </a:rPr>
+                              </m:ctrlPr>
+                            </m:sSubPr>
+                            <m:e>
+                              <m:r>
+                                <a:rPr lang="en-CA" sz="2000" b="0" i="1" smtClean="0">
+                                  <a:latin typeface="Cambria Math" charset="0"/>
+                                  <a:cs typeface="Arial" panose="020B0604020202020204" pitchFamily="34" charset="0"/>
+                                </a:rPr>
+                                <m:t>𝑟</m:t>
+                              </m:r>
+                            </m:e>
+                            <m:sub>
+                              <m:r>
+                                <a:rPr lang="en-CA" sz="2000" b="0" i="1" smtClean="0">
+                                  <a:latin typeface="Cambria Math" charset="0"/>
+                                  <a:cs typeface="Arial" panose="020B0604020202020204" pitchFamily="34" charset="0"/>
+                                </a:rPr>
+                                <m:t>2</m:t>
+                              </m:r>
+                            </m:sub>
+                          </m:sSub>
+                        </m:oMath>
+                      </m:oMathPara>
+                    </a14:m>
+                    <a:endParaRPr lang="en-US" sz="2000" dirty="0" smtClean="0">
+                      <a:latin typeface="Arial" panose="020B0604020202020204" pitchFamily="34" charset="0"/>
+                      <a:cs typeface="Arial" panose="020B0604020202020204" pitchFamily="34" charset="0"/>
+                    </a:endParaRPr>
+                  </a:p>
+                </p:txBody>
+              </p:sp>
+            </mc:Choice>
+            <mc:Fallback>
+              <p:sp>
+                <p:nvSpPr>
+                  <p:cNvPr id="11" name="TextBox 10"/>
+                  <p:cNvSpPr txBox="1">
+                    <a:spLocks noRot="1" noChangeAspect="1" noMove="1" noResize="1" noEditPoints="1" noAdjustHandles="1" noChangeArrowheads="1" noChangeShapeType="1" noTextEdit="1"/>
+                  </p:cNvSpPr>
+                  <p:nvPr/>
+                </p:nvSpPr>
+                <p:spPr>
+                  <a:xfrm>
+                    <a:off x="5685719" y="2945001"/>
+                    <a:ext cx="735770" cy="307777"/>
+                  </a:xfrm>
+                  <a:prstGeom prst="rect">
+                    <a:avLst/>
+                  </a:prstGeom>
+                  <a:blipFill rotWithShape="0">
+                    <a:blip r:embed="rId3"/>
+                    <a:stretch>
+                      <a:fillRect b="-19608"/>
+                    </a:stretch>
+                  </a:blipFill>
+                </p:spPr>
+                <p:txBody>
+                  <a:bodyPr/>
+                  <a:lstStyle/>
+                  <a:p>
+                    <a:r>
+                      <a:rPr lang="en-US">
+                        <a:noFill/>
+                      </a:rPr>
+                      <a:t> </a:t>
+                    </a:r>
+                  </a:p>
+                </p:txBody>
+              </p:sp>
+            </mc:Fallback>
+          </mc:AlternateContent>
+          <p:cxnSp>
+            <p:nvCxnSpPr>
+              <p:cNvPr id="12" name="Straight Connector 11"/>
+              <p:cNvCxnSpPr>
+                <a:stCxn id="17" idx="2"/>
+              </p:cNvCxnSpPr>
+              <p:nvPr/>
+            </p:nvCxnSpPr>
+            <p:spPr>
+              <a:xfrm flipV="1">
+                <a:off x="4973604" y="421757"/>
+                <a:ext cx="0" cy="2137132"/>
+              </a:xfrm>
+              <a:prstGeom prst="line">
+                <a:avLst/>
+              </a:prstGeom>
+              <a:ln w="38100">
+                <a:solidFill>
+                  <a:schemeClr val="tx1"/>
+                </a:solidFill>
+              </a:ln>
+            </p:spPr>
+            <p:style>
+              <a:lnRef idx="1">
+                <a:schemeClr val="accent1"/>
+              </a:lnRef>
+              <a:fillRef idx="0">
+                <a:schemeClr val="accent1"/>
+              </a:fillRef>
+              <a:effectRef idx="0">
+                <a:schemeClr val="accent1"/>
+              </a:effectRef>
+              <a:fontRef idx="minor">
+                <a:schemeClr val="tx1"/>
+              </a:fontRef>
+            </p:style>
+          </p:cxnSp>
+        </p:grpSp>
+      </p:grpSp>
+      <p:grpSp>
+        <p:nvGrpSpPr>
+          <p:cNvPr id="23" name="Group 22"/>
+          <p:cNvGrpSpPr/>
+          <p:nvPr/>
+        </p:nvGrpSpPr>
+        <p:grpSpPr>
+          <a:xfrm>
+            <a:off x="8465505" y="542259"/>
+            <a:ext cx="2131200" cy="4141933"/>
+            <a:chOff x="8624994" y="542260"/>
+            <a:chExt cx="2131200" cy="4141933"/>
+          </a:xfrm>
+        </p:grpSpPr>
+        <p:sp>
+          <p:nvSpPr>
+            <p:cNvPr id="24" name="Oval 23"/>
+            <p:cNvSpPr/>
+            <p:nvPr/>
+          </p:nvSpPr>
+          <p:spPr>
+            <a:xfrm>
+              <a:off x="8624994" y="1548432"/>
+              <a:ext cx="2131200" cy="2129589"/>
+            </a:xfrm>
+            <a:prstGeom prst="ellipse">
+              <a:avLst/>
+            </a:prstGeom>
+            <a:solidFill>
+              <a:schemeClr val="bg1"/>
+            </a:solidFill>
+            <a:ln w="38100">
+              <a:solidFill>
+                <a:schemeClr val="tx1"/>
+              </a:solidFill>
+            </a:ln>
+          </p:spPr>
+          <p:style>
+            <a:lnRef idx="2">
+              <a:schemeClr val="accent1">
+                <a:shade val="50000"/>
+              </a:schemeClr>
+            </a:lnRef>
+            <a:fillRef idx="1">
+              <a:schemeClr val="accent1"/>
+            </a:fillRef>
+            <a:effectRef idx="0">
+              <a:schemeClr val="accent1"/>
+            </a:effectRef>
+            <a:fontRef idx="minor">
+              <a:schemeClr val="lt1"/>
+            </a:fontRef>
+          </p:style>
+          <p:txBody>
+            <a:bodyPr rtlCol="0" anchor="ctr"/>
+            <a:lstStyle/>
+            <a:p>
+              <a:pPr algn="ctr"/>
+              <a:endParaRPr lang="en-US"/>
+            </a:p>
+          </p:txBody>
+        </p:sp>
+        <p:sp>
+          <p:nvSpPr>
+            <p:cNvPr id="25" name="Oval 24"/>
+            <p:cNvSpPr/>
+            <p:nvPr/>
+          </p:nvSpPr>
+          <p:spPr>
+            <a:xfrm>
+              <a:off x="9150594" y="2044874"/>
+              <a:ext cx="1080000" cy="1080000"/>
+            </a:xfrm>
+            <a:prstGeom prst="ellipse">
+              <a:avLst/>
+            </a:prstGeom>
+            <a:solidFill>
+              <a:schemeClr val="bg1"/>
+            </a:solidFill>
+            <a:ln w="38100">
+              <a:solidFill>
+                <a:schemeClr val="tx1"/>
+              </a:solidFill>
+            </a:ln>
+          </p:spPr>
+          <p:style>
+            <a:lnRef idx="2">
+              <a:schemeClr val="accent1">
+                <a:shade val="50000"/>
+              </a:schemeClr>
+            </a:lnRef>
+            <a:fillRef idx="1">
+              <a:schemeClr val="accent1"/>
+            </a:fillRef>
+            <a:effectRef idx="0">
+              <a:schemeClr val="accent1"/>
+            </a:effectRef>
+            <a:fontRef idx="minor">
+              <a:schemeClr val="lt1"/>
+            </a:fontRef>
+          </p:style>
+          <p:txBody>
+            <a:bodyPr rtlCol="0" anchor="ctr"/>
+            <a:lstStyle/>
+            <a:p>
+              <a:pPr algn="ctr"/>
+              <a:endParaRPr lang="en-US"/>
+            </a:p>
+          </p:txBody>
+        </p:sp>
+        <p:cxnSp>
+          <p:nvCxnSpPr>
+            <p:cNvPr id="26" name="Straight Arrow Connector 25"/>
+            <p:cNvCxnSpPr/>
+            <p:nvPr/>
+          </p:nvCxnSpPr>
+          <p:spPr>
+            <a:xfrm flipV="1">
+              <a:off x="9150594" y="542260"/>
+              <a:ext cx="0" cy="2042614"/>
+            </a:xfrm>
+            <a:prstGeom prst="straightConnector1">
+              <a:avLst/>
+            </a:prstGeom>
+            <a:ln w="38100">
+              <a:solidFill>
+                <a:schemeClr val="tx1"/>
+              </a:solidFill>
+              <a:tailEnd type="triangle"/>
+            </a:ln>
+          </p:spPr>
+          <p:style>
+            <a:lnRef idx="1">
+              <a:schemeClr val="accent1"/>
+            </a:lnRef>
+            <a:fillRef idx="0">
+              <a:schemeClr val="accent1"/>
+            </a:fillRef>
+            <a:effectRef idx="0">
+              <a:schemeClr val="accent1"/>
+            </a:effectRef>
+            <a:fontRef idx="minor">
+              <a:schemeClr val="tx1"/>
+            </a:fontRef>
+          </p:style>
+        </p:cxnSp>
+        <p:cxnSp>
+          <p:nvCxnSpPr>
+            <p:cNvPr id="27" name="Straight Arrow Connector 26"/>
+            <p:cNvCxnSpPr/>
+            <p:nvPr/>
+          </p:nvCxnSpPr>
+          <p:spPr>
+            <a:xfrm>
+              <a:off x="9686261" y="2581339"/>
+              <a:ext cx="0" cy="2102854"/>
+            </a:xfrm>
+            <a:prstGeom prst="straightConnector1">
+              <a:avLst/>
+            </a:prstGeom>
+            <a:ln w="38100">
+              <a:solidFill>
+                <a:schemeClr val="tx1"/>
+              </a:solidFill>
+              <a:tailEnd type="triangle"/>
+            </a:ln>
+          </p:spPr>
+          <p:style>
+            <a:lnRef idx="1">
+              <a:schemeClr val="accent1"/>
+            </a:lnRef>
+            <a:fillRef idx="0">
+              <a:schemeClr val="accent1"/>
+            </a:fillRef>
+            <a:effectRef idx="0">
+              <a:schemeClr val="accent1"/>
+            </a:effectRef>
+            <a:fontRef idx="minor">
+              <a:schemeClr val="tx1"/>
+            </a:fontRef>
+          </p:style>
+        </p:cxnSp>
+        <mc:AlternateContent xmlns:mc="http://schemas.openxmlformats.org/markup-compatibility/2006">
+          <mc:Choice xmlns:a14="http://schemas.microsoft.com/office/drawing/2010/main" Requires="a14">
+            <p:sp>
+              <p:nvSpPr>
+                <p:cNvPr id="28" name="TextBox 27"/>
+                <p:cNvSpPr txBox="1"/>
+                <p:nvPr/>
+              </p:nvSpPr>
+              <p:spPr>
+                <a:xfrm>
+                  <a:off x="9806495" y="4028330"/>
+                  <a:ext cx="303865" cy="377219"/>
+                </a:xfrm>
+                <a:prstGeom prst="rect">
+                  <a:avLst/>
+                </a:prstGeom>
+                <a:noFill/>
+              </p:spPr>
+              <p:txBody>
+                <a:bodyPr wrap="none" lIns="0" tIns="0" rIns="0" bIns="0" rtlCol="0">
+                  <a:spAutoFit/>
+                </a:bodyPr>
+                <a:lstStyle/>
+                <a:p>
+                  <a14:m>
+                    <m:oMathPara xmlns:m="http://schemas.openxmlformats.org/officeDocument/2006/math">
+                      <m:oMathParaPr>
+                        <m:jc m:val="centerGroup"/>
+                      </m:oMathParaPr>
+                      <m:oMath xmlns:m="http://schemas.openxmlformats.org/officeDocument/2006/math">
+                        <m:sSub>
+                          <m:sSubPr>
+                            <m:ctrlPr>
+                              <a:rPr lang="en-CA" sz="2000" b="0" i="1" smtClean="0">
+                                <a:latin typeface="Cambria Math" charset="0"/>
+                                <a:cs typeface="Arial" panose="020B0604020202020204" pitchFamily="34" charset="0"/>
+                              </a:rPr>
+                            </m:ctrlPr>
+                          </m:sSubPr>
+                          <m:e>
+                            <m:acc>
+                              <m:accPr>
+                                <m:chr m:val="⃗"/>
+                                <m:ctrlPr>
+                                  <a:rPr lang="en-US" sz="2000" i="1" smtClean="0">
+                                    <a:latin typeface="Cambria Math" charset="0"/>
+                                    <a:cs typeface="Arial" panose="020B0604020202020204" pitchFamily="34" charset="0"/>
+                                  </a:rPr>
+                                </m:ctrlPr>
+                              </m:accPr>
+                              <m:e>
+                                <m:r>
+                                  <a:rPr lang="en-CA" sz="2000" b="0" i="1" smtClean="0">
+                                    <a:latin typeface="Cambria Math" charset="0"/>
+                                    <a:cs typeface="Arial" panose="020B0604020202020204" pitchFamily="34" charset="0"/>
+                                  </a:rPr>
+                                  <m:t>𝐹</m:t>
+                                </m:r>
+                              </m:e>
+                            </m:acc>
+                          </m:e>
+                          <m:sub>
+                            <m:r>
+                              <a:rPr lang="en-CA" sz="2000" b="0" i="1" smtClean="0">
+                                <a:latin typeface="Cambria Math" charset="0"/>
+                                <a:cs typeface="Arial" panose="020B0604020202020204" pitchFamily="34" charset="0"/>
+                              </a:rPr>
+                              <m:t>𝑔</m:t>
+                            </m:r>
+                          </m:sub>
+                        </m:sSub>
+                      </m:oMath>
+                    </m:oMathPara>
+                  </a14:m>
+                  <a:endParaRPr lang="en-US" sz="2000" dirty="0" smtClean="0">
+                    <a:latin typeface="Arial" panose="020B0604020202020204" pitchFamily="34" charset="0"/>
+                    <a:cs typeface="Arial" panose="020B0604020202020204" pitchFamily="34" charset="0"/>
+                  </a:endParaRPr>
+                </a:p>
+              </p:txBody>
+            </p:sp>
+          </mc:Choice>
+          <mc:Fallback>
+            <p:sp>
+              <p:nvSpPr>
+                <p:cNvPr id="28" name="TextBox 27"/>
+                <p:cNvSpPr txBox="1">
+                  <a:spLocks noRot="1" noChangeAspect="1" noMove="1" noResize="1" noEditPoints="1" noAdjustHandles="1" noChangeArrowheads="1" noChangeShapeType="1" noTextEdit="1"/>
+                </p:cNvSpPr>
+                <p:nvPr/>
+              </p:nvSpPr>
+              <p:spPr>
+                <a:xfrm>
+                  <a:off x="9806495" y="4028330"/>
+                  <a:ext cx="303865" cy="377219"/>
+                </a:xfrm>
+                <a:prstGeom prst="rect">
+                  <a:avLst/>
+                </a:prstGeom>
+                <a:blipFill rotWithShape="0">
+                  <a:blip r:embed="rId4"/>
+                  <a:stretch>
+                    <a:fillRect l="-18367" t="-32258" r="-73469" b="-19355"/>
+                  </a:stretch>
+                </a:blipFill>
+              </p:spPr>
+              <p:txBody>
+                <a:bodyPr/>
+                <a:lstStyle/>
+                <a:p>
+                  <a:r>
+                    <a:rPr lang="en-US">
+                      <a:noFill/>
+                    </a:rPr>
+                    <a:t> </a:t>
+                  </a:r>
+                </a:p>
+              </p:txBody>
+            </p:sp>
+          </mc:Fallback>
+        </mc:AlternateContent>
+        <mc:AlternateContent xmlns:mc="http://schemas.openxmlformats.org/markup-compatibility/2006">
+          <mc:Choice xmlns:a14="http://schemas.microsoft.com/office/drawing/2010/main" Requires="a14">
+            <p:sp>
+              <p:nvSpPr>
+                <p:cNvPr id="29" name="TextBox 28"/>
+                <p:cNvSpPr txBox="1"/>
+                <p:nvPr/>
+              </p:nvSpPr>
+              <p:spPr>
+                <a:xfrm>
+                  <a:off x="8822162" y="1044234"/>
+                  <a:ext cx="228460" cy="307777"/>
+                </a:xfrm>
+                <a:prstGeom prst="rect">
+                  <a:avLst/>
+                </a:prstGeom>
+                <a:noFill/>
+              </p:spPr>
+              <p:txBody>
+                <a:bodyPr wrap="none" lIns="0" tIns="0" rIns="0" bIns="0" rtlCol="0">
+                  <a:spAutoFit/>
+                </a:bodyPr>
+                <a:lstStyle/>
+                <a:p>
+                  <a14:m>
+                    <m:oMathPara xmlns:m="http://schemas.openxmlformats.org/officeDocument/2006/math">
+                      <m:oMathParaPr>
+                        <m:jc m:val="centerGroup"/>
+                      </m:oMathParaPr>
+                      <m:oMath xmlns:m="http://schemas.openxmlformats.org/officeDocument/2006/math">
+                        <m:r>
+                          <a:rPr lang="en-CA" sz="2000" b="0" i="1" smtClean="0">
+                            <a:latin typeface="Cambria Math" charset="0"/>
+                            <a:cs typeface="Arial" panose="020B0604020202020204" pitchFamily="34" charset="0"/>
+                          </a:rPr>
+                          <m:t>𝑇</m:t>
+                        </m:r>
+                      </m:oMath>
+                    </m:oMathPara>
+                  </a14:m>
+                  <a:endParaRPr lang="en-US" sz="2000" dirty="0" smtClean="0">
+                    <a:latin typeface="Arial" panose="020B0604020202020204" pitchFamily="34" charset="0"/>
+                    <a:cs typeface="Arial" panose="020B0604020202020204" pitchFamily="34" charset="0"/>
+                  </a:endParaRPr>
+                </a:p>
+              </p:txBody>
+            </p:sp>
+          </mc:Choice>
+          <mc:Fallback>
+            <p:sp>
+              <p:nvSpPr>
+                <p:cNvPr id="29" name="TextBox 28"/>
+                <p:cNvSpPr txBox="1">
+                  <a:spLocks noRot="1" noChangeAspect="1" noMove="1" noResize="1" noEditPoints="1" noAdjustHandles="1" noChangeArrowheads="1" noChangeShapeType="1" noTextEdit="1"/>
+                </p:cNvSpPr>
+                <p:nvPr/>
+              </p:nvSpPr>
+              <p:spPr>
+                <a:xfrm>
+                  <a:off x="8822162" y="1044234"/>
+                  <a:ext cx="228460" cy="307777"/>
+                </a:xfrm>
+                <a:prstGeom prst="rect">
+                  <a:avLst/>
+                </a:prstGeom>
+                <a:blipFill rotWithShape="0">
+                  <a:blip r:embed="rId5"/>
+                  <a:stretch>
+                    <a:fillRect l="-21053" r="-21053" b="-9804"/>
+                  </a:stretch>
+                </a:blipFill>
+              </p:spPr>
+              <p:txBody>
+                <a:bodyPr/>
+                <a:lstStyle/>
+                <a:p>
+                  <a:r>
+                    <a:rPr lang="en-US">
+                      <a:noFill/>
+                    </a:rPr>
+                    <a:t> </a:t>
+                  </a:r>
+                </a:p>
+              </p:txBody>
+            </p:sp>
+          </mc:Fallback>
+        </mc:AlternateContent>
+      </p:grpSp>
+    </p:spTree>
+    <p:extLst>
+      <p:ext uri="{BB962C8B-B14F-4D97-AF65-F5344CB8AC3E}">
+        <p14:creationId xmlns:p14="http://schemas.microsoft.com/office/powerpoint/2010/main" val="552006572"/>
       </p:ext>
     </p:extLst>
   </p:cSld>

--- a/tex/figures/AngularMomentumRolling/Figures.pptx
+++ b/tex/figures/AngularMomentumRolling/Figures.pptx
@@ -248,7 +248,7 @@
           <a:p>
             <a:fld id="{F7249F8D-641B-4CAF-BAE5-10524742F6F1}" type="datetimeFigureOut">
               <a:rPr lang="en-CA" smtClean="0"/>
-              <a:t>2018-08-25</a:t>
+              <a:t>2018-08-27</a:t>
             </a:fld>
             <a:endParaRPr lang="en-CA"/>
           </a:p>
@@ -418,7 +418,7 @@
           <a:p>
             <a:fld id="{F7249F8D-641B-4CAF-BAE5-10524742F6F1}" type="datetimeFigureOut">
               <a:rPr lang="en-CA" smtClean="0"/>
-              <a:t>2018-08-25</a:t>
+              <a:t>2018-08-27</a:t>
             </a:fld>
             <a:endParaRPr lang="en-CA"/>
           </a:p>
@@ -598,7 +598,7 @@
           <a:p>
             <a:fld id="{F7249F8D-641B-4CAF-BAE5-10524742F6F1}" type="datetimeFigureOut">
               <a:rPr lang="en-CA" smtClean="0"/>
-              <a:t>2018-08-25</a:t>
+              <a:t>2018-08-27</a:t>
             </a:fld>
             <a:endParaRPr lang="en-CA"/>
           </a:p>
@@ -768,7 +768,7 @@
           <a:p>
             <a:fld id="{F7249F8D-641B-4CAF-BAE5-10524742F6F1}" type="datetimeFigureOut">
               <a:rPr lang="en-CA" smtClean="0"/>
-              <a:t>2018-08-25</a:t>
+              <a:t>2018-08-27</a:t>
             </a:fld>
             <a:endParaRPr lang="en-CA"/>
           </a:p>
@@ -1014,7 +1014,7 @@
           <a:p>
             <a:fld id="{F7249F8D-641B-4CAF-BAE5-10524742F6F1}" type="datetimeFigureOut">
               <a:rPr lang="en-CA" smtClean="0"/>
-              <a:t>2018-08-25</a:t>
+              <a:t>2018-08-27</a:t>
             </a:fld>
             <a:endParaRPr lang="en-CA"/>
           </a:p>
@@ -1246,7 +1246,7 @@
           <a:p>
             <a:fld id="{F7249F8D-641B-4CAF-BAE5-10524742F6F1}" type="datetimeFigureOut">
               <a:rPr lang="en-CA" smtClean="0"/>
-              <a:t>2018-08-25</a:t>
+              <a:t>2018-08-27</a:t>
             </a:fld>
             <a:endParaRPr lang="en-CA"/>
           </a:p>
@@ -1613,7 +1613,7 @@
           <a:p>
             <a:fld id="{F7249F8D-641B-4CAF-BAE5-10524742F6F1}" type="datetimeFigureOut">
               <a:rPr lang="en-CA" smtClean="0"/>
-              <a:t>2018-08-25</a:t>
+              <a:t>2018-08-27</a:t>
             </a:fld>
             <a:endParaRPr lang="en-CA"/>
           </a:p>
@@ -1731,7 +1731,7 @@
           <a:p>
             <a:fld id="{F7249F8D-641B-4CAF-BAE5-10524742F6F1}" type="datetimeFigureOut">
               <a:rPr lang="en-CA" smtClean="0"/>
-              <a:t>2018-08-25</a:t>
+              <a:t>2018-08-27</a:t>
             </a:fld>
             <a:endParaRPr lang="en-CA"/>
           </a:p>
@@ -1826,7 +1826,7 @@
           <a:p>
             <a:fld id="{F7249F8D-641B-4CAF-BAE5-10524742F6F1}" type="datetimeFigureOut">
               <a:rPr lang="en-CA" smtClean="0"/>
-              <a:t>2018-08-25</a:t>
+              <a:t>2018-08-27</a:t>
             </a:fld>
             <a:endParaRPr lang="en-CA"/>
           </a:p>
@@ -2103,7 +2103,7 @@
           <a:p>
             <a:fld id="{F7249F8D-641B-4CAF-BAE5-10524742F6F1}" type="datetimeFigureOut">
               <a:rPr lang="en-CA" smtClean="0"/>
-              <a:t>2018-08-25</a:t>
+              <a:t>2018-08-27</a:t>
             </a:fld>
             <a:endParaRPr lang="en-CA"/>
           </a:p>
@@ -2356,7 +2356,7 @@
           <a:p>
             <a:fld id="{F7249F8D-641B-4CAF-BAE5-10524742F6F1}" type="datetimeFigureOut">
               <a:rPr lang="en-CA" smtClean="0"/>
-              <a:t>2018-08-25</a:t>
+              <a:t>2018-08-27</a:t>
             </a:fld>
             <a:endParaRPr lang="en-CA"/>
           </a:p>
@@ -2569,7 +2569,7 @@
           <a:p>
             <a:fld id="{F7249F8D-641B-4CAF-BAE5-10524742F6F1}" type="datetimeFigureOut">
               <a:rPr lang="en-CA" smtClean="0"/>
-              <a:t>2018-08-25</a:t>
+              <a:t>2018-08-27</a:t>
             </a:fld>
             <a:endParaRPr lang="en-CA"/>
           </a:p>
@@ -5733,7 +5733,7 @@
                             <m:chr m:val="⃗"/>
                             <m:ctrlPr>
                               <a:rPr lang="en-US" sz="2000" b="0" i="1" smtClean="0">
-                                <a:latin typeface="Cambria Math" charset="0"/>
+                                <a:latin typeface="Cambria Math" panose="02040503050406030204" pitchFamily="18" charset="0"/>
                                 <a:cs typeface="Arial" panose="020B0604020202020204" pitchFamily="34" charset="0"/>
                               </a:rPr>
                             </m:ctrlPr>
@@ -5870,7 +5870,7 @@
                             <m:chr m:val="⃗"/>
                             <m:ctrlPr>
                               <a:rPr lang="en-US" sz="2000" b="0" i="1" smtClean="0">
-                                <a:latin typeface="Cambria Math" charset="0"/>
+                                <a:latin typeface="Cambria Math" panose="02040503050406030204" pitchFamily="18" charset="0"/>
                                 <a:cs typeface="Arial" panose="020B0604020202020204" pitchFamily="34" charset="0"/>
                               </a:rPr>
                             </m:ctrlPr>
@@ -6066,7 +6066,7 @@
                                 <a:solidFill>
                                   <a:srgbClr val="FF0000"/>
                                 </a:solidFill>
-                                <a:latin typeface="Cambria Math" charset="0"/>
+                                <a:latin typeface="Cambria Math" panose="02040503050406030204" pitchFamily="18" charset="0"/>
                                 <a:cs typeface="Arial" panose="020B0604020202020204" pitchFamily="34" charset="0"/>
                               </a:rPr>
                             </m:ctrlPr>
@@ -6686,7 +6686,7 @@
                             <m:chr m:val="⃗"/>
                             <m:ctrlPr>
                               <a:rPr lang="en-US" sz="2000" b="0" i="1" smtClean="0">
-                                <a:latin typeface="Cambria Math" charset="0"/>
+                                <a:latin typeface="Cambria Math" panose="02040503050406030204" pitchFamily="18" charset="0"/>
                                 <a:cs typeface="Arial" panose="020B0604020202020204" pitchFamily="34" charset="0"/>
                               </a:rPr>
                             </m:ctrlPr>
@@ -6913,7 +6913,7 @@
                             <m:chr m:val="⃗"/>
                             <m:ctrlPr>
                               <a:rPr lang="en-US" sz="2000" b="0" i="1" smtClean="0">
-                                <a:latin typeface="Cambria Math" charset="0"/>
+                                <a:latin typeface="Cambria Math" panose="02040503050406030204" pitchFamily="18" charset="0"/>
                                 <a:cs typeface="Arial" panose="020B0604020202020204" pitchFamily="34" charset="0"/>
                               </a:rPr>
                             </m:ctrlPr>
@@ -7863,7 +7863,7 @@
                               <m:sSubPr>
                                 <m:ctrlPr>
                                   <a:rPr lang="en-US" sz="2000" b="0" i="1" smtClean="0">
-                                    <a:latin typeface="Cambria Math" charset="0"/>
+                                    <a:latin typeface="Cambria Math" panose="02040503050406030204" pitchFamily="18" charset="0"/>
                                     <a:cs typeface="Arial" panose="020B0604020202020204" pitchFamily="34" charset="0"/>
                                   </a:rPr>
                                 </m:ctrlPr>
@@ -8010,7 +8010,7 @@
                               <m:sSubPr>
                                 <m:ctrlPr>
                                   <a:rPr lang="en-US" sz="2000" b="0" i="1" smtClean="0">
-                                    <a:latin typeface="Cambria Math" charset="0"/>
+                                    <a:latin typeface="Cambria Math" panose="02040503050406030204" pitchFamily="18" charset="0"/>
                                     <a:cs typeface="Arial" panose="020B0604020202020204" pitchFamily="34" charset="0"/>
                                   </a:rPr>
                                 </m:ctrlPr>
@@ -8021,7 +8021,7 @@
                                     <m:chr m:val="⃗"/>
                                     <m:ctrlPr>
                                       <a:rPr lang="en-US" sz="2000" b="0" i="1" smtClean="0">
-                                        <a:latin typeface="Cambria Math" charset="0"/>
+                                        <a:latin typeface="Cambria Math" panose="02040503050406030204" pitchFamily="18" charset="0"/>
                                         <a:cs typeface="Arial" panose="020B0604020202020204" pitchFamily="34" charset="0"/>
                                       </a:rPr>
                                     </m:ctrlPr>
@@ -8168,7 +8168,7 @@
                               <m:sSubPr>
                                 <m:ctrlPr>
                                   <a:rPr lang="en-US" sz="2000" b="0" i="1" smtClean="0">
-                                    <a:latin typeface="Cambria Math" charset="0"/>
+                                    <a:latin typeface="Cambria Math" panose="02040503050406030204" pitchFamily="18" charset="0"/>
                                     <a:cs typeface="Arial" panose="020B0604020202020204" pitchFamily="34" charset="0"/>
                                   </a:rPr>
                                 </m:ctrlPr>
@@ -8179,7 +8179,7 @@
                                     <m:chr m:val="⃗"/>
                                     <m:ctrlPr>
                                       <a:rPr lang="en-US" sz="2000" b="0" i="1" smtClean="0">
-                                        <a:latin typeface="Cambria Math" charset="0"/>
+                                        <a:latin typeface="Cambria Math" panose="02040503050406030204" pitchFamily="18" charset="0"/>
                                         <a:cs typeface="Arial" panose="020B0604020202020204" pitchFamily="34" charset="0"/>
                                       </a:rPr>
                                     </m:ctrlPr>
@@ -8464,7 +8464,7 @@
                               <m:chr m:val="⃗"/>
                               <m:ctrlPr>
                                 <a:rPr lang="en-US" sz="2000" b="0" i="1" smtClean="0">
-                                  <a:latin typeface="Cambria Math" charset="0"/>
+                                  <a:latin typeface="Cambria Math" panose="02040503050406030204" pitchFamily="18" charset="0"/>
                                   <a:cs typeface="Arial" panose="020B0604020202020204" pitchFamily="34" charset="0"/>
                                 </a:rPr>
                               </m:ctrlPr>
@@ -9852,7 +9852,7 @@
                                   <m:chr m:val="⃗"/>
                                   <m:ctrlPr>
                                     <a:rPr lang="en-US" sz="2000" b="0" i="1" smtClean="0">
-                                      <a:latin typeface="Cambria Math" charset="0"/>
+                                      <a:latin typeface="Cambria Math" panose="02040503050406030204" pitchFamily="18" charset="0"/>
                                       <a:cs typeface="Arial" panose="020B0604020202020204" pitchFamily="34" charset="0"/>
                                     </a:rPr>
                                   </m:ctrlPr>
@@ -10178,7 +10178,7 @@
                             <m:sSubPr>
                               <m:ctrlPr>
                                 <a:rPr lang="en-US" sz="2000" b="0" i="1" smtClean="0">
-                                  <a:latin typeface="Cambria Math" charset="0"/>
+                                  <a:latin typeface="Cambria Math" panose="02040503050406030204" pitchFamily="18" charset="0"/>
                                   <a:cs typeface="Arial" panose="020B0604020202020204" pitchFamily="34" charset="0"/>
                                 </a:rPr>
                               </m:ctrlPr>
@@ -10349,7 +10349,7 @@
                             <m:chr m:val="⃗"/>
                             <m:ctrlPr>
                               <a:rPr lang="en-US" sz="2000" b="0" i="1" smtClean="0">
-                                <a:latin typeface="Cambria Math" charset="0"/>
+                                <a:latin typeface="Cambria Math" panose="02040503050406030204" pitchFamily="18" charset="0"/>
                                 <a:cs typeface="Arial" panose="020B0604020202020204" pitchFamily="34" charset="0"/>
                               </a:rPr>
                             </m:ctrlPr>
@@ -12042,7 +12042,7 @@
                               <m:sSubPr>
                                 <m:ctrlPr>
                                   <a:rPr lang="en-US" sz="2000" b="0" i="1" smtClean="0">
-                                    <a:latin typeface="Cambria Math" charset="0"/>
+                                    <a:latin typeface="Cambria Math" panose="02040503050406030204" pitchFamily="18" charset="0"/>
                                     <a:cs typeface="Arial" panose="020B0604020202020204" pitchFamily="34" charset="0"/>
                                   </a:rPr>
                                 </m:ctrlPr>
@@ -12053,7 +12053,7 @@
                                     <m:chr m:val="⃗"/>
                                     <m:ctrlPr>
                                       <a:rPr lang="en-US" sz="2000" b="0" i="1" smtClean="0">
-                                        <a:latin typeface="Cambria Math" charset="0"/>
+                                        <a:latin typeface="Cambria Math" panose="02040503050406030204" pitchFamily="18" charset="0"/>
                                         <a:cs typeface="Arial" panose="020B0604020202020204" pitchFamily="34" charset="0"/>
                                       </a:rPr>
                                     </m:ctrlPr>
@@ -12171,7 +12171,7 @@
                               <m:sSubPr>
                                 <m:ctrlPr>
                                   <a:rPr lang="en-US" sz="2000" b="0" i="1" smtClean="0">
-                                    <a:latin typeface="Cambria Math" charset="0"/>
+                                    <a:latin typeface="Cambria Math" panose="02040503050406030204" pitchFamily="18" charset="0"/>
                                     <a:cs typeface="Arial" panose="020B0604020202020204" pitchFamily="34" charset="0"/>
                                   </a:rPr>
                                 </m:ctrlPr>
@@ -12182,7 +12182,7 @@
                                     <m:chr m:val="⃗"/>
                                     <m:ctrlPr>
                                       <a:rPr lang="en-US" sz="2000" b="0" i="1" smtClean="0">
-                                        <a:latin typeface="Cambria Math" charset="0"/>
+                                        <a:latin typeface="Cambria Math" panose="02040503050406030204" pitchFamily="18" charset="0"/>
                                         <a:cs typeface="Arial" panose="020B0604020202020204" pitchFamily="34" charset="0"/>
                                       </a:rPr>
                                     </m:ctrlPr>
@@ -12300,7 +12300,7 @@
                               <m:sSubPr>
                                 <m:ctrlPr>
                                   <a:rPr lang="en-US" sz="2000" b="0" i="1" smtClean="0">
-                                    <a:latin typeface="Cambria Math" charset="0"/>
+                                    <a:latin typeface="Cambria Math" panose="02040503050406030204" pitchFamily="18" charset="0"/>
                                     <a:cs typeface="Arial" panose="020B0604020202020204" pitchFamily="34" charset="0"/>
                                   </a:rPr>
                                 </m:ctrlPr>
@@ -12311,7 +12311,7 @@
                                     <m:chr m:val="⃗"/>
                                     <m:ctrlPr>
                                       <a:rPr lang="en-US" sz="2000" b="0" i="1" smtClean="0">
-                                        <a:latin typeface="Cambria Math" charset="0"/>
+                                        <a:latin typeface="Cambria Math" panose="02040503050406030204" pitchFamily="18" charset="0"/>
                                         <a:cs typeface="Arial" panose="020B0604020202020204" pitchFamily="34" charset="0"/>
                                       </a:rPr>
                                     </m:ctrlPr>
@@ -12429,7 +12429,7 @@
                               <m:sSubPr>
                                 <m:ctrlPr>
                                   <a:rPr lang="en-US" sz="2000" b="0" i="1" smtClean="0">
-                                    <a:latin typeface="Cambria Math" charset="0"/>
+                                    <a:latin typeface="Cambria Math" panose="02040503050406030204" pitchFamily="18" charset="0"/>
                                     <a:cs typeface="Arial" panose="020B0604020202020204" pitchFamily="34" charset="0"/>
                                   </a:rPr>
                                 </m:ctrlPr>
@@ -12440,7 +12440,7 @@
                                     <m:chr m:val="⃗"/>
                                     <m:ctrlPr>
                                       <a:rPr lang="en-US" sz="2000" b="0" i="1" smtClean="0">
-                                        <a:latin typeface="Cambria Math" charset="0"/>
+                                        <a:latin typeface="Cambria Math" panose="02040503050406030204" pitchFamily="18" charset="0"/>
                                         <a:cs typeface="Arial" panose="020B0604020202020204" pitchFamily="34" charset="0"/>
                                       </a:rPr>
                                     </m:ctrlPr>
@@ -12558,7 +12558,7 @@
                               <m:sSubPr>
                                 <m:ctrlPr>
                                   <a:rPr lang="en-US" sz="2000" b="0" i="1" smtClean="0">
-                                    <a:latin typeface="Cambria Math" charset="0"/>
+                                    <a:latin typeface="Cambria Math" panose="02040503050406030204" pitchFamily="18" charset="0"/>
                                     <a:cs typeface="Arial" panose="020B0604020202020204" pitchFamily="34" charset="0"/>
                                   </a:rPr>
                                 </m:ctrlPr>
@@ -12569,7 +12569,7 @@
                                     <m:chr m:val="⃗"/>
                                     <m:ctrlPr>
                                       <a:rPr lang="en-US" sz="2000" b="0" i="1" smtClean="0">
-                                        <a:latin typeface="Cambria Math" charset="0"/>
+                                        <a:latin typeface="Cambria Math" panose="02040503050406030204" pitchFamily="18" charset="0"/>
                                         <a:cs typeface="Arial" panose="020B0604020202020204" pitchFamily="34" charset="0"/>
                                       </a:rPr>
                                     </m:ctrlPr>
@@ -13500,7 +13500,7 @@
                           <m:sSubPr>
                             <m:ctrlPr>
                               <a:rPr lang="en-US" sz="2000" b="0" i="1" smtClean="0">
-                                <a:latin typeface="Cambria Math" charset="0"/>
+                                <a:latin typeface="Cambria Math" panose="02040503050406030204" pitchFamily="18" charset="0"/>
                                 <a:cs typeface="Arial" panose="020B0604020202020204" pitchFamily="34" charset="0"/>
                               </a:rPr>
                             </m:ctrlPr>
@@ -13511,7 +13511,7 @@
                                 <m:chr m:val="⃗"/>
                                 <m:ctrlPr>
                                   <a:rPr lang="en-US" sz="2000" b="0" i="1" smtClean="0">
-                                    <a:latin typeface="Cambria Math" charset="0"/>
+                                    <a:latin typeface="Cambria Math" panose="02040503050406030204" pitchFamily="18" charset="0"/>
                                     <a:cs typeface="Arial" panose="020B0604020202020204" pitchFamily="34" charset="0"/>
                                   </a:rPr>
                                 </m:ctrlPr>
@@ -13629,7 +13629,7 @@
                           <m:sSubPr>
                             <m:ctrlPr>
                               <a:rPr lang="en-US" sz="2000" b="0" i="1" smtClean="0">
-                                <a:latin typeface="Cambria Math" charset="0"/>
+                                <a:latin typeface="Cambria Math" panose="02040503050406030204" pitchFamily="18" charset="0"/>
                                 <a:cs typeface="Arial" panose="020B0604020202020204" pitchFamily="34" charset="0"/>
                               </a:rPr>
                             </m:ctrlPr>
@@ -13640,7 +13640,7 @@
                                 <m:chr m:val="⃗"/>
                                 <m:ctrlPr>
                                   <a:rPr lang="en-US" sz="2000" b="0" i="1" smtClean="0">
-                                    <a:latin typeface="Cambria Math" charset="0"/>
+                                    <a:latin typeface="Cambria Math" panose="02040503050406030204" pitchFamily="18" charset="0"/>
                                     <a:cs typeface="Arial" panose="020B0604020202020204" pitchFamily="34" charset="0"/>
                                   </a:rPr>
                                 </m:ctrlPr>
@@ -13758,7 +13758,7 @@
                           <m:sSubPr>
                             <m:ctrlPr>
                               <a:rPr lang="en-US" sz="2000" b="0" i="1" smtClean="0">
-                                <a:latin typeface="Cambria Math" charset="0"/>
+                                <a:latin typeface="Cambria Math" panose="02040503050406030204" pitchFamily="18" charset="0"/>
                                 <a:cs typeface="Arial" panose="020B0604020202020204" pitchFamily="34" charset="0"/>
                               </a:rPr>
                             </m:ctrlPr>
@@ -13769,7 +13769,7 @@
                                 <m:chr m:val="⃗"/>
                                 <m:ctrlPr>
                                   <a:rPr lang="en-US" sz="2000" b="0" i="1" smtClean="0">
-                                    <a:latin typeface="Cambria Math" charset="0"/>
+                                    <a:latin typeface="Cambria Math" panose="02040503050406030204" pitchFamily="18" charset="0"/>
                                     <a:cs typeface="Arial" panose="020B0604020202020204" pitchFamily="34" charset="0"/>
                                   </a:rPr>
                                 </m:ctrlPr>
@@ -13887,7 +13887,7 @@
                           <m:sSubPr>
                             <m:ctrlPr>
                               <a:rPr lang="en-US" sz="2000" b="0" i="1" smtClean="0">
-                                <a:latin typeface="Cambria Math" charset="0"/>
+                                <a:latin typeface="Cambria Math" panose="02040503050406030204" pitchFamily="18" charset="0"/>
                                 <a:cs typeface="Arial" panose="020B0604020202020204" pitchFamily="34" charset="0"/>
                               </a:rPr>
                             </m:ctrlPr>
@@ -13898,7 +13898,7 @@
                                 <m:chr m:val="⃗"/>
                                 <m:ctrlPr>
                                   <a:rPr lang="en-US" sz="2000" b="0" i="1" smtClean="0">
-                                    <a:latin typeface="Cambria Math" charset="0"/>
+                                    <a:latin typeface="Cambria Math" panose="02040503050406030204" pitchFamily="18" charset="0"/>
                                     <a:cs typeface="Arial" panose="020B0604020202020204" pitchFamily="34" charset="0"/>
                                   </a:rPr>
                                 </m:ctrlPr>
@@ -14016,7 +14016,7 @@
                           <m:sSubPr>
                             <m:ctrlPr>
                               <a:rPr lang="en-US" sz="2000" b="0" i="1" smtClean="0">
-                                <a:latin typeface="Cambria Math" charset="0"/>
+                                <a:latin typeface="Cambria Math" panose="02040503050406030204" pitchFamily="18" charset="0"/>
                                 <a:cs typeface="Arial" panose="020B0604020202020204" pitchFamily="34" charset="0"/>
                               </a:rPr>
                             </m:ctrlPr>
@@ -14027,7 +14027,7 @@
                                 <m:chr m:val="⃗"/>
                                 <m:ctrlPr>
                                   <a:rPr lang="en-US" sz="2000" b="0" i="1" smtClean="0">
-                                    <a:latin typeface="Cambria Math" charset="0"/>
+                                    <a:latin typeface="Cambria Math" panose="02040503050406030204" pitchFamily="18" charset="0"/>
                                     <a:cs typeface="Arial" panose="020B0604020202020204" pitchFamily="34" charset="0"/>
                                   </a:rPr>
                                 </m:ctrlPr>
@@ -14794,7 +14794,7 @@
                               <m:chr m:val="⃗"/>
                               <m:ctrlPr>
                                 <a:rPr lang="en-US" sz="2000" b="0" i="1" smtClean="0">
-                                  <a:latin typeface="Cambria Math" charset="0"/>
+                                  <a:latin typeface="Cambria Math" panose="02040503050406030204" pitchFamily="18" charset="0"/>
                                   <a:cs typeface="Arial" panose="020B0604020202020204" pitchFamily="34" charset="0"/>
                                 </a:rPr>
                               </m:ctrlPr>
@@ -15008,7 +15008,7 @@
                             <m:sSubPr>
                               <m:ctrlPr>
                                 <a:rPr lang="en-US" sz="2000" b="0" i="1" smtClean="0">
-                                  <a:latin typeface="Cambria Math" charset="0"/>
+                                  <a:latin typeface="Cambria Math" panose="02040503050406030204" pitchFamily="18" charset="0"/>
                                   <a:cs typeface="Arial" panose="020B0604020202020204" pitchFamily="34" charset="0"/>
                                 </a:rPr>
                               </m:ctrlPr>
@@ -15019,7 +15019,7 @@
                                   <m:chr m:val="⃗"/>
                                   <m:ctrlPr>
                                     <a:rPr lang="en-US" sz="2000" b="0" i="1" smtClean="0">
-                                      <a:latin typeface="Cambria Math" charset="0"/>
+                                      <a:latin typeface="Cambria Math" panose="02040503050406030204" pitchFamily="18" charset="0"/>
                                       <a:cs typeface="Arial" panose="020B0604020202020204" pitchFamily="34" charset="0"/>
                                     </a:rPr>
                                   </m:ctrlPr>
@@ -15177,7 +15177,7 @@
                               <m:chr m:val="⃗"/>
                               <m:ctrlPr>
                                 <a:rPr lang="en-US" sz="2000" b="0" i="1" smtClean="0">
-                                  <a:latin typeface="Cambria Math" charset="0"/>
+                                  <a:latin typeface="Cambria Math" panose="02040503050406030204" pitchFamily="18" charset="0"/>
                                   <a:cs typeface="Arial" panose="020B0604020202020204" pitchFamily="34" charset="0"/>
                                 </a:rPr>
                               </m:ctrlPr>
@@ -15316,7 +15316,7 @@
                           <m:sSubPr>
                             <m:ctrlPr>
                               <a:rPr lang="en-US" sz="2000" b="0" i="1" smtClean="0">
-                                <a:latin typeface="Cambria Math" charset="0"/>
+                                <a:latin typeface="Cambria Math" panose="02040503050406030204" pitchFamily="18" charset="0"/>
                                 <a:cs typeface="Arial" panose="020B0604020202020204" pitchFamily="34" charset="0"/>
                               </a:rPr>
                             </m:ctrlPr>
@@ -15327,7 +15327,7 @@
                                 <m:chr m:val="⃗"/>
                                 <m:ctrlPr>
                                   <a:rPr lang="en-US" sz="2000" b="0" i="1" smtClean="0">
-                                    <a:latin typeface="Cambria Math" charset="0"/>
+                                    <a:latin typeface="Cambria Math" panose="02040503050406030204" pitchFamily="18" charset="0"/>
                                     <a:cs typeface="Arial" panose="020B0604020202020204" pitchFamily="34" charset="0"/>
                                   </a:rPr>
                                 </m:ctrlPr>
@@ -16648,7 +16648,7 @@
                                     <m:chr m:val="⃗"/>
                                     <m:ctrlPr>
                                       <a:rPr lang="en-US" sz="2000" b="0" i="1" smtClean="0">
-                                        <a:latin typeface="Cambria Math" charset="0"/>
+                                        <a:latin typeface="Cambria Math" panose="02040503050406030204" pitchFamily="18" charset="0"/>
                                         <a:cs typeface="Arial" panose="020B0604020202020204" pitchFamily="34" charset="0"/>
                                       </a:rPr>
                                     </m:ctrlPr>
@@ -16748,7 +16748,7 @@
                                   <m:sSubPr>
                                     <m:ctrlPr>
                                       <a:rPr lang="en-US" sz="2000" b="0" i="1" smtClean="0">
-                                        <a:latin typeface="Cambria Math" charset="0"/>
+                                        <a:latin typeface="Cambria Math" panose="02040503050406030204" pitchFamily="18" charset="0"/>
                                         <a:cs typeface="Arial" panose="020B0604020202020204" pitchFamily="34" charset="0"/>
                                       </a:rPr>
                                     </m:ctrlPr>
@@ -16759,7 +16759,7 @@
                                         <m:chr m:val="⃗"/>
                                         <m:ctrlPr>
                                           <a:rPr lang="en-US" sz="2000" b="0" i="1" smtClean="0">
-                                            <a:latin typeface="Cambria Math" charset="0"/>
+                                            <a:latin typeface="Cambria Math" panose="02040503050406030204" pitchFamily="18" charset="0"/>
                                             <a:cs typeface="Arial" panose="020B0604020202020204" pitchFamily="34" charset="0"/>
                                           </a:rPr>
                                         </m:ctrlPr>
@@ -16906,7 +16906,7 @@
                                   <m:sSubPr>
                                     <m:ctrlPr>
                                       <a:rPr lang="en-US" sz="2000" b="0" i="1" smtClean="0">
-                                        <a:latin typeface="Cambria Math" charset="0"/>
+                                        <a:latin typeface="Cambria Math" panose="02040503050406030204" pitchFamily="18" charset="0"/>
                                         <a:cs typeface="Arial" panose="020B0604020202020204" pitchFamily="34" charset="0"/>
                                       </a:rPr>
                                     </m:ctrlPr>
@@ -16917,7 +16917,7 @@
                                         <m:chr m:val="⃗"/>
                                         <m:ctrlPr>
                                           <a:rPr lang="en-US" sz="2000" b="0" i="1" smtClean="0">
-                                            <a:latin typeface="Cambria Math" charset="0"/>
+                                            <a:latin typeface="Cambria Math" panose="02040503050406030204" pitchFamily="18" charset="0"/>
                                             <a:cs typeface="Arial" panose="020B0604020202020204" pitchFamily="34" charset="0"/>
                                           </a:rPr>
                                         </m:ctrlPr>
@@ -17289,7 +17289,7 @@
                               <m:sSubPr>
                                 <m:ctrlPr>
                                   <a:rPr lang="en-US" sz="2000" b="0" i="1" smtClean="0">
-                                    <a:latin typeface="Cambria Math" charset="0"/>
+                                    <a:latin typeface="Cambria Math" panose="02040503050406030204" pitchFamily="18" charset="0"/>
                                     <a:cs typeface="Arial" panose="020B0604020202020204" pitchFamily="34" charset="0"/>
                                   </a:rPr>
                                 </m:ctrlPr>
@@ -17300,7 +17300,7 @@
                                     <m:chr m:val="⃗"/>
                                     <m:ctrlPr>
                                       <a:rPr lang="en-US" sz="2000" b="0" i="1" smtClean="0">
-                                        <a:latin typeface="Cambria Math" charset="0"/>
+                                        <a:latin typeface="Cambria Math" panose="02040503050406030204" pitchFamily="18" charset="0"/>
                                         <a:cs typeface="Arial" panose="020B0604020202020204" pitchFamily="34" charset="0"/>
                                       </a:rPr>
                                     </m:ctrlPr>
@@ -17904,7 +17904,7 @@
                               <m:chr m:val="⃗"/>
                               <m:ctrlPr>
                                 <a:rPr lang="en-US" sz="2000" b="0" i="1" smtClean="0">
-                                  <a:latin typeface="Cambria Math" charset="0"/>
+                                  <a:latin typeface="Cambria Math" panose="02040503050406030204" pitchFamily="18" charset="0"/>
                                   <a:cs typeface="Arial" panose="020B0604020202020204" pitchFamily="34" charset="0"/>
                                 </a:rPr>
                               </m:ctrlPr>
@@ -18285,7 +18285,7 @@
                               <m:chr m:val="⃗"/>
                               <m:ctrlPr>
                                 <a:rPr lang="en-US" sz="2000" b="0" i="1" smtClean="0">
-                                  <a:latin typeface="Cambria Math" charset="0"/>
+                                  <a:latin typeface="Cambria Math" panose="02040503050406030204" pitchFamily="18" charset="0"/>
                                   <a:cs typeface="Arial" panose="020B0604020202020204" pitchFamily="34" charset="0"/>
                                 </a:rPr>
                               </m:ctrlPr>
@@ -19397,7 +19397,7 @@
                             <m:chr m:val="⃗"/>
                             <m:ctrlPr>
                               <a:rPr lang="en-US" sz="2000" b="0" i="1" smtClean="0">
-                                <a:latin typeface="Cambria Math" charset="0"/>
+                                <a:latin typeface="Cambria Math" panose="02040503050406030204" pitchFamily="18" charset="0"/>
                                 <a:cs typeface="Arial" panose="020B0604020202020204" pitchFamily="34" charset="0"/>
                               </a:rPr>
                             </m:ctrlPr>
@@ -19586,7 +19586,7 @@
                             <m:chr m:val="⃗"/>
                             <m:ctrlPr>
                               <a:rPr lang="en-US" sz="2000" b="0" i="1" smtClean="0">
-                                <a:latin typeface="Cambria Math" charset="0"/>
+                                <a:latin typeface="Cambria Math" panose="02040503050406030204" pitchFamily="18" charset="0"/>
                                 <a:cs typeface="Arial" panose="020B0604020202020204" pitchFamily="34" charset="0"/>
                               </a:rPr>
                             </m:ctrlPr>
@@ -20671,7 +20671,7 @@
                                 <m:chr m:val="⃗"/>
                                 <m:ctrlPr>
                                   <a:rPr lang="en-US" sz="2000" b="0" i="1" smtClean="0">
-                                    <a:latin typeface="Cambria Math" charset="0"/>
+                                    <a:latin typeface="Cambria Math" panose="02040503050406030204" pitchFamily="18" charset="0"/>
                                     <a:cs typeface="Arial" panose="020B0604020202020204" pitchFamily="34" charset="0"/>
                                   </a:rPr>
                                 </m:ctrlPr>
@@ -20772,7 +20772,7 @@
                                 <m:chr m:val="⃗"/>
                                 <m:ctrlPr>
                                   <a:rPr lang="en-US" sz="2000" b="0" i="1" smtClean="0">
-                                    <a:latin typeface="Cambria Math" charset="0"/>
+                                    <a:latin typeface="Cambria Math" panose="02040503050406030204" pitchFamily="18" charset="0"/>
                                     <a:cs typeface="Arial" panose="020B0604020202020204" pitchFamily="34" charset="0"/>
                                   </a:rPr>
                                 </m:ctrlPr>
@@ -21450,7 +21450,7 @@
                                 <m:chr m:val="⃗"/>
                                 <m:ctrlPr>
                                   <a:rPr lang="en-US" sz="2000" b="0" i="1" smtClean="0">
-                                    <a:latin typeface="Cambria Math" charset="0"/>
+                                    <a:latin typeface="Cambria Math" panose="02040503050406030204" pitchFamily="18" charset="0"/>
                                     <a:cs typeface="Arial" panose="020B0604020202020204" pitchFamily="34" charset="0"/>
                                   </a:rPr>
                                 </m:ctrlPr>
@@ -22014,7 +22014,7 @@
                               <m:chr m:val="⃗"/>
                               <m:ctrlPr>
                                 <a:rPr lang="en-US" sz="2000" b="0" i="1" smtClean="0">
-                                  <a:latin typeface="Cambria Math" charset="0"/>
+                                  <a:latin typeface="Cambria Math" panose="02040503050406030204" pitchFamily="18" charset="0"/>
                                   <a:cs typeface="Arial" panose="020B0604020202020204" pitchFamily="34" charset="0"/>
                                 </a:rPr>
                               </m:ctrlPr>
@@ -22908,6 +22908,7 @@
                   </a:bodyPr>
                   <a:lstStyle/>
                   <a:p>
+                    <a:pPr/>
                     <a14:m>
                       <m:oMathPara xmlns:m="http://schemas.openxmlformats.org/officeDocument/2006/math">
                         <m:oMathParaPr>
@@ -22918,18 +22919,18 @@
                             <m:sSubPr>
                               <m:ctrlPr>
                                 <a:rPr lang="en-CA" sz="2000" b="0" i="1" smtClean="0">
-                                  <a:latin typeface="Cambria Math" charset="0"/>
+                                  <a:latin typeface="Cambria Math" panose="02040503050406030204" pitchFamily="18" charset="0"/>
                                   <a:cs typeface="Arial" panose="020B0604020202020204" pitchFamily="34" charset="0"/>
                                 </a:rPr>
                               </m:ctrlPr>
                             </m:sSubPr>
                             <m:e>
                               <m:r>
-                                <a:rPr lang="en-CA" sz="2000" b="0" i="1" smtClean="0">
-                                  <a:latin typeface="Cambria Math" charset="0"/>
+                                <a:rPr lang="en-US" sz="2000" b="0" i="1" smtClean="0">
+                                  <a:latin typeface="Cambria Math" panose="02040503050406030204" pitchFamily="18" charset="0"/>
                                   <a:cs typeface="Arial" panose="020B0604020202020204" pitchFamily="34" charset="0"/>
                                 </a:rPr>
-                                <m:t>𝑟</m:t>
+                                <m:t>𝑅</m:t>
                               </m:r>
                             </m:e>
                             <m:sub>
@@ -22970,7 +22971,7 @@
                   <a:prstGeom prst="rect">
                     <a:avLst/>
                   </a:prstGeom>
-                  <a:blipFill rotWithShape="0">
+                  <a:blipFill>
                     <a:blip r:embed="rId2"/>
                     <a:stretch>
                       <a:fillRect b="-20000"/>
@@ -23016,6 +23017,7 @@
                   </a:bodyPr>
                   <a:lstStyle/>
                   <a:p>
+                    <a:pPr/>
                     <a14:m>
                       <m:oMathPara xmlns:m="http://schemas.openxmlformats.org/officeDocument/2006/math">
                         <m:oMathParaPr>
@@ -23026,18 +23028,18 @@
                             <m:sSubPr>
                               <m:ctrlPr>
                                 <a:rPr lang="en-CA" sz="2000" b="0" i="1" smtClean="0">
-                                  <a:latin typeface="Cambria Math" charset="0"/>
+                                  <a:latin typeface="Cambria Math" panose="02040503050406030204" pitchFamily="18" charset="0"/>
                                   <a:cs typeface="Arial" panose="020B0604020202020204" pitchFamily="34" charset="0"/>
                                 </a:rPr>
                               </m:ctrlPr>
                             </m:sSubPr>
                             <m:e>
                               <m:r>
-                                <a:rPr lang="en-CA" sz="2000" b="0" i="1" smtClean="0">
-                                  <a:latin typeface="Cambria Math" charset="0"/>
+                                <a:rPr lang="en-US" sz="2000" b="0" i="1" smtClean="0">
+                                  <a:latin typeface="Cambria Math" panose="02040503050406030204" pitchFamily="18" charset="0"/>
                                   <a:cs typeface="Arial" panose="020B0604020202020204" pitchFamily="34" charset="0"/>
                                 </a:rPr>
-                                <m:t>𝑟</m:t>
+                                <m:t>𝑅</m:t>
                               </m:r>
                             </m:e>
                             <m:sub>
@@ -23078,7 +23080,7 @@
                   <a:prstGeom prst="rect">
                     <a:avLst/>
                   </a:prstGeom>
-                  <a:blipFill rotWithShape="0">
+                  <a:blipFill>
                     <a:blip r:embed="rId3"/>
                     <a:stretch>
                       <a:fillRect b="-19608"/>
@@ -23141,34 +23143,955 @@
       </p:grpSp>
       <p:grpSp>
         <p:nvGrpSpPr>
-          <p:cNvPr id="23" name="Group 22"/>
+          <p:cNvPr id="45" name="Group 44"/>
           <p:cNvGrpSpPr/>
           <p:nvPr/>
         </p:nvGrpSpPr>
         <p:grpSpPr>
           <a:xfrm>
-            <a:off x="8465505" y="542259"/>
-            <a:ext cx="2131200" cy="4141933"/>
-            <a:chOff x="8624994" y="542260"/>
-            <a:chExt cx="2131200" cy="4141933"/>
+            <a:off x="7980055" y="542259"/>
+            <a:ext cx="3345096" cy="4141933"/>
+            <a:chOff x="7980055" y="542259"/>
+            <a:chExt cx="3345096" cy="4141933"/>
           </a:xfrm>
         </p:grpSpPr>
+        <p:grpSp>
+          <p:nvGrpSpPr>
+            <p:cNvPr id="38" name="Group 37"/>
+            <p:cNvGrpSpPr/>
+            <p:nvPr/>
+          </p:nvGrpSpPr>
+          <p:grpSpPr>
+            <a:xfrm>
+              <a:off x="7980055" y="542259"/>
+              <a:ext cx="2616650" cy="4141933"/>
+              <a:chOff x="7980055" y="542259"/>
+              <a:chExt cx="2616650" cy="4141933"/>
+            </a:xfrm>
+          </p:grpSpPr>
+          <p:grpSp>
+            <p:nvGrpSpPr>
+              <p:cNvPr id="23" name="Group 22"/>
+              <p:cNvGrpSpPr/>
+              <p:nvPr/>
+            </p:nvGrpSpPr>
+            <p:grpSpPr>
+              <a:xfrm>
+                <a:off x="8465505" y="542259"/>
+                <a:ext cx="2131200" cy="4141933"/>
+                <a:chOff x="8624994" y="542260"/>
+                <a:chExt cx="2131200" cy="4141933"/>
+              </a:xfrm>
+            </p:grpSpPr>
+            <p:sp>
+              <p:nvSpPr>
+                <p:cNvPr id="24" name="Oval 23"/>
+                <p:cNvSpPr/>
+                <p:nvPr/>
+              </p:nvSpPr>
+              <p:spPr>
+                <a:xfrm>
+                  <a:off x="8624994" y="1548432"/>
+                  <a:ext cx="2131200" cy="2129589"/>
+                </a:xfrm>
+                <a:prstGeom prst="ellipse">
+                  <a:avLst/>
+                </a:prstGeom>
+                <a:solidFill>
+                  <a:schemeClr val="bg1"/>
+                </a:solidFill>
+                <a:ln w="38100">
+                  <a:solidFill>
+                    <a:schemeClr val="tx1"/>
+                  </a:solidFill>
+                </a:ln>
+              </p:spPr>
+              <p:style>
+                <a:lnRef idx="2">
+                  <a:schemeClr val="accent1">
+                    <a:shade val="50000"/>
+                  </a:schemeClr>
+                </a:lnRef>
+                <a:fillRef idx="1">
+                  <a:schemeClr val="accent1"/>
+                </a:fillRef>
+                <a:effectRef idx="0">
+                  <a:schemeClr val="accent1"/>
+                </a:effectRef>
+                <a:fontRef idx="minor">
+                  <a:schemeClr val="lt1"/>
+                </a:fontRef>
+              </p:style>
+              <p:txBody>
+                <a:bodyPr rtlCol="0" anchor="ctr"/>
+                <a:lstStyle/>
+                <a:p>
+                  <a:pPr algn="ctr"/>
+                  <a:endParaRPr lang="en-US"/>
+                </a:p>
+              </p:txBody>
+            </p:sp>
+            <p:sp>
+              <p:nvSpPr>
+                <p:cNvPr id="25" name="Oval 24"/>
+                <p:cNvSpPr/>
+                <p:nvPr/>
+              </p:nvSpPr>
+              <p:spPr>
+                <a:xfrm>
+                  <a:off x="9150594" y="2044874"/>
+                  <a:ext cx="1080000" cy="1080000"/>
+                </a:xfrm>
+                <a:prstGeom prst="ellipse">
+                  <a:avLst/>
+                </a:prstGeom>
+                <a:solidFill>
+                  <a:schemeClr val="bg1"/>
+                </a:solidFill>
+                <a:ln w="38100">
+                  <a:solidFill>
+                    <a:schemeClr val="tx1"/>
+                  </a:solidFill>
+                </a:ln>
+              </p:spPr>
+              <p:style>
+                <a:lnRef idx="2">
+                  <a:schemeClr val="accent1">
+                    <a:shade val="50000"/>
+                  </a:schemeClr>
+                </a:lnRef>
+                <a:fillRef idx="1">
+                  <a:schemeClr val="accent1"/>
+                </a:fillRef>
+                <a:effectRef idx="0">
+                  <a:schemeClr val="accent1"/>
+                </a:effectRef>
+                <a:fontRef idx="minor">
+                  <a:schemeClr val="lt1"/>
+                </a:fontRef>
+              </p:style>
+              <p:txBody>
+                <a:bodyPr rtlCol="0" anchor="ctr"/>
+                <a:lstStyle/>
+                <a:p>
+                  <a:pPr algn="ctr"/>
+                  <a:endParaRPr lang="en-US"/>
+                </a:p>
+              </p:txBody>
+            </p:sp>
+            <p:cxnSp>
+              <p:nvCxnSpPr>
+                <p:cNvPr id="26" name="Straight Arrow Connector 25"/>
+                <p:cNvCxnSpPr/>
+                <p:nvPr/>
+              </p:nvCxnSpPr>
+              <p:spPr>
+                <a:xfrm flipV="1">
+                  <a:off x="9150594" y="542260"/>
+                  <a:ext cx="0" cy="2042614"/>
+                </a:xfrm>
+                <a:prstGeom prst="straightConnector1">
+                  <a:avLst/>
+                </a:prstGeom>
+                <a:ln w="38100">
+                  <a:solidFill>
+                    <a:schemeClr val="tx1"/>
+                  </a:solidFill>
+                  <a:tailEnd type="triangle"/>
+                </a:ln>
+              </p:spPr>
+              <p:style>
+                <a:lnRef idx="1">
+                  <a:schemeClr val="accent1"/>
+                </a:lnRef>
+                <a:fillRef idx="0">
+                  <a:schemeClr val="accent1"/>
+                </a:fillRef>
+                <a:effectRef idx="0">
+                  <a:schemeClr val="accent1"/>
+                </a:effectRef>
+                <a:fontRef idx="minor">
+                  <a:schemeClr val="tx1"/>
+                </a:fontRef>
+              </p:style>
+            </p:cxnSp>
+            <p:cxnSp>
+              <p:nvCxnSpPr>
+                <p:cNvPr id="27" name="Straight Arrow Connector 26"/>
+                <p:cNvCxnSpPr/>
+                <p:nvPr/>
+              </p:nvCxnSpPr>
+              <p:spPr>
+                <a:xfrm>
+                  <a:off x="9686261" y="2581339"/>
+                  <a:ext cx="0" cy="2102854"/>
+                </a:xfrm>
+                <a:prstGeom prst="straightConnector1">
+                  <a:avLst/>
+                </a:prstGeom>
+                <a:ln w="38100">
+                  <a:solidFill>
+                    <a:schemeClr val="tx1"/>
+                  </a:solidFill>
+                  <a:tailEnd type="triangle"/>
+                </a:ln>
+              </p:spPr>
+              <p:style>
+                <a:lnRef idx="1">
+                  <a:schemeClr val="accent1"/>
+                </a:lnRef>
+                <a:fillRef idx="0">
+                  <a:schemeClr val="accent1"/>
+                </a:fillRef>
+                <a:effectRef idx="0">
+                  <a:schemeClr val="accent1"/>
+                </a:effectRef>
+                <a:fontRef idx="minor">
+                  <a:schemeClr val="tx1"/>
+                </a:fontRef>
+              </p:style>
+            </p:cxnSp>
+            <mc:AlternateContent xmlns:mc="http://schemas.openxmlformats.org/markup-compatibility/2006" xmlns:a14="http://schemas.microsoft.com/office/drawing/2010/main">
+              <mc:Choice Requires="a14">
+                <p:sp>
+                  <p:nvSpPr>
+                    <p:cNvPr id="28" name="TextBox 27"/>
+                    <p:cNvSpPr txBox="1"/>
+                    <p:nvPr/>
+                  </p:nvSpPr>
+                  <p:spPr>
+                    <a:xfrm>
+                      <a:off x="9806495" y="4028330"/>
+                      <a:ext cx="303865" cy="377219"/>
+                    </a:xfrm>
+                    <a:prstGeom prst="rect">
+                      <a:avLst/>
+                    </a:prstGeom>
+                    <a:noFill/>
+                  </p:spPr>
+                  <p:txBody>
+                    <a:bodyPr wrap="none" lIns="0" tIns="0" rIns="0" bIns="0" rtlCol="0">
+                      <a:spAutoFit/>
+                    </a:bodyPr>
+                    <a:lstStyle/>
+                    <a:p>
+                      <a:pPr/>
+                      <a14:m>
+                        <m:oMathPara xmlns:m="http://schemas.openxmlformats.org/officeDocument/2006/math">
+                          <m:oMathParaPr>
+                            <m:jc m:val="centerGroup"/>
+                          </m:oMathParaPr>
+                          <m:oMath xmlns:m="http://schemas.openxmlformats.org/officeDocument/2006/math">
+                            <m:sSub>
+                              <m:sSubPr>
+                                <m:ctrlPr>
+                                  <a:rPr lang="en-CA" sz="2000" b="0" i="1" smtClean="0">
+                                    <a:latin typeface="Cambria Math" panose="02040503050406030204" pitchFamily="18" charset="0"/>
+                                    <a:cs typeface="Arial" panose="020B0604020202020204" pitchFamily="34" charset="0"/>
+                                  </a:rPr>
+                                </m:ctrlPr>
+                              </m:sSubPr>
+                              <m:e>
+                                <m:acc>
+                                  <m:accPr>
+                                    <m:chr m:val="⃗"/>
+                                    <m:ctrlPr>
+                                      <a:rPr lang="en-US" sz="2000" i="1" smtClean="0">
+                                        <a:latin typeface="Cambria Math" panose="02040503050406030204" pitchFamily="18" charset="0"/>
+                                        <a:cs typeface="Arial" panose="020B0604020202020204" pitchFamily="34" charset="0"/>
+                                      </a:rPr>
+                                    </m:ctrlPr>
+                                  </m:accPr>
+                                  <m:e>
+                                    <m:r>
+                                      <a:rPr lang="en-CA" sz="2000" b="0" i="1" smtClean="0">
+                                        <a:latin typeface="Cambria Math" charset="0"/>
+                                        <a:cs typeface="Arial" panose="020B0604020202020204" pitchFamily="34" charset="0"/>
+                                      </a:rPr>
+                                      <m:t>𝐹</m:t>
+                                    </m:r>
+                                  </m:e>
+                                </m:acc>
+                              </m:e>
+                              <m:sub>
+                                <m:r>
+                                  <a:rPr lang="en-CA" sz="2000" b="0" i="1" smtClean="0">
+                                    <a:latin typeface="Cambria Math" charset="0"/>
+                                    <a:cs typeface="Arial" panose="020B0604020202020204" pitchFamily="34" charset="0"/>
+                                  </a:rPr>
+                                  <m:t>𝑔</m:t>
+                                </m:r>
+                              </m:sub>
+                            </m:sSub>
+                          </m:oMath>
+                        </m:oMathPara>
+                      </a14:m>
+                      <a:endParaRPr lang="en-US" sz="2000" dirty="0" smtClean="0">
+                        <a:latin typeface="Arial" panose="020B0604020202020204" pitchFamily="34" charset="0"/>
+                        <a:cs typeface="Arial" panose="020B0604020202020204" pitchFamily="34" charset="0"/>
+                      </a:endParaRPr>
+                    </a:p>
+                  </p:txBody>
+                </p:sp>
+              </mc:Choice>
+              <mc:Fallback xmlns="">
+                <p:sp>
+                  <p:nvSpPr>
+                    <p:cNvPr id="28" name="TextBox 27"/>
+                    <p:cNvSpPr txBox="1">
+                      <a:spLocks noRot="1" noChangeAspect="1" noMove="1" noResize="1" noEditPoints="1" noAdjustHandles="1" noChangeArrowheads="1" noChangeShapeType="1" noTextEdit="1"/>
+                    </p:cNvSpPr>
+                    <p:nvPr/>
+                  </p:nvSpPr>
+                  <p:spPr>
+                    <a:xfrm>
+                      <a:off x="9806495" y="4028330"/>
+                      <a:ext cx="303865" cy="377219"/>
+                    </a:xfrm>
+                    <a:prstGeom prst="rect">
+                      <a:avLst/>
+                    </a:prstGeom>
+                    <a:blipFill rotWithShape="0">
+                      <a:blip r:embed="rId4"/>
+                      <a:stretch>
+                        <a:fillRect l="-18367" t="-32258" r="-73469" b="-19355"/>
+                      </a:stretch>
+                    </a:blipFill>
+                  </p:spPr>
+                  <p:txBody>
+                    <a:bodyPr/>
+                    <a:lstStyle/>
+                    <a:p>
+                      <a:r>
+                        <a:rPr lang="en-US">
+                          <a:noFill/>
+                        </a:rPr>
+                        <a:t> </a:t>
+                      </a:r>
+                    </a:p>
+                  </p:txBody>
+                </p:sp>
+              </mc:Fallback>
+            </mc:AlternateContent>
+            <mc:AlternateContent xmlns:mc="http://schemas.openxmlformats.org/markup-compatibility/2006" xmlns:a14="http://schemas.microsoft.com/office/drawing/2010/main">
+              <mc:Choice Requires="a14">
+                <p:sp>
+                  <p:nvSpPr>
+                    <p:cNvPr id="29" name="TextBox 28"/>
+                    <p:cNvSpPr txBox="1"/>
+                    <p:nvPr/>
+                  </p:nvSpPr>
+                  <p:spPr>
+                    <a:xfrm>
+                      <a:off x="8822162" y="1044234"/>
+                      <a:ext cx="228460" cy="307777"/>
+                    </a:xfrm>
+                    <a:prstGeom prst="rect">
+                      <a:avLst/>
+                    </a:prstGeom>
+                    <a:noFill/>
+                  </p:spPr>
+                  <p:txBody>
+                    <a:bodyPr wrap="none" lIns="0" tIns="0" rIns="0" bIns="0" rtlCol="0">
+                      <a:spAutoFit/>
+                    </a:bodyPr>
+                    <a:lstStyle/>
+                    <a:p>
+                      <a:pPr/>
+                      <a14:m>
+                        <m:oMathPara xmlns:m="http://schemas.openxmlformats.org/officeDocument/2006/math">
+                          <m:oMathParaPr>
+                            <m:jc m:val="centerGroup"/>
+                          </m:oMathParaPr>
+                          <m:oMath xmlns:m="http://schemas.openxmlformats.org/officeDocument/2006/math">
+                            <m:r>
+                              <a:rPr lang="en-CA" sz="2000" b="0" i="1" smtClean="0">
+                                <a:latin typeface="Cambria Math" charset="0"/>
+                                <a:cs typeface="Arial" panose="020B0604020202020204" pitchFamily="34" charset="0"/>
+                              </a:rPr>
+                              <m:t>𝑇</m:t>
+                            </m:r>
+                          </m:oMath>
+                        </m:oMathPara>
+                      </a14:m>
+                      <a:endParaRPr lang="en-US" sz="2000" dirty="0" smtClean="0">
+                        <a:latin typeface="Arial" panose="020B0604020202020204" pitchFamily="34" charset="0"/>
+                        <a:cs typeface="Arial" panose="020B0604020202020204" pitchFamily="34" charset="0"/>
+                      </a:endParaRPr>
+                    </a:p>
+                  </p:txBody>
+                </p:sp>
+              </mc:Choice>
+              <mc:Fallback xmlns="">
+                <p:sp>
+                  <p:nvSpPr>
+                    <p:cNvPr id="29" name="TextBox 28"/>
+                    <p:cNvSpPr txBox="1">
+                      <a:spLocks noRot="1" noChangeAspect="1" noMove="1" noResize="1" noEditPoints="1" noAdjustHandles="1" noChangeArrowheads="1" noChangeShapeType="1" noTextEdit="1"/>
+                    </p:cNvSpPr>
+                    <p:nvPr/>
+                  </p:nvSpPr>
+                  <p:spPr>
+                    <a:xfrm>
+                      <a:off x="8822162" y="1044234"/>
+                      <a:ext cx="228460" cy="307777"/>
+                    </a:xfrm>
+                    <a:prstGeom prst="rect">
+                      <a:avLst/>
+                    </a:prstGeom>
+                    <a:blipFill rotWithShape="0">
+                      <a:blip r:embed="rId5"/>
+                      <a:stretch>
+                        <a:fillRect l="-21053" r="-21053" b="-9804"/>
+                      </a:stretch>
+                    </a:blipFill>
+                  </p:spPr>
+                  <p:txBody>
+                    <a:bodyPr/>
+                    <a:lstStyle/>
+                    <a:p>
+                      <a:r>
+                        <a:rPr lang="en-US">
+                          <a:noFill/>
+                        </a:rPr>
+                        <a:t> </a:t>
+                      </a:r>
+                    </a:p>
+                  </p:txBody>
+                </p:sp>
+              </mc:Fallback>
+            </mc:AlternateContent>
+          </p:grpSp>
+          <p:grpSp>
+            <p:nvGrpSpPr>
+              <p:cNvPr id="30" name="Group 29"/>
+              <p:cNvGrpSpPr/>
+              <p:nvPr/>
+            </p:nvGrpSpPr>
+            <p:grpSpPr>
+              <a:xfrm>
+                <a:off x="7980055" y="3572503"/>
+                <a:ext cx="898789" cy="709995"/>
+                <a:chOff x="758520" y="708040"/>
+                <a:chExt cx="2596102" cy="2135605"/>
+              </a:xfrm>
+            </p:grpSpPr>
+            <p:grpSp>
+              <p:nvGrpSpPr>
+                <p:cNvPr id="31" name="Group 30"/>
+                <p:cNvGrpSpPr/>
+                <p:nvPr/>
+              </p:nvGrpSpPr>
+              <p:grpSpPr>
+                <a:xfrm>
+                  <a:off x="758520" y="708040"/>
+                  <a:ext cx="2596102" cy="2135605"/>
+                  <a:chOff x="785815" y="680744"/>
+                  <a:chExt cx="2596102" cy="2135605"/>
+                </a:xfrm>
+              </p:grpSpPr>
+              <p:cxnSp>
+                <p:nvCxnSpPr>
+                  <p:cNvPr id="33" name="Straight Arrow Connector 32"/>
+                  <p:cNvCxnSpPr/>
+                  <p:nvPr/>
+                </p:nvCxnSpPr>
+                <p:spPr>
+                  <a:xfrm flipV="1">
+                    <a:off x="1516583" y="680744"/>
+                    <a:ext cx="7683" cy="1859535"/>
+                  </a:xfrm>
+                  <a:prstGeom prst="straightConnector1">
+                    <a:avLst/>
+                  </a:prstGeom>
+                  <a:ln w="38100">
+                    <a:solidFill>
+                      <a:schemeClr val="tx1"/>
+                    </a:solidFill>
+                    <a:tailEnd type="triangle"/>
+                  </a:ln>
+                </p:spPr>
+                <p:style>
+                  <a:lnRef idx="1">
+                    <a:schemeClr val="accent1"/>
+                  </a:lnRef>
+                  <a:fillRef idx="0">
+                    <a:schemeClr val="accent1"/>
+                  </a:fillRef>
+                  <a:effectRef idx="0">
+                    <a:schemeClr val="accent1"/>
+                  </a:effectRef>
+                  <a:fontRef idx="minor">
+                    <a:schemeClr val="tx1"/>
+                  </a:fontRef>
+                </p:style>
+              </p:cxnSp>
+              <p:cxnSp>
+                <p:nvCxnSpPr>
+                  <p:cNvPr id="34" name="Straight Arrow Connector 33"/>
+                  <p:cNvCxnSpPr/>
+                  <p:nvPr/>
+                </p:nvCxnSpPr>
+                <p:spPr>
+                  <a:xfrm flipV="1">
+                    <a:off x="1507013" y="2535259"/>
+                    <a:ext cx="1874904" cy="1"/>
+                  </a:xfrm>
+                  <a:prstGeom prst="straightConnector1">
+                    <a:avLst/>
+                  </a:prstGeom>
+                  <a:ln w="38100">
+                    <a:solidFill>
+                      <a:schemeClr val="tx1"/>
+                    </a:solidFill>
+                    <a:tailEnd type="triangle"/>
+                  </a:ln>
+                </p:spPr>
+                <p:style>
+                  <a:lnRef idx="1">
+                    <a:schemeClr val="accent1"/>
+                  </a:lnRef>
+                  <a:fillRef idx="0">
+                    <a:schemeClr val="accent1"/>
+                  </a:fillRef>
+                  <a:effectRef idx="0">
+                    <a:schemeClr val="accent1"/>
+                  </a:effectRef>
+                  <a:fontRef idx="minor">
+                    <a:schemeClr val="tx1"/>
+                  </a:fontRef>
+                </p:style>
+              </p:cxnSp>
+              <mc:AlternateContent xmlns:mc="http://schemas.openxmlformats.org/markup-compatibility/2006" xmlns:a14="http://schemas.microsoft.com/office/drawing/2010/main">
+                <mc:Choice Requires="a14">
+                  <p:sp>
+                    <p:nvSpPr>
+                      <p:cNvPr id="35" name="Rectangle 34"/>
+                      <p:cNvSpPr/>
+                      <p:nvPr/>
+                    </p:nvSpPr>
+                    <p:spPr>
+                      <a:xfrm>
+                        <a:off x="2697555" y="2447016"/>
+                        <a:ext cx="367985" cy="369333"/>
+                      </a:xfrm>
+                      <a:prstGeom prst="rect">
+                        <a:avLst/>
+                      </a:prstGeom>
+                    </p:spPr>
+                    <p:txBody>
+                      <a:bodyPr wrap="none">
+                        <a:spAutoFit/>
+                      </a:bodyPr>
+                      <a:lstStyle/>
+                      <a:p>
+                        <a:pPr/>
+                        <a14:m>
+                          <m:oMathPara xmlns:m="http://schemas.openxmlformats.org/officeDocument/2006/math">
+                            <m:oMathParaPr>
+                              <m:jc m:val="centerGroup"/>
+                            </m:oMathParaPr>
+                            <m:oMath xmlns:m="http://schemas.openxmlformats.org/officeDocument/2006/math">
+                              <m:r>
+                                <a:rPr lang="en-US" i="1">
+                                  <a:latin typeface="Cambria Math" panose="02040503050406030204" pitchFamily="18" charset="0"/>
+                                  <a:cs typeface="Arial" panose="020B0604020202020204" pitchFamily="34" charset="0"/>
+                                </a:rPr>
+                                <m:t>𝑥</m:t>
+                              </m:r>
+                            </m:oMath>
+                          </m:oMathPara>
+                        </a14:m>
+                        <a:endParaRPr lang="en-CA" dirty="0"/>
+                      </a:p>
+                    </p:txBody>
+                  </p:sp>
+                </mc:Choice>
+                <mc:Fallback xmlns="">
+                  <p:sp>
+                    <p:nvSpPr>
+                      <p:cNvPr id="107" name="Rectangle 106"/>
+                      <p:cNvSpPr>
+                        <a:spLocks noRot="1" noChangeAspect="1" noMove="1" noResize="1" noEditPoints="1" noAdjustHandles="1" noChangeArrowheads="1" noChangeShapeType="1" noTextEdit="1"/>
+                      </p:cNvSpPr>
+                      <p:nvPr/>
+                    </p:nvSpPr>
+                    <p:spPr>
+                      <a:xfrm>
+                        <a:off x="2697555" y="2447016"/>
+                        <a:ext cx="367985" cy="369333"/>
+                      </a:xfrm>
+                      <a:prstGeom prst="rect">
+                        <a:avLst/>
+                      </a:prstGeom>
+                      <a:blipFill>
+                        <a:blip r:embed="rId27"/>
+                        <a:stretch>
+                          <a:fillRect r="-95238" b="-160000"/>
+                        </a:stretch>
+                      </a:blipFill>
+                    </p:spPr>
+                    <p:txBody>
+                      <a:bodyPr/>
+                      <a:lstStyle/>
+                      <a:p>
+                        <a:r>
+                          <a:rPr lang="en-US">
+                            <a:noFill/>
+                          </a:rPr>
+                          <a:t> </a:t>
+                        </a:r>
+                      </a:p>
+                    </p:txBody>
+                  </p:sp>
+                </mc:Fallback>
+              </mc:AlternateContent>
+              <mc:AlternateContent xmlns:mc="http://schemas.openxmlformats.org/markup-compatibility/2006" xmlns:a14="http://schemas.microsoft.com/office/drawing/2010/main">
+                <mc:Choice Requires="a14">
+                  <p:sp>
+                    <p:nvSpPr>
+                      <p:cNvPr id="36" name="Rectangle 35"/>
+                      <p:cNvSpPr/>
+                      <p:nvPr/>
+                    </p:nvSpPr>
+                    <p:spPr>
+                      <a:xfrm>
+                        <a:off x="785815" y="912420"/>
+                        <a:ext cx="371385" cy="369333"/>
+                      </a:xfrm>
+                      <a:prstGeom prst="rect">
+                        <a:avLst/>
+                      </a:prstGeom>
+                    </p:spPr>
+                    <p:txBody>
+                      <a:bodyPr wrap="none">
+                        <a:spAutoFit/>
+                      </a:bodyPr>
+                      <a:lstStyle/>
+                      <a:p>
+                        <a:pPr/>
+                        <a14:m>
+                          <m:oMathPara xmlns:m="http://schemas.openxmlformats.org/officeDocument/2006/math">
+                            <m:oMathParaPr>
+                              <m:jc m:val="centerGroup"/>
+                            </m:oMathParaPr>
+                            <m:oMath xmlns:m="http://schemas.openxmlformats.org/officeDocument/2006/math">
+                              <m:r>
+                                <a:rPr lang="en-US" b="0" i="1" smtClean="0">
+                                  <a:latin typeface="Cambria Math" panose="02040503050406030204" pitchFamily="18" charset="0"/>
+                                </a:rPr>
+                                <m:t>𝑦</m:t>
+                              </m:r>
+                            </m:oMath>
+                          </m:oMathPara>
+                        </a14:m>
+                        <a:endParaRPr lang="en-CA" dirty="0"/>
+                      </a:p>
+                    </p:txBody>
+                  </p:sp>
+                </mc:Choice>
+                <mc:Fallback xmlns="">
+                  <p:sp>
+                    <p:nvSpPr>
+                      <p:cNvPr id="108" name="Rectangle 107"/>
+                      <p:cNvSpPr>
+                        <a:spLocks noRot="1" noChangeAspect="1" noMove="1" noResize="1" noEditPoints="1" noAdjustHandles="1" noChangeArrowheads="1" noChangeShapeType="1" noTextEdit="1"/>
+                      </p:cNvSpPr>
+                      <p:nvPr/>
+                    </p:nvSpPr>
+                    <p:spPr>
+                      <a:xfrm>
+                        <a:off x="785815" y="912420"/>
+                        <a:ext cx="371385" cy="369333"/>
+                      </a:xfrm>
+                      <a:prstGeom prst="rect">
+                        <a:avLst/>
+                      </a:prstGeom>
+                      <a:blipFill>
+                        <a:blip r:embed="rId28"/>
+                        <a:stretch>
+                          <a:fillRect l="-19048" r="-114286" b="-220000"/>
+                        </a:stretch>
+                      </a:blipFill>
+                    </p:spPr>
+                    <p:txBody>
+                      <a:bodyPr/>
+                      <a:lstStyle/>
+                      <a:p>
+                        <a:r>
+                          <a:rPr lang="en-US">
+                            <a:noFill/>
+                          </a:rPr>
+                          <a:t> </a:t>
+                        </a:r>
+                      </a:p>
+                    </p:txBody>
+                  </p:sp>
+                </mc:Fallback>
+              </mc:AlternateContent>
+              <mc:AlternateContent xmlns:mc="http://schemas.openxmlformats.org/markup-compatibility/2006" xmlns:a14="http://schemas.microsoft.com/office/drawing/2010/main">
+                <mc:Choice Requires="a14">
+                  <p:sp>
+                    <p:nvSpPr>
+                      <p:cNvPr id="37" name="Rectangle 36"/>
+                      <p:cNvSpPr/>
+                      <p:nvPr/>
+                    </p:nvSpPr>
+                    <p:spPr>
+                      <a:xfrm>
+                        <a:off x="1006642" y="2350591"/>
+                        <a:ext cx="367985" cy="369333"/>
+                      </a:xfrm>
+                      <a:prstGeom prst="rect">
+                        <a:avLst/>
+                      </a:prstGeom>
+                    </p:spPr>
+                    <p:txBody>
+                      <a:bodyPr wrap="none">
+                        <a:spAutoFit/>
+                      </a:bodyPr>
+                      <a:lstStyle/>
+                      <a:p>
+                        <a:pPr/>
+                        <a14:m>
+                          <m:oMathPara xmlns:m="http://schemas.openxmlformats.org/officeDocument/2006/math">
+                            <m:oMathParaPr>
+                              <m:jc m:val="centerGroup"/>
+                            </m:oMathParaPr>
+                            <m:oMath xmlns:m="http://schemas.openxmlformats.org/officeDocument/2006/math">
+                              <m:r>
+                                <a:rPr lang="en-US" b="0" i="1" smtClean="0">
+                                  <a:latin typeface="Cambria Math" panose="02040503050406030204" pitchFamily="18" charset="0"/>
+                                  <a:cs typeface="Arial" panose="020B0604020202020204" pitchFamily="34" charset="0"/>
+                                </a:rPr>
+                                <m:t>0</m:t>
+                              </m:r>
+                            </m:oMath>
+                          </m:oMathPara>
+                        </a14:m>
+                        <a:endParaRPr lang="en-CA" dirty="0"/>
+                      </a:p>
+                    </p:txBody>
+                  </p:sp>
+                </mc:Choice>
+                <mc:Fallback xmlns="">
+                  <p:sp>
+                    <p:nvSpPr>
+                      <p:cNvPr id="109" name="Rectangle 108"/>
+                      <p:cNvSpPr>
+                        <a:spLocks noRot="1" noChangeAspect="1" noMove="1" noResize="1" noEditPoints="1" noAdjustHandles="1" noChangeArrowheads="1" noChangeShapeType="1" noTextEdit="1"/>
+                      </p:cNvSpPr>
+                      <p:nvPr/>
+                    </p:nvSpPr>
+                    <p:spPr>
+                      <a:xfrm>
+                        <a:off x="1006642" y="2350591"/>
+                        <a:ext cx="367985" cy="369333"/>
+                      </a:xfrm>
+                      <a:prstGeom prst="rect">
+                        <a:avLst/>
+                      </a:prstGeom>
+                      <a:blipFill>
+                        <a:blip r:embed="rId29"/>
+                        <a:stretch>
+                          <a:fillRect l="-14286" r="-114286" b="-180000"/>
+                        </a:stretch>
+                      </a:blipFill>
+                    </p:spPr>
+                    <p:txBody>
+                      <a:bodyPr/>
+                      <a:lstStyle/>
+                      <a:p>
+                        <a:r>
+                          <a:rPr lang="en-US">
+                            <a:noFill/>
+                          </a:rPr>
+                          <a:t> </a:t>
+                        </a:r>
+                      </a:p>
+                    </p:txBody>
+                  </p:sp>
+                </mc:Fallback>
+              </mc:AlternateContent>
+            </p:grpSp>
+            <p:sp>
+              <p:nvSpPr>
+                <p:cNvPr id="32" name="Rectangle 31"/>
+                <p:cNvSpPr/>
+                <p:nvPr/>
+              </p:nvSpPr>
+              <p:spPr>
+                <a:xfrm>
+                  <a:off x="1129904" y="1614682"/>
+                  <a:ext cx="184731" cy="369332"/>
+                </a:xfrm>
+                <a:prstGeom prst="rect">
+                  <a:avLst/>
+                </a:prstGeom>
+              </p:spPr>
+              <p:txBody>
+                <a:bodyPr wrap="none">
+                  <a:spAutoFit/>
+                </a:bodyPr>
+                <a:lstStyle/>
+                <a:p>
+                  <a:endParaRPr lang="en-CA" dirty="0"/>
+                </a:p>
+              </p:txBody>
+            </p:sp>
+          </p:grpSp>
+          <p:sp>
+            <p:nvSpPr>
+              <p:cNvPr id="2" name="Oval 1"/>
+              <p:cNvSpPr/>
+              <p:nvPr/>
+            </p:nvSpPr>
+            <p:spPr>
+              <a:xfrm>
+                <a:off x="9459985" y="2511625"/>
+                <a:ext cx="142240" cy="142240"/>
+              </a:xfrm>
+              <a:prstGeom prst="ellipse">
+                <a:avLst/>
+              </a:prstGeom>
+              <a:solidFill>
+                <a:schemeClr val="tx1"/>
+              </a:solidFill>
+              <a:ln w="38100">
+                <a:solidFill>
+                  <a:schemeClr val="tx1"/>
+                </a:solidFill>
+              </a:ln>
+            </p:spPr>
+            <p:style>
+              <a:lnRef idx="2">
+                <a:schemeClr val="accent1">
+                  <a:shade val="50000"/>
+                </a:schemeClr>
+              </a:lnRef>
+              <a:fillRef idx="1">
+                <a:schemeClr val="accent1"/>
+              </a:fillRef>
+              <a:effectRef idx="0">
+                <a:schemeClr val="accent1"/>
+              </a:effectRef>
+              <a:fontRef idx="minor">
+                <a:schemeClr val="lt1"/>
+              </a:fontRef>
+            </p:style>
+            <p:txBody>
+              <a:bodyPr rtlCol="0" anchor="ctr"/>
+              <a:lstStyle/>
+              <a:p>
+                <a:pPr algn="ctr"/>
+                <a:endParaRPr lang="en-US"/>
+              </a:p>
+            </p:txBody>
+          </p:sp>
+          <mc:AlternateContent xmlns:mc="http://schemas.openxmlformats.org/markup-compatibility/2006">
+            <mc:Choice xmlns:a14="http://schemas.microsoft.com/office/drawing/2010/main" Requires="a14">
+              <p:sp>
+                <p:nvSpPr>
+                  <p:cNvPr id="3" name="TextBox 2"/>
+                  <p:cNvSpPr txBox="1"/>
+                  <p:nvPr/>
+                </p:nvSpPr>
+                <p:spPr>
+                  <a:xfrm>
+                    <a:off x="9468106" y="2231029"/>
+                    <a:ext cx="447110" cy="307777"/>
+                  </a:xfrm>
+                  <a:prstGeom prst="rect">
+                    <a:avLst/>
+                  </a:prstGeom>
+                  <a:noFill/>
+                </p:spPr>
+                <p:txBody>
+                  <a:bodyPr wrap="none" lIns="0" tIns="0" rIns="0" bIns="0" rtlCol="0">
+                    <a:spAutoFit/>
+                  </a:bodyPr>
+                  <a:lstStyle/>
+                  <a:p>
+                    <a14:m>
+                      <m:oMathPara xmlns:m="http://schemas.openxmlformats.org/officeDocument/2006/math">
+                        <m:oMathParaPr>
+                          <m:jc m:val="centerGroup"/>
+                        </m:oMathParaPr>
+                        <m:oMath xmlns:m="http://schemas.openxmlformats.org/officeDocument/2006/math">
+                          <m:r>
+                            <a:rPr lang="en-US" sz="2000" b="0" i="1" smtClean="0">
+                              <a:latin typeface="Cambria Math" panose="02040503050406030204" pitchFamily="18" charset="0"/>
+                              <a:cs typeface="Arial" panose="020B0604020202020204" pitchFamily="34" charset="0"/>
+                            </a:rPr>
+                            <m:t>𝐶𝑀</m:t>
+                          </m:r>
+                        </m:oMath>
+                      </m:oMathPara>
+                    </a14:m>
+                    <a:endParaRPr lang="en-US" sz="2000" dirty="0" smtClean="0">
+                      <a:latin typeface="Arial" panose="020B0604020202020204" pitchFamily="34" charset="0"/>
+                      <a:cs typeface="Arial" panose="020B0604020202020204" pitchFamily="34" charset="0"/>
+                    </a:endParaRPr>
+                  </a:p>
+                </p:txBody>
+              </p:sp>
+            </mc:Choice>
+            <mc:Fallback>
+              <p:sp>
+                <p:nvSpPr>
+                  <p:cNvPr id="3" name="TextBox 2"/>
+                  <p:cNvSpPr txBox="1">
+                    <a:spLocks noRot="1" noChangeAspect="1" noMove="1" noResize="1" noEditPoints="1" noAdjustHandles="1" noChangeArrowheads="1" noChangeShapeType="1" noTextEdit="1"/>
+                  </p:cNvSpPr>
+                  <p:nvPr/>
+                </p:nvSpPr>
+                <p:spPr>
+                  <a:xfrm>
+                    <a:off x="9468106" y="2231029"/>
+                    <a:ext cx="447110" cy="307777"/>
+                  </a:xfrm>
+                  <a:prstGeom prst="rect">
+                    <a:avLst/>
+                  </a:prstGeom>
+                  <a:blipFill>
+                    <a:blip r:embed="rId30"/>
+                    <a:stretch>
+                      <a:fillRect l="-10811" r="-10811" b="-10000"/>
+                    </a:stretch>
+                  </a:blipFill>
+                </p:spPr>
+                <p:txBody>
+                  <a:bodyPr/>
+                  <a:lstStyle/>
+                  <a:p>
+                    <a:r>
+                      <a:rPr lang="en-US">
+                        <a:noFill/>
+                      </a:rPr>
+                      <a:t> </a:t>
+                    </a:r>
+                  </a:p>
+                </p:txBody>
+              </p:sp>
+            </mc:Fallback>
+          </mc:AlternateContent>
+        </p:grpSp>
         <p:sp>
           <p:nvSpPr>
-            <p:cNvPr id="24" name="Oval 23"/>
+            <p:cNvPr id="39" name="Down Arrow 38"/>
             <p:cNvSpPr/>
             <p:nvPr/>
           </p:nvSpPr>
           <p:spPr>
             <a:xfrm>
-              <a:off x="8624994" y="1548432"/>
-              <a:ext cx="2131200" cy="2129589"/>
+              <a:off x="10596705" y="3710918"/>
+              <a:ext cx="172895" cy="800122"/>
             </a:xfrm>
-            <a:prstGeom prst="ellipse">
+            <a:prstGeom prst="downArrow">
               <a:avLst/>
             </a:prstGeom>
             <a:solidFill>
-              <a:schemeClr val="bg1"/>
+              <a:schemeClr val="tx1"/>
             </a:solidFill>
             <a:ln w="38100">
               <a:solidFill>
@@ -23197,104 +24120,144 @@
             <a:lstStyle/>
             <a:p>
               <a:pPr algn="ctr"/>
-              <a:endParaRPr lang="en-US"/>
+              <a:endParaRPr lang="en-US" dirty="0"/>
             </a:p>
           </p:txBody>
         </p:sp>
-        <p:sp>
-          <p:nvSpPr>
-            <p:cNvPr id="25" name="Oval 24"/>
-            <p:cNvSpPr/>
-            <p:nvPr/>
-          </p:nvSpPr>
-          <p:spPr>
-            <a:xfrm>
-              <a:off x="9150594" y="2044874"/>
-              <a:ext cx="1080000" cy="1080000"/>
-            </a:xfrm>
-            <a:prstGeom prst="ellipse">
-              <a:avLst/>
-            </a:prstGeom>
-            <a:solidFill>
-              <a:schemeClr val="bg1"/>
-            </a:solidFill>
-            <a:ln w="38100">
-              <a:solidFill>
-                <a:schemeClr val="tx1"/>
-              </a:solidFill>
-            </a:ln>
-          </p:spPr>
-          <p:style>
-            <a:lnRef idx="2">
-              <a:schemeClr val="accent1">
-                <a:shade val="50000"/>
-              </a:schemeClr>
-            </a:lnRef>
-            <a:fillRef idx="1">
-              <a:schemeClr val="accent1"/>
-            </a:fillRef>
-            <a:effectRef idx="0">
-              <a:schemeClr val="accent1"/>
-            </a:effectRef>
-            <a:fontRef idx="minor">
-              <a:schemeClr val="lt1"/>
-            </a:fontRef>
-          </p:style>
-          <p:txBody>
-            <a:bodyPr rtlCol="0" anchor="ctr"/>
-            <a:lstStyle/>
-            <a:p>
-              <a:pPr algn="ctr"/>
-              <a:endParaRPr lang="en-US"/>
-            </a:p>
-          </p:txBody>
-        </p:sp>
+        <mc:AlternateContent xmlns:mc="http://schemas.openxmlformats.org/markup-compatibility/2006">
+          <mc:Choice xmlns:a14="http://schemas.microsoft.com/office/drawing/2010/main" Requires="a14">
+            <p:sp>
+              <p:nvSpPr>
+                <p:cNvPr id="40" name="TextBox 39"/>
+                <p:cNvSpPr txBox="1"/>
+                <p:nvPr/>
+              </p:nvSpPr>
+              <p:spPr>
+                <a:xfrm>
+                  <a:off x="10817833" y="3913427"/>
+                  <a:ext cx="507318" cy="307777"/>
+                </a:xfrm>
+                <a:prstGeom prst="rect">
+                  <a:avLst/>
+                </a:prstGeom>
+                <a:noFill/>
+              </p:spPr>
+              <p:txBody>
+                <a:bodyPr wrap="none" lIns="0" tIns="0" rIns="0" bIns="0" rtlCol="0">
+                  <a:spAutoFit/>
+                </a:bodyPr>
+                <a:lstStyle/>
+                <a:p>
+                  <a14:m>
+                    <m:oMathPara xmlns:m="http://schemas.openxmlformats.org/officeDocument/2006/math">
+                      <m:oMathParaPr>
+                        <m:jc m:val="centerGroup"/>
+                      </m:oMathParaPr>
+                      <m:oMath xmlns:m="http://schemas.openxmlformats.org/officeDocument/2006/math">
+                        <m:sSub>
+                          <m:sSubPr>
+                            <m:ctrlPr>
+                              <a:rPr lang="en-US" sz="2000" b="0" i="1" smtClean="0">
+                                <a:latin typeface="Cambria Math" panose="02040503050406030204" pitchFamily="18" charset="0"/>
+                                <a:cs typeface="Arial" panose="020B0604020202020204" pitchFamily="34" charset="0"/>
+                              </a:rPr>
+                            </m:ctrlPr>
+                          </m:sSubPr>
+                          <m:e>
+                            <m:acc>
+                              <m:accPr>
+                                <m:chr m:val="⃗"/>
+                                <m:ctrlPr>
+                                  <a:rPr lang="en-US" sz="2000" b="0" i="1" smtClean="0">
+                                    <a:latin typeface="Cambria Math" panose="02040503050406030204" pitchFamily="18" charset="0"/>
+                                    <a:cs typeface="Arial" panose="020B0604020202020204" pitchFamily="34" charset="0"/>
+                                  </a:rPr>
+                                </m:ctrlPr>
+                              </m:accPr>
+                              <m:e>
+                                <m:r>
+                                  <a:rPr lang="en-US" sz="2000" b="0" i="1" smtClean="0">
+                                    <a:latin typeface="Cambria Math" panose="02040503050406030204" pitchFamily="18" charset="0"/>
+                                    <a:cs typeface="Arial" panose="020B0604020202020204" pitchFamily="34" charset="0"/>
+                                  </a:rPr>
+                                  <m:t>𝑎</m:t>
+                                </m:r>
+                              </m:e>
+                            </m:acc>
+                          </m:e>
+                          <m:sub>
+                            <m:r>
+                              <a:rPr lang="en-US" sz="2000" b="0" i="1" smtClean="0">
+                                <a:latin typeface="Cambria Math" panose="02040503050406030204" pitchFamily="18" charset="0"/>
+                                <a:cs typeface="Arial" panose="020B0604020202020204" pitchFamily="34" charset="0"/>
+                              </a:rPr>
+                              <m:t>𝐶𝑀</m:t>
+                            </m:r>
+                          </m:sub>
+                        </m:sSub>
+                      </m:oMath>
+                    </m:oMathPara>
+                  </a14:m>
+                  <a:endParaRPr lang="en-US" sz="2000" dirty="0" smtClean="0">
+                    <a:latin typeface="Arial" panose="020B0604020202020204" pitchFamily="34" charset="0"/>
+                    <a:cs typeface="Arial" panose="020B0604020202020204" pitchFamily="34" charset="0"/>
+                  </a:endParaRPr>
+                </a:p>
+              </p:txBody>
+            </p:sp>
+          </mc:Choice>
+          <mc:Fallback>
+            <p:sp>
+              <p:nvSpPr>
+                <p:cNvPr id="40" name="TextBox 39"/>
+                <p:cNvSpPr txBox="1">
+                  <a:spLocks noRot="1" noChangeAspect="1" noMove="1" noResize="1" noEditPoints="1" noAdjustHandles="1" noChangeArrowheads="1" noChangeShapeType="1" noTextEdit="1"/>
+                </p:cNvSpPr>
+                <p:nvPr/>
+              </p:nvSpPr>
+              <p:spPr>
+                <a:xfrm>
+                  <a:off x="10817833" y="3913427"/>
+                  <a:ext cx="507318" cy="307777"/>
+                </a:xfrm>
+                <a:prstGeom prst="rect">
+                  <a:avLst/>
+                </a:prstGeom>
+                <a:blipFill>
+                  <a:blip r:embed="rId31"/>
+                  <a:stretch>
+                    <a:fillRect l="-9639" t="-36000" r="-16867" b="-20000"/>
+                  </a:stretch>
+                </a:blipFill>
+              </p:spPr>
+              <p:txBody>
+                <a:bodyPr/>
+                <a:lstStyle/>
+                <a:p>
+                  <a:r>
+                    <a:rPr lang="en-US">
+                      <a:noFill/>
+                    </a:rPr>
+                    <a:t> </a:t>
+                  </a:r>
+                </a:p>
+              </p:txBody>
+            </p:sp>
+          </mc:Fallback>
+        </mc:AlternateContent>
         <p:cxnSp>
           <p:nvCxnSpPr>
-            <p:cNvPr id="26" name="Straight Arrow Connector 25"/>
-            <p:cNvCxnSpPr/>
+            <p:cNvPr id="42" name="Straight Arrow Connector 41"/>
+            <p:cNvCxnSpPr>
+              <a:stCxn id="2" idx="2"/>
+              <a:endCxn id="25" idx="2"/>
+            </p:cNvCxnSpPr>
             <p:nvPr/>
           </p:nvCxnSpPr>
           <p:spPr>
-            <a:xfrm flipV="1">
-              <a:off x="9150594" y="542260"/>
-              <a:ext cx="0" cy="2042614"/>
-            </a:xfrm>
-            <a:prstGeom prst="straightConnector1">
-              <a:avLst/>
-            </a:prstGeom>
-            <a:ln w="38100">
-              <a:solidFill>
-                <a:schemeClr val="tx1"/>
-              </a:solidFill>
-              <a:tailEnd type="triangle"/>
-            </a:ln>
-          </p:spPr>
-          <p:style>
-            <a:lnRef idx="1">
-              <a:schemeClr val="accent1"/>
-            </a:lnRef>
-            <a:fillRef idx="0">
-              <a:schemeClr val="accent1"/>
-            </a:fillRef>
-            <a:effectRef idx="0">
-              <a:schemeClr val="accent1"/>
-            </a:effectRef>
-            <a:fontRef idx="minor">
-              <a:schemeClr val="tx1"/>
-            </a:fontRef>
-          </p:style>
-        </p:cxnSp>
-        <p:cxnSp>
-          <p:nvCxnSpPr>
-            <p:cNvPr id="27" name="Straight Arrow Connector 26"/>
-            <p:cNvCxnSpPr/>
-            <p:nvPr/>
-          </p:nvCxnSpPr>
-          <p:spPr>
-            <a:xfrm>
-              <a:off x="9686261" y="2581339"/>
-              <a:ext cx="0" cy="2102854"/>
+            <a:xfrm flipH="1">
+              <a:off x="8991105" y="2582745"/>
+              <a:ext cx="468880" cy="2128"/>
             </a:xfrm>
             <a:prstGeom prst="straightConnector1">
               <a:avLst/>
@@ -23325,14 +24288,14 @@
           <mc:Choice xmlns:a14="http://schemas.microsoft.com/office/drawing/2010/main" Requires="a14">
             <p:sp>
               <p:nvSpPr>
-                <p:cNvPr id="28" name="TextBox 27"/>
+                <p:cNvPr id="44" name="TextBox 43"/>
                 <p:cNvSpPr txBox="1"/>
                 <p:nvPr/>
               </p:nvSpPr>
               <p:spPr>
                 <a:xfrm>
-                  <a:off x="9806495" y="4028330"/>
-                  <a:ext cx="303865" cy="377219"/>
+                  <a:off x="9220899" y="2253532"/>
+                  <a:ext cx="198003" cy="307777"/>
                 </a:xfrm>
                 <a:prstGeom prst="rect">
                   <a:avLst/>
@@ -23351,47 +24314,26 @@
                         <m:jc m:val="centerGroup"/>
                       </m:oMathParaPr>
                       <m:oMath xmlns:m="http://schemas.openxmlformats.org/officeDocument/2006/math">
-                        <m:sSub>
-                          <m:sSubPr>
+                        <m:acc>
+                          <m:accPr>
+                            <m:chr m:val="⃗"/>
                             <m:ctrlPr>
-                              <a:rPr lang="en-CA" sz="2000" b="0" i="1" smtClean="0">
-                                <a:latin typeface="Cambria Math" charset="0"/>
+                              <a:rPr lang="en-US" sz="2000" b="0" i="1" smtClean="0">
+                                <a:latin typeface="Cambria Math" panose="02040503050406030204" pitchFamily="18" charset="0"/>
                                 <a:cs typeface="Arial" panose="020B0604020202020204" pitchFamily="34" charset="0"/>
                               </a:rPr>
                             </m:ctrlPr>
-                          </m:sSubPr>
+                          </m:accPr>
                           <m:e>
-                            <m:acc>
-                              <m:accPr>
-                                <m:chr m:val="⃗"/>
-                                <m:ctrlPr>
-                                  <a:rPr lang="en-US" sz="2000" i="1" smtClean="0">
-                                    <a:latin typeface="Cambria Math" charset="0"/>
-                                    <a:cs typeface="Arial" panose="020B0604020202020204" pitchFamily="34" charset="0"/>
-                                  </a:rPr>
-                                </m:ctrlPr>
-                              </m:accPr>
-                              <m:e>
-                                <m:r>
-                                  <a:rPr lang="en-CA" sz="2000" b="0" i="1" smtClean="0">
-                                    <a:latin typeface="Cambria Math" charset="0"/>
-                                    <a:cs typeface="Arial" panose="020B0604020202020204" pitchFamily="34" charset="0"/>
-                                  </a:rPr>
-                                  <m:t>𝐹</m:t>
-                                </m:r>
-                              </m:e>
-                            </m:acc>
-                          </m:e>
-                          <m:sub>
                             <m:r>
-                              <a:rPr lang="en-CA" sz="2000" b="0" i="1" smtClean="0">
-                                <a:latin typeface="Cambria Math" charset="0"/>
+                              <a:rPr lang="en-US" sz="2000" b="0" i="1" smtClean="0">
+                                <a:latin typeface="Cambria Math" panose="02040503050406030204" pitchFamily="18" charset="0"/>
                                 <a:cs typeface="Arial" panose="020B0604020202020204" pitchFamily="34" charset="0"/>
                               </a:rPr>
-                              <m:t>𝑔</m:t>
+                              <m:t>𝑟</m:t>
                             </m:r>
-                          </m:sub>
-                        </m:sSub>
+                          </m:e>
+                        </m:acc>
                       </m:oMath>
                     </m:oMathPara>
                   </a14:m>
@@ -23406,7 +24348,7 @@
           <mc:Fallback>
             <p:sp>
               <p:nvSpPr>
-                <p:cNvPr id="28" name="TextBox 27"/>
+                <p:cNvPr id="44" name="TextBox 43"/>
                 <p:cNvSpPr txBox="1">
                   <a:spLocks noRot="1" noChangeAspect="1" noMove="1" noResize="1" noEditPoints="1" noAdjustHandles="1" noChangeArrowheads="1" noChangeShapeType="1" noTextEdit="1"/>
                 </p:cNvSpPr>
@@ -23414,103 +24356,16 @@
               </p:nvSpPr>
               <p:spPr>
                 <a:xfrm>
-                  <a:off x="9806495" y="4028330"/>
-                  <a:ext cx="303865" cy="377219"/>
+                  <a:off x="9220899" y="2253532"/>
+                  <a:ext cx="198003" cy="307777"/>
                 </a:xfrm>
                 <a:prstGeom prst="rect">
                   <a:avLst/>
                 </a:prstGeom>
-                <a:blipFill rotWithShape="0">
-                  <a:blip r:embed="rId4"/>
+                <a:blipFill>
+                  <a:blip r:embed="rId32"/>
                   <a:stretch>
-                    <a:fillRect l="-18367" t="-32258" r="-73469" b="-19355"/>
-                  </a:stretch>
-                </a:blipFill>
-              </p:spPr>
-              <p:txBody>
-                <a:bodyPr/>
-                <a:lstStyle/>
-                <a:p>
-                  <a:r>
-                    <a:rPr lang="en-US">
-                      <a:noFill/>
-                    </a:rPr>
-                    <a:t> </a:t>
-                  </a:r>
-                </a:p>
-              </p:txBody>
-            </p:sp>
-          </mc:Fallback>
-        </mc:AlternateContent>
-        <mc:AlternateContent xmlns:mc="http://schemas.openxmlformats.org/markup-compatibility/2006">
-          <mc:Choice xmlns:a14="http://schemas.microsoft.com/office/drawing/2010/main" Requires="a14">
-            <p:sp>
-              <p:nvSpPr>
-                <p:cNvPr id="29" name="TextBox 28"/>
-                <p:cNvSpPr txBox="1"/>
-                <p:nvPr/>
-              </p:nvSpPr>
-              <p:spPr>
-                <a:xfrm>
-                  <a:off x="8822162" y="1044234"/>
-                  <a:ext cx="228460" cy="307777"/>
-                </a:xfrm>
-                <a:prstGeom prst="rect">
-                  <a:avLst/>
-                </a:prstGeom>
-                <a:noFill/>
-              </p:spPr>
-              <p:txBody>
-                <a:bodyPr wrap="none" lIns="0" tIns="0" rIns="0" bIns="0" rtlCol="0">
-                  <a:spAutoFit/>
-                </a:bodyPr>
-                <a:lstStyle/>
-                <a:p>
-                  <a14:m>
-                    <m:oMathPara xmlns:m="http://schemas.openxmlformats.org/officeDocument/2006/math">
-                      <m:oMathParaPr>
-                        <m:jc m:val="centerGroup"/>
-                      </m:oMathParaPr>
-                      <m:oMath xmlns:m="http://schemas.openxmlformats.org/officeDocument/2006/math">
-                        <m:r>
-                          <a:rPr lang="en-CA" sz="2000" b="0" i="1" smtClean="0">
-                            <a:latin typeface="Cambria Math" charset="0"/>
-                            <a:cs typeface="Arial" panose="020B0604020202020204" pitchFamily="34" charset="0"/>
-                          </a:rPr>
-                          <m:t>𝑇</m:t>
-                        </m:r>
-                      </m:oMath>
-                    </m:oMathPara>
-                  </a14:m>
-                  <a:endParaRPr lang="en-US" sz="2000" dirty="0" smtClean="0">
-                    <a:latin typeface="Arial" panose="020B0604020202020204" pitchFamily="34" charset="0"/>
-                    <a:cs typeface="Arial" panose="020B0604020202020204" pitchFamily="34" charset="0"/>
-                  </a:endParaRPr>
-                </a:p>
-              </p:txBody>
-            </p:sp>
-          </mc:Choice>
-          <mc:Fallback>
-            <p:sp>
-              <p:nvSpPr>
-                <p:cNvPr id="29" name="TextBox 28"/>
-                <p:cNvSpPr txBox="1">
-                  <a:spLocks noRot="1" noChangeAspect="1" noMove="1" noResize="1" noEditPoints="1" noAdjustHandles="1" noChangeArrowheads="1" noChangeShapeType="1" noTextEdit="1"/>
-                </p:cNvSpPr>
-                <p:nvPr/>
-              </p:nvSpPr>
-              <p:spPr>
-                <a:xfrm>
-                  <a:off x="8822162" y="1044234"/>
-                  <a:ext cx="228460" cy="307777"/>
-                </a:xfrm>
-                <a:prstGeom prst="rect">
-                  <a:avLst/>
-                </a:prstGeom>
-                <a:blipFill rotWithShape="0">
-                  <a:blip r:embed="rId5"/>
-                  <a:stretch>
-                    <a:fillRect l="-21053" r="-21053" b="-9804"/>
+                    <a:fillRect l="-31250" t="-36000" r="-96875" b="-6000"/>
                   </a:stretch>
                 </a:blipFill>
               </p:spPr>
